--- a/기획/방랑엽사전/세력 시스템 기획서.pptx
+++ b/기획/방랑엽사전/세력 시스템 기획서.pptx
@@ -5,18 +5,24 @@
     <p:sldMasterId id="2147483703" r:id="rId1"/>
   </p:sldMasterIdLst>
   <p:notesMasterIdLst>
-    <p:notesMasterId r:id="rId11"/>
+    <p:notesMasterId r:id="rId17"/>
   </p:notesMasterIdLst>
   <p:sldIdLst>
     <p:sldId id="258" r:id="rId2"/>
     <p:sldId id="266" r:id="rId3"/>
     <p:sldId id="265" r:id="rId4"/>
     <p:sldId id="268" r:id="rId5"/>
-    <p:sldId id="270" r:id="rId6"/>
-    <p:sldId id="267" r:id="rId7"/>
-    <p:sldId id="269" r:id="rId8"/>
-    <p:sldId id="271" r:id="rId9"/>
-    <p:sldId id="272" r:id="rId10"/>
+    <p:sldId id="273" r:id="rId6"/>
+    <p:sldId id="275" r:id="rId7"/>
+    <p:sldId id="276" r:id="rId8"/>
+    <p:sldId id="277" r:id="rId9"/>
+    <p:sldId id="278" r:id="rId10"/>
+    <p:sldId id="279" r:id="rId11"/>
+    <p:sldId id="270" r:id="rId12"/>
+    <p:sldId id="267" r:id="rId13"/>
+    <p:sldId id="269" r:id="rId14"/>
+    <p:sldId id="271" r:id="rId15"/>
+    <p:sldId id="272" r:id="rId16"/>
   </p:sldIdLst>
   <p:sldSz cx="12192000" cy="6858000"/>
   <p:notesSz cx="6858000" cy="9144000"/>
@@ -241,7 +247,7 @@
           <a:p>
             <a:fld id="{C8649E71-8129-4905-BAC0-51D65A0C1379}" type="datetimeFigureOut">
               <a:rPr lang="ko-KR" altLang="en-US" smtClean="0"/>
-              <a:t>2024-01-24</a:t>
+              <a:t>2024-01-25</a:t>
             </a:fld>
             <a:endParaRPr lang="ko-KR" altLang="en-US"/>
           </a:p>
@@ -739,7 +745,7 @@
           <a:p>
             <a:fld id="{523D6941-6B33-4834-BC65-A333846D27E6}" type="datetimeFigureOut">
               <a:rPr lang="ko-KR" altLang="en-US" smtClean="0"/>
-              <a:t>2024-01-24</a:t>
+              <a:t>2024-01-25</a:t>
             </a:fld>
             <a:endParaRPr lang="ko-KR" altLang="en-US"/>
           </a:p>
@@ -937,7 +943,7 @@
           <a:p>
             <a:fld id="{523D6941-6B33-4834-BC65-A333846D27E6}" type="datetimeFigureOut">
               <a:rPr lang="ko-KR" altLang="en-US" smtClean="0"/>
-              <a:t>2024-01-24</a:t>
+              <a:t>2024-01-25</a:t>
             </a:fld>
             <a:endParaRPr lang="ko-KR" altLang="en-US"/>
           </a:p>
@@ -1145,7 +1151,7 @@
           <a:p>
             <a:fld id="{523D6941-6B33-4834-BC65-A333846D27E6}" type="datetimeFigureOut">
               <a:rPr lang="ko-KR" altLang="en-US" smtClean="0"/>
-              <a:t>2024-01-24</a:t>
+              <a:t>2024-01-25</a:t>
             </a:fld>
             <a:endParaRPr lang="ko-KR" altLang="en-US"/>
           </a:p>
@@ -1358,7 +1364,7 @@
           <a:p>
             <a:fld id="{523D6941-6B33-4834-BC65-A333846D27E6}" type="datetimeFigureOut">
               <a:rPr lang="ko-KR" altLang="en-US" smtClean="0"/>
-              <a:t>2024-01-24</a:t>
+              <a:t>2024-01-25</a:t>
             </a:fld>
             <a:endParaRPr lang="ko-KR" altLang="en-US"/>
           </a:p>
@@ -1643,7 +1649,7 @@
           <a:p>
             <a:fld id="{523D6941-6B33-4834-BC65-A333846D27E6}" type="datetimeFigureOut">
               <a:rPr lang="ko-KR" altLang="en-US" smtClean="0"/>
-              <a:t>2024-01-24</a:t>
+              <a:t>2024-01-25</a:t>
             </a:fld>
             <a:endParaRPr lang="ko-KR" altLang="en-US"/>
           </a:p>
@@ -1908,7 +1914,7 @@
           <a:p>
             <a:fld id="{523D6941-6B33-4834-BC65-A333846D27E6}" type="datetimeFigureOut">
               <a:rPr lang="ko-KR" altLang="en-US" smtClean="0"/>
-              <a:t>2024-01-24</a:t>
+              <a:t>2024-01-25</a:t>
             </a:fld>
             <a:endParaRPr lang="ko-KR" altLang="en-US"/>
           </a:p>
@@ -2320,7 +2326,7 @@
           <a:p>
             <a:fld id="{523D6941-6B33-4834-BC65-A333846D27E6}" type="datetimeFigureOut">
               <a:rPr lang="ko-KR" altLang="en-US" smtClean="0"/>
-              <a:t>2024-01-24</a:t>
+              <a:t>2024-01-25</a:t>
             </a:fld>
             <a:endParaRPr lang="ko-KR" altLang="en-US"/>
           </a:p>
@@ -2461,7 +2467,7 @@
           <a:p>
             <a:fld id="{523D6941-6B33-4834-BC65-A333846D27E6}" type="datetimeFigureOut">
               <a:rPr lang="ko-KR" altLang="en-US" smtClean="0"/>
-              <a:t>2024-01-24</a:t>
+              <a:t>2024-01-25</a:t>
             </a:fld>
             <a:endParaRPr lang="ko-KR" altLang="en-US"/>
           </a:p>
@@ -2574,7 +2580,7 @@
           <a:p>
             <a:fld id="{523D6941-6B33-4834-BC65-A333846D27E6}" type="datetimeFigureOut">
               <a:rPr lang="ko-KR" altLang="en-US" smtClean="0"/>
-              <a:t>2024-01-24</a:t>
+              <a:t>2024-01-25</a:t>
             </a:fld>
             <a:endParaRPr lang="ko-KR" altLang="en-US"/>
           </a:p>
@@ -2885,7 +2891,7 @@
           <a:p>
             <a:fld id="{523D6941-6B33-4834-BC65-A333846D27E6}" type="datetimeFigureOut">
               <a:rPr lang="ko-KR" altLang="en-US" smtClean="0"/>
-              <a:t>2024-01-24</a:t>
+              <a:t>2024-01-25</a:t>
             </a:fld>
             <a:endParaRPr lang="ko-KR" altLang="en-US"/>
           </a:p>
@@ -3173,7 +3179,7 @@
           <a:p>
             <a:fld id="{523D6941-6B33-4834-BC65-A333846D27E6}" type="datetimeFigureOut">
               <a:rPr lang="ko-KR" altLang="en-US" smtClean="0"/>
-              <a:t>2024-01-24</a:t>
+              <a:t>2024-01-25</a:t>
             </a:fld>
             <a:endParaRPr lang="ko-KR" altLang="en-US"/>
           </a:p>
@@ -3414,7 +3420,7 @@
           <a:p>
             <a:fld id="{523D6941-6B33-4834-BC65-A333846D27E6}" type="datetimeFigureOut">
               <a:rPr lang="ko-KR" altLang="en-US" smtClean="0"/>
-              <a:t>2024-01-24</a:t>
+              <a:t>2024-01-25</a:t>
             </a:fld>
             <a:endParaRPr lang="ko-KR" altLang="en-US"/>
           </a:p>
@@ -3916,6 +3922,3537 @@
 </p:sld>
 </file>
 
+<file path=ppt/slides/slide10.xml><?xml version="1.0" encoding="utf-8"?>
+<p:sld xmlns:a="http://schemas.openxmlformats.org/drawingml/2006/main" xmlns:r="http://schemas.openxmlformats.org/officeDocument/2006/relationships" xmlns:p="http://schemas.openxmlformats.org/presentationml/2006/main">
+  <p:cSld>
+    <p:spTree>
+      <p:nvGrpSpPr>
+        <p:cNvPr id="1" name=""/>
+        <p:cNvGrpSpPr/>
+        <p:nvPr/>
+      </p:nvGrpSpPr>
+      <p:grpSpPr>
+        <a:xfrm>
+          <a:off x="0" y="0"/>
+          <a:ext cx="0" cy="0"/>
+          <a:chOff x="0" y="0"/>
+          <a:chExt cx="0" cy="0"/>
+        </a:xfrm>
+      </p:grpSpPr>
+      <p:sp>
+        <p:nvSpPr>
+          <p:cNvPr id="7" name="제목 1">
+            <a:extLst>
+              <a:ext uri="{FF2B5EF4-FFF2-40B4-BE49-F238E27FC236}">
+                <a16:creationId xmlns:a16="http://schemas.microsoft.com/office/drawing/2014/main" id="{77FA9A8E-E94C-4F99-8997-7C96A1AAEAC7}"/>
+              </a:ext>
+            </a:extLst>
+          </p:cNvPr>
+          <p:cNvSpPr txBox="1">
+            <a:spLocks/>
+          </p:cNvSpPr>
+          <p:nvPr/>
+        </p:nvSpPr>
+        <p:spPr>
+          <a:xfrm>
+            <a:off x="695325" y="292100"/>
+            <a:ext cx="10801350" cy="861695"/>
+          </a:xfrm>
+          <a:prstGeom prst="rect">
+            <a:avLst/>
+          </a:prstGeom>
+        </p:spPr>
+        <p:txBody>
+          <a:bodyPr vert="horz" lIns="91440" tIns="45720" rIns="91440" bIns="45720" rtlCol="0" anchor="ctr">
+            <a:normAutofit/>
+          </a:bodyPr>
+          <a:lstStyle>
+            <a:lvl1pPr algn="l" defTabSz="914400" rtl="0" eaLnBrk="1" latinLnBrk="1" hangingPunct="1">
+              <a:lnSpc>
+                <a:spcPct val="90000"/>
+              </a:lnSpc>
+              <a:spcBef>
+                <a:spcPct val="0"/>
+              </a:spcBef>
+              <a:buNone/>
+              <a:defRPr sz="4400" kern="1200">
+                <a:solidFill>
+                  <a:schemeClr val="tx1"/>
+                </a:solidFill>
+                <a:latin typeface="+mj-lt"/>
+                <a:ea typeface="+mj-ea"/>
+                <a:cs typeface="+mj-cs"/>
+              </a:defRPr>
+            </a:lvl1pPr>
+          </a:lstStyle>
+          <a:p>
+            <a:r>
+              <a:rPr lang="ko-KR" altLang="en-US" dirty="0"/>
+              <a:t>공헌도</a:t>
+            </a:r>
+            <a:r>
+              <a:rPr lang="en-US" altLang="ko-KR" dirty="0"/>
+              <a:t> </a:t>
+            </a:r>
+            <a:r>
+              <a:rPr lang="ko-KR" altLang="en-US" dirty="0"/>
+              <a:t>상승</a:t>
+            </a:r>
+          </a:p>
+        </p:txBody>
+      </p:sp>
+      <p:graphicFrame>
+        <p:nvGraphicFramePr>
+          <p:cNvPr id="4" name="표 4">
+            <a:extLst>
+              <a:ext uri="{FF2B5EF4-FFF2-40B4-BE49-F238E27FC236}">
+                <a16:creationId xmlns:a16="http://schemas.microsoft.com/office/drawing/2014/main" id="{BF124DB5-0E7F-4747-98B2-67AE08B74197}"/>
+              </a:ext>
+            </a:extLst>
+          </p:cNvPr>
+          <p:cNvGraphicFramePr>
+            <a:graphicFrameLocks noGrp="1"/>
+          </p:cNvGraphicFramePr>
+          <p:nvPr/>
+        </p:nvGraphicFramePr>
+        <p:xfrm>
+          <a:off x="6096000" y="1902655"/>
+          <a:ext cx="4621530" cy="3235960"/>
+        </p:xfrm>
+        <a:graphic>
+          <a:graphicData uri="http://schemas.openxmlformats.org/drawingml/2006/table">
+            <a:tbl>
+              <a:tblPr firstRow="1" bandRow="1">
+                <a:tableStyleId>{5C22544A-7EE6-4342-B048-85BDC9FD1C3A}</a:tableStyleId>
+              </a:tblPr>
+              <a:tblGrid>
+                <a:gridCol w="4621530">
+                  <a:extLst>
+                    <a:ext uri="{9D8B030D-6E8A-4147-A177-3AD203B41FA5}">
+                      <a16:colId xmlns:a16="http://schemas.microsoft.com/office/drawing/2014/main" val="1735243920"/>
+                    </a:ext>
+                  </a:extLst>
+                </a:gridCol>
+              </a:tblGrid>
+              <a:tr h="370840">
+                <a:tc>
+                  <a:txBody>
+                    <a:bodyPr/>
+                    <a:lstStyle/>
+                    <a:p>
+                      <a:pPr latinLnBrk="1"/>
+                      <a:r>
+                        <a:rPr lang="ko-KR" altLang="en-US" b="0" dirty="0">
+                          <a:solidFill>
+                            <a:schemeClr val="tx1"/>
+                          </a:solidFill>
+                        </a:rPr>
+                        <a:t>공헌도 상승 방법</a:t>
+                      </a:r>
+                    </a:p>
+                  </a:txBody>
+                  <a:tcPr>
+                    <a:lnL w="12700" cmpd="sng">
+                      <a:noFill/>
+                    </a:lnL>
+                    <a:lnR w="12700" cmpd="sng">
+                      <a:noFill/>
+                    </a:lnR>
+                    <a:lnT w="12700" cmpd="sng">
+                      <a:noFill/>
+                    </a:lnT>
+                    <a:lnB w="12700" cap="flat" cmpd="sng" algn="ctr">
+                      <a:solidFill>
+                        <a:schemeClr val="tx1"/>
+                      </a:solidFill>
+                      <a:prstDash val="solid"/>
+                      <a:round/>
+                      <a:headEnd type="none" w="med" len="med"/>
+                      <a:tailEnd type="none" w="med" len="med"/>
+                    </a:lnB>
+                    <a:lnTlToBr w="12700" cmpd="sng">
+                      <a:noFill/>
+                      <a:prstDash val="solid"/>
+                    </a:lnTlToBr>
+                    <a:lnBlToTr w="12700" cmpd="sng">
+                      <a:noFill/>
+                      <a:prstDash val="solid"/>
+                    </a:lnBlToTr>
+                    <a:solidFill>
+                      <a:schemeClr val="bg1">
+                        <a:lumMod val="95000"/>
+                      </a:schemeClr>
+                    </a:solidFill>
+                  </a:tcPr>
+                </a:tc>
+                <a:extLst>
+                  <a:ext uri="{0D108BD9-81ED-4DB2-BD59-A6C34878D82A}">
+                    <a16:rowId xmlns:a16="http://schemas.microsoft.com/office/drawing/2014/main" val="106889699"/>
+                  </a:ext>
+                </a:extLst>
+              </a:tr>
+              <a:tr h="370840">
+                <a:tc>
+                  <a:txBody>
+                    <a:bodyPr/>
+                    <a:lstStyle/>
+                    <a:p>
+                      <a:pPr latinLnBrk="1"/>
+                      <a:r>
+                        <a:rPr lang="ko-KR" altLang="en-US" b="0" dirty="0">
+                          <a:solidFill>
+                            <a:schemeClr val="tx1"/>
+                          </a:solidFill>
+                        </a:rPr>
+                        <a:t>해당 세력에 관련된 퀘스트 완료</a:t>
+                      </a:r>
+                    </a:p>
+                  </a:txBody>
+                  <a:tcPr>
+                    <a:lnL w="12700" cmpd="sng">
+                      <a:noFill/>
+                    </a:lnL>
+                    <a:lnR w="12700" cmpd="sng">
+                      <a:noFill/>
+                    </a:lnR>
+                    <a:lnT w="12700" cap="flat" cmpd="sng" algn="ctr">
+                      <a:solidFill>
+                        <a:schemeClr val="tx1"/>
+                      </a:solidFill>
+                      <a:prstDash val="solid"/>
+                      <a:round/>
+                      <a:headEnd type="none" w="med" len="med"/>
+                      <a:tailEnd type="none" w="med" len="med"/>
+                    </a:lnT>
+                    <a:lnB w="12700" cap="flat" cmpd="sng" algn="ctr">
+                      <a:solidFill>
+                        <a:schemeClr val="tx1"/>
+                      </a:solidFill>
+                      <a:prstDash val="solid"/>
+                      <a:round/>
+                      <a:headEnd type="none" w="med" len="med"/>
+                      <a:tailEnd type="none" w="med" len="med"/>
+                    </a:lnB>
+                    <a:lnTlToBr w="12700" cmpd="sng">
+                      <a:noFill/>
+                      <a:prstDash val="solid"/>
+                    </a:lnTlToBr>
+                    <a:lnBlToTr w="12700" cmpd="sng">
+                      <a:noFill/>
+                      <a:prstDash val="solid"/>
+                    </a:lnBlToTr>
+                    <a:noFill/>
+                  </a:tcPr>
+                </a:tc>
+                <a:extLst>
+                  <a:ext uri="{0D108BD9-81ED-4DB2-BD59-A6C34878D82A}">
+                    <a16:rowId xmlns:a16="http://schemas.microsoft.com/office/drawing/2014/main" val="1363205147"/>
+                  </a:ext>
+                </a:extLst>
+              </a:tr>
+              <a:tr h="370840">
+                <a:tc>
+                  <a:txBody>
+                    <a:bodyPr/>
+                    <a:lstStyle/>
+                    <a:p>
+                      <a:pPr latinLnBrk="1"/>
+                      <a:r>
+                        <a:rPr lang="ko-KR" altLang="en-US" b="0" dirty="0">
+                          <a:solidFill>
+                            <a:schemeClr val="tx1"/>
+                          </a:solidFill>
+                        </a:rPr>
+                        <a:t>해당 세력 유물 회수</a:t>
+                      </a:r>
+                    </a:p>
+                  </a:txBody>
+                  <a:tcPr>
+                    <a:lnL w="12700" cmpd="sng">
+                      <a:noFill/>
+                    </a:lnL>
+                    <a:lnR w="12700" cmpd="sng">
+                      <a:noFill/>
+                    </a:lnR>
+                    <a:lnT w="12700" cap="flat" cmpd="sng" algn="ctr">
+                      <a:solidFill>
+                        <a:schemeClr val="tx1"/>
+                      </a:solidFill>
+                      <a:prstDash val="solid"/>
+                      <a:round/>
+                      <a:headEnd type="none" w="med" len="med"/>
+                      <a:tailEnd type="none" w="med" len="med"/>
+                    </a:lnT>
+                    <a:lnB w="12700" cap="flat" cmpd="sng" algn="ctr">
+                      <a:noFill/>
+                      <a:prstDash val="solid"/>
+                      <a:round/>
+                      <a:headEnd type="none" w="med" len="med"/>
+                      <a:tailEnd type="none" w="med" len="med"/>
+                    </a:lnB>
+                    <a:lnTlToBr w="12700" cmpd="sng">
+                      <a:noFill/>
+                      <a:prstDash val="solid"/>
+                    </a:lnTlToBr>
+                    <a:lnBlToTr w="12700" cmpd="sng">
+                      <a:noFill/>
+                      <a:prstDash val="solid"/>
+                    </a:lnBlToTr>
+                    <a:noFill/>
+                  </a:tcPr>
+                </a:tc>
+                <a:extLst>
+                  <a:ext uri="{0D108BD9-81ED-4DB2-BD59-A6C34878D82A}">
+                    <a16:rowId xmlns:a16="http://schemas.microsoft.com/office/drawing/2014/main" val="623763032"/>
+                  </a:ext>
+                </a:extLst>
+              </a:tr>
+              <a:tr h="370840">
+                <a:tc>
+                  <a:txBody>
+                    <a:bodyPr/>
+                    <a:lstStyle/>
+                    <a:p>
+                      <a:pPr latinLnBrk="1"/>
+                      <a:endParaRPr lang="ko-KR" altLang="en-US" b="0" dirty="0">
+                        <a:solidFill>
+                          <a:schemeClr val="tx1"/>
+                        </a:solidFill>
+                      </a:endParaRPr>
+                    </a:p>
+                  </a:txBody>
+                  <a:tcPr>
+                    <a:lnL w="12700" cmpd="sng">
+                      <a:noFill/>
+                    </a:lnL>
+                    <a:lnR w="12700" cmpd="sng">
+                      <a:noFill/>
+                    </a:lnR>
+                    <a:lnT w="12700" cap="flat" cmpd="sng" algn="ctr">
+                      <a:noFill/>
+                      <a:prstDash val="solid"/>
+                      <a:round/>
+                      <a:headEnd type="none" w="med" len="med"/>
+                      <a:tailEnd type="none" w="med" len="med"/>
+                    </a:lnT>
+                    <a:lnB w="12700" cap="flat" cmpd="sng" algn="ctr">
+                      <a:noFill/>
+                      <a:prstDash val="solid"/>
+                      <a:round/>
+                      <a:headEnd type="none" w="med" len="med"/>
+                      <a:tailEnd type="none" w="med" len="med"/>
+                    </a:lnB>
+                    <a:lnTlToBr w="12700" cmpd="sng">
+                      <a:noFill/>
+                      <a:prstDash val="solid"/>
+                    </a:lnTlToBr>
+                    <a:lnBlToTr w="12700" cmpd="sng">
+                      <a:noFill/>
+                      <a:prstDash val="solid"/>
+                    </a:lnBlToTr>
+                    <a:noFill/>
+                  </a:tcPr>
+                </a:tc>
+                <a:extLst>
+                  <a:ext uri="{0D108BD9-81ED-4DB2-BD59-A6C34878D82A}">
+                    <a16:rowId xmlns:a16="http://schemas.microsoft.com/office/drawing/2014/main" val="3883671481"/>
+                  </a:ext>
+                </a:extLst>
+              </a:tr>
+              <a:tr h="370840">
+                <a:tc>
+                  <a:txBody>
+                    <a:bodyPr/>
+                    <a:lstStyle/>
+                    <a:p>
+                      <a:pPr latinLnBrk="1"/>
+                      <a:r>
+                        <a:rPr lang="ko-KR" altLang="en-US" b="0" dirty="0">
+                          <a:solidFill>
+                            <a:schemeClr val="tx1"/>
+                          </a:solidFill>
+                        </a:rPr>
+                        <a:t>공헌도 규칙</a:t>
+                      </a:r>
+                    </a:p>
+                  </a:txBody>
+                  <a:tcPr>
+                    <a:lnL w="12700" cmpd="sng">
+                      <a:noFill/>
+                    </a:lnL>
+                    <a:lnR w="12700" cmpd="sng">
+                      <a:noFill/>
+                    </a:lnR>
+                    <a:lnT w="12700" cap="flat" cmpd="sng" algn="ctr">
+                      <a:noFill/>
+                      <a:prstDash val="solid"/>
+                      <a:round/>
+                      <a:headEnd type="none" w="med" len="med"/>
+                      <a:tailEnd type="none" w="med" len="med"/>
+                    </a:lnT>
+                    <a:lnB w="12700" cap="flat" cmpd="sng" algn="ctr">
+                      <a:solidFill>
+                        <a:schemeClr val="tx1"/>
+                      </a:solidFill>
+                      <a:prstDash val="solid"/>
+                      <a:round/>
+                      <a:headEnd type="none" w="med" len="med"/>
+                      <a:tailEnd type="none" w="med" len="med"/>
+                    </a:lnB>
+                    <a:lnTlToBr w="12700" cmpd="sng">
+                      <a:noFill/>
+                      <a:prstDash val="solid"/>
+                    </a:lnTlToBr>
+                    <a:lnBlToTr w="12700" cmpd="sng">
+                      <a:noFill/>
+                      <a:prstDash val="solid"/>
+                    </a:lnBlToTr>
+                    <a:solidFill>
+                      <a:schemeClr val="bg1">
+                        <a:lumMod val="95000"/>
+                      </a:schemeClr>
+                    </a:solidFill>
+                  </a:tcPr>
+                </a:tc>
+                <a:extLst>
+                  <a:ext uri="{0D108BD9-81ED-4DB2-BD59-A6C34878D82A}">
+                    <a16:rowId xmlns:a16="http://schemas.microsoft.com/office/drawing/2014/main" val="984760577"/>
+                  </a:ext>
+                </a:extLst>
+              </a:tr>
+              <a:tr h="370840">
+                <a:tc>
+                  <a:txBody>
+                    <a:bodyPr/>
+                    <a:lstStyle/>
+                    <a:p>
+                      <a:pPr latinLnBrk="1"/>
+                      <a:r>
+                        <a:rPr lang="ko-KR" altLang="en-US" b="0" dirty="0">
+                          <a:solidFill>
+                            <a:schemeClr val="tx1"/>
+                          </a:solidFill>
+                        </a:rPr>
+                        <a:t>공헌도의 기본 값은 </a:t>
+                      </a:r>
+                      <a:r>
+                        <a:rPr lang="en-US" altLang="ko-KR" b="0" dirty="0">
+                          <a:solidFill>
+                            <a:schemeClr val="tx1"/>
+                          </a:solidFill>
+                        </a:rPr>
+                        <a:t>0</a:t>
+                      </a:r>
+                      <a:r>
+                        <a:rPr lang="ko-KR" altLang="en-US" b="0" dirty="0">
+                          <a:solidFill>
+                            <a:schemeClr val="tx1"/>
+                          </a:solidFill>
+                        </a:rPr>
+                        <a:t>이다</a:t>
+                      </a:r>
+                      <a:r>
+                        <a:rPr lang="en-US" altLang="ko-KR" b="0" dirty="0">
+                          <a:solidFill>
+                            <a:schemeClr val="tx1"/>
+                          </a:solidFill>
+                        </a:rPr>
+                        <a:t>.</a:t>
+                      </a:r>
+                    </a:p>
+                  </a:txBody>
+                  <a:tcPr>
+                    <a:lnL w="12700" cmpd="sng">
+                      <a:noFill/>
+                    </a:lnL>
+                    <a:lnR w="12700" cmpd="sng">
+                      <a:noFill/>
+                    </a:lnR>
+                    <a:lnT w="12700" cap="flat" cmpd="sng" algn="ctr">
+                      <a:solidFill>
+                        <a:schemeClr val="tx1"/>
+                      </a:solidFill>
+                      <a:prstDash val="solid"/>
+                      <a:round/>
+                      <a:headEnd type="none" w="med" len="med"/>
+                      <a:tailEnd type="none" w="med" len="med"/>
+                    </a:lnT>
+                    <a:lnB w="12700" cap="flat" cmpd="sng" algn="ctr">
+                      <a:solidFill>
+                        <a:schemeClr val="tx1"/>
+                      </a:solidFill>
+                      <a:prstDash val="solid"/>
+                      <a:round/>
+                      <a:headEnd type="none" w="med" len="med"/>
+                      <a:tailEnd type="none" w="med" len="med"/>
+                    </a:lnB>
+                    <a:lnTlToBr w="12700" cmpd="sng">
+                      <a:noFill/>
+                      <a:prstDash val="solid"/>
+                    </a:lnTlToBr>
+                    <a:lnBlToTr w="12700" cmpd="sng">
+                      <a:noFill/>
+                      <a:prstDash val="solid"/>
+                    </a:lnBlToTr>
+                    <a:noFill/>
+                  </a:tcPr>
+                </a:tc>
+                <a:extLst>
+                  <a:ext uri="{0D108BD9-81ED-4DB2-BD59-A6C34878D82A}">
+                    <a16:rowId xmlns:a16="http://schemas.microsoft.com/office/drawing/2014/main" val="102684944"/>
+                  </a:ext>
+                </a:extLst>
+              </a:tr>
+              <a:tr h="370840">
+                <a:tc>
+                  <a:txBody>
+                    <a:bodyPr/>
+                    <a:lstStyle/>
+                    <a:p>
+                      <a:pPr latinLnBrk="1"/>
+                      <a:r>
+                        <a:rPr lang="ko-KR" altLang="en-US" b="0" dirty="0">
+                          <a:solidFill>
+                            <a:schemeClr val="tx1"/>
+                          </a:solidFill>
+                        </a:rPr>
+                        <a:t>공헌도의 최대 값은 </a:t>
+                      </a:r>
+                      <a:r>
+                        <a:rPr lang="en-US" altLang="ko-KR" b="0" dirty="0">
+                          <a:solidFill>
+                            <a:schemeClr val="tx1"/>
+                          </a:solidFill>
+                        </a:rPr>
+                        <a:t>99999999</a:t>
+                      </a:r>
+                      <a:r>
+                        <a:rPr lang="ko-KR" altLang="en-US" b="0" dirty="0">
+                          <a:solidFill>
+                            <a:schemeClr val="tx1"/>
+                          </a:solidFill>
+                        </a:rPr>
+                        <a:t>이다</a:t>
+                      </a:r>
+                      <a:r>
+                        <a:rPr lang="en-US" altLang="ko-KR" b="0" dirty="0">
+                          <a:solidFill>
+                            <a:schemeClr val="tx1"/>
+                          </a:solidFill>
+                        </a:rPr>
+                        <a:t>.</a:t>
+                      </a:r>
+                    </a:p>
+                  </a:txBody>
+                  <a:tcPr>
+                    <a:lnL w="12700" cmpd="sng">
+                      <a:noFill/>
+                    </a:lnL>
+                    <a:lnR w="12700" cmpd="sng">
+                      <a:noFill/>
+                    </a:lnR>
+                    <a:lnT w="12700" cap="flat" cmpd="sng" algn="ctr">
+                      <a:solidFill>
+                        <a:schemeClr val="tx1"/>
+                      </a:solidFill>
+                      <a:prstDash val="solid"/>
+                      <a:round/>
+                      <a:headEnd type="none" w="med" len="med"/>
+                      <a:tailEnd type="none" w="med" len="med"/>
+                    </a:lnT>
+                    <a:lnB w="12700" cap="flat" cmpd="sng" algn="ctr">
+                      <a:solidFill>
+                        <a:schemeClr val="tx1"/>
+                      </a:solidFill>
+                      <a:prstDash val="solid"/>
+                      <a:round/>
+                      <a:headEnd type="none" w="med" len="med"/>
+                      <a:tailEnd type="none" w="med" len="med"/>
+                    </a:lnB>
+                    <a:lnTlToBr w="12700" cmpd="sng">
+                      <a:noFill/>
+                      <a:prstDash val="solid"/>
+                    </a:lnTlToBr>
+                    <a:lnBlToTr w="12700" cmpd="sng">
+                      <a:noFill/>
+                      <a:prstDash val="solid"/>
+                    </a:lnBlToTr>
+                    <a:noFill/>
+                  </a:tcPr>
+                </a:tc>
+                <a:extLst>
+                  <a:ext uri="{0D108BD9-81ED-4DB2-BD59-A6C34878D82A}">
+                    <a16:rowId xmlns:a16="http://schemas.microsoft.com/office/drawing/2014/main" val="2545170330"/>
+                  </a:ext>
+                </a:extLst>
+              </a:tr>
+              <a:tr h="370840">
+                <a:tc>
+                  <a:txBody>
+                    <a:bodyPr/>
+                    <a:lstStyle/>
+                    <a:p>
+                      <a:pPr latinLnBrk="1"/>
+                      <a:r>
+                        <a:rPr lang="ko-KR" altLang="en-US" b="0" dirty="0">
+                          <a:solidFill>
+                            <a:schemeClr val="tx1"/>
+                          </a:solidFill>
+                        </a:rPr>
+                        <a:t>플레이어는 공헌도를 소비하여 아이템이나</a:t>
+                      </a:r>
+                      <a:endParaRPr lang="en-US" altLang="ko-KR" b="0" dirty="0">
+                        <a:solidFill>
+                          <a:schemeClr val="tx1"/>
+                        </a:solidFill>
+                      </a:endParaRPr>
+                    </a:p>
+                    <a:p>
+                      <a:pPr latinLnBrk="1"/>
+                      <a:r>
+                        <a:rPr lang="ko-KR" altLang="en-US" b="0" dirty="0">
+                          <a:solidFill>
+                            <a:schemeClr val="tx1"/>
+                          </a:solidFill>
+                        </a:rPr>
+                        <a:t>스킬 등의 보상을 받을 수 있다</a:t>
+                      </a:r>
+                      <a:r>
+                        <a:rPr lang="en-US" altLang="ko-KR" b="0" dirty="0">
+                          <a:solidFill>
+                            <a:schemeClr val="tx1"/>
+                          </a:solidFill>
+                        </a:rPr>
+                        <a:t>.</a:t>
+                      </a:r>
+                      <a:endParaRPr lang="ko-KR" altLang="en-US" b="0" dirty="0">
+                        <a:solidFill>
+                          <a:schemeClr val="tx1"/>
+                        </a:solidFill>
+                      </a:endParaRPr>
+                    </a:p>
+                  </a:txBody>
+                  <a:tcPr>
+                    <a:lnL w="12700" cmpd="sng">
+                      <a:noFill/>
+                    </a:lnL>
+                    <a:lnR w="12700" cmpd="sng">
+                      <a:noFill/>
+                    </a:lnR>
+                    <a:lnT w="12700" cap="flat" cmpd="sng" algn="ctr">
+                      <a:solidFill>
+                        <a:schemeClr val="tx1"/>
+                      </a:solidFill>
+                      <a:prstDash val="solid"/>
+                      <a:round/>
+                      <a:headEnd type="none" w="med" len="med"/>
+                      <a:tailEnd type="none" w="med" len="med"/>
+                    </a:lnT>
+                    <a:lnB w="12700" cap="flat" cmpd="sng" algn="ctr">
+                      <a:noFill/>
+                      <a:prstDash val="solid"/>
+                      <a:round/>
+                      <a:headEnd type="none" w="med" len="med"/>
+                      <a:tailEnd type="none" w="med" len="med"/>
+                    </a:lnB>
+                    <a:lnTlToBr w="12700" cmpd="sng">
+                      <a:noFill/>
+                      <a:prstDash val="solid"/>
+                    </a:lnTlToBr>
+                    <a:lnBlToTr w="12700" cmpd="sng">
+                      <a:noFill/>
+                      <a:prstDash val="solid"/>
+                    </a:lnBlToTr>
+                    <a:noFill/>
+                  </a:tcPr>
+                </a:tc>
+                <a:extLst>
+                  <a:ext uri="{0D108BD9-81ED-4DB2-BD59-A6C34878D82A}">
+                    <a16:rowId xmlns:a16="http://schemas.microsoft.com/office/drawing/2014/main" val="1616199669"/>
+                  </a:ext>
+                </a:extLst>
+              </a:tr>
+            </a:tbl>
+          </a:graphicData>
+        </a:graphic>
+      </p:graphicFrame>
+    </p:spTree>
+    <p:extLst>
+      <p:ext uri="{BB962C8B-B14F-4D97-AF65-F5344CB8AC3E}">
+        <p14:creationId xmlns:p14="http://schemas.microsoft.com/office/powerpoint/2010/main" val="3281075782"/>
+      </p:ext>
+    </p:extLst>
+  </p:cSld>
+  <p:clrMapOvr>
+    <a:masterClrMapping/>
+  </p:clrMapOvr>
+</p:sld>
+</file>
+
+<file path=ppt/slides/slide11.xml><?xml version="1.0" encoding="utf-8"?>
+<p:sld xmlns:a="http://schemas.openxmlformats.org/drawingml/2006/main" xmlns:r="http://schemas.openxmlformats.org/officeDocument/2006/relationships" xmlns:p="http://schemas.openxmlformats.org/presentationml/2006/main">
+  <p:cSld>
+    <p:spTree>
+      <p:nvGrpSpPr>
+        <p:cNvPr id="1" name=""/>
+        <p:cNvGrpSpPr/>
+        <p:nvPr/>
+      </p:nvGrpSpPr>
+      <p:grpSpPr>
+        <a:xfrm>
+          <a:off x="0" y="0"/>
+          <a:ext cx="0" cy="0"/>
+          <a:chOff x="0" y="0"/>
+          <a:chExt cx="0" cy="0"/>
+        </a:xfrm>
+      </p:grpSpPr>
+      <p:sp>
+        <p:nvSpPr>
+          <p:cNvPr id="7" name="제목 1">
+            <a:extLst>
+              <a:ext uri="{FF2B5EF4-FFF2-40B4-BE49-F238E27FC236}">
+                <a16:creationId xmlns:a16="http://schemas.microsoft.com/office/drawing/2014/main" id="{77FA9A8E-E94C-4F99-8997-7C96A1AAEAC7}"/>
+              </a:ext>
+            </a:extLst>
+          </p:cNvPr>
+          <p:cNvSpPr txBox="1">
+            <a:spLocks/>
+          </p:cNvSpPr>
+          <p:nvPr/>
+        </p:nvSpPr>
+        <p:spPr>
+          <a:xfrm>
+            <a:off x="695325" y="292100"/>
+            <a:ext cx="10801350" cy="861695"/>
+          </a:xfrm>
+          <a:prstGeom prst="rect">
+            <a:avLst/>
+          </a:prstGeom>
+        </p:spPr>
+        <p:txBody>
+          <a:bodyPr vert="horz" lIns="91440" tIns="45720" rIns="91440" bIns="45720" rtlCol="0" anchor="ctr">
+            <a:normAutofit/>
+          </a:bodyPr>
+          <a:lstStyle>
+            <a:lvl1pPr algn="l" defTabSz="914400" rtl="0" eaLnBrk="1" latinLnBrk="1" hangingPunct="1">
+              <a:lnSpc>
+                <a:spcPct val="90000"/>
+              </a:lnSpc>
+              <a:spcBef>
+                <a:spcPct val="0"/>
+              </a:spcBef>
+              <a:buNone/>
+              <a:defRPr sz="4400" kern="1200">
+                <a:solidFill>
+                  <a:schemeClr val="tx1"/>
+                </a:solidFill>
+                <a:latin typeface="+mj-lt"/>
+                <a:ea typeface="+mj-ea"/>
+                <a:cs typeface="+mj-cs"/>
+              </a:defRPr>
+            </a:lvl1pPr>
+          </a:lstStyle>
+          <a:p>
+            <a:r>
+              <a:rPr lang="ko-KR" altLang="en-US" dirty="0"/>
+              <a:t>공통 세력 규칙</a:t>
+            </a:r>
+          </a:p>
+        </p:txBody>
+      </p:sp>
+      <p:graphicFrame>
+        <p:nvGraphicFramePr>
+          <p:cNvPr id="3" name="표 4">
+            <a:extLst>
+              <a:ext uri="{FF2B5EF4-FFF2-40B4-BE49-F238E27FC236}">
+                <a16:creationId xmlns:a16="http://schemas.microsoft.com/office/drawing/2014/main" id="{4C040953-B259-45AF-A6F6-4A737A2855B6}"/>
+              </a:ext>
+            </a:extLst>
+          </p:cNvPr>
+          <p:cNvGraphicFramePr>
+            <a:graphicFrameLocks noGrp="1"/>
+          </p:cNvGraphicFramePr>
+          <p:nvPr>
+            <p:extLst>
+              <p:ext uri="{D42A27DB-BD31-4B8C-83A1-F6EECF244321}">
+                <p14:modId xmlns:p14="http://schemas.microsoft.com/office/powerpoint/2010/main" val="4268318909"/>
+              </p:ext>
+            </p:extLst>
+          </p:nvPr>
+        </p:nvGraphicFramePr>
+        <p:xfrm>
+          <a:off x="2821354" y="2012135"/>
+          <a:ext cx="6549291" cy="741680"/>
+        </p:xfrm>
+        <a:graphic>
+          <a:graphicData uri="http://schemas.openxmlformats.org/drawingml/2006/table">
+            <a:tbl>
+              <a:tblPr firstRow="1" bandRow="1">
+                <a:tableStyleId>{5C22544A-7EE6-4342-B048-85BDC9FD1C3A}</a:tableStyleId>
+              </a:tblPr>
+              <a:tblGrid>
+                <a:gridCol w="6549291">
+                  <a:extLst>
+                    <a:ext uri="{9D8B030D-6E8A-4147-A177-3AD203B41FA5}">
+                      <a16:colId xmlns:a16="http://schemas.microsoft.com/office/drawing/2014/main" val="1735243920"/>
+                    </a:ext>
+                  </a:extLst>
+                </a:gridCol>
+              </a:tblGrid>
+              <a:tr h="370840">
+                <a:tc>
+                  <a:txBody>
+                    <a:bodyPr/>
+                    <a:lstStyle/>
+                    <a:p>
+                      <a:pPr latinLnBrk="1"/>
+                      <a:r>
+                        <a:rPr lang="ko-KR" altLang="en-US" b="0" dirty="0">
+                          <a:solidFill>
+                            <a:schemeClr val="tx1"/>
+                          </a:solidFill>
+                        </a:rPr>
+                        <a:t>모든 세력에게는 플레이어 우호도</a:t>
+                      </a:r>
+                      <a:r>
+                        <a:rPr lang="en-US" altLang="ko-KR" b="0" dirty="0">
+                          <a:solidFill>
+                            <a:schemeClr val="tx1"/>
+                          </a:solidFill>
+                        </a:rPr>
+                        <a:t>/</a:t>
+                      </a:r>
+                      <a:r>
+                        <a:rPr lang="ko-KR" altLang="en-US" b="0" dirty="0">
+                          <a:solidFill>
+                            <a:schemeClr val="tx1"/>
+                          </a:solidFill>
+                        </a:rPr>
+                        <a:t>경계도가 존재한다</a:t>
+                      </a:r>
+                      <a:r>
+                        <a:rPr lang="en-US" altLang="ko-KR" b="0" dirty="0">
+                          <a:solidFill>
+                            <a:schemeClr val="tx1"/>
+                          </a:solidFill>
+                        </a:rPr>
+                        <a:t>.</a:t>
+                      </a:r>
+                      <a:endParaRPr lang="ko-KR" altLang="en-US" b="0" dirty="0">
+                        <a:solidFill>
+                          <a:schemeClr val="tx1"/>
+                        </a:solidFill>
+                      </a:endParaRPr>
+                    </a:p>
+                  </a:txBody>
+                  <a:tcPr>
+                    <a:lnL w="12700" cmpd="sng">
+                      <a:noFill/>
+                    </a:lnL>
+                    <a:lnR w="12700" cmpd="sng">
+                      <a:noFill/>
+                    </a:lnR>
+                    <a:lnT w="12700" cmpd="sng">
+                      <a:noFill/>
+                    </a:lnT>
+                    <a:lnB w="12700" cap="flat" cmpd="sng" algn="ctr">
+                      <a:solidFill>
+                        <a:schemeClr val="tx1"/>
+                      </a:solidFill>
+                      <a:prstDash val="solid"/>
+                      <a:round/>
+                      <a:headEnd type="none" w="med" len="med"/>
+                      <a:tailEnd type="none" w="med" len="med"/>
+                    </a:lnB>
+                    <a:lnTlToBr w="12700" cmpd="sng">
+                      <a:noFill/>
+                      <a:prstDash val="solid"/>
+                    </a:lnTlToBr>
+                    <a:lnBlToTr w="12700" cmpd="sng">
+                      <a:noFill/>
+                      <a:prstDash val="solid"/>
+                    </a:lnBlToTr>
+                    <a:noFill/>
+                  </a:tcPr>
+                </a:tc>
+                <a:extLst>
+                  <a:ext uri="{0D108BD9-81ED-4DB2-BD59-A6C34878D82A}">
+                    <a16:rowId xmlns:a16="http://schemas.microsoft.com/office/drawing/2014/main" val="1363205147"/>
+                  </a:ext>
+                </a:extLst>
+              </a:tr>
+              <a:tr h="370840">
+                <a:tc>
+                  <a:txBody>
+                    <a:bodyPr/>
+                    <a:lstStyle/>
+                    <a:p>
+                      <a:pPr latinLnBrk="1"/>
+                      <a:endParaRPr lang="ko-KR" altLang="en-US" b="0" dirty="0">
+                        <a:solidFill>
+                          <a:schemeClr val="tx1"/>
+                        </a:solidFill>
+                      </a:endParaRPr>
+                    </a:p>
+                  </a:txBody>
+                  <a:tcPr>
+                    <a:lnL w="12700" cmpd="sng">
+                      <a:noFill/>
+                    </a:lnL>
+                    <a:lnR w="12700" cmpd="sng">
+                      <a:noFill/>
+                    </a:lnR>
+                    <a:lnT w="12700" cap="flat" cmpd="sng" algn="ctr">
+                      <a:solidFill>
+                        <a:schemeClr val="tx1"/>
+                      </a:solidFill>
+                      <a:prstDash val="solid"/>
+                      <a:round/>
+                      <a:headEnd type="none" w="med" len="med"/>
+                      <a:tailEnd type="none" w="med" len="med"/>
+                    </a:lnT>
+                    <a:lnB w="12700" cmpd="sng">
+                      <a:noFill/>
+                    </a:lnB>
+                    <a:lnTlToBr w="12700" cmpd="sng">
+                      <a:noFill/>
+                      <a:prstDash val="solid"/>
+                    </a:lnTlToBr>
+                    <a:lnBlToTr w="12700" cmpd="sng">
+                      <a:noFill/>
+                      <a:prstDash val="solid"/>
+                    </a:lnBlToTr>
+                    <a:noFill/>
+                  </a:tcPr>
+                </a:tc>
+                <a:extLst>
+                  <a:ext uri="{0D108BD9-81ED-4DB2-BD59-A6C34878D82A}">
+                    <a16:rowId xmlns:a16="http://schemas.microsoft.com/office/drawing/2014/main" val="623763032"/>
+                  </a:ext>
+                </a:extLst>
+              </a:tr>
+            </a:tbl>
+          </a:graphicData>
+        </a:graphic>
+      </p:graphicFrame>
+    </p:spTree>
+    <p:extLst>
+      <p:ext uri="{BB962C8B-B14F-4D97-AF65-F5344CB8AC3E}">
+        <p14:creationId xmlns:p14="http://schemas.microsoft.com/office/powerpoint/2010/main" val="2390883794"/>
+      </p:ext>
+    </p:extLst>
+  </p:cSld>
+  <p:clrMapOvr>
+    <a:masterClrMapping/>
+  </p:clrMapOvr>
+</p:sld>
+</file>
+
+<file path=ppt/slides/slide12.xml><?xml version="1.0" encoding="utf-8"?>
+<p:sld xmlns:a="http://schemas.openxmlformats.org/drawingml/2006/main" xmlns:r="http://schemas.openxmlformats.org/officeDocument/2006/relationships" xmlns:p="http://schemas.openxmlformats.org/presentationml/2006/main">
+  <p:cSld>
+    <p:spTree>
+      <p:nvGrpSpPr>
+        <p:cNvPr id="1" name=""/>
+        <p:cNvGrpSpPr/>
+        <p:nvPr/>
+      </p:nvGrpSpPr>
+      <p:grpSpPr>
+        <a:xfrm>
+          <a:off x="0" y="0"/>
+          <a:ext cx="0" cy="0"/>
+          <a:chOff x="0" y="0"/>
+          <a:chExt cx="0" cy="0"/>
+        </a:xfrm>
+      </p:grpSpPr>
+      <p:sp>
+        <p:nvSpPr>
+          <p:cNvPr id="7" name="제목 1">
+            <a:extLst>
+              <a:ext uri="{FF2B5EF4-FFF2-40B4-BE49-F238E27FC236}">
+                <a16:creationId xmlns:a16="http://schemas.microsoft.com/office/drawing/2014/main" id="{77FA9A8E-E94C-4F99-8997-7C96A1AAEAC7}"/>
+              </a:ext>
+            </a:extLst>
+          </p:cNvPr>
+          <p:cNvSpPr txBox="1">
+            <a:spLocks/>
+          </p:cNvSpPr>
+          <p:nvPr/>
+        </p:nvSpPr>
+        <p:spPr>
+          <a:xfrm>
+            <a:off x="695325" y="292100"/>
+            <a:ext cx="10801350" cy="861695"/>
+          </a:xfrm>
+          <a:prstGeom prst="rect">
+            <a:avLst/>
+          </a:prstGeom>
+        </p:spPr>
+        <p:txBody>
+          <a:bodyPr vert="horz" lIns="91440" tIns="45720" rIns="91440" bIns="45720" rtlCol="0" anchor="ctr">
+            <a:normAutofit/>
+          </a:bodyPr>
+          <a:lstStyle>
+            <a:lvl1pPr algn="l" defTabSz="914400" rtl="0" eaLnBrk="1" latinLnBrk="1" hangingPunct="1">
+              <a:lnSpc>
+                <a:spcPct val="90000"/>
+              </a:lnSpc>
+              <a:spcBef>
+                <a:spcPct val="0"/>
+              </a:spcBef>
+              <a:buNone/>
+              <a:defRPr sz="4400" kern="1200">
+                <a:solidFill>
+                  <a:schemeClr val="tx1"/>
+                </a:solidFill>
+                <a:latin typeface="+mj-lt"/>
+                <a:ea typeface="+mj-ea"/>
+                <a:cs typeface="+mj-cs"/>
+              </a:defRPr>
+            </a:lvl1pPr>
+          </a:lstStyle>
+          <a:p>
+            <a:r>
+              <a:rPr lang="ko-KR" altLang="en-US" dirty="0"/>
+              <a:t>무림 세력 규칙</a:t>
+            </a:r>
+          </a:p>
+        </p:txBody>
+      </p:sp>
+      <p:graphicFrame>
+        <p:nvGraphicFramePr>
+          <p:cNvPr id="3" name="표 4">
+            <a:extLst>
+              <a:ext uri="{FF2B5EF4-FFF2-40B4-BE49-F238E27FC236}">
+                <a16:creationId xmlns:a16="http://schemas.microsoft.com/office/drawing/2014/main" id="{4C040953-B259-45AF-A6F6-4A737A2855B6}"/>
+              </a:ext>
+            </a:extLst>
+          </p:cNvPr>
+          <p:cNvGraphicFramePr>
+            <a:graphicFrameLocks noGrp="1"/>
+          </p:cNvGraphicFramePr>
+          <p:nvPr>
+            <p:extLst>
+              <p:ext uri="{D42A27DB-BD31-4B8C-83A1-F6EECF244321}">
+                <p14:modId xmlns:p14="http://schemas.microsoft.com/office/powerpoint/2010/main" val="1669179807"/>
+              </p:ext>
+            </p:extLst>
+          </p:nvPr>
+        </p:nvGraphicFramePr>
+        <p:xfrm>
+          <a:off x="1680308" y="2513296"/>
+          <a:ext cx="4064000" cy="741680"/>
+        </p:xfrm>
+        <a:graphic>
+          <a:graphicData uri="http://schemas.openxmlformats.org/drawingml/2006/table">
+            <a:tbl>
+              <a:tblPr firstRow="1" bandRow="1">
+                <a:tableStyleId>{5C22544A-7EE6-4342-B048-85BDC9FD1C3A}</a:tableStyleId>
+              </a:tblPr>
+              <a:tblGrid>
+                <a:gridCol w="4064000">
+                  <a:extLst>
+                    <a:ext uri="{9D8B030D-6E8A-4147-A177-3AD203B41FA5}">
+                      <a16:colId xmlns:a16="http://schemas.microsoft.com/office/drawing/2014/main" val="1735243920"/>
+                    </a:ext>
+                  </a:extLst>
+                </a:gridCol>
+              </a:tblGrid>
+              <a:tr h="370840">
+                <a:tc>
+                  <a:txBody>
+                    <a:bodyPr/>
+                    <a:lstStyle/>
+                    <a:p>
+                      <a:pPr latinLnBrk="1"/>
+                      <a:endParaRPr lang="ko-KR" altLang="en-US" b="0" dirty="0">
+                        <a:solidFill>
+                          <a:schemeClr val="tx1"/>
+                        </a:solidFill>
+                      </a:endParaRPr>
+                    </a:p>
+                  </a:txBody>
+                  <a:tcPr>
+                    <a:lnL w="12700" cmpd="sng">
+                      <a:noFill/>
+                    </a:lnL>
+                    <a:lnR w="12700" cmpd="sng">
+                      <a:noFill/>
+                    </a:lnR>
+                    <a:lnT w="12700" cmpd="sng">
+                      <a:noFill/>
+                    </a:lnT>
+                    <a:lnB w="12700" cap="flat" cmpd="sng" algn="ctr">
+                      <a:solidFill>
+                        <a:schemeClr val="tx1"/>
+                      </a:solidFill>
+                      <a:prstDash val="solid"/>
+                      <a:round/>
+                      <a:headEnd type="none" w="med" len="med"/>
+                      <a:tailEnd type="none" w="med" len="med"/>
+                    </a:lnB>
+                    <a:lnTlToBr w="12700" cmpd="sng">
+                      <a:noFill/>
+                      <a:prstDash val="solid"/>
+                    </a:lnTlToBr>
+                    <a:lnBlToTr w="12700" cmpd="sng">
+                      <a:noFill/>
+                      <a:prstDash val="solid"/>
+                    </a:lnBlToTr>
+                    <a:noFill/>
+                  </a:tcPr>
+                </a:tc>
+                <a:extLst>
+                  <a:ext uri="{0D108BD9-81ED-4DB2-BD59-A6C34878D82A}">
+                    <a16:rowId xmlns:a16="http://schemas.microsoft.com/office/drawing/2014/main" val="1363205147"/>
+                  </a:ext>
+                </a:extLst>
+              </a:tr>
+              <a:tr h="370840">
+                <a:tc>
+                  <a:txBody>
+                    <a:bodyPr/>
+                    <a:lstStyle/>
+                    <a:p>
+                      <a:pPr latinLnBrk="1"/>
+                      <a:endParaRPr lang="ko-KR" altLang="en-US" b="0" dirty="0">
+                        <a:solidFill>
+                          <a:schemeClr val="tx1"/>
+                        </a:solidFill>
+                      </a:endParaRPr>
+                    </a:p>
+                  </a:txBody>
+                  <a:tcPr>
+                    <a:lnL w="12700" cmpd="sng">
+                      <a:noFill/>
+                    </a:lnL>
+                    <a:lnR w="12700" cmpd="sng">
+                      <a:noFill/>
+                    </a:lnR>
+                    <a:lnT w="12700" cap="flat" cmpd="sng" algn="ctr">
+                      <a:solidFill>
+                        <a:schemeClr val="tx1"/>
+                      </a:solidFill>
+                      <a:prstDash val="solid"/>
+                      <a:round/>
+                      <a:headEnd type="none" w="med" len="med"/>
+                      <a:tailEnd type="none" w="med" len="med"/>
+                    </a:lnT>
+                    <a:lnB w="12700" cmpd="sng">
+                      <a:noFill/>
+                    </a:lnB>
+                    <a:lnTlToBr w="12700" cmpd="sng">
+                      <a:noFill/>
+                      <a:prstDash val="solid"/>
+                    </a:lnTlToBr>
+                    <a:lnBlToTr w="12700" cmpd="sng">
+                      <a:noFill/>
+                      <a:prstDash val="solid"/>
+                    </a:lnBlToTr>
+                    <a:noFill/>
+                  </a:tcPr>
+                </a:tc>
+                <a:extLst>
+                  <a:ext uri="{0D108BD9-81ED-4DB2-BD59-A6C34878D82A}">
+                    <a16:rowId xmlns:a16="http://schemas.microsoft.com/office/drawing/2014/main" val="623763032"/>
+                  </a:ext>
+                </a:extLst>
+              </a:tr>
+            </a:tbl>
+          </a:graphicData>
+        </a:graphic>
+      </p:graphicFrame>
+    </p:spTree>
+    <p:extLst>
+      <p:ext uri="{BB962C8B-B14F-4D97-AF65-F5344CB8AC3E}">
+        <p14:creationId xmlns:p14="http://schemas.microsoft.com/office/powerpoint/2010/main" val="1823790899"/>
+      </p:ext>
+    </p:extLst>
+  </p:cSld>
+  <p:clrMapOvr>
+    <a:masterClrMapping/>
+  </p:clrMapOvr>
+</p:sld>
+</file>
+
+<file path=ppt/slides/slide13.xml><?xml version="1.0" encoding="utf-8"?>
+<p:sld xmlns:a="http://schemas.openxmlformats.org/drawingml/2006/main" xmlns:r="http://schemas.openxmlformats.org/officeDocument/2006/relationships" xmlns:p="http://schemas.openxmlformats.org/presentationml/2006/main">
+  <p:cSld>
+    <p:spTree>
+      <p:nvGrpSpPr>
+        <p:cNvPr id="1" name=""/>
+        <p:cNvGrpSpPr/>
+        <p:nvPr/>
+      </p:nvGrpSpPr>
+      <p:grpSpPr>
+        <a:xfrm>
+          <a:off x="0" y="0"/>
+          <a:ext cx="0" cy="0"/>
+          <a:chOff x="0" y="0"/>
+          <a:chExt cx="0" cy="0"/>
+        </a:xfrm>
+      </p:grpSpPr>
+      <p:sp>
+        <p:nvSpPr>
+          <p:cNvPr id="7" name="제목 1">
+            <a:extLst>
+              <a:ext uri="{FF2B5EF4-FFF2-40B4-BE49-F238E27FC236}">
+                <a16:creationId xmlns:a16="http://schemas.microsoft.com/office/drawing/2014/main" id="{77FA9A8E-E94C-4F99-8997-7C96A1AAEAC7}"/>
+              </a:ext>
+            </a:extLst>
+          </p:cNvPr>
+          <p:cNvSpPr txBox="1">
+            <a:spLocks/>
+          </p:cNvSpPr>
+          <p:nvPr/>
+        </p:nvSpPr>
+        <p:spPr>
+          <a:xfrm>
+            <a:off x="695325" y="292100"/>
+            <a:ext cx="10801350" cy="861695"/>
+          </a:xfrm>
+          <a:prstGeom prst="rect">
+            <a:avLst/>
+          </a:prstGeom>
+        </p:spPr>
+        <p:txBody>
+          <a:bodyPr vert="horz" lIns="91440" tIns="45720" rIns="91440" bIns="45720" rtlCol="0" anchor="ctr">
+            <a:normAutofit/>
+          </a:bodyPr>
+          <a:lstStyle>
+            <a:lvl1pPr algn="l" defTabSz="914400" rtl="0" eaLnBrk="1" latinLnBrk="1" hangingPunct="1">
+              <a:lnSpc>
+                <a:spcPct val="90000"/>
+              </a:lnSpc>
+              <a:spcBef>
+                <a:spcPct val="0"/>
+              </a:spcBef>
+              <a:buNone/>
+              <a:defRPr sz="4400" kern="1200">
+                <a:solidFill>
+                  <a:schemeClr val="tx1"/>
+                </a:solidFill>
+                <a:latin typeface="+mj-lt"/>
+                <a:ea typeface="+mj-ea"/>
+                <a:cs typeface="+mj-cs"/>
+              </a:defRPr>
+            </a:lvl1pPr>
+          </a:lstStyle>
+          <a:p>
+            <a:r>
+              <a:rPr lang="ko-KR" altLang="en-US" dirty="0" err="1"/>
+              <a:t>도방</a:t>
+            </a:r>
+            <a:r>
+              <a:rPr lang="ko-KR" altLang="en-US" dirty="0"/>
+              <a:t> 세력 규칙</a:t>
+            </a:r>
+          </a:p>
+        </p:txBody>
+      </p:sp>
+      <p:graphicFrame>
+        <p:nvGraphicFramePr>
+          <p:cNvPr id="2" name="표 2">
+            <a:extLst>
+              <a:ext uri="{FF2B5EF4-FFF2-40B4-BE49-F238E27FC236}">
+                <a16:creationId xmlns:a16="http://schemas.microsoft.com/office/drawing/2014/main" id="{FBB150CA-00F1-4A49-8E35-6CF98C8E584A}"/>
+              </a:ext>
+            </a:extLst>
+          </p:cNvPr>
+          <p:cNvGraphicFramePr>
+            <a:graphicFrameLocks noGrp="1"/>
+          </p:cNvGraphicFramePr>
+          <p:nvPr/>
+        </p:nvGraphicFramePr>
+        <p:xfrm>
+          <a:off x="1530826" y="1612769"/>
+          <a:ext cx="9130348" cy="1473200"/>
+        </p:xfrm>
+        <a:graphic>
+          <a:graphicData uri="http://schemas.openxmlformats.org/drawingml/2006/table">
+            <a:tbl>
+              <a:tblPr firstRow="1" bandRow="1">
+                <a:tableStyleId>{5C22544A-7EE6-4342-B048-85BDC9FD1C3A}</a:tableStyleId>
+              </a:tblPr>
+              <a:tblGrid>
+                <a:gridCol w="721043">
+                  <a:extLst>
+                    <a:ext uri="{9D8B030D-6E8A-4147-A177-3AD203B41FA5}">
+                      <a16:colId xmlns:a16="http://schemas.microsoft.com/office/drawing/2014/main" val="3027664129"/>
+                    </a:ext>
+                  </a:extLst>
+                </a:gridCol>
+                <a:gridCol w="904569">
+                  <a:extLst>
+                    <a:ext uri="{9D8B030D-6E8A-4147-A177-3AD203B41FA5}">
+                      <a16:colId xmlns:a16="http://schemas.microsoft.com/office/drawing/2014/main" val="2521053459"/>
+                    </a:ext>
+                  </a:extLst>
+                </a:gridCol>
+                <a:gridCol w="7504736">
+                  <a:extLst>
+                    <a:ext uri="{9D8B030D-6E8A-4147-A177-3AD203B41FA5}">
+                      <a16:colId xmlns:a16="http://schemas.microsoft.com/office/drawing/2014/main" val="2352313364"/>
+                    </a:ext>
+                  </a:extLst>
+                </a:gridCol>
+              </a:tblGrid>
+              <a:tr h="370840">
+                <a:tc>
+                  <a:txBody>
+                    <a:bodyPr/>
+                    <a:lstStyle/>
+                    <a:p>
+                      <a:pPr latinLnBrk="1"/>
+                      <a:r>
+                        <a:rPr lang="ko-KR" altLang="en-US" b="0" dirty="0">
+                          <a:solidFill>
+                            <a:schemeClr val="tx1"/>
+                          </a:solidFill>
+                        </a:rPr>
+                        <a:t>무림</a:t>
+                      </a:r>
+                    </a:p>
+                  </a:txBody>
+                  <a:tcPr anchor="ctr">
+                    <a:lnL w="12700" cmpd="sng">
+                      <a:noFill/>
+                    </a:lnL>
+                    <a:lnR w="12700" cap="flat" cmpd="sng" algn="ctr">
+                      <a:solidFill>
+                        <a:schemeClr val="tx1"/>
+                      </a:solidFill>
+                      <a:prstDash val="solid"/>
+                      <a:round/>
+                      <a:headEnd type="none" w="med" len="med"/>
+                      <a:tailEnd type="none" w="med" len="med"/>
+                    </a:lnR>
+                    <a:lnT w="12700" cmpd="sng">
+                      <a:noFill/>
+                    </a:lnT>
+                    <a:lnB w="12700" cap="flat" cmpd="sng" algn="ctr">
+                      <a:solidFill>
+                        <a:schemeClr val="tx1"/>
+                      </a:solidFill>
+                      <a:prstDash val="solid"/>
+                      <a:round/>
+                      <a:headEnd type="none" w="med" len="med"/>
+                      <a:tailEnd type="none" w="med" len="med"/>
+                    </a:lnB>
+                    <a:lnTlToBr w="12700" cmpd="sng">
+                      <a:noFill/>
+                      <a:prstDash val="solid"/>
+                    </a:lnTlToBr>
+                    <a:lnBlToTr w="12700" cmpd="sng">
+                      <a:noFill/>
+                      <a:prstDash val="solid"/>
+                    </a:lnBlToTr>
+                    <a:noFill/>
+                  </a:tcPr>
+                </a:tc>
+                <a:tc gridSpan="2">
+                  <a:txBody>
+                    <a:bodyPr/>
+                    <a:lstStyle/>
+                    <a:p>
+                      <a:pPr latinLnBrk="1"/>
+                      <a:r>
+                        <a:rPr lang="ko-KR" altLang="en-US" b="0" dirty="0">
+                          <a:solidFill>
+                            <a:schemeClr val="tx1"/>
+                          </a:solidFill>
+                        </a:rPr>
+                        <a:t>플레이어의 행동에 따라 변하는 우호도에 따라 우호적인</a:t>
+                      </a:r>
+                      <a:r>
+                        <a:rPr lang="en-US" altLang="ko-KR" b="0" dirty="0">
+                          <a:solidFill>
+                            <a:schemeClr val="tx1"/>
+                          </a:solidFill>
+                        </a:rPr>
+                        <a:t>, </a:t>
+                      </a:r>
+                      <a:r>
+                        <a:rPr lang="ko-KR" altLang="en-US" b="0" dirty="0">
+                          <a:solidFill>
+                            <a:schemeClr val="tx1"/>
+                          </a:solidFill>
+                        </a:rPr>
+                        <a:t>적대적인 상태가 된다</a:t>
+                      </a:r>
+                      <a:r>
+                        <a:rPr lang="en-US" altLang="ko-KR" b="0" dirty="0">
+                          <a:solidFill>
+                            <a:schemeClr val="tx1"/>
+                          </a:solidFill>
+                        </a:rPr>
+                        <a:t>.</a:t>
+                      </a:r>
+                      <a:endParaRPr lang="ko-KR" altLang="en-US" b="0" dirty="0">
+                        <a:solidFill>
+                          <a:schemeClr val="tx1"/>
+                        </a:solidFill>
+                      </a:endParaRPr>
+                    </a:p>
+                  </a:txBody>
+                  <a:tcPr anchor="ctr">
+                    <a:lnL w="12700" cap="flat" cmpd="sng" algn="ctr">
+                      <a:solidFill>
+                        <a:schemeClr val="tx1"/>
+                      </a:solidFill>
+                      <a:prstDash val="solid"/>
+                      <a:round/>
+                      <a:headEnd type="none" w="med" len="med"/>
+                      <a:tailEnd type="none" w="med" len="med"/>
+                    </a:lnL>
+                    <a:lnR w="12700" cmpd="sng">
+                      <a:noFill/>
+                    </a:lnR>
+                    <a:lnT w="12700" cmpd="sng">
+                      <a:noFill/>
+                    </a:lnT>
+                    <a:lnB w="12700" cap="flat" cmpd="sng" algn="ctr">
+                      <a:solidFill>
+                        <a:schemeClr val="tx1"/>
+                      </a:solidFill>
+                      <a:prstDash val="solid"/>
+                      <a:round/>
+                      <a:headEnd type="none" w="med" len="med"/>
+                      <a:tailEnd type="none" w="med" len="med"/>
+                    </a:lnB>
+                    <a:lnTlToBr w="12700" cmpd="sng">
+                      <a:noFill/>
+                      <a:prstDash val="solid"/>
+                    </a:lnTlToBr>
+                    <a:lnBlToTr w="12700" cmpd="sng">
+                      <a:noFill/>
+                      <a:prstDash val="solid"/>
+                    </a:lnBlToTr>
+                    <a:noFill/>
+                  </a:tcPr>
+                </a:tc>
+                <a:tc hMerge="1">
+                  <a:txBody>
+                    <a:bodyPr/>
+                    <a:lstStyle/>
+                    <a:p>
+                      <a:pPr latinLnBrk="1"/>
+                      <a:endParaRPr lang="ko-KR" altLang="en-US"/>
+                    </a:p>
+                  </a:txBody>
+                  <a:tcPr/>
+                </a:tc>
+                <a:extLst>
+                  <a:ext uri="{0D108BD9-81ED-4DB2-BD59-A6C34878D82A}">
+                    <a16:rowId xmlns:a16="http://schemas.microsoft.com/office/drawing/2014/main" val="3094234635"/>
+                  </a:ext>
+                </a:extLst>
+              </a:tr>
+              <a:tr h="370840">
+                <a:tc rowSpan="3">
+                  <a:txBody>
+                    <a:bodyPr/>
+                    <a:lstStyle/>
+                    <a:p>
+                      <a:pPr latinLnBrk="1"/>
+                      <a:r>
+                        <a:rPr lang="ko-KR" altLang="en-US" b="0" dirty="0" err="1">
+                          <a:solidFill>
+                            <a:schemeClr val="tx1"/>
+                          </a:solidFill>
+                        </a:rPr>
+                        <a:t>도방</a:t>
+                      </a:r>
+                      <a:endParaRPr lang="ko-KR" altLang="en-US" b="0" dirty="0">
+                        <a:solidFill>
+                          <a:schemeClr val="tx1"/>
+                        </a:solidFill>
+                      </a:endParaRPr>
+                    </a:p>
+                  </a:txBody>
+                  <a:tcPr anchor="ctr">
+                    <a:lnL w="12700" cmpd="sng">
+                      <a:noFill/>
+                    </a:lnL>
+                    <a:lnR w="12700" cap="flat" cmpd="sng" algn="ctr">
+                      <a:solidFill>
+                        <a:schemeClr val="tx1"/>
+                      </a:solidFill>
+                      <a:prstDash val="solid"/>
+                      <a:round/>
+                      <a:headEnd type="none" w="med" len="med"/>
+                      <a:tailEnd type="none" w="med" len="med"/>
+                    </a:lnR>
+                    <a:lnT w="12700" cap="flat" cmpd="sng" algn="ctr">
+                      <a:solidFill>
+                        <a:schemeClr val="tx1"/>
+                      </a:solidFill>
+                      <a:prstDash val="solid"/>
+                      <a:round/>
+                      <a:headEnd type="none" w="med" len="med"/>
+                      <a:tailEnd type="none" w="med" len="med"/>
+                    </a:lnT>
+                    <a:lnB w="12700" cap="flat" cmpd="sng" algn="ctr">
+                      <a:noFill/>
+                      <a:prstDash val="solid"/>
+                      <a:round/>
+                      <a:headEnd type="none" w="med" len="med"/>
+                      <a:tailEnd type="none" w="med" len="med"/>
+                    </a:lnB>
+                    <a:lnTlToBr w="12700" cmpd="sng">
+                      <a:noFill/>
+                      <a:prstDash val="solid"/>
+                    </a:lnTlToBr>
+                    <a:lnBlToTr w="12700" cmpd="sng">
+                      <a:noFill/>
+                      <a:prstDash val="solid"/>
+                    </a:lnBlToTr>
+                    <a:noFill/>
+                  </a:tcPr>
+                </a:tc>
+                <a:tc gridSpan="2">
+                  <a:txBody>
+                    <a:bodyPr/>
+                    <a:lstStyle/>
+                    <a:p>
+                      <a:pPr latinLnBrk="1"/>
+                      <a:r>
+                        <a:rPr lang="ko-KR" altLang="en-US" b="0" dirty="0">
+                          <a:solidFill>
+                            <a:schemeClr val="tx1"/>
+                          </a:solidFill>
+                        </a:rPr>
+                        <a:t>사용하는 기술에 따라 </a:t>
+                      </a:r>
+                      <a:r>
+                        <a:rPr lang="ko-KR" altLang="en-US" b="0" dirty="0" err="1">
+                          <a:solidFill>
+                            <a:schemeClr val="tx1"/>
+                          </a:solidFill>
+                        </a:rPr>
+                        <a:t>좌도방</a:t>
+                      </a:r>
+                      <a:r>
+                        <a:rPr lang="en-US" altLang="ko-KR" b="0" dirty="0">
+                          <a:solidFill>
+                            <a:schemeClr val="tx1"/>
+                          </a:solidFill>
+                        </a:rPr>
+                        <a:t>, </a:t>
+                      </a:r>
+                      <a:r>
+                        <a:rPr lang="ko-KR" altLang="en-US" b="0" dirty="0" err="1">
+                          <a:solidFill>
+                            <a:schemeClr val="tx1"/>
+                          </a:solidFill>
+                        </a:rPr>
+                        <a:t>우도방으로</a:t>
+                      </a:r>
+                      <a:r>
+                        <a:rPr lang="ko-KR" altLang="en-US" b="0" dirty="0">
+                          <a:solidFill>
+                            <a:schemeClr val="tx1"/>
+                          </a:solidFill>
+                        </a:rPr>
+                        <a:t> 나뉜다</a:t>
+                      </a:r>
+                      <a:r>
+                        <a:rPr lang="en-US" altLang="ko-KR" b="0" dirty="0">
+                          <a:solidFill>
+                            <a:schemeClr val="tx1"/>
+                          </a:solidFill>
+                        </a:rPr>
+                        <a:t>.</a:t>
+                      </a:r>
+                      <a:endParaRPr lang="ko-KR" altLang="en-US" b="0" dirty="0">
+                        <a:solidFill>
+                          <a:schemeClr val="tx1"/>
+                        </a:solidFill>
+                      </a:endParaRPr>
+                    </a:p>
+                  </a:txBody>
+                  <a:tcPr anchor="ctr">
+                    <a:lnL w="12700" cap="flat" cmpd="sng" algn="ctr">
+                      <a:solidFill>
+                        <a:schemeClr val="tx1"/>
+                      </a:solidFill>
+                      <a:prstDash val="solid"/>
+                      <a:round/>
+                      <a:headEnd type="none" w="med" len="med"/>
+                      <a:tailEnd type="none" w="med" len="med"/>
+                    </a:lnL>
+                    <a:lnR w="12700" cmpd="sng">
+                      <a:noFill/>
+                    </a:lnR>
+                    <a:lnT w="12700" cap="flat" cmpd="sng" algn="ctr">
+                      <a:solidFill>
+                        <a:schemeClr val="tx1"/>
+                      </a:solidFill>
+                      <a:prstDash val="solid"/>
+                      <a:round/>
+                      <a:headEnd type="none" w="med" len="med"/>
+                      <a:tailEnd type="none" w="med" len="med"/>
+                    </a:lnT>
+                    <a:lnB w="12700" cap="flat" cmpd="sng" algn="ctr">
+                      <a:solidFill>
+                        <a:schemeClr val="tx1"/>
+                      </a:solidFill>
+                      <a:prstDash val="solid"/>
+                      <a:round/>
+                      <a:headEnd type="none" w="med" len="med"/>
+                      <a:tailEnd type="none" w="med" len="med"/>
+                    </a:lnB>
+                    <a:lnTlToBr w="12700" cmpd="sng">
+                      <a:noFill/>
+                      <a:prstDash val="solid"/>
+                    </a:lnTlToBr>
+                    <a:lnBlToTr w="12700" cmpd="sng">
+                      <a:noFill/>
+                      <a:prstDash val="solid"/>
+                    </a:lnBlToTr>
+                    <a:noFill/>
+                  </a:tcPr>
+                </a:tc>
+                <a:tc hMerge="1">
+                  <a:txBody>
+                    <a:bodyPr/>
+                    <a:lstStyle/>
+                    <a:p>
+                      <a:pPr latinLnBrk="1"/>
+                      <a:endParaRPr lang="ko-KR" altLang="en-US"/>
+                    </a:p>
+                  </a:txBody>
+                  <a:tcPr/>
+                </a:tc>
+                <a:extLst>
+                  <a:ext uri="{0D108BD9-81ED-4DB2-BD59-A6C34878D82A}">
+                    <a16:rowId xmlns:a16="http://schemas.microsoft.com/office/drawing/2014/main" val="407096501"/>
+                  </a:ext>
+                </a:extLst>
+              </a:tr>
+              <a:tr h="185420">
+                <a:tc vMerge="1">
+                  <a:txBody>
+                    <a:bodyPr/>
+                    <a:lstStyle/>
+                    <a:p>
+                      <a:pPr latinLnBrk="1"/>
+                      <a:endParaRPr lang="ko-KR" altLang="en-US" b="0" dirty="0">
+                        <a:solidFill>
+                          <a:schemeClr val="tx1"/>
+                        </a:solidFill>
+                      </a:endParaRPr>
+                    </a:p>
+                  </a:txBody>
+                  <a:tcPr>
+                    <a:lnL w="12700" cmpd="sng">
+                      <a:noFill/>
+                    </a:lnL>
+                    <a:lnR w="12700" cap="flat" cmpd="sng" algn="ctr">
+                      <a:solidFill>
+                        <a:schemeClr val="tx1"/>
+                      </a:solidFill>
+                      <a:prstDash val="solid"/>
+                      <a:round/>
+                      <a:headEnd type="none" w="med" len="med"/>
+                      <a:tailEnd type="none" w="med" len="med"/>
+                    </a:lnR>
+                    <a:lnT w="12700" cap="flat" cmpd="sng" algn="ctr">
+                      <a:solidFill>
+                        <a:schemeClr val="tx1"/>
+                      </a:solidFill>
+                      <a:prstDash val="solid"/>
+                      <a:round/>
+                      <a:headEnd type="none" w="med" len="med"/>
+                      <a:tailEnd type="none" w="med" len="med"/>
+                    </a:lnT>
+                    <a:lnB w="12700" cap="flat" cmpd="sng" algn="ctr">
+                      <a:noFill/>
+                      <a:prstDash val="solid"/>
+                      <a:round/>
+                      <a:headEnd type="none" w="med" len="med"/>
+                      <a:tailEnd type="none" w="med" len="med"/>
+                    </a:lnB>
+                    <a:lnTlToBr w="12700" cmpd="sng">
+                      <a:noFill/>
+                      <a:prstDash val="solid"/>
+                    </a:lnTlToBr>
+                    <a:lnBlToTr w="12700" cmpd="sng">
+                      <a:noFill/>
+                      <a:prstDash val="solid"/>
+                    </a:lnBlToTr>
+                    <a:noFill/>
+                  </a:tcPr>
+                </a:tc>
+                <a:tc>
+                  <a:txBody>
+                    <a:bodyPr/>
+                    <a:lstStyle/>
+                    <a:p>
+                      <a:pPr latinLnBrk="1"/>
+                      <a:r>
+                        <a:rPr lang="ko-KR" altLang="en-US" b="0" dirty="0" err="1">
+                          <a:solidFill>
+                            <a:schemeClr val="tx1"/>
+                          </a:solidFill>
+                        </a:rPr>
+                        <a:t>좌도방</a:t>
+                      </a:r>
+                      <a:endParaRPr lang="ko-KR" altLang="en-US" b="0" dirty="0">
+                        <a:solidFill>
+                          <a:schemeClr val="tx1"/>
+                        </a:solidFill>
+                      </a:endParaRPr>
+                    </a:p>
+                  </a:txBody>
+                  <a:tcPr anchor="ctr">
+                    <a:lnL w="12700" cap="flat" cmpd="sng" algn="ctr">
+                      <a:solidFill>
+                        <a:schemeClr val="tx1"/>
+                      </a:solidFill>
+                      <a:prstDash val="solid"/>
+                      <a:round/>
+                      <a:headEnd type="none" w="med" len="med"/>
+                      <a:tailEnd type="none" w="med" len="med"/>
+                    </a:lnL>
+                    <a:lnR w="12700" cap="flat" cmpd="sng" algn="ctr">
+                      <a:solidFill>
+                        <a:schemeClr val="tx1"/>
+                      </a:solidFill>
+                      <a:prstDash val="solid"/>
+                      <a:round/>
+                      <a:headEnd type="none" w="med" len="med"/>
+                      <a:tailEnd type="none" w="med" len="med"/>
+                    </a:lnR>
+                    <a:lnT w="12700" cap="flat" cmpd="sng" algn="ctr">
+                      <a:solidFill>
+                        <a:schemeClr val="tx1"/>
+                      </a:solidFill>
+                      <a:prstDash val="solid"/>
+                      <a:round/>
+                      <a:headEnd type="none" w="med" len="med"/>
+                      <a:tailEnd type="none" w="med" len="med"/>
+                    </a:lnT>
+                    <a:lnB w="12700" cap="flat" cmpd="sng" algn="ctr">
+                      <a:solidFill>
+                        <a:schemeClr val="tx1"/>
+                      </a:solidFill>
+                      <a:prstDash val="solid"/>
+                      <a:round/>
+                      <a:headEnd type="none" w="med" len="med"/>
+                      <a:tailEnd type="none" w="med" len="med"/>
+                    </a:lnB>
+                    <a:lnTlToBr w="12700" cmpd="sng">
+                      <a:noFill/>
+                      <a:prstDash val="solid"/>
+                    </a:lnTlToBr>
+                    <a:lnBlToTr w="12700" cmpd="sng">
+                      <a:noFill/>
+                      <a:prstDash val="solid"/>
+                    </a:lnBlToTr>
+                    <a:noFill/>
+                  </a:tcPr>
+                </a:tc>
+                <a:tc>
+                  <a:txBody>
+                    <a:bodyPr/>
+                    <a:lstStyle/>
+                    <a:p>
+                      <a:pPr latinLnBrk="1"/>
+                      <a:endParaRPr lang="ko-KR" altLang="en-US" b="0" dirty="0">
+                        <a:solidFill>
+                          <a:schemeClr val="tx1"/>
+                        </a:solidFill>
+                      </a:endParaRPr>
+                    </a:p>
+                  </a:txBody>
+                  <a:tcPr anchor="ctr">
+                    <a:lnL w="12700" cap="flat" cmpd="sng" algn="ctr">
+                      <a:solidFill>
+                        <a:schemeClr val="tx1"/>
+                      </a:solidFill>
+                      <a:prstDash val="solid"/>
+                      <a:round/>
+                      <a:headEnd type="none" w="med" len="med"/>
+                      <a:tailEnd type="none" w="med" len="med"/>
+                    </a:lnL>
+                    <a:lnR w="12700" cmpd="sng">
+                      <a:noFill/>
+                    </a:lnR>
+                    <a:lnT w="12700" cap="flat" cmpd="sng" algn="ctr">
+                      <a:solidFill>
+                        <a:schemeClr val="tx1"/>
+                      </a:solidFill>
+                      <a:prstDash val="solid"/>
+                      <a:round/>
+                      <a:headEnd type="none" w="med" len="med"/>
+                      <a:tailEnd type="none" w="med" len="med"/>
+                    </a:lnT>
+                    <a:lnB w="12700" cap="flat" cmpd="sng" algn="ctr">
+                      <a:solidFill>
+                        <a:schemeClr val="tx1"/>
+                      </a:solidFill>
+                      <a:prstDash val="solid"/>
+                      <a:round/>
+                      <a:headEnd type="none" w="med" len="med"/>
+                      <a:tailEnd type="none" w="med" len="med"/>
+                    </a:lnB>
+                    <a:lnTlToBr w="12700" cmpd="sng">
+                      <a:noFill/>
+                      <a:prstDash val="solid"/>
+                    </a:lnTlToBr>
+                    <a:lnBlToTr w="12700" cmpd="sng">
+                      <a:noFill/>
+                      <a:prstDash val="solid"/>
+                    </a:lnBlToTr>
+                    <a:noFill/>
+                  </a:tcPr>
+                </a:tc>
+                <a:extLst>
+                  <a:ext uri="{0D108BD9-81ED-4DB2-BD59-A6C34878D82A}">
+                    <a16:rowId xmlns:a16="http://schemas.microsoft.com/office/drawing/2014/main" val="119190598"/>
+                  </a:ext>
+                </a:extLst>
+              </a:tr>
+              <a:tr h="185420">
+                <a:tc vMerge="1">
+                  <a:txBody>
+                    <a:bodyPr/>
+                    <a:lstStyle/>
+                    <a:p>
+                      <a:pPr latinLnBrk="1"/>
+                      <a:endParaRPr lang="ko-KR" altLang="en-US"/>
+                    </a:p>
+                  </a:txBody>
+                  <a:tcPr/>
+                </a:tc>
+                <a:tc>
+                  <a:txBody>
+                    <a:bodyPr/>
+                    <a:lstStyle/>
+                    <a:p>
+                      <a:pPr latinLnBrk="1"/>
+                      <a:r>
+                        <a:rPr lang="ko-KR" altLang="en-US" b="0" dirty="0" err="1">
+                          <a:solidFill>
+                            <a:schemeClr val="tx1"/>
+                          </a:solidFill>
+                        </a:rPr>
+                        <a:t>우도방</a:t>
+                      </a:r>
+                      <a:endParaRPr lang="ko-KR" altLang="en-US" b="0" dirty="0">
+                        <a:solidFill>
+                          <a:schemeClr val="tx1"/>
+                        </a:solidFill>
+                      </a:endParaRPr>
+                    </a:p>
+                  </a:txBody>
+                  <a:tcPr anchor="ctr">
+                    <a:lnL w="12700" cap="flat" cmpd="sng" algn="ctr">
+                      <a:solidFill>
+                        <a:schemeClr val="tx1"/>
+                      </a:solidFill>
+                      <a:prstDash val="solid"/>
+                      <a:round/>
+                      <a:headEnd type="none" w="med" len="med"/>
+                      <a:tailEnd type="none" w="med" len="med"/>
+                    </a:lnL>
+                    <a:lnR w="12700" cap="flat" cmpd="sng" algn="ctr">
+                      <a:solidFill>
+                        <a:schemeClr val="tx1"/>
+                      </a:solidFill>
+                      <a:prstDash val="solid"/>
+                      <a:round/>
+                      <a:headEnd type="none" w="med" len="med"/>
+                      <a:tailEnd type="none" w="med" len="med"/>
+                    </a:lnR>
+                    <a:lnT w="12700" cap="flat" cmpd="sng" algn="ctr">
+                      <a:solidFill>
+                        <a:schemeClr val="tx1"/>
+                      </a:solidFill>
+                      <a:prstDash val="solid"/>
+                      <a:round/>
+                      <a:headEnd type="none" w="med" len="med"/>
+                      <a:tailEnd type="none" w="med" len="med"/>
+                    </a:lnT>
+                    <a:lnB w="12700" cap="flat" cmpd="sng" algn="ctr">
+                      <a:noFill/>
+                      <a:prstDash val="solid"/>
+                      <a:round/>
+                      <a:headEnd type="none" w="med" len="med"/>
+                      <a:tailEnd type="none" w="med" len="med"/>
+                    </a:lnB>
+                    <a:lnTlToBr w="12700" cmpd="sng">
+                      <a:noFill/>
+                      <a:prstDash val="solid"/>
+                    </a:lnTlToBr>
+                    <a:lnBlToTr w="12700" cmpd="sng">
+                      <a:noFill/>
+                      <a:prstDash val="solid"/>
+                    </a:lnBlToTr>
+                    <a:noFill/>
+                  </a:tcPr>
+                </a:tc>
+                <a:tc>
+                  <a:txBody>
+                    <a:bodyPr/>
+                    <a:lstStyle/>
+                    <a:p>
+                      <a:pPr latinLnBrk="1"/>
+                      <a:endParaRPr lang="ko-KR" altLang="en-US" b="0" dirty="0">
+                        <a:solidFill>
+                          <a:schemeClr val="tx1"/>
+                        </a:solidFill>
+                      </a:endParaRPr>
+                    </a:p>
+                  </a:txBody>
+                  <a:tcPr anchor="ctr">
+                    <a:lnL w="12700" cap="flat" cmpd="sng" algn="ctr">
+                      <a:solidFill>
+                        <a:schemeClr val="tx1"/>
+                      </a:solidFill>
+                      <a:prstDash val="solid"/>
+                      <a:round/>
+                      <a:headEnd type="none" w="med" len="med"/>
+                      <a:tailEnd type="none" w="med" len="med"/>
+                    </a:lnL>
+                    <a:lnR w="12700" cmpd="sng">
+                      <a:noFill/>
+                    </a:lnR>
+                    <a:lnT w="12700" cap="flat" cmpd="sng" algn="ctr">
+                      <a:solidFill>
+                        <a:schemeClr val="tx1"/>
+                      </a:solidFill>
+                      <a:prstDash val="solid"/>
+                      <a:round/>
+                      <a:headEnd type="none" w="med" len="med"/>
+                      <a:tailEnd type="none" w="med" len="med"/>
+                    </a:lnT>
+                    <a:lnB w="12700" cap="flat" cmpd="sng" algn="ctr">
+                      <a:noFill/>
+                      <a:prstDash val="solid"/>
+                      <a:round/>
+                      <a:headEnd type="none" w="med" len="med"/>
+                      <a:tailEnd type="none" w="med" len="med"/>
+                    </a:lnB>
+                    <a:lnTlToBr w="12700" cmpd="sng">
+                      <a:noFill/>
+                      <a:prstDash val="solid"/>
+                    </a:lnTlToBr>
+                    <a:lnBlToTr w="12700" cmpd="sng">
+                      <a:noFill/>
+                      <a:prstDash val="solid"/>
+                    </a:lnBlToTr>
+                    <a:noFill/>
+                  </a:tcPr>
+                </a:tc>
+                <a:extLst>
+                  <a:ext uri="{0D108BD9-81ED-4DB2-BD59-A6C34878D82A}">
+                    <a16:rowId xmlns:a16="http://schemas.microsoft.com/office/drawing/2014/main" val="1144924792"/>
+                  </a:ext>
+                </a:extLst>
+              </a:tr>
+            </a:tbl>
+          </a:graphicData>
+        </a:graphic>
+      </p:graphicFrame>
+    </p:spTree>
+    <p:extLst>
+      <p:ext uri="{BB962C8B-B14F-4D97-AF65-F5344CB8AC3E}">
+        <p14:creationId xmlns:p14="http://schemas.microsoft.com/office/powerpoint/2010/main" val="3610561970"/>
+      </p:ext>
+    </p:extLst>
+  </p:cSld>
+  <p:clrMapOvr>
+    <a:masterClrMapping/>
+  </p:clrMapOvr>
+</p:sld>
+</file>
+
+<file path=ppt/slides/slide14.xml><?xml version="1.0" encoding="utf-8"?>
+<p:sld xmlns:a="http://schemas.openxmlformats.org/drawingml/2006/main" xmlns:r="http://schemas.openxmlformats.org/officeDocument/2006/relationships" xmlns:p="http://schemas.openxmlformats.org/presentationml/2006/main">
+  <p:cSld>
+    <p:spTree>
+      <p:nvGrpSpPr>
+        <p:cNvPr id="1" name=""/>
+        <p:cNvGrpSpPr/>
+        <p:nvPr/>
+      </p:nvGrpSpPr>
+      <p:grpSpPr>
+        <a:xfrm>
+          <a:off x="0" y="0"/>
+          <a:ext cx="0" cy="0"/>
+          <a:chOff x="0" y="0"/>
+          <a:chExt cx="0" cy="0"/>
+        </a:xfrm>
+      </p:grpSpPr>
+      <p:sp>
+        <p:nvSpPr>
+          <p:cNvPr id="7" name="제목 1">
+            <a:extLst>
+              <a:ext uri="{FF2B5EF4-FFF2-40B4-BE49-F238E27FC236}">
+                <a16:creationId xmlns:a16="http://schemas.microsoft.com/office/drawing/2014/main" id="{77FA9A8E-E94C-4F99-8997-7C96A1AAEAC7}"/>
+              </a:ext>
+            </a:extLst>
+          </p:cNvPr>
+          <p:cNvSpPr txBox="1">
+            <a:spLocks/>
+          </p:cNvSpPr>
+          <p:nvPr/>
+        </p:nvSpPr>
+        <p:spPr>
+          <a:xfrm>
+            <a:off x="695325" y="292100"/>
+            <a:ext cx="10801350" cy="861695"/>
+          </a:xfrm>
+          <a:prstGeom prst="rect">
+            <a:avLst/>
+          </a:prstGeom>
+        </p:spPr>
+        <p:txBody>
+          <a:bodyPr vert="horz" lIns="91440" tIns="45720" rIns="91440" bIns="45720" rtlCol="0" anchor="ctr">
+            <a:normAutofit/>
+          </a:bodyPr>
+          <a:lstStyle>
+            <a:lvl1pPr algn="l" defTabSz="914400" rtl="0" eaLnBrk="1" latinLnBrk="1" hangingPunct="1">
+              <a:lnSpc>
+                <a:spcPct val="90000"/>
+              </a:lnSpc>
+              <a:spcBef>
+                <a:spcPct val="0"/>
+              </a:spcBef>
+              <a:buNone/>
+              <a:defRPr sz="4400" kern="1200">
+                <a:solidFill>
+                  <a:schemeClr val="tx1"/>
+                </a:solidFill>
+                <a:latin typeface="+mj-lt"/>
+                <a:ea typeface="+mj-ea"/>
+                <a:cs typeface="+mj-cs"/>
+              </a:defRPr>
+            </a:lvl1pPr>
+          </a:lstStyle>
+          <a:p>
+            <a:r>
+              <a:rPr lang="ko-KR" altLang="en-US" dirty="0"/>
+              <a:t>기타 세력 규칙</a:t>
+            </a:r>
+          </a:p>
+        </p:txBody>
+      </p:sp>
+      <p:graphicFrame>
+        <p:nvGraphicFramePr>
+          <p:cNvPr id="2" name="표 2">
+            <a:extLst>
+              <a:ext uri="{FF2B5EF4-FFF2-40B4-BE49-F238E27FC236}">
+                <a16:creationId xmlns:a16="http://schemas.microsoft.com/office/drawing/2014/main" id="{FBB150CA-00F1-4A49-8E35-6CF98C8E584A}"/>
+              </a:ext>
+            </a:extLst>
+          </p:cNvPr>
+          <p:cNvGraphicFramePr>
+            <a:graphicFrameLocks noGrp="1"/>
+          </p:cNvGraphicFramePr>
+          <p:nvPr/>
+        </p:nvGraphicFramePr>
+        <p:xfrm>
+          <a:off x="1530826" y="1612769"/>
+          <a:ext cx="9130348" cy="1473200"/>
+        </p:xfrm>
+        <a:graphic>
+          <a:graphicData uri="http://schemas.openxmlformats.org/drawingml/2006/table">
+            <a:tbl>
+              <a:tblPr firstRow="1" bandRow="1">
+                <a:tableStyleId>{5C22544A-7EE6-4342-B048-85BDC9FD1C3A}</a:tableStyleId>
+              </a:tblPr>
+              <a:tblGrid>
+                <a:gridCol w="721043">
+                  <a:extLst>
+                    <a:ext uri="{9D8B030D-6E8A-4147-A177-3AD203B41FA5}">
+                      <a16:colId xmlns:a16="http://schemas.microsoft.com/office/drawing/2014/main" val="3027664129"/>
+                    </a:ext>
+                  </a:extLst>
+                </a:gridCol>
+                <a:gridCol w="904569">
+                  <a:extLst>
+                    <a:ext uri="{9D8B030D-6E8A-4147-A177-3AD203B41FA5}">
+                      <a16:colId xmlns:a16="http://schemas.microsoft.com/office/drawing/2014/main" val="2521053459"/>
+                    </a:ext>
+                  </a:extLst>
+                </a:gridCol>
+                <a:gridCol w="7504736">
+                  <a:extLst>
+                    <a:ext uri="{9D8B030D-6E8A-4147-A177-3AD203B41FA5}">
+                      <a16:colId xmlns:a16="http://schemas.microsoft.com/office/drawing/2014/main" val="2352313364"/>
+                    </a:ext>
+                  </a:extLst>
+                </a:gridCol>
+              </a:tblGrid>
+              <a:tr h="370840">
+                <a:tc>
+                  <a:txBody>
+                    <a:bodyPr/>
+                    <a:lstStyle/>
+                    <a:p>
+                      <a:pPr latinLnBrk="1"/>
+                      <a:r>
+                        <a:rPr lang="ko-KR" altLang="en-US" b="0" dirty="0">
+                          <a:solidFill>
+                            <a:schemeClr val="tx1"/>
+                          </a:solidFill>
+                        </a:rPr>
+                        <a:t>무림</a:t>
+                      </a:r>
+                    </a:p>
+                  </a:txBody>
+                  <a:tcPr anchor="ctr">
+                    <a:lnL w="12700" cmpd="sng">
+                      <a:noFill/>
+                    </a:lnL>
+                    <a:lnR w="12700" cap="flat" cmpd="sng" algn="ctr">
+                      <a:solidFill>
+                        <a:schemeClr val="tx1"/>
+                      </a:solidFill>
+                      <a:prstDash val="solid"/>
+                      <a:round/>
+                      <a:headEnd type="none" w="med" len="med"/>
+                      <a:tailEnd type="none" w="med" len="med"/>
+                    </a:lnR>
+                    <a:lnT w="12700" cmpd="sng">
+                      <a:noFill/>
+                    </a:lnT>
+                    <a:lnB w="12700" cap="flat" cmpd="sng" algn="ctr">
+                      <a:solidFill>
+                        <a:schemeClr val="tx1"/>
+                      </a:solidFill>
+                      <a:prstDash val="solid"/>
+                      <a:round/>
+                      <a:headEnd type="none" w="med" len="med"/>
+                      <a:tailEnd type="none" w="med" len="med"/>
+                    </a:lnB>
+                    <a:lnTlToBr w="12700" cmpd="sng">
+                      <a:noFill/>
+                      <a:prstDash val="solid"/>
+                    </a:lnTlToBr>
+                    <a:lnBlToTr w="12700" cmpd="sng">
+                      <a:noFill/>
+                      <a:prstDash val="solid"/>
+                    </a:lnBlToTr>
+                    <a:noFill/>
+                  </a:tcPr>
+                </a:tc>
+                <a:tc gridSpan="2">
+                  <a:txBody>
+                    <a:bodyPr/>
+                    <a:lstStyle/>
+                    <a:p>
+                      <a:pPr latinLnBrk="1"/>
+                      <a:r>
+                        <a:rPr lang="ko-KR" altLang="en-US" b="0" dirty="0">
+                          <a:solidFill>
+                            <a:schemeClr val="tx1"/>
+                          </a:solidFill>
+                        </a:rPr>
+                        <a:t>플레이어의 행동에 따라 변하는 우호도에 따라 우호적인</a:t>
+                      </a:r>
+                      <a:r>
+                        <a:rPr lang="en-US" altLang="ko-KR" b="0" dirty="0">
+                          <a:solidFill>
+                            <a:schemeClr val="tx1"/>
+                          </a:solidFill>
+                        </a:rPr>
+                        <a:t>, </a:t>
+                      </a:r>
+                      <a:r>
+                        <a:rPr lang="ko-KR" altLang="en-US" b="0" dirty="0">
+                          <a:solidFill>
+                            <a:schemeClr val="tx1"/>
+                          </a:solidFill>
+                        </a:rPr>
+                        <a:t>적대적인 상태가 된다</a:t>
+                      </a:r>
+                      <a:r>
+                        <a:rPr lang="en-US" altLang="ko-KR" b="0" dirty="0">
+                          <a:solidFill>
+                            <a:schemeClr val="tx1"/>
+                          </a:solidFill>
+                        </a:rPr>
+                        <a:t>.</a:t>
+                      </a:r>
+                      <a:endParaRPr lang="ko-KR" altLang="en-US" b="0" dirty="0">
+                        <a:solidFill>
+                          <a:schemeClr val="tx1"/>
+                        </a:solidFill>
+                      </a:endParaRPr>
+                    </a:p>
+                  </a:txBody>
+                  <a:tcPr anchor="ctr">
+                    <a:lnL w="12700" cap="flat" cmpd="sng" algn="ctr">
+                      <a:solidFill>
+                        <a:schemeClr val="tx1"/>
+                      </a:solidFill>
+                      <a:prstDash val="solid"/>
+                      <a:round/>
+                      <a:headEnd type="none" w="med" len="med"/>
+                      <a:tailEnd type="none" w="med" len="med"/>
+                    </a:lnL>
+                    <a:lnR w="12700" cmpd="sng">
+                      <a:noFill/>
+                    </a:lnR>
+                    <a:lnT w="12700" cmpd="sng">
+                      <a:noFill/>
+                    </a:lnT>
+                    <a:lnB w="12700" cap="flat" cmpd="sng" algn="ctr">
+                      <a:solidFill>
+                        <a:schemeClr val="tx1"/>
+                      </a:solidFill>
+                      <a:prstDash val="solid"/>
+                      <a:round/>
+                      <a:headEnd type="none" w="med" len="med"/>
+                      <a:tailEnd type="none" w="med" len="med"/>
+                    </a:lnB>
+                    <a:lnTlToBr w="12700" cmpd="sng">
+                      <a:noFill/>
+                      <a:prstDash val="solid"/>
+                    </a:lnTlToBr>
+                    <a:lnBlToTr w="12700" cmpd="sng">
+                      <a:noFill/>
+                      <a:prstDash val="solid"/>
+                    </a:lnBlToTr>
+                    <a:noFill/>
+                  </a:tcPr>
+                </a:tc>
+                <a:tc hMerge="1">
+                  <a:txBody>
+                    <a:bodyPr/>
+                    <a:lstStyle/>
+                    <a:p>
+                      <a:pPr latinLnBrk="1"/>
+                      <a:endParaRPr lang="ko-KR" altLang="en-US"/>
+                    </a:p>
+                  </a:txBody>
+                  <a:tcPr/>
+                </a:tc>
+                <a:extLst>
+                  <a:ext uri="{0D108BD9-81ED-4DB2-BD59-A6C34878D82A}">
+                    <a16:rowId xmlns:a16="http://schemas.microsoft.com/office/drawing/2014/main" val="3094234635"/>
+                  </a:ext>
+                </a:extLst>
+              </a:tr>
+              <a:tr h="370840">
+                <a:tc rowSpan="3">
+                  <a:txBody>
+                    <a:bodyPr/>
+                    <a:lstStyle/>
+                    <a:p>
+                      <a:pPr latinLnBrk="1"/>
+                      <a:r>
+                        <a:rPr lang="ko-KR" altLang="en-US" b="0" dirty="0" err="1">
+                          <a:solidFill>
+                            <a:schemeClr val="tx1"/>
+                          </a:solidFill>
+                        </a:rPr>
+                        <a:t>도방</a:t>
+                      </a:r>
+                      <a:endParaRPr lang="ko-KR" altLang="en-US" b="0" dirty="0">
+                        <a:solidFill>
+                          <a:schemeClr val="tx1"/>
+                        </a:solidFill>
+                      </a:endParaRPr>
+                    </a:p>
+                  </a:txBody>
+                  <a:tcPr anchor="ctr">
+                    <a:lnL w="12700" cmpd="sng">
+                      <a:noFill/>
+                    </a:lnL>
+                    <a:lnR w="12700" cap="flat" cmpd="sng" algn="ctr">
+                      <a:solidFill>
+                        <a:schemeClr val="tx1"/>
+                      </a:solidFill>
+                      <a:prstDash val="solid"/>
+                      <a:round/>
+                      <a:headEnd type="none" w="med" len="med"/>
+                      <a:tailEnd type="none" w="med" len="med"/>
+                    </a:lnR>
+                    <a:lnT w="12700" cap="flat" cmpd="sng" algn="ctr">
+                      <a:solidFill>
+                        <a:schemeClr val="tx1"/>
+                      </a:solidFill>
+                      <a:prstDash val="solid"/>
+                      <a:round/>
+                      <a:headEnd type="none" w="med" len="med"/>
+                      <a:tailEnd type="none" w="med" len="med"/>
+                    </a:lnT>
+                    <a:lnB w="12700" cap="flat" cmpd="sng" algn="ctr">
+                      <a:noFill/>
+                      <a:prstDash val="solid"/>
+                      <a:round/>
+                      <a:headEnd type="none" w="med" len="med"/>
+                      <a:tailEnd type="none" w="med" len="med"/>
+                    </a:lnB>
+                    <a:lnTlToBr w="12700" cmpd="sng">
+                      <a:noFill/>
+                      <a:prstDash val="solid"/>
+                    </a:lnTlToBr>
+                    <a:lnBlToTr w="12700" cmpd="sng">
+                      <a:noFill/>
+                      <a:prstDash val="solid"/>
+                    </a:lnBlToTr>
+                    <a:noFill/>
+                  </a:tcPr>
+                </a:tc>
+                <a:tc gridSpan="2">
+                  <a:txBody>
+                    <a:bodyPr/>
+                    <a:lstStyle/>
+                    <a:p>
+                      <a:pPr latinLnBrk="1"/>
+                      <a:r>
+                        <a:rPr lang="ko-KR" altLang="en-US" b="0" dirty="0">
+                          <a:solidFill>
+                            <a:schemeClr val="tx1"/>
+                          </a:solidFill>
+                        </a:rPr>
+                        <a:t>사용하는 기술에 따라 </a:t>
+                      </a:r>
+                      <a:r>
+                        <a:rPr lang="ko-KR" altLang="en-US" b="0" dirty="0" err="1">
+                          <a:solidFill>
+                            <a:schemeClr val="tx1"/>
+                          </a:solidFill>
+                        </a:rPr>
+                        <a:t>좌도방</a:t>
+                      </a:r>
+                      <a:r>
+                        <a:rPr lang="en-US" altLang="ko-KR" b="0" dirty="0">
+                          <a:solidFill>
+                            <a:schemeClr val="tx1"/>
+                          </a:solidFill>
+                        </a:rPr>
+                        <a:t>, </a:t>
+                      </a:r>
+                      <a:r>
+                        <a:rPr lang="ko-KR" altLang="en-US" b="0" dirty="0" err="1">
+                          <a:solidFill>
+                            <a:schemeClr val="tx1"/>
+                          </a:solidFill>
+                        </a:rPr>
+                        <a:t>우도방으로</a:t>
+                      </a:r>
+                      <a:r>
+                        <a:rPr lang="ko-KR" altLang="en-US" b="0" dirty="0">
+                          <a:solidFill>
+                            <a:schemeClr val="tx1"/>
+                          </a:solidFill>
+                        </a:rPr>
+                        <a:t> 나뉜다</a:t>
+                      </a:r>
+                      <a:r>
+                        <a:rPr lang="en-US" altLang="ko-KR" b="0" dirty="0">
+                          <a:solidFill>
+                            <a:schemeClr val="tx1"/>
+                          </a:solidFill>
+                        </a:rPr>
+                        <a:t>.</a:t>
+                      </a:r>
+                      <a:endParaRPr lang="ko-KR" altLang="en-US" b="0" dirty="0">
+                        <a:solidFill>
+                          <a:schemeClr val="tx1"/>
+                        </a:solidFill>
+                      </a:endParaRPr>
+                    </a:p>
+                  </a:txBody>
+                  <a:tcPr anchor="ctr">
+                    <a:lnL w="12700" cap="flat" cmpd="sng" algn="ctr">
+                      <a:solidFill>
+                        <a:schemeClr val="tx1"/>
+                      </a:solidFill>
+                      <a:prstDash val="solid"/>
+                      <a:round/>
+                      <a:headEnd type="none" w="med" len="med"/>
+                      <a:tailEnd type="none" w="med" len="med"/>
+                    </a:lnL>
+                    <a:lnR w="12700" cmpd="sng">
+                      <a:noFill/>
+                    </a:lnR>
+                    <a:lnT w="12700" cap="flat" cmpd="sng" algn="ctr">
+                      <a:solidFill>
+                        <a:schemeClr val="tx1"/>
+                      </a:solidFill>
+                      <a:prstDash val="solid"/>
+                      <a:round/>
+                      <a:headEnd type="none" w="med" len="med"/>
+                      <a:tailEnd type="none" w="med" len="med"/>
+                    </a:lnT>
+                    <a:lnB w="12700" cap="flat" cmpd="sng" algn="ctr">
+                      <a:solidFill>
+                        <a:schemeClr val="tx1"/>
+                      </a:solidFill>
+                      <a:prstDash val="solid"/>
+                      <a:round/>
+                      <a:headEnd type="none" w="med" len="med"/>
+                      <a:tailEnd type="none" w="med" len="med"/>
+                    </a:lnB>
+                    <a:lnTlToBr w="12700" cmpd="sng">
+                      <a:noFill/>
+                      <a:prstDash val="solid"/>
+                    </a:lnTlToBr>
+                    <a:lnBlToTr w="12700" cmpd="sng">
+                      <a:noFill/>
+                      <a:prstDash val="solid"/>
+                    </a:lnBlToTr>
+                    <a:noFill/>
+                  </a:tcPr>
+                </a:tc>
+                <a:tc hMerge="1">
+                  <a:txBody>
+                    <a:bodyPr/>
+                    <a:lstStyle/>
+                    <a:p>
+                      <a:pPr latinLnBrk="1"/>
+                      <a:endParaRPr lang="ko-KR" altLang="en-US"/>
+                    </a:p>
+                  </a:txBody>
+                  <a:tcPr/>
+                </a:tc>
+                <a:extLst>
+                  <a:ext uri="{0D108BD9-81ED-4DB2-BD59-A6C34878D82A}">
+                    <a16:rowId xmlns:a16="http://schemas.microsoft.com/office/drawing/2014/main" val="407096501"/>
+                  </a:ext>
+                </a:extLst>
+              </a:tr>
+              <a:tr h="185420">
+                <a:tc vMerge="1">
+                  <a:txBody>
+                    <a:bodyPr/>
+                    <a:lstStyle/>
+                    <a:p>
+                      <a:pPr latinLnBrk="1"/>
+                      <a:endParaRPr lang="ko-KR" altLang="en-US" b="0" dirty="0">
+                        <a:solidFill>
+                          <a:schemeClr val="tx1"/>
+                        </a:solidFill>
+                      </a:endParaRPr>
+                    </a:p>
+                  </a:txBody>
+                  <a:tcPr>
+                    <a:lnL w="12700" cmpd="sng">
+                      <a:noFill/>
+                    </a:lnL>
+                    <a:lnR w="12700" cap="flat" cmpd="sng" algn="ctr">
+                      <a:solidFill>
+                        <a:schemeClr val="tx1"/>
+                      </a:solidFill>
+                      <a:prstDash val="solid"/>
+                      <a:round/>
+                      <a:headEnd type="none" w="med" len="med"/>
+                      <a:tailEnd type="none" w="med" len="med"/>
+                    </a:lnR>
+                    <a:lnT w="12700" cap="flat" cmpd="sng" algn="ctr">
+                      <a:solidFill>
+                        <a:schemeClr val="tx1"/>
+                      </a:solidFill>
+                      <a:prstDash val="solid"/>
+                      <a:round/>
+                      <a:headEnd type="none" w="med" len="med"/>
+                      <a:tailEnd type="none" w="med" len="med"/>
+                    </a:lnT>
+                    <a:lnB w="12700" cap="flat" cmpd="sng" algn="ctr">
+                      <a:noFill/>
+                      <a:prstDash val="solid"/>
+                      <a:round/>
+                      <a:headEnd type="none" w="med" len="med"/>
+                      <a:tailEnd type="none" w="med" len="med"/>
+                    </a:lnB>
+                    <a:lnTlToBr w="12700" cmpd="sng">
+                      <a:noFill/>
+                      <a:prstDash val="solid"/>
+                    </a:lnTlToBr>
+                    <a:lnBlToTr w="12700" cmpd="sng">
+                      <a:noFill/>
+                      <a:prstDash val="solid"/>
+                    </a:lnBlToTr>
+                    <a:noFill/>
+                  </a:tcPr>
+                </a:tc>
+                <a:tc>
+                  <a:txBody>
+                    <a:bodyPr/>
+                    <a:lstStyle/>
+                    <a:p>
+                      <a:pPr latinLnBrk="1"/>
+                      <a:r>
+                        <a:rPr lang="ko-KR" altLang="en-US" b="0" dirty="0" err="1">
+                          <a:solidFill>
+                            <a:schemeClr val="tx1"/>
+                          </a:solidFill>
+                        </a:rPr>
+                        <a:t>좌도방</a:t>
+                      </a:r>
+                      <a:endParaRPr lang="ko-KR" altLang="en-US" b="0" dirty="0">
+                        <a:solidFill>
+                          <a:schemeClr val="tx1"/>
+                        </a:solidFill>
+                      </a:endParaRPr>
+                    </a:p>
+                  </a:txBody>
+                  <a:tcPr anchor="ctr">
+                    <a:lnL w="12700" cap="flat" cmpd="sng" algn="ctr">
+                      <a:solidFill>
+                        <a:schemeClr val="tx1"/>
+                      </a:solidFill>
+                      <a:prstDash val="solid"/>
+                      <a:round/>
+                      <a:headEnd type="none" w="med" len="med"/>
+                      <a:tailEnd type="none" w="med" len="med"/>
+                    </a:lnL>
+                    <a:lnR w="12700" cap="flat" cmpd="sng" algn="ctr">
+                      <a:solidFill>
+                        <a:schemeClr val="tx1"/>
+                      </a:solidFill>
+                      <a:prstDash val="solid"/>
+                      <a:round/>
+                      <a:headEnd type="none" w="med" len="med"/>
+                      <a:tailEnd type="none" w="med" len="med"/>
+                    </a:lnR>
+                    <a:lnT w="12700" cap="flat" cmpd="sng" algn="ctr">
+                      <a:solidFill>
+                        <a:schemeClr val="tx1"/>
+                      </a:solidFill>
+                      <a:prstDash val="solid"/>
+                      <a:round/>
+                      <a:headEnd type="none" w="med" len="med"/>
+                      <a:tailEnd type="none" w="med" len="med"/>
+                    </a:lnT>
+                    <a:lnB w="12700" cap="flat" cmpd="sng" algn="ctr">
+                      <a:solidFill>
+                        <a:schemeClr val="tx1"/>
+                      </a:solidFill>
+                      <a:prstDash val="solid"/>
+                      <a:round/>
+                      <a:headEnd type="none" w="med" len="med"/>
+                      <a:tailEnd type="none" w="med" len="med"/>
+                    </a:lnB>
+                    <a:lnTlToBr w="12700" cmpd="sng">
+                      <a:noFill/>
+                      <a:prstDash val="solid"/>
+                    </a:lnTlToBr>
+                    <a:lnBlToTr w="12700" cmpd="sng">
+                      <a:noFill/>
+                      <a:prstDash val="solid"/>
+                    </a:lnBlToTr>
+                    <a:noFill/>
+                  </a:tcPr>
+                </a:tc>
+                <a:tc>
+                  <a:txBody>
+                    <a:bodyPr/>
+                    <a:lstStyle/>
+                    <a:p>
+                      <a:pPr latinLnBrk="1"/>
+                      <a:endParaRPr lang="ko-KR" altLang="en-US" b="0" dirty="0">
+                        <a:solidFill>
+                          <a:schemeClr val="tx1"/>
+                        </a:solidFill>
+                      </a:endParaRPr>
+                    </a:p>
+                  </a:txBody>
+                  <a:tcPr anchor="ctr">
+                    <a:lnL w="12700" cap="flat" cmpd="sng" algn="ctr">
+                      <a:solidFill>
+                        <a:schemeClr val="tx1"/>
+                      </a:solidFill>
+                      <a:prstDash val="solid"/>
+                      <a:round/>
+                      <a:headEnd type="none" w="med" len="med"/>
+                      <a:tailEnd type="none" w="med" len="med"/>
+                    </a:lnL>
+                    <a:lnR w="12700" cmpd="sng">
+                      <a:noFill/>
+                    </a:lnR>
+                    <a:lnT w="12700" cap="flat" cmpd="sng" algn="ctr">
+                      <a:solidFill>
+                        <a:schemeClr val="tx1"/>
+                      </a:solidFill>
+                      <a:prstDash val="solid"/>
+                      <a:round/>
+                      <a:headEnd type="none" w="med" len="med"/>
+                      <a:tailEnd type="none" w="med" len="med"/>
+                    </a:lnT>
+                    <a:lnB w="12700" cap="flat" cmpd="sng" algn="ctr">
+                      <a:solidFill>
+                        <a:schemeClr val="tx1"/>
+                      </a:solidFill>
+                      <a:prstDash val="solid"/>
+                      <a:round/>
+                      <a:headEnd type="none" w="med" len="med"/>
+                      <a:tailEnd type="none" w="med" len="med"/>
+                    </a:lnB>
+                    <a:lnTlToBr w="12700" cmpd="sng">
+                      <a:noFill/>
+                      <a:prstDash val="solid"/>
+                    </a:lnTlToBr>
+                    <a:lnBlToTr w="12700" cmpd="sng">
+                      <a:noFill/>
+                      <a:prstDash val="solid"/>
+                    </a:lnBlToTr>
+                    <a:noFill/>
+                  </a:tcPr>
+                </a:tc>
+                <a:extLst>
+                  <a:ext uri="{0D108BD9-81ED-4DB2-BD59-A6C34878D82A}">
+                    <a16:rowId xmlns:a16="http://schemas.microsoft.com/office/drawing/2014/main" val="119190598"/>
+                  </a:ext>
+                </a:extLst>
+              </a:tr>
+              <a:tr h="185420">
+                <a:tc vMerge="1">
+                  <a:txBody>
+                    <a:bodyPr/>
+                    <a:lstStyle/>
+                    <a:p>
+                      <a:pPr latinLnBrk="1"/>
+                      <a:endParaRPr lang="ko-KR" altLang="en-US"/>
+                    </a:p>
+                  </a:txBody>
+                  <a:tcPr/>
+                </a:tc>
+                <a:tc>
+                  <a:txBody>
+                    <a:bodyPr/>
+                    <a:lstStyle/>
+                    <a:p>
+                      <a:pPr latinLnBrk="1"/>
+                      <a:r>
+                        <a:rPr lang="ko-KR" altLang="en-US" b="0" dirty="0" err="1">
+                          <a:solidFill>
+                            <a:schemeClr val="tx1"/>
+                          </a:solidFill>
+                        </a:rPr>
+                        <a:t>우도방</a:t>
+                      </a:r>
+                      <a:endParaRPr lang="ko-KR" altLang="en-US" b="0" dirty="0">
+                        <a:solidFill>
+                          <a:schemeClr val="tx1"/>
+                        </a:solidFill>
+                      </a:endParaRPr>
+                    </a:p>
+                  </a:txBody>
+                  <a:tcPr anchor="ctr">
+                    <a:lnL w="12700" cap="flat" cmpd="sng" algn="ctr">
+                      <a:solidFill>
+                        <a:schemeClr val="tx1"/>
+                      </a:solidFill>
+                      <a:prstDash val="solid"/>
+                      <a:round/>
+                      <a:headEnd type="none" w="med" len="med"/>
+                      <a:tailEnd type="none" w="med" len="med"/>
+                    </a:lnL>
+                    <a:lnR w="12700" cap="flat" cmpd="sng" algn="ctr">
+                      <a:solidFill>
+                        <a:schemeClr val="tx1"/>
+                      </a:solidFill>
+                      <a:prstDash val="solid"/>
+                      <a:round/>
+                      <a:headEnd type="none" w="med" len="med"/>
+                      <a:tailEnd type="none" w="med" len="med"/>
+                    </a:lnR>
+                    <a:lnT w="12700" cap="flat" cmpd="sng" algn="ctr">
+                      <a:solidFill>
+                        <a:schemeClr val="tx1"/>
+                      </a:solidFill>
+                      <a:prstDash val="solid"/>
+                      <a:round/>
+                      <a:headEnd type="none" w="med" len="med"/>
+                      <a:tailEnd type="none" w="med" len="med"/>
+                    </a:lnT>
+                    <a:lnB w="12700" cap="flat" cmpd="sng" algn="ctr">
+                      <a:noFill/>
+                      <a:prstDash val="solid"/>
+                      <a:round/>
+                      <a:headEnd type="none" w="med" len="med"/>
+                      <a:tailEnd type="none" w="med" len="med"/>
+                    </a:lnB>
+                    <a:lnTlToBr w="12700" cmpd="sng">
+                      <a:noFill/>
+                      <a:prstDash val="solid"/>
+                    </a:lnTlToBr>
+                    <a:lnBlToTr w="12700" cmpd="sng">
+                      <a:noFill/>
+                      <a:prstDash val="solid"/>
+                    </a:lnBlToTr>
+                    <a:noFill/>
+                  </a:tcPr>
+                </a:tc>
+                <a:tc>
+                  <a:txBody>
+                    <a:bodyPr/>
+                    <a:lstStyle/>
+                    <a:p>
+                      <a:pPr latinLnBrk="1"/>
+                      <a:endParaRPr lang="ko-KR" altLang="en-US" b="0" dirty="0">
+                        <a:solidFill>
+                          <a:schemeClr val="tx1"/>
+                        </a:solidFill>
+                      </a:endParaRPr>
+                    </a:p>
+                  </a:txBody>
+                  <a:tcPr anchor="ctr">
+                    <a:lnL w="12700" cap="flat" cmpd="sng" algn="ctr">
+                      <a:solidFill>
+                        <a:schemeClr val="tx1"/>
+                      </a:solidFill>
+                      <a:prstDash val="solid"/>
+                      <a:round/>
+                      <a:headEnd type="none" w="med" len="med"/>
+                      <a:tailEnd type="none" w="med" len="med"/>
+                    </a:lnL>
+                    <a:lnR w="12700" cmpd="sng">
+                      <a:noFill/>
+                    </a:lnR>
+                    <a:lnT w="12700" cap="flat" cmpd="sng" algn="ctr">
+                      <a:solidFill>
+                        <a:schemeClr val="tx1"/>
+                      </a:solidFill>
+                      <a:prstDash val="solid"/>
+                      <a:round/>
+                      <a:headEnd type="none" w="med" len="med"/>
+                      <a:tailEnd type="none" w="med" len="med"/>
+                    </a:lnT>
+                    <a:lnB w="12700" cap="flat" cmpd="sng" algn="ctr">
+                      <a:noFill/>
+                      <a:prstDash val="solid"/>
+                      <a:round/>
+                      <a:headEnd type="none" w="med" len="med"/>
+                      <a:tailEnd type="none" w="med" len="med"/>
+                    </a:lnB>
+                    <a:lnTlToBr w="12700" cmpd="sng">
+                      <a:noFill/>
+                      <a:prstDash val="solid"/>
+                    </a:lnTlToBr>
+                    <a:lnBlToTr w="12700" cmpd="sng">
+                      <a:noFill/>
+                      <a:prstDash val="solid"/>
+                    </a:lnBlToTr>
+                    <a:noFill/>
+                  </a:tcPr>
+                </a:tc>
+                <a:extLst>
+                  <a:ext uri="{0D108BD9-81ED-4DB2-BD59-A6C34878D82A}">
+                    <a16:rowId xmlns:a16="http://schemas.microsoft.com/office/drawing/2014/main" val="1144924792"/>
+                  </a:ext>
+                </a:extLst>
+              </a:tr>
+            </a:tbl>
+          </a:graphicData>
+        </a:graphic>
+      </p:graphicFrame>
+    </p:spTree>
+    <p:extLst>
+      <p:ext uri="{BB962C8B-B14F-4D97-AF65-F5344CB8AC3E}">
+        <p14:creationId xmlns:p14="http://schemas.microsoft.com/office/powerpoint/2010/main" val="1422473712"/>
+      </p:ext>
+    </p:extLst>
+  </p:cSld>
+  <p:clrMapOvr>
+    <a:masterClrMapping/>
+  </p:clrMapOvr>
+</p:sld>
+</file>
+
+<file path=ppt/slides/slide15.xml><?xml version="1.0" encoding="utf-8"?>
+<p:sld xmlns:a="http://schemas.openxmlformats.org/drawingml/2006/main" xmlns:r="http://schemas.openxmlformats.org/officeDocument/2006/relationships" xmlns:p="http://schemas.openxmlformats.org/presentationml/2006/main">
+  <p:cSld>
+    <p:spTree>
+      <p:nvGrpSpPr>
+        <p:cNvPr id="1" name=""/>
+        <p:cNvGrpSpPr/>
+        <p:nvPr/>
+      </p:nvGrpSpPr>
+      <p:grpSpPr>
+        <a:xfrm>
+          <a:off x="0" y="0"/>
+          <a:ext cx="0" cy="0"/>
+          <a:chOff x="0" y="0"/>
+          <a:chExt cx="0" cy="0"/>
+        </a:xfrm>
+      </p:grpSpPr>
+      <p:sp>
+        <p:nvSpPr>
+          <p:cNvPr id="7" name="제목 1">
+            <a:extLst>
+              <a:ext uri="{FF2B5EF4-FFF2-40B4-BE49-F238E27FC236}">
+                <a16:creationId xmlns:a16="http://schemas.microsoft.com/office/drawing/2014/main" id="{77FA9A8E-E94C-4F99-8997-7C96A1AAEAC7}"/>
+              </a:ext>
+            </a:extLst>
+          </p:cNvPr>
+          <p:cNvSpPr txBox="1">
+            <a:spLocks/>
+          </p:cNvSpPr>
+          <p:nvPr/>
+        </p:nvSpPr>
+        <p:spPr>
+          <a:xfrm>
+            <a:off x="695325" y="292100"/>
+            <a:ext cx="10801350" cy="861695"/>
+          </a:xfrm>
+          <a:prstGeom prst="rect">
+            <a:avLst/>
+          </a:prstGeom>
+        </p:spPr>
+        <p:txBody>
+          <a:bodyPr vert="horz" lIns="91440" tIns="45720" rIns="91440" bIns="45720" rtlCol="0" anchor="ctr">
+            <a:normAutofit/>
+          </a:bodyPr>
+          <a:lstStyle>
+            <a:lvl1pPr algn="l" defTabSz="914400" rtl="0" eaLnBrk="1" latinLnBrk="1" hangingPunct="1">
+              <a:lnSpc>
+                <a:spcPct val="90000"/>
+              </a:lnSpc>
+              <a:spcBef>
+                <a:spcPct val="0"/>
+              </a:spcBef>
+              <a:buNone/>
+              <a:defRPr sz="4400" kern="1200">
+                <a:solidFill>
+                  <a:schemeClr val="tx1"/>
+                </a:solidFill>
+                <a:latin typeface="+mj-lt"/>
+                <a:ea typeface="+mj-ea"/>
+                <a:cs typeface="+mj-cs"/>
+              </a:defRPr>
+            </a:lvl1pPr>
+          </a:lstStyle>
+          <a:p>
+            <a:r>
+              <a:rPr lang="ko-KR" altLang="en-US" dirty="0" err="1"/>
+              <a:t>살막</a:t>
+            </a:r>
+            <a:r>
+              <a:rPr lang="ko-KR" altLang="en-US" dirty="0"/>
+              <a:t> 세력 규칙</a:t>
+            </a:r>
+          </a:p>
+        </p:txBody>
+      </p:sp>
+      <p:graphicFrame>
+        <p:nvGraphicFramePr>
+          <p:cNvPr id="2" name="표 2">
+            <a:extLst>
+              <a:ext uri="{FF2B5EF4-FFF2-40B4-BE49-F238E27FC236}">
+                <a16:creationId xmlns:a16="http://schemas.microsoft.com/office/drawing/2014/main" id="{FBB150CA-00F1-4A49-8E35-6CF98C8E584A}"/>
+              </a:ext>
+            </a:extLst>
+          </p:cNvPr>
+          <p:cNvGraphicFramePr>
+            <a:graphicFrameLocks noGrp="1"/>
+          </p:cNvGraphicFramePr>
+          <p:nvPr/>
+        </p:nvGraphicFramePr>
+        <p:xfrm>
+          <a:off x="1530826" y="1612769"/>
+          <a:ext cx="9130348" cy="1473200"/>
+        </p:xfrm>
+        <a:graphic>
+          <a:graphicData uri="http://schemas.openxmlformats.org/drawingml/2006/table">
+            <a:tbl>
+              <a:tblPr firstRow="1" bandRow="1">
+                <a:tableStyleId>{5C22544A-7EE6-4342-B048-85BDC9FD1C3A}</a:tableStyleId>
+              </a:tblPr>
+              <a:tblGrid>
+                <a:gridCol w="721043">
+                  <a:extLst>
+                    <a:ext uri="{9D8B030D-6E8A-4147-A177-3AD203B41FA5}">
+                      <a16:colId xmlns:a16="http://schemas.microsoft.com/office/drawing/2014/main" val="3027664129"/>
+                    </a:ext>
+                  </a:extLst>
+                </a:gridCol>
+                <a:gridCol w="904569">
+                  <a:extLst>
+                    <a:ext uri="{9D8B030D-6E8A-4147-A177-3AD203B41FA5}">
+                      <a16:colId xmlns:a16="http://schemas.microsoft.com/office/drawing/2014/main" val="2521053459"/>
+                    </a:ext>
+                  </a:extLst>
+                </a:gridCol>
+                <a:gridCol w="7504736">
+                  <a:extLst>
+                    <a:ext uri="{9D8B030D-6E8A-4147-A177-3AD203B41FA5}">
+                      <a16:colId xmlns:a16="http://schemas.microsoft.com/office/drawing/2014/main" val="2352313364"/>
+                    </a:ext>
+                  </a:extLst>
+                </a:gridCol>
+              </a:tblGrid>
+              <a:tr h="370840">
+                <a:tc>
+                  <a:txBody>
+                    <a:bodyPr/>
+                    <a:lstStyle/>
+                    <a:p>
+                      <a:pPr latinLnBrk="1"/>
+                      <a:r>
+                        <a:rPr lang="ko-KR" altLang="en-US" b="0" dirty="0">
+                          <a:solidFill>
+                            <a:schemeClr val="tx1"/>
+                          </a:solidFill>
+                        </a:rPr>
+                        <a:t>무림</a:t>
+                      </a:r>
+                    </a:p>
+                  </a:txBody>
+                  <a:tcPr anchor="ctr">
+                    <a:lnL w="12700" cmpd="sng">
+                      <a:noFill/>
+                    </a:lnL>
+                    <a:lnR w="12700" cap="flat" cmpd="sng" algn="ctr">
+                      <a:solidFill>
+                        <a:schemeClr val="tx1"/>
+                      </a:solidFill>
+                      <a:prstDash val="solid"/>
+                      <a:round/>
+                      <a:headEnd type="none" w="med" len="med"/>
+                      <a:tailEnd type="none" w="med" len="med"/>
+                    </a:lnR>
+                    <a:lnT w="12700" cmpd="sng">
+                      <a:noFill/>
+                    </a:lnT>
+                    <a:lnB w="12700" cap="flat" cmpd="sng" algn="ctr">
+                      <a:solidFill>
+                        <a:schemeClr val="tx1"/>
+                      </a:solidFill>
+                      <a:prstDash val="solid"/>
+                      <a:round/>
+                      <a:headEnd type="none" w="med" len="med"/>
+                      <a:tailEnd type="none" w="med" len="med"/>
+                    </a:lnB>
+                    <a:lnTlToBr w="12700" cmpd="sng">
+                      <a:noFill/>
+                      <a:prstDash val="solid"/>
+                    </a:lnTlToBr>
+                    <a:lnBlToTr w="12700" cmpd="sng">
+                      <a:noFill/>
+                      <a:prstDash val="solid"/>
+                    </a:lnBlToTr>
+                    <a:noFill/>
+                  </a:tcPr>
+                </a:tc>
+                <a:tc gridSpan="2">
+                  <a:txBody>
+                    <a:bodyPr/>
+                    <a:lstStyle/>
+                    <a:p>
+                      <a:pPr latinLnBrk="1"/>
+                      <a:r>
+                        <a:rPr lang="ko-KR" altLang="en-US" b="0" dirty="0">
+                          <a:solidFill>
+                            <a:schemeClr val="tx1"/>
+                          </a:solidFill>
+                        </a:rPr>
+                        <a:t>플레이어의 행동에 따라 변하는 우호도에 따라 우호적인</a:t>
+                      </a:r>
+                      <a:r>
+                        <a:rPr lang="en-US" altLang="ko-KR" b="0" dirty="0">
+                          <a:solidFill>
+                            <a:schemeClr val="tx1"/>
+                          </a:solidFill>
+                        </a:rPr>
+                        <a:t>, </a:t>
+                      </a:r>
+                      <a:r>
+                        <a:rPr lang="ko-KR" altLang="en-US" b="0" dirty="0">
+                          <a:solidFill>
+                            <a:schemeClr val="tx1"/>
+                          </a:solidFill>
+                        </a:rPr>
+                        <a:t>적대적인 상태가 된다</a:t>
+                      </a:r>
+                      <a:r>
+                        <a:rPr lang="en-US" altLang="ko-KR" b="0" dirty="0">
+                          <a:solidFill>
+                            <a:schemeClr val="tx1"/>
+                          </a:solidFill>
+                        </a:rPr>
+                        <a:t>.</a:t>
+                      </a:r>
+                      <a:endParaRPr lang="ko-KR" altLang="en-US" b="0" dirty="0">
+                        <a:solidFill>
+                          <a:schemeClr val="tx1"/>
+                        </a:solidFill>
+                      </a:endParaRPr>
+                    </a:p>
+                  </a:txBody>
+                  <a:tcPr anchor="ctr">
+                    <a:lnL w="12700" cap="flat" cmpd="sng" algn="ctr">
+                      <a:solidFill>
+                        <a:schemeClr val="tx1"/>
+                      </a:solidFill>
+                      <a:prstDash val="solid"/>
+                      <a:round/>
+                      <a:headEnd type="none" w="med" len="med"/>
+                      <a:tailEnd type="none" w="med" len="med"/>
+                    </a:lnL>
+                    <a:lnR w="12700" cmpd="sng">
+                      <a:noFill/>
+                    </a:lnR>
+                    <a:lnT w="12700" cmpd="sng">
+                      <a:noFill/>
+                    </a:lnT>
+                    <a:lnB w="12700" cap="flat" cmpd="sng" algn="ctr">
+                      <a:solidFill>
+                        <a:schemeClr val="tx1"/>
+                      </a:solidFill>
+                      <a:prstDash val="solid"/>
+                      <a:round/>
+                      <a:headEnd type="none" w="med" len="med"/>
+                      <a:tailEnd type="none" w="med" len="med"/>
+                    </a:lnB>
+                    <a:lnTlToBr w="12700" cmpd="sng">
+                      <a:noFill/>
+                      <a:prstDash val="solid"/>
+                    </a:lnTlToBr>
+                    <a:lnBlToTr w="12700" cmpd="sng">
+                      <a:noFill/>
+                      <a:prstDash val="solid"/>
+                    </a:lnBlToTr>
+                    <a:noFill/>
+                  </a:tcPr>
+                </a:tc>
+                <a:tc hMerge="1">
+                  <a:txBody>
+                    <a:bodyPr/>
+                    <a:lstStyle/>
+                    <a:p>
+                      <a:pPr latinLnBrk="1"/>
+                      <a:endParaRPr lang="ko-KR" altLang="en-US"/>
+                    </a:p>
+                  </a:txBody>
+                  <a:tcPr/>
+                </a:tc>
+                <a:extLst>
+                  <a:ext uri="{0D108BD9-81ED-4DB2-BD59-A6C34878D82A}">
+                    <a16:rowId xmlns:a16="http://schemas.microsoft.com/office/drawing/2014/main" val="3094234635"/>
+                  </a:ext>
+                </a:extLst>
+              </a:tr>
+              <a:tr h="370840">
+                <a:tc rowSpan="3">
+                  <a:txBody>
+                    <a:bodyPr/>
+                    <a:lstStyle/>
+                    <a:p>
+                      <a:pPr latinLnBrk="1"/>
+                      <a:r>
+                        <a:rPr lang="ko-KR" altLang="en-US" b="0" dirty="0" err="1">
+                          <a:solidFill>
+                            <a:schemeClr val="tx1"/>
+                          </a:solidFill>
+                        </a:rPr>
+                        <a:t>도방</a:t>
+                      </a:r>
+                      <a:endParaRPr lang="ko-KR" altLang="en-US" b="0" dirty="0">
+                        <a:solidFill>
+                          <a:schemeClr val="tx1"/>
+                        </a:solidFill>
+                      </a:endParaRPr>
+                    </a:p>
+                  </a:txBody>
+                  <a:tcPr anchor="ctr">
+                    <a:lnL w="12700" cmpd="sng">
+                      <a:noFill/>
+                    </a:lnL>
+                    <a:lnR w="12700" cap="flat" cmpd="sng" algn="ctr">
+                      <a:solidFill>
+                        <a:schemeClr val="tx1"/>
+                      </a:solidFill>
+                      <a:prstDash val="solid"/>
+                      <a:round/>
+                      <a:headEnd type="none" w="med" len="med"/>
+                      <a:tailEnd type="none" w="med" len="med"/>
+                    </a:lnR>
+                    <a:lnT w="12700" cap="flat" cmpd="sng" algn="ctr">
+                      <a:solidFill>
+                        <a:schemeClr val="tx1"/>
+                      </a:solidFill>
+                      <a:prstDash val="solid"/>
+                      <a:round/>
+                      <a:headEnd type="none" w="med" len="med"/>
+                      <a:tailEnd type="none" w="med" len="med"/>
+                    </a:lnT>
+                    <a:lnB w="12700" cap="flat" cmpd="sng" algn="ctr">
+                      <a:noFill/>
+                      <a:prstDash val="solid"/>
+                      <a:round/>
+                      <a:headEnd type="none" w="med" len="med"/>
+                      <a:tailEnd type="none" w="med" len="med"/>
+                    </a:lnB>
+                    <a:lnTlToBr w="12700" cmpd="sng">
+                      <a:noFill/>
+                      <a:prstDash val="solid"/>
+                    </a:lnTlToBr>
+                    <a:lnBlToTr w="12700" cmpd="sng">
+                      <a:noFill/>
+                      <a:prstDash val="solid"/>
+                    </a:lnBlToTr>
+                    <a:noFill/>
+                  </a:tcPr>
+                </a:tc>
+                <a:tc gridSpan="2">
+                  <a:txBody>
+                    <a:bodyPr/>
+                    <a:lstStyle/>
+                    <a:p>
+                      <a:pPr latinLnBrk="1"/>
+                      <a:r>
+                        <a:rPr lang="ko-KR" altLang="en-US" b="0" dirty="0">
+                          <a:solidFill>
+                            <a:schemeClr val="tx1"/>
+                          </a:solidFill>
+                        </a:rPr>
+                        <a:t>사용하는 기술에 따라 </a:t>
+                      </a:r>
+                      <a:r>
+                        <a:rPr lang="ko-KR" altLang="en-US" b="0" dirty="0" err="1">
+                          <a:solidFill>
+                            <a:schemeClr val="tx1"/>
+                          </a:solidFill>
+                        </a:rPr>
+                        <a:t>좌도방</a:t>
+                      </a:r>
+                      <a:r>
+                        <a:rPr lang="en-US" altLang="ko-KR" b="0" dirty="0">
+                          <a:solidFill>
+                            <a:schemeClr val="tx1"/>
+                          </a:solidFill>
+                        </a:rPr>
+                        <a:t>, </a:t>
+                      </a:r>
+                      <a:r>
+                        <a:rPr lang="ko-KR" altLang="en-US" b="0" dirty="0" err="1">
+                          <a:solidFill>
+                            <a:schemeClr val="tx1"/>
+                          </a:solidFill>
+                        </a:rPr>
+                        <a:t>우도방으로</a:t>
+                      </a:r>
+                      <a:r>
+                        <a:rPr lang="ko-KR" altLang="en-US" b="0" dirty="0">
+                          <a:solidFill>
+                            <a:schemeClr val="tx1"/>
+                          </a:solidFill>
+                        </a:rPr>
+                        <a:t> 나뉜다</a:t>
+                      </a:r>
+                      <a:r>
+                        <a:rPr lang="en-US" altLang="ko-KR" b="0" dirty="0">
+                          <a:solidFill>
+                            <a:schemeClr val="tx1"/>
+                          </a:solidFill>
+                        </a:rPr>
+                        <a:t>.</a:t>
+                      </a:r>
+                      <a:endParaRPr lang="ko-KR" altLang="en-US" b="0" dirty="0">
+                        <a:solidFill>
+                          <a:schemeClr val="tx1"/>
+                        </a:solidFill>
+                      </a:endParaRPr>
+                    </a:p>
+                  </a:txBody>
+                  <a:tcPr anchor="ctr">
+                    <a:lnL w="12700" cap="flat" cmpd="sng" algn="ctr">
+                      <a:solidFill>
+                        <a:schemeClr val="tx1"/>
+                      </a:solidFill>
+                      <a:prstDash val="solid"/>
+                      <a:round/>
+                      <a:headEnd type="none" w="med" len="med"/>
+                      <a:tailEnd type="none" w="med" len="med"/>
+                    </a:lnL>
+                    <a:lnR w="12700" cmpd="sng">
+                      <a:noFill/>
+                    </a:lnR>
+                    <a:lnT w="12700" cap="flat" cmpd="sng" algn="ctr">
+                      <a:solidFill>
+                        <a:schemeClr val="tx1"/>
+                      </a:solidFill>
+                      <a:prstDash val="solid"/>
+                      <a:round/>
+                      <a:headEnd type="none" w="med" len="med"/>
+                      <a:tailEnd type="none" w="med" len="med"/>
+                    </a:lnT>
+                    <a:lnB w="12700" cap="flat" cmpd="sng" algn="ctr">
+                      <a:solidFill>
+                        <a:schemeClr val="tx1"/>
+                      </a:solidFill>
+                      <a:prstDash val="solid"/>
+                      <a:round/>
+                      <a:headEnd type="none" w="med" len="med"/>
+                      <a:tailEnd type="none" w="med" len="med"/>
+                    </a:lnB>
+                    <a:lnTlToBr w="12700" cmpd="sng">
+                      <a:noFill/>
+                      <a:prstDash val="solid"/>
+                    </a:lnTlToBr>
+                    <a:lnBlToTr w="12700" cmpd="sng">
+                      <a:noFill/>
+                      <a:prstDash val="solid"/>
+                    </a:lnBlToTr>
+                    <a:noFill/>
+                  </a:tcPr>
+                </a:tc>
+                <a:tc hMerge="1">
+                  <a:txBody>
+                    <a:bodyPr/>
+                    <a:lstStyle/>
+                    <a:p>
+                      <a:pPr latinLnBrk="1"/>
+                      <a:endParaRPr lang="ko-KR" altLang="en-US"/>
+                    </a:p>
+                  </a:txBody>
+                  <a:tcPr/>
+                </a:tc>
+                <a:extLst>
+                  <a:ext uri="{0D108BD9-81ED-4DB2-BD59-A6C34878D82A}">
+                    <a16:rowId xmlns:a16="http://schemas.microsoft.com/office/drawing/2014/main" val="407096501"/>
+                  </a:ext>
+                </a:extLst>
+              </a:tr>
+              <a:tr h="185420">
+                <a:tc vMerge="1">
+                  <a:txBody>
+                    <a:bodyPr/>
+                    <a:lstStyle/>
+                    <a:p>
+                      <a:pPr latinLnBrk="1"/>
+                      <a:endParaRPr lang="ko-KR" altLang="en-US" b="0" dirty="0">
+                        <a:solidFill>
+                          <a:schemeClr val="tx1"/>
+                        </a:solidFill>
+                      </a:endParaRPr>
+                    </a:p>
+                  </a:txBody>
+                  <a:tcPr>
+                    <a:lnL w="12700" cmpd="sng">
+                      <a:noFill/>
+                    </a:lnL>
+                    <a:lnR w="12700" cap="flat" cmpd="sng" algn="ctr">
+                      <a:solidFill>
+                        <a:schemeClr val="tx1"/>
+                      </a:solidFill>
+                      <a:prstDash val="solid"/>
+                      <a:round/>
+                      <a:headEnd type="none" w="med" len="med"/>
+                      <a:tailEnd type="none" w="med" len="med"/>
+                    </a:lnR>
+                    <a:lnT w="12700" cap="flat" cmpd="sng" algn="ctr">
+                      <a:solidFill>
+                        <a:schemeClr val="tx1"/>
+                      </a:solidFill>
+                      <a:prstDash val="solid"/>
+                      <a:round/>
+                      <a:headEnd type="none" w="med" len="med"/>
+                      <a:tailEnd type="none" w="med" len="med"/>
+                    </a:lnT>
+                    <a:lnB w="12700" cap="flat" cmpd="sng" algn="ctr">
+                      <a:noFill/>
+                      <a:prstDash val="solid"/>
+                      <a:round/>
+                      <a:headEnd type="none" w="med" len="med"/>
+                      <a:tailEnd type="none" w="med" len="med"/>
+                    </a:lnB>
+                    <a:lnTlToBr w="12700" cmpd="sng">
+                      <a:noFill/>
+                      <a:prstDash val="solid"/>
+                    </a:lnTlToBr>
+                    <a:lnBlToTr w="12700" cmpd="sng">
+                      <a:noFill/>
+                      <a:prstDash val="solid"/>
+                    </a:lnBlToTr>
+                    <a:noFill/>
+                  </a:tcPr>
+                </a:tc>
+                <a:tc>
+                  <a:txBody>
+                    <a:bodyPr/>
+                    <a:lstStyle/>
+                    <a:p>
+                      <a:pPr latinLnBrk="1"/>
+                      <a:r>
+                        <a:rPr lang="ko-KR" altLang="en-US" b="0" dirty="0" err="1">
+                          <a:solidFill>
+                            <a:schemeClr val="tx1"/>
+                          </a:solidFill>
+                        </a:rPr>
+                        <a:t>좌도방</a:t>
+                      </a:r>
+                      <a:endParaRPr lang="ko-KR" altLang="en-US" b="0" dirty="0">
+                        <a:solidFill>
+                          <a:schemeClr val="tx1"/>
+                        </a:solidFill>
+                      </a:endParaRPr>
+                    </a:p>
+                  </a:txBody>
+                  <a:tcPr anchor="ctr">
+                    <a:lnL w="12700" cap="flat" cmpd="sng" algn="ctr">
+                      <a:solidFill>
+                        <a:schemeClr val="tx1"/>
+                      </a:solidFill>
+                      <a:prstDash val="solid"/>
+                      <a:round/>
+                      <a:headEnd type="none" w="med" len="med"/>
+                      <a:tailEnd type="none" w="med" len="med"/>
+                    </a:lnL>
+                    <a:lnR w="12700" cap="flat" cmpd="sng" algn="ctr">
+                      <a:solidFill>
+                        <a:schemeClr val="tx1"/>
+                      </a:solidFill>
+                      <a:prstDash val="solid"/>
+                      <a:round/>
+                      <a:headEnd type="none" w="med" len="med"/>
+                      <a:tailEnd type="none" w="med" len="med"/>
+                    </a:lnR>
+                    <a:lnT w="12700" cap="flat" cmpd="sng" algn="ctr">
+                      <a:solidFill>
+                        <a:schemeClr val="tx1"/>
+                      </a:solidFill>
+                      <a:prstDash val="solid"/>
+                      <a:round/>
+                      <a:headEnd type="none" w="med" len="med"/>
+                      <a:tailEnd type="none" w="med" len="med"/>
+                    </a:lnT>
+                    <a:lnB w="12700" cap="flat" cmpd="sng" algn="ctr">
+                      <a:solidFill>
+                        <a:schemeClr val="tx1"/>
+                      </a:solidFill>
+                      <a:prstDash val="solid"/>
+                      <a:round/>
+                      <a:headEnd type="none" w="med" len="med"/>
+                      <a:tailEnd type="none" w="med" len="med"/>
+                    </a:lnB>
+                    <a:lnTlToBr w="12700" cmpd="sng">
+                      <a:noFill/>
+                      <a:prstDash val="solid"/>
+                    </a:lnTlToBr>
+                    <a:lnBlToTr w="12700" cmpd="sng">
+                      <a:noFill/>
+                      <a:prstDash val="solid"/>
+                    </a:lnBlToTr>
+                    <a:noFill/>
+                  </a:tcPr>
+                </a:tc>
+                <a:tc>
+                  <a:txBody>
+                    <a:bodyPr/>
+                    <a:lstStyle/>
+                    <a:p>
+                      <a:pPr latinLnBrk="1"/>
+                      <a:endParaRPr lang="ko-KR" altLang="en-US" b="0" dirty="0">
+                        <a:solidFill>
+                          <a:schemeClr val="tx1"/>
+                        </a:solidFill>
+                      </a:endParaRPr>
+                    </a:p>
+                  </a:txBody>
+                  <a:tcPr anchor="ctr">
+                    <a:lnL w="12700" cap="flat" cmpd="sng" algn="ctr">
+                      <a:solidFill>
+                        <a:schemeClr val="tx1"/>
+                      </a:solidFill>
+                      <a:prstDash val="solid"/>
+                      <a:round/>
+                      <a:headEnd type="none" w="med" len="med"/>
+                      <a:tailEnd type="none" w="med" len="med"/>
+                    </a:lnL>
+                    <a:lnR w="12700" cmpd="sng">
+                      <a:noFill/>
+                    </a:lnR>
+                    <a:lnT w="12700" cap="flat" cmpd="sng" algn="ctr">
+                      <a:solidFill>
+                        <a:schemeClr val="tx1"/>
+                      </a:solidFill>
+                      <a:prstDash val="solid"/>
+                      <a:round/>
+                      <a:headEnd type="none" w="med" len="med"/>
+                      <a:tailEnd type="none" w="med" len="med"/>
+                    </a:lnT>
+                    <a:lnB w="12700" cap="flat" cmpd="sng" algn="ctr">
+                      <a:solidFill>
+                        <a:schemeClr val="tx1"/>
+                      </a:solidFill>
+                      <a:prstDash val="solid"/>
+                      <a:round/>
+                      <a:headEnd type="none" w="med" len="med"/>
+                      <a:tailEnd type="none" w="med" len="med"/>
+                    </a:lnB>
+                    <a:lnTlToBr w="12700" cmpd="sng">
+                      <a:noFill/>
+                      <a:prstDash val="solid"/>
+                    </a:lnTlToBr>
+                    <a:lnBlToTr w="12700" cmpd="sng">
+                      <a:noFill/>
+                      <a:prstDash val="solid"/>
+                    </a:lnBlToTr>
+                    <a:noFill/>
+                  </a:tcPr>
+                </a:tc>
+                <a:extLst>
+                  <a:ext uri="{0D108BD9-81ED-4DB2-BD59-A6C34878D82A}">
+                    <a16:rowId xmlns:a16="http://schemas.microsoft.com/office/drawing/2014/main" val="119190598"/>
+                  </a:ext>
+                </a:extLst>
+              </a:tr>
+              <a:tr h="185420">
+                <a:tc vMerge="1">
+                  <a:txBody>
+                    <a:bodyPr/>
+                    <a:lstStyle/>
+                    <a:p>
+                      <a:pPr latinLnBrk="1"/>
+                      <a:endParaRPr lang="ko-KR" altLang="en-US"/>
+                    </a:p>
+                  </a:txBody>
+                  <a:tcPr/>
+                </a:tc>
+                <a:tc>
+                  <a:txBody>
+                    <a:bodyPr/>
+                    <a:lstStyle/>
+                    <a:p>
+                      <a:pPr latinLnBrk="1"/>
+                      <a:r>
+                        <a:rPr lang="ko-KR" altLang="en-US" b="0" dirty="0" err="1">
+                          <a:solidFill>
+                            <a:schemeClr val="tx1"/>
+                          </a:solidFill>
+                        </a:rPr>
+                        <a:t>우도방</a:t>
+                      </a:r>
+                      <a:endParaRPr lang="ko-KR" altLang="en-US" b="0" dirty="0">
+                        <a:solidFill>
+                          <a:schemeClr val="tx1"/>
+                        </a:solidFill>
+                      </a:endParaRPr>
+                    </a:p>
+                  </a:txBody>
+                  <a:tcPr anchor="ctr">
+                    <a:lnL w="12700" cap="flat" cmpd="sng" algn="ctr">
+                      <a:solidFill>
+                        <a:schemeClr val="tx1"/>
+                      </a:solidFill>
+                      <a:prstDash val="solid"/>
+                      <a:round/>
+                      <a:headEnd type="none" w="med" len="med"/>
+                      <a:tailEnd type="none" w="med" len="med"/>
+                    </a:lnL>
+                    <a:lnR w="12700" cap="flat" cmpd="sng" algn="ctr">
+                      <a:solidFill>
+                        <a:schemeClr val="tx1"/>
+                      </a:solidFill>
+                      <a:prstDash val="solid"/>
+                      <a:round/>
+                      <a:headEnd type="none" w="med" len="med"/>
+                      <a:tailEnd type="none" w="med" len="med"/>
+                    </a:lnR>
+                    <a:lnT w="12700" cap="flat" cmpd="sng" algn="ctr">
+                      <a:solidFill>
+                        <a:schemeClr val="tx1"/>
+                      </a:solidFill>
+                      <a:prstDash val="solid"/>
+                      <a:round/>
+                      <a:headEnd type="none" w="med" len="med"/>
+                      <a:tailEnd type="none" w="med" len="med"/>
+                    </a:lnT>
+                    <a:lnB w="12700" cap="flat" cmpd="sng" algn="ctr">
+                      <a:noFill/>
+                      <a:prstDash val="solid"/>
+                      <a:round/>
+                      <a:headEnd type="none" w="med" len="med"/>
+                      <a:tailEnd type="none" w="med" len="med"/>
+                    </a:lnB>
+                    <a:lnTlToBr w="12700" cmpd="sng">
+                      <a:noFill/>
+                      <a:prstDash val="solid"/>
+                    </a:lnTlToBr>
+                    <a:lnBlToTr w="12700" cmpd="sng">
+                      <a:noFill/>
+                      <a:prstDash val="solid"/>
+                    </a:lnBlToTr>
+                    <a:noFill/>
+                  </a:tcPr>
+                </a:tc>
+                <a:tc>
+                  <a:txBody>
+                    <a:bodyPr/>
+                    <a:lstStyle/>
+                    <a:p>
+                      <a:pPr latinLnBrk="1"/>
+                      <a:endParaRPr lang="ko-KR" altLang="en-US" b="0" dirty="0">
+                        <a:solidFill>
+                          <a:schemeClr val="tx1"/>
+                        </a:solidFill>
+                      </a:endParaRPr>
+                    </a:p>
+                  </a:txBody>
+                  <a:tcPr anchor="ctr">
+                    <a:lnL w="12700" cap="flat" cmpd="sng" algn="ctr">
+                      <a:solidFill>
+                        <a:schemeClr val="tx1"/>
+                      </a:solidFill>
+                      <a:prstDash val="solid"/>
+                      <a:round/>
+                      <a:headEnd type="none" w="med" len="med"/>
+                      <a:tailEnd type="none" w="med" len="med"/>
+                    </a:lnL>
+                    <a:lnR w="12700" cmpd="sng">
+                      <a:noFill/>
+                    </a:lnR>
+                    <a:lnT w="12700" cap="flat" cmpd="sng" algn="ctr">
+                      <a:solidFill>
+                        <a:schemeClr val="tx1"/>
+                      </a:solidFill>
+                      <a:prstDash val="solid"/>
+                      <a:round/>
+                      <a:headEnd type="none" w="med" len="med"/>
+                      <a:tailEnd type="none" w="med" len="med"/>
+                    </a:lnT>
+                    <a:lnB w="12700" cap="flat" cmpd="sng" algn="ctr">
+                      <a:noFill/>
+                      <a:prstDash val="solid"/>
+                      <a:round/>
+                      <a:headEnd type="none" w="med" len="med"/>
+                      <a:tailEnd type="none" w="med" len="med"/>
+                    </a:lnB>
+                    <a:lnTlToBr w="12700" cmpd="sng">
+                      <a:noFill/>
+                      <a:prstDash val="solid"/>
+                    </a:lnTlToBr>
+                    <a:lnBlToTr w="12700" cmpd="sng">
+                      <a:noFill/>
+                      <a:prstDash val="solid"/>
+                    </a:lnBlToTr>
+                    <a:noFill/>
+                  </a:tcPr>
+                </a:tc>
+                <a:extLst>
+                  <a:ext uri="{0D108BD9-81ED-4DB2-BD59-A6C34878D82A}">
+                    <a16:rowId xmlns:a16="http://schemas.microsoft.com/office/drawing/2014/main" val="1144924792"/>
+                  </a:ext>
+                </a:extLst>
+              </a:tr>
+            </a:tbl>
+          </a:graphicData>
+        </a:graphic>
+      </p:graphicFrame>
+    </p:spTree>
+    <p:extLst>
+      <p:ext uri="{BB962C8B-B14F-4D97-AF65-F5344CB8AC3E}">
+        <p14:creationId xmlns:p14="http://schemas.microsoft.com/office/powerpoint/2010/main" val="126504867"/>
+      </p:ext>
+    </p:extLst>
+  </p:cSld>
+  <p:clrMapOvr>
+    <a:masterClrMapping/>
+  </p:clrMapOvr>
+</p:sld>
+</file>
+
 <file path=ppt/slides/slide2.xml><?xml version="1.0" encoding="utf-8"?>
 <p:sld xmlns:a="http://schemas.openxmlformats.org/drawingml/2006/main" xmlns:r="http://schemas.openxmlformats.org/officeDocument/2006/relationships" xmlns:p="http://schemas.openxmlformats.org/presentationml/2006/main">
   <p:cSld>
@@ -4616,13 +8153,13 @@
           <p:nvPr>
             <p:extLst>
               <p:ext uri="{D42A27DB-BD31-4B8C-83A1-F6EECF244321}">
-                <p14:modId xmlns:p14="http://schemas.microsoft.com/office/powerpoint/2010/main" val="314496840"/>
+                <p14:modId xmlns:p14="http://schemas.microsoft.com/office/powerpoint/2010/main" val="2068972992"/>
               </p:ext>
             </p:extLst>
           </p:nvPr>
         </p:nvGraphicFramePr>
         <p:xfrm>
-          <a:off x="1414463" y="2514600"/>
+          <a:off x="1420177" y="1874520"/>
           <a:ext cx="9351645" cy="1554480"/>
         </p:xfrm>
         <a:graphic>
@@ -4651,7 +8188,7 @@
                         <a:buNone/>
                       </a:pPr>
                       <a:r>
-                        <a:rPr lang="ko-KR" altLang="en-US" b="1" kern="1200" dirty="0">
+                        <a:rPr lang="ko-KR" altLang="en-US" b="0" kern="1200" dirty="0">
                           <a:solidFill>
                             <a:schemeClr val="tx1"/>
                           </a:solidFill>
@@ -4659,14 +8196,14 @@
                         <a:t>세력 이란</a:t>
                       </a:r>
                       <a:r>
-                        <a:rPr lang="en-US" altLang="ko-KR" b="1" kern="1200" dirty="0">
+                        <a:rPr lang="en-US" altLang="ko-KR" b="0" kern="1200" dirty="0">
                           <a:solidFill>
                             <a:schemeClr val="tx1"/>
                           </a:solidFill>
                         </a:rPr>
                         <a:t>?</a:t>
                       </a:r>
-                      <a:endParaRPr lang="ko-KR" altLang="en-US" b="1" kern="1200" dirty="0">
+                      <a:endParaRPr lang="ko-KR" altLang="en-US" b="0" kern="1200" dirty="0">
                         <a:solidFill>
                           <a:schemeClr val="tx1"/>
                         </a:solidFill>
@@ -4759,16 +8296,19 @@
                           <a:ea typeface="맑은 고딕" charset="0"/>
                           <a:cs typeface="Times New Roman" charset="0"/>
                         </a:rPr>
-                        <a:t>플레이어가 협력하거나 소속될 수 있는 단체들</a:t>
-                      </a:r>
-                      <a:endParaRPr lang="en-US" altLang="ko-KR" sz="1800" kern="1200" dirty="0">
-                        <a:solidFill>
-                          <a:schemeClr val="tx1"/>
-                        </a:solidFill>
-                        <a:latin typeface="맑은 고딕" charset="0"/>
-                        <a:ea typeface="맑은 고딕" charset="0"/>
-                        <a:cs typeface="Times New Roman" charset="0"/>
-                      </a:endParaRPr>
+                        <a:t>플레이어가 협력하거나 소속될 수 있는 단체들을 의미한다</a:t>
+                      </a:r>
+                      <a:r>
+                        <a:rPr lang="en-US" altLang="ko-KR" sz="1800" kern="1200" dirty="0">
+                          <a:solidFill>
+                            <a:schemeClr val="tx1"/>
+                          </a:solidFill>
+                          <a:latin typeface="맑은 고딕" charset="0"/>
+                          <a:ea typeface="맑은 고딕" charset="0"/>
+                          <a:cs typeface="Times New Roman" charset="0"/>
+                        </a:rPr>
+                        <a:t>.</a:t>
+                      </a:r>
                     </a:p>
                     <a:p>
                       <a:pPr marL="0" lvl="1" indent="0" algn="l" defTabSz="914400" rtl="0" eaLnBrk="1" fontAlgn="auto" latinLnBrk="1" hangingPunct="1">
@@ -5050,14 +8590,14 @@
           <p:nvPr>
             <p:extLst>
               <p:ext uri="{D42A27DB-BD31-4B8C-83A1-F6EECF244321}">
-                <p14:modId xmlns:p14="http://schemas.microsoft.com/office/powerpoint/2010/main" val="4107953938"/>
+                <p14:modId xmlns:p14="http://schemas.microsoft.com/office/powerpoint/2010/main" val="2071694278"/>
               </p:ext>
             </p:extLst>
           </p:nvPr>
         </p:nvGraphicFramePr>
         <p:xfrm>
-          <a:off x="820737" y="1647677"/>
-          <a:ext cx="10549890" cy="4145890"/>
+          <a:off x="2597308" y="1515792"/>
+          <a:ext cx="6997383" cy="4145890"/>
         </p:xfrm>
         <a:graphic>
           <a:graphicData uri="http://schemas.openxmlformats.org/drawingml/2006/table">
@@ -5066,28 +8606,28 @@
                 <a:tableStyleId>{5C22544A-7EE6-4342-B048-85BDC9FD1C3A}</a:tableStyleId>
               </a:tblPr>
               <a:tblGrid>
-                <a:gridCol w="811530">
+                <a:gridCol w="846455">
                   <a:extLst>
                     <a:ext uri="{9D8B030D-6E8A-4147-A177-3AD203B41FA5}">
                       <a16:colId xmlns:a16="http://schemas.microsoft.com/office/drawing/2014/main" val="20000"/>
                     </a:ext>
                   </a:extLst>
                 </a:gridCol>
-                <a:gridCol w="972820">
+                <a:gridCol w="694055">
                   <a:extLst>
                     <a:ext uri="{9D8B030D-6E8A-4147-A177-3AD203B41FA5}">
                       <a16:colId xmlns:a16="http://schemas.microsoft.com/office/drawing/2014/main" val="20001"/>
                     </a:ext>
                   </a:extLst>
                 </a:gridCol>
-                <a:gridCol w="1106805">
+                <a:gridCol w="846455">
                   <a:extLst>
                     <a:ext uri="{9D8B030D-6E8A-4147-A177-3AD203B41FA5}">
                       <a16:colId xmlns:a16="http://schemas.microsoft.com/office/drawing/2014/main" val="20002"/>
                     </a:ext>
                   </a:extLst>
                 </a:gridCol>
-                <a:gridCol w="7658735">
+                <a:gridCol w="4610418">
                   <a:extLst>
                     <a:ext uri="{9D8B030D-6E8A-4147-A177-3AD203B41FA5}">
                       <a16:colId xmlns:a16="http://schemas.microsoft.com/office/drawing/2014/main" val="20003"/>
@@ -5101,7 +8641,7 @@
                     <a:bodyPr/>
                     <a:lstStyle/>
                     <a:p>
-                      <a:pPr marL="0" lvl="1" indent="0" latinLnBrk="1">
+                      <a:pPr marL="0" lvl="1" indent="0" algn="ctr" latinLnBrk="1">
                         <a:buFontTx/>
                         <a:buNone/>
                       </a:pPr>
@@ -5167,7 +8707,7 @@
                     <a:bodyPr/>
                     <a:lstStyle/>
                     <a:p>
-                      <a:pPr marL="0" lvl="1" indent="0" latinLnBrk="1">
+                      <a:pPr marL="0" lvl="1" indent="0" algn="ctr" latinLnBrk="1">
                         <a:buFontTx/>
                         <a:buNone/>
                       </a:pPr>
@@ -5234,7 +8774,7 @@
                     <a:bodyPr/>
                     <a:lstStyle/>
                     <a:p>
-                      <a:pPr marL="0" lvl="1" indent="0" latinLnBrk="1">
+                      <a:pPr marL="0" lvl="1" indent="0" algn="ctr" latinLnBrk="1">
                         <a:buFontTx/>
                         <a:buNone/>
                       </a:pPr>
@@ -5418,7 +8958,7 @@
                     <a:bodyPr/>
                     <a:lstStyle/>
                     <a:p>
-                      <a:pPr marL="0" lvl="1" indent="0" latinLnBrk="1">
+                      <a:pPr marL="0" lvl="1" indent="0" algn="ctr" latinLnBrk="1">
                         <a:buFontTx/>
                         <a:buNone/>
                       </a:pPr>
@@ -5602,7 +9142,7 @@
                     <a:bodyPr/>
                     <a:lstStyle/>
                     <a:p>
-                      <a:pPr marL="0" lvl="1" indent="0" latinLnBrk="1">
+                      <a:pPr marL="0" lvl="1" indent="0" algn="ctr" latinLnBrk="1">
                         <a:buFontTx/>
                         <a:buNone/>
                       </a:pPr>
@@ -5757,7 +9297,7 @@
                     <a:bodyPr/>
                     <a:lstStyle/>
                     <a:p>
-                      <a:pPr marL="0" lvl="1" indent="0" latinLnBrk="1">
+                      <a:pPr marL="0" lvl="1" indent="0" algn="ctr" latinLnBrk="1">
                         <a:buFontTx/>
                         <a:buNone/>
                       </a:pPr>
@@ -5925,7 +9465,7 @@
                     <a:bodyPr/>
                     <a:lstStyle/>
                     <a:p>
-                      <a:pPr marL="0" lvl="1" indent="0" latinLnBrk="1">
+                      <a:pPr marL="0" lvl="1" indent="0" algn="ctr" latinLnBrk="1">
                         <a:buFontTx/>
                         <a:buNone/>
                       </a:pPr>
@@ -6109,7 +9649,7 @@
                     <a:bodyPr/>
                     <a:lstStyle/>
                     <a:p>
-                      <a:pPr marL="0" lvl="1" indent="0" latinLnBrk="1">
+                      <a:pPr marL="0" lvl="1" indent="0" algn="ctr" latinLnBrk="1">
                         <a:buFontTx/>
                         <a:buNone/>
                       </a:pPr>
@@ -6267,7 +9807,7 @@
                     <a:bodyPr/>
                     <a:lstStyle/>
                     <a:p>
-                      <a:pPr marL="0" lvl="1" indent="0" latinLnBrk="1">
+                      <a:pPr marL="0" lvl="1" indent="0" algn="ctr" latinLnBrk="1">
                         <a:buFontTx/>
                         <a:buNone/>
                       </a:pPr>
@@ -6334,7 +9874,7 @@
                     <a:bodyPr/>
                     <a:lstStyle/>
                     <a:p>
-                      <a:pPr marL="0" lvl="1" indent="0" latinLnBrk="1">
+                      <a:pPr marL="0" lvl="1" indent="0" algn="ctr" latinLnBrk="1">
                         <a:buFontTx/>
                         <a:buNone/>
                       </a:pPr>
@@ -6510,7 +10050,7 @@
                     <a:bodyPr/>
                     <a:lstStyle/>
                     <a:p>
-                      <a:pPr marL="0" lvl="1" indent="0" latinLnBrk="1">
+                      <a:pPr marL="0" lvl="1" indent="0" algn="ctr" latinLnBrk="1">
                         <a:buFontTx/>
                         <a:buNone/>
                       </a:pPr>
@@ -6678,7 +10218,7 @@
                     <a:bodyPr/>
                     <a:lstStyle/>
                     <a:p>
-                      <a:pPr marL="0" lvl="1" indent="0" latinLnBrk="1">
+                      <a:pPr marL="0" lvl="1" indent="0" algn="ctr" latinLnBrk="1">
                         <a:buFontTx/>
                         <a:buNone/>
                       </a:pPr>
@@ -6846,18 +10386,23 @@
                     <a:bodyPr/>
                     <a:lstStyle/>
                     <a:p>
-                      <a:pPr marL="0" lvl="1" indent="0" latinLnBrk="1">
+                      <a:pPr marL="0" lvl="1" indent="0" algn="ctr" latinLnBrk="1">
                         <a:buFontTx/>
                         <a:buNone/>
                       </a:pPr>
                       <a:r>
-                        <a:rPr lang="ko-KR" altLang="en-US" sz="1200" b="0" kern="1200">
+                        <a:rPr lang="ko-KR" altLang="en-US" sz="1200" b="0" kern="1200" dirty="0" err="1">
                           <a:solidFill>
                             <a:schemeClr val="tx1"/>
                           </a:solidFill>
                         </a:rPr>
                         <a:t>일월신교</a:t>
                       </a:r>
+                      <a:endParaRPr lang="ko-KR" altLang="en-US" sz="1200" b="0" kern="1200" dirty="0">
+                        <a:solidFill>
+                          <a:schemeClr val="tx1"/>
+                        </a:solidFill>
+                      </a:endParaRPr>
                     </a:p>
                   </a:txBody>
                   <a:tcPr anchor="ctr">
@@ -6994,7 +10539,7 @@
                     <a:bodyPr/>
                     <a:lstStyle/>
                     <a:p>
-                      <a:pPr marL="0" lvl="1" indent="0" latinLnBrk="1">
+                      <a:pPr marL="0" lvl="1" indent="0" algn="ctr" latinLnBrk="1">
                         <a:buFontTx/>
                         <a:buNone/>
                       </a:pPr>
@@ -7060,7 +10605,7 @@
                     <a:bodyPr/>
                     <a:lstStyle/>
                     <a:p>
-                      <a:pPr marL="0" lvl="1" indent="0" latinLnBrk="1">
+                      <a:pPr marL="0" lvl="1" indent="0" algn="ctr" latinLnBrk="1">
                         <a:buFontTx/>
                         <a:buNone/>
                       </a:pPr>
@@ -7236,18 +10781,23 @@
                     <a:bodyPr/>
                     <a:lstStyle/>
                     <a:p>
-                      <a:pPr marL="0" lvl="1" indent="0" latinLnBrk="1">
+                      <a:pPr marL="0" lvl="1" indent="0" algn="ctr" latinLnBrk="1">
                         <a:buFontTx/>
                         <a:buNone/>
                       </a:pPr>
                       <a:r>
-                        <a:rPr lang="ko-KR" altLang="en-US" sz="1200" b="0" kern="1200">
+                        <a:rPr lang="ko-KR" altLang="en-US" sz="1200" b="0" kern="1200" dirty="0" err="1">
                           <a:solidFill>
                             <a:schemeClr val="tx1"/>
                           </a:solidFill>
                         </a:rPr>
                         <a:t>우도방</a:t>
                       </a:r>
+                      <a:endParaRPr lang="ko-KR" altLang="en-US" sz="1200" b="0" kern="1200" dirty="0">
+                        <a:solidFill>
+                          <a:schemeClr val="tx1"/>
+                        </a:solidFill>
+                      </a:endParaRPr>
                     </a:p>
                   </a:txBody>
                   <a:tcPr anchor="ctr">
@@ -7402,23 +10952,18 @@
                     <a:bodyPr/>
                     <a:lstStyle/>
                     <a:p>
-                      <a:pPr marL="0" lvl="1" indent="0" latinLnBrk="1">
+                      <a:pPr marL="0" lvl="1" indent="0" algn="ctr" latinLnBrk="1">
                         <a:buFontTx/>
                         <a:buNone/>
                       </a:pPr>
                       <a:r>
-                        <a:rPr lang="ko-KR" altLang="ko-KR" sz="1200" b="0" kern="1200" dirty="0">
-                          <a:solidFill>
-                            <a:schemeClr val="tx1"/>
-                          </a:solidFill>
-                        </a:rPr>
-                        <a:t>기타</a:t>
-                      </a:r>
-                      <a:endParaRPr lang="ko-KR" altLang="en-US" sz="1200" b="0" kern="1200" dirty="0">
-                        <a:solidFill>
-                          <a:schemeClr val="tx1"/>
-                        </a:solidFill>
-                      </a:endParaRPr>
+                        <a:rPr lang="ko-KR" altLang="en-US" sz="1200" b="0" kern="1200" dirty="0">
+                          <a:solidFill>
+                            <a:schemeClr val="tx1"/>
+                          </a:solidFill>
+                        </a:rPr>
+                        <a:t>잔존세력</a:t>
+                      </a:r>
                     </a:p>
                   </a:txBody>
                   <a:tcPr anchor="ctr">
@@ -7556,7 +11101,7 @@
                     <a:bodyPr/>
                     <a:lstStyle/>
                     <a:p>
-                      <a:pPr marL="0" lvl="1" indent="0" latinLnBrk="1">
+                      <a:pPr marL="0" lvl="1" indent="0" algn="ctr" latinLnBrk="1">
                         <a:buFontTx/>
                         <a:buNone/>
                       </a:pPr>
@@ -7790,190 +11335,51 @@
           <a:p>
             <a:r>
               <a:rPr lang="ko-KR" altLang="en-US" dirty="0"/>
-              <a:t>공통 세력 규칙</a:t>
+              <a:t>세력 관계도</a:t>
             </a:r>
           </a:p>
         </p:txBody>
       </p:sp>
-      <p:graphicFrame>
-        <p:nvGraphicFramePr>
-          <p:cNvPr id="3" name="표 4">
+      <p:pic>
+        <p:nvPicPr>
+          <p:cNvPr id="4" name="그림 3">
             <a:extLst>
               <a:ext uri="{FF2B5EF4-FFF2-40B4-BE49-F238E27FC236}">
-                <a16:creationId xmlns:a16="http://schemas.microsoft.com/office/drawing/2014/main" id="{4C040953-B259-45AF-A6F6-4A737A2855B6}"/>
+                <a16:creationId xmlns:a16="http://schemas.microsoft.com/office/drawing/2014/main" id="{838BBC52-4047-46BD-ACA5-C63777362A58}"/>
               </a:ext>
             </a:extLst>
           </p:cNvPr>
-          <p:cNvGraphicFramePr>
-            <a:graphicFrameLocks noGrp="1"/>
-          </p:cNvGraphicFramePr>
-          <p:nvPr>
-            <p:extLst>
-              <p:ext uri="{D42A27DB-BD31-4B8C-83A1-F6EECF244321}">
-                <p14:modId xmlns:p14="http://schemas.microsoft.com/office/powerpoint/2010/main" val="4268318909"/>
-              </p:ext>
-            </p:extLst>
-          </p:nvPr>
-        </p:nvGraphicFramePr>
-        <p:xfrm>
-          <a:off x="2821354" y="2012135"/>
-          <a:ext cx="6549291" cy="741680"/>
-        </p:xfrm>
-        <a:graphic>
-          <a:graphicData uri="http://schemas.openxmlformats.org/drawingml/2006/table">
-            <a:tbl>
-              <a:tblPr firstRow="1" bandRow="1">
-                <a:tableStyleId>{5C22544A-7EE6-4342-B048-85BDC9FD1C3A}</a:tableStyleId>
-              </a:tblPr>
-              <a:tblGrid>
-                <a:gridCol w="6549291">
-                  <a:extLst>
-                    <a:ext uri="{9D8B030D-6E8A-4147-A177-3AD203B41FA5}">
-                      <a16:colId xmlns:a16="http://schemas.microsoft.com/office/drawing/2014/main" val="1735243920"/>
-                    </a:ext>
-                  </a:extLst>
-                </a:gridCol>
-              </a:tblGrid>
-              <a:tr h="370840">
-                <a:tc>
-                  <a:txBody>
-                    <a:bodyPr/>
-                    <a:lstStyle/>
-                    <a:p>
-                      <a:pPr latinLnBrk="1"/>
-                      <a:r>
-                        <a:rPr lang="ko-KR" altLang="en-US" b="0" dirty="0">
-                          <a:solidFill>
-                            <a:schemeClr val="tx1"/>
-                          </a:solidFill>
-                        </a:rPr>
-                        <a:t>모든 세력에게는 플레이어 우호도</a:t>
-                      </a:r>
-                      <a:r>
-                        <a:rPr lang="en-US" altLang="ko-KR" b="0" dirty="0">
-                          <a:solidFill>
-                            <a:schemeClr val="tx1"/>
-                          </a:solidFill>
-                        </a:rPr>
-                        <a:t>/</a:t>
-                      </a:r>
-                      <a:r>
-                        <a:rPr lang="ko-KR" altLang="en-US" b="0" dirty="0">
-                          <a:solidFill>
-                            <a:schemeClr val="tx1"/>
-                          </a:solidFill>
-                        </a:rPr>
-                        <a:t>경계도가 존재한다</a:t>
-                      </a:r>
-                      <a:r>
-                        <a:rPr lang="en-US" altLang="ko-KR" b="0" dirty="0">
-                          <a:solidFill>
-                            <a:schemeClr val="tx1"/>
-                          </a:solidFill>
-                        </a:rPr>
-                        <a:t>.</a:t>
-                      </a:r>
-                      <a:endParaRPr lang="ko-KR" altLang="en-US" b="0" dirty="0">
-                        <a:solidFill>
-                          <a:schemeClr val="tx1"/>
-                        </a:solidFill>
-                      </a:endParaRPr>
-                    </a:p>
-                  </a:txBody>
-                  <a:tcPr>
-                    <a:lnL w="12700" cmpd="sng">
-                      <a:noFill/>
-                    </a:lnL>
-                    <a:lnR w="12700" cmpd="sng">
-                      <a:noFill/>
-                    </a:lnR>
-                    <a:lnT w="12700" cmpd="sng">
-                      <a:noFill/>
-                    </a:lnT>
-                    <a:lnB w="12700" cap="flat" cmpd="sng" algn="ctr">
-                      <a:solidFill>
-                        <a:schemeClr val="tx1"/>
-                      </a:solidFill>
-                      <a:prstDash val="solid"/>
-                      <a:round/>
-                      <a:headEnd type="none" w="med" len="med"/>
-                      <a:tailEnd type="none" w="med" len="med"/>
-                    </a:lnB>
-                    <a:lnTlToBr w="12700" cmpd="sng">
-                      <a:noFill/>
-                      <a:prstDash val="solid"/>
-                    </a:lnTlToBr>
-                    <a:lnBlToTr w="12700" cmpd="sng">
-                      <a:noFill/>
-                      <a:prstDash val="solid"/>
-                    </a:lnBlToTr>
-                    <a:noFill/>
-                  </a:tcPr>
-                </a:tc>
-                <a:extLst>
-                  <a:ext uri="{0D108BD9-81ED-4DB2-BD59-A6C34878D82A}">
-                    <a16:rowId xmlns:a16="http://schemas.microsoft.com/office/drawing/2014/main" val="1363205147"/>
-                  </a:ext>
-                </a:extLst>
-              </a:tr>
-              <a:tr h="370840">
-                <a:tc>
-                  <a:txBody>
-                    <a:bodyPr/>
-                    <a:lstStyle/>
-                    <a:p>
-                      <a:pPr latinLnBrk="1"/>
-                      <a:endParaRPr lang="ko-KR" altLang="en-US" b="0" dirty="0">
-                        <a:solidFill>
-                          <a:schemeClr val="tx1"/>
-                        </a:solidFill>
-                      </a:endParaRPr>
-                    </a:p>
-                  </a:txBody>
-                  <a:tcPr>
-                    <a:lnL w="12700" cmpd="sng">
-                      <a:noFill/>
-                    </a:lnL>
-                    <a:lnR w="12700" cmpd="sng">
-                      <a:noFill/>
-                    </a:lnR>
-                    <a:lnT w="12700" cap="flat" cmpd="sng" algn="ctr">
-                      <a:solidFill>
-                        <a:schemeClr val="tx1"/>
-                      </a:solidFill>
-                      <a:prstDash val="solid"/>
-                      <a:round/>
-                      <a:headEnd type="none" w="med" len="med"/>
-                      <a:tailEnd type="none" w="med" len="med"/>
-                    </a:lnT>
-                    <a:lnB w="12700" cmpd="sng">
-                      <a:noFill/>
-                    </a:lnB>
-                    <a:lnTlToBr w="12700" cmpd="sng">
-                      <a:noFill/>
-                      <a:prstDash val="solid"/>
-                    </a:lnTlToBr>
-                    <a:lnBlToTr w="12700" cmpd="sng">
-                      <a:noFill/>
-                      <a:prstDash val="solid"/>
-                    </a:lnBlToTr>
-                    <a:noFill/>
-                  </a:tcPr>
-                </a:tc>
-                <a:extLst>
-                  <a:ext uri="{0D108BD9-81ED-4DB2-BD59-A6C34878D82A}">
-                    <a16:rowId xmlns:a16="http://schemas.microsoft.com/office/drawing/2014/main" val="623763032"/>
-                  </a:ext>
-                </a:extLst>
-              </a:tr>
-            </a:tbl>
-          </a:graphicData>
-        </a:graphic>
-      </p:graphicFrame>
+          <p:cNvPicPr>
+            <a:picLocks noChangeAspect="1"/>
+          </p:cNvPicPr>
+          <p:nvPr/>
+        </p:nvPicPr>
+        <p:blipFill>
+          <a:blip r:embed="rId2" cstate="print">
+            <a:extLst>
+              <a:ext uri="{28A0092B-C50C-407E-A947-70E740481C1C}">
+                <a14:useLocalDpi xmlns:a14="http://schemas.microsoft.com/office/drawing/2010/main" val="0"/>
+              </a:ext>
+            </a:extLst>
+          </a:blip>
+          <a:stretch>
+            <a:fillRect/>
+          </a:stretch>
+        </p:blipFill>
+        <p:spPr>
+          <a:xfrm>
+            <a:off x="1451848" y="1658326"/>
+            <a:ext cx="9288304" cy="4267689"/>
+          </a:xfrm>
+          <a:prstGeom prst="rect">
+            <a:avLst/>
+          </a:prstGeom>
+        </p:spPr>
+      </p:pic>
     </p:spTree>
     <p:extLst>
       <p:ext uri="{BB962C8B-B14F-4D97-AF65-F5344CB8AC3E}">
-        <p14:creationId xmlns:p14="http://schemas.microsoft.com/office/powerpoint/2010/main" val="2390883794"/>
+        <p14:creationId xmlns:p14="http://schemas.microsoft.com/office/powerpoint/2010/main" val="2880584063"/>
       </p:ext>
     </p:extLst>
   </p:cSld>
@@ -8002,205 +11408,450 @@
       </p:grpSpPr>
       <p:sp>
         <p:nvSpPr>
-          <p:cNvPr id="7" name="제목 1">
+          <p:cNvPr id="4" name="직사각형 3">
             <a:extLst>
               <a:ext uri="{FF2B5EF4-FFF2-40B4-BE49-F238E27FC236}">
-                <a16:creationId xmlns:a16="http://schemas.microsoft.com/office/drawing/2014/main" id="{77FA9A8E-E94C-4F99-8997-7C96A1AAEAC7}"/>
+                <a16:creationId xmlns:a16="http://schemas.microsoft.com/office/drawing/2014/main" id="{62D20CA2-F350-4CD2-8C85-37A780C68273}"/>
               </a:ext>
             </a:extLst>
           </p:cNvPr>
-          <p:cNvSpPr txBox="1">
-            <a:spLocks/>
-          </p:cNvSpPr>
+          <p:cNvSpPr/>
           <p:nvPr/>
         </p:nvSpPr>
         <p:spPr>
           <a:xfrm>
-            <a:off x="695325" y="292100"/>
-            <a:ext cx="10801350" cy="861695"/>
+            <a:off x="550253" y="1536892"/>
+            <a:ext cx="1918921" cy="814464"/>
           </a:xfrm>
           <a:prstGeom prst="rect">
             <a:avLst/>
           </a:prstGeom>
         </p:spPr>
+        <p:style>
+          <a:lnRef idx="2">
+            <a:schemeClr val="accent1">
+              <a:shade val="50000"/>
+            </a:schemeClr>
+          </a:lnRef>
+          <a:fillRef idx="1">
+            <a:schemeClr val="accent1"/>
+          </a:fillRef>
+          <a:effectRef idx="0">
+            <a:schemeClr val="accent1"/>
+          </a:effectRef>
+          <a:fontRef idx="minor">
+            <a:schemeClr val="lt1"/>
+          </a:fontRef>
+        </p:style>
         <p:txBody>
-          <a:bodyPr vert="horz" lIns="91440" tIns="45720" rIns="91440" bIns="45720" rtlCol="0" anchor="ctr">
-            <a:normAutofit/>
-          </a:bodyPr>
-          <a:lstStyle>
-            <a:lvl1pPr algn="l" defTabSz="914400" rtl="0" eaLnBrk="1" latinLnBrk="1" hangingPunct="1">
-              <a:lnSpc>
-                <a:spcPct val="90000"/>
-              </a:lnSpc>
-              <a:spcBef>
-                <a:spcPct val="0"/>
-              </a:spcBef>
-              <a:buNone/>
-              <a:defRPr sz="4400" kern="1200">
-                <a:solidFill>
-                  <a:schemeClr val="tx1"/>
-                </a:solidFill>
-                <a:latin typeface="+mj-lt"/>
-                <a:ea typeface="+mj-ea"/>
-                <a:cs typeface="+mj-cs"/>
-              </a:defRPr>
-            </a:lvl1pPr>
-          </a:lstStyle>
+          <a:bodyPr rtlCol="0" anchor="ctr"/>
+          <a:lstStyle/>
           <a:p>
+            <a:pPr algn="ctr"/>
             <a:r>
               <a:rPr lang="ko-KR" altLang="en-US" dirty="0"/>
-              <a:t>무림 세력 규칙</a:t>
+              <a:t>우호도 상승</a:t>
             </a:r>
           </a:p>
         </p:txBody>
       </p:sp>
-      <p:graphicFrame>
-        <p:nvGraphicFramePr>
-          <p:cNvPr id="3" name="표 4">
+      <p:sp>
+        <p:nvSpPr>
+          <p:cNvPr id="5" name="직사각형 4">
             <a:extLst>
               <a:ext uri="{FF2B5EF4-FFF2-40B4-BE49-F238E27FC236}">
-                <a16:creationId xmlns:a16="http://schemas.microsoft.com/office/drawing/2014/main" id="{4C040953-B259-45AF-A6F6-4A737A2855B6}"/>
+                <a16:creationId xmlns:a16="http://schemas.microsoft.com/office/drawing/2014/main" id="{E5B2F633-8C5E-40C6-9D61-9F221C68B94F}"/>
               </a:ext>
             </a:extLst>
           </p:cNvPr>
-          <p:cNvGraphicFramePr>
-            <a:graphicFrameLocks noGrp="1"/>
-          </p:cNvGraphicFramePr>
-          <p:nvPr>
-            <p:extLst>
-              <p:ext uri="{D42A27DB-BD31-4B8C-83A1-F6EECF244321}">
-                <p14:modId xmlns:p14="http://schemas.microsoft.com/office/powerpoint/2010/main" val="1669179807"/>
-              </p:ext>
-            </p:extLst>
-          </p:nvPr>
-        </p:nvGraphicFramePr>
-        <p:xfrm>
-          <a:off x="1680308" y="2513296"/>
-          <a:ext cx="4064000" cy="741680"/>
-        </p:xfrm>
-        <a:graphic>
-          <a:graphicData uri="http://schemas.openxmlformats.org/drawingml/2006/table">
-            <a:tbl>
-              <a:tblPr firstRow="1" bandRow="1">
-                <a:tableStyleId>{5C22544A-7EE6-4342-B048-85BDC9FD1C3A}</a:tableStyleId>
-              </a:tblPr>
-              <a:tblGrid>
-                <a:gridCol w="4064000">
-                  <a:extLst>
-                    <a:ext uri="{9D8B030D-6E8A-4147-A177-3AD203B41FA5}">
-                      <a16:colId xmlns:a16="http://schemas.microsoft.com/office/drawing/2014/main" val="1735243920"/>
-                    </a:ext>
-                  </a:extLst>
-                </a:gridCol>
-              </a:tblGrid>
-              <a:tr h="370840">
-                <a:tc>
-                  <a:txBody>
-                    <a:bodyPr/>
-                    <a:lstStyle/>
-                    <a:p>
-                      <a:pPr latinLnBrk="1"/>
-                      <a:endParaRPr lang="ko-KR" altLang="en-US" b="0" dirty="0">
-                        <a:solidFill>
-                          <a:schemeClr val="tx1"/>
-                        </a:solidFill>
-                      </a:endParaRPr>
-                    </a:p>
-                  </a:txBody>
-                  <a:tcPr>
-                    <a:lnL w="12700" cmpd="sng">
-                      <a:noFill/>
-                    </a:lnL>
-                    <a:lnR w="12700" cmpd="sng">
-                      <a:noFill/>
-                    </a:lnR>
-                    <a:lnT w="12700" cmpd="sng">
-                      <a:noFill/>
-                    </a:lnT>
-                    <a:lnB w="12700" cap="flat" cmpd="sng" algn="ctr">
-                      <a:solidFill>
-                        <a:schemeClr val="tx1"/>
-                      </a:solidFill>
-                      <a:prstDash val="solid"/>
-                      <a:round/>
-                      <a:headEnd type="none" w="med" len="med"/>
-                      <a:tailEnd type="none" w="med" len="med"/>
-                    </a:lnB>
-                    <a:lnTlToBr w="12700" cmpd="sng">
-                      <a:noFill/>
-                      <a:prstDash val="solid"/>
-                    </a:lnTlToBr>
-                    <a:lnBlToTr w="12700" cmpd="sng">
-                      <a:noFill/>
-                      <a:prstDash val="solid"/>
-                    </a:lnBlToTr>
-                    <a:noFill/>
-                  </a:tcPr>
-                </a:tc>
-                <a:extLst>
-                  <a:ext uri="{0D108BD9-81ED-4DB2-BD59-A6C34878D82A}">
-                    <a16:rowId xmlns:a16="http://schemas.microsoft.com/office/drawing/2014/main" val="1363205147"/>
-                  </a:ext>
-                </a:extLst>
-              </a:tr>
-              <a:tr h="370840">
-                <a:tc>
-                  <a:txBody>
-                    <a:bodyPr/>
-                    <a:lstStyle/>
-                    <a:p>
-                      <a:pPr latinLnBrk="1"/>
-                      <a:endParaRPr lang="ko-KR" altLang="en-US" b="0" dirty="0">
-                        <a:solidFill>
-                          <a:schemeClr val="tx1"/>
-                        </a:solidFill>
-                      </a:endParaRPr>
-                    </a:p>
-                  </a:txBody>
-                  <a:tcPr>
-                    <a:lnL w="12700" cmpd="sng">
-                      <a:noFill/>
-                    </a:lnL>
-                    <a:lnR w="12700" cmpd="sng">
-                      <a:noFill/>
-                    </a:lnR>
-                    <a:lnT w="12700" cap="flat" cmpd="sng" algn="ctr">
-                      <a:solidFill>
-                        <a:schemeClr val="tx1"/>
-                      </a:solidFill>
-                      <a:prstDash val="solid"/>
-                      <a:round/>
-                      <a:headEnd type="none" w="med" len="med"/>
-                      <a:tailEnd type="none" w="med" len="med"/>
-                    </a:lnT>
-                    <a:lnB w="12700" cmpd="sng">
-                      <a:noFill/>
-                    </a:lnB>
-                    <a:lnTlToBr w="12700" cmpd="sng">
-                      <a:noFill/>
-                      <a:prstDash val="solid"/>
-                    </a:lnTlToBr>
-                    <a:lnBlToTr w="12700" cmpd="sng">
-                      <a:noFill/>
-                      <a:prstDash val="solid"/>
-                    </a:lnBlToTr>
-                    <a:noFill/>
-                  </a:tcPr>
-                </a:tc>
-                <a:extLst>
-                  <a:ext uri="{0D108BD9-81ED-4DB2-BD59-A6C34878D82A}">
-                    <a16:rowId xmlns:a16="http://schemas.microsoft.com/office/drawing/2014/main" val="623763032"/>
-                  </a:ext>
-                </a:extLst>
-              </a:tr>
-            </a:tbl>
-          </a:graphicData>
-        </a:graphic>
-      </p:graphicFrame>
+          <p:cNvSpPr/>
+          <p:nvPr/>
+        </p:nvSpPr>
+        <p:spPr>
+          <a:xfrm>
+            <a:off x="2748330" y="1561876"/>
+            <a:ext cx="1918921" cy="814464"/>
+          </a:xfrm>
+          <a:prstGeom prst="rect">
+            <a:avLst/>
+          </a:prstGeom>
+        </p:spPr>
+        <p:style>
+          <a:lnRef idx="2">
+            <a:schemeClr val="accent1">
+              <a:shade val="50000"/>
+            </a:schemeClr>
+          </a:lnRef>
+          <a:fillRef idx="1">
+            <a:schemeClr val="accent1"/>
+          </a:fillRef>
+          <a:effectRef idx="0">
+            <a:schemeClr val="accent1"/>
+          </a:effectRef>
+          <a:fontRef idx="minor">
+            <a:schemeClr val="lt1"/>
+          </a:fontRef>
+        </p:style>
+        <p:txBody>
+          <a:bodyPr rtlCol="0" anchor="ctr"/>
+          <a:lstStyle/>
+          <a:p>
+            <a:pPr algn="ctr"/>
+            <a:r>
+              <a:rPr lang="ko-KR" altLang="en-US" dirty="0"/>
+              <a:t>세력 가입</a:t>
+            </a:r>
+          </a:p>
+        </p:txBody>
+      </p:sp>
+      <p:sp>
+        <p:nvSpPr>
+          <p:cNvPr id="6" name="직사각형 5">
+            <a:extLst>
+              <a:ext uri="{FF2B5EF4-FFF2-40B4-BE49-F238E27FC236}">
+                <a16:creationId xmlns:a16="http://schemas.microsoft.com/office/drawing/2014/main" id="{3FC0B7AF-F60D-47FC-B593-C6A953803E48}"/>
+              </a:ext>
+            </a:extLst>
+          </p:cNvPr>
+          <p:cNvSpPr/>
+          <p:nvPr/>
+        </p:nvSpPr>
+        <p:spPr>
+          <a:xfrm>
+            <a:off x="4903544" y="1561876"/>
+            <a:ext cx="1918921" cy="814464"/>
+          </a:xfrm>
+          <a:prstGeom prst="rect">
+            <a:avLst/>
+          </a:prstGeom>
+        </p:spPr>
+        <p:style>
+          <a:lnRef idx="2">
+            <a:schemeClr val="accent1">
+              <a:shade val="50000"/>
+            </a:schemeClr>
+          </a:lnRef>
+          <a:fillRef idx="1">
+            <a:schemeClr val="accent1"/>
+          </a:fillRef>
+          <a:effectRef idx="0">
+            <a:schemeClr val="accent1"/>
+          </a:effectRef>
+          <a:fontRef idx="minor">
+            <a:schemeClr val="lt1"/>
+          </a:fontRef>
+        </p:style>
+        <p:txBody>
+          <a:bodyPr rtlCol="0" anchor="ctr"/>
+          <a:lstStyle/>
+          <a:p>
+            <a:pPr algn="ctr"/>
+            <a:r>
+              <a:rPr lang="ko-KR" altLang="en-US"/>
+              <a:t>공헌도 상승</a:t>
+            </a:r>
+            <a:endParaRPr lang="ko-KR" altLang="en-US" dirty="0"/>
+          </a:p>
+        </p:txBody>
+      </p:sp>
+      <p:sp>
+        <p:nvSpPr>
+          <p:cNvPr id="7" name="직사각형 6">
+            <a:extLst>
+              <a:ext uri="{FF2B5EF4-FFF2-40B4-BE49-F238E27FC236}">
+                <a16:creationId xmlns:a16="http://schemas.microsoft.com/office/drawing/2014/main" id="{24BC346C-650C-4685-913A-30462D654557}"/>
+              </a:ext>
+            </a:extLst>
+          </p:cNvPr>
+          <p:cNvSpPr/>
+          <p:nvPr/>
+        </p:nvSpPr>
+        <p:spPr>
+          <a:xfrm>
+            <a:off x="6904991" y="2426805"/>
+            <a:ext cx="1918921" cy="814464"/>
+          </a:xfrm>
+          <a:prstGeom prst="rect">
+            <a:avLst/>
+          </a:prstGeom>
+        </p:spPr>
+        <p:style>
+          <a:lnRef idx="2">
+            <a:schemeClr val="accent1">
+              <a:shade val="50000"/>
+            </a:schemeClr>
+          </a:lnRef>
+          <a:fillRef idx="1">
+            <a:schemeClr val="accent1"/>
+          </a:fillRef>
+          <a:effectRef idx="0">
+            <a:schemeClr val="accent1"/>
+          </a:effectRef>
+          <a:fontRef idx="minor">
+            <a:schemeClr val="lt1"/>
+          </a:fontRef>
+        </p:style>
+        <p:txBody>
+          <a:bodyPr rtlCol="0" anchor="ctr"/>
+          <a:lstStyle/>
+          <a:p>
+            <a:pPr algn="ctr"/>
+            <a:r>
+              <a:rPr lang="ko-KR" altLang="en-US" dirty="0"/>
+              <a:t>공헌도 소비</a:t>
+            </a:r>
+          </a:p>
+        </p:txBody>
+      </p:sp>
+      <p:sp>
+        <p:nvSpPr>
+          <p:cNvPr id="8" name="직사각형 7">
+            <a:extLst>
+              <a:ext uri="{FF2B5EF4-FFF2-40B4-BE49-F238E27FC236}">
+                <a16:creationId xmlns:a16="http://schemas.microsoft.com/office/drawing/2014/main" id="{D70DF849-C952-4E9F-945A-9DD0824657C5}"/>
+              </a:ext>
+            </a:extLst>
+          </p:cNvPr>
+          <p:cNvSpPr/>
+          <p:nvPr/>
+        </p:nvSpPr>
+        <p:spPr>
+          <a:xfrm>
+            <a:off x="6979995" y="808038"/>
+            <a:ext cx="1918921" cy="814464"/>
+          </a:xfrm>
+          <a:prstGeom prst="rect">
+            <a:avLst/>
+          </a:prstGeom>
+        </p:spPr>
+        <p:style>
+          <a:lnRef idx="2">
+            <a:schemeClr val="accent1">
+              <a:shade val="50000"/>
+            </a:schemeClr>
+          </a:lnRef>
+          <a:fillRef idx="1">
+            <a:schemeClr val="accent1"/>
+          </a:fillRef>
+          <a:effectRef idx="0">
+            <a:schemeClr val="accent1"/>
+          </a:effectRef>
+          <a:fontRef idx="minor">
+            <a:schemeClr val="lt1"/>
+          </a:fontRef>
+        </p:style>
+        <p:txBody>
+          <a:bodyPr rtlCol="0" anchor="ctr"/>
+          <a:lstStyle/>
+          <a:p>
+            <a:pPr algn="ctr"/>
+            <a:r>
+              <a:rPr lang="ko-KR" altLang="en-US" dirty="0"/>
+              <a:t>계급 상승</a:t>
+            </a:r>
+          </a:p>
+        </p:txBody>
+      </p:sp>
+      <p:sp>
+        <p:nvSpPr>
+          <p:cNvPr id="17" name="직사각형 16">
+            <a:extLst>
+              <a:ext uri="{FF2B5EF4-FFF2-40B4-BE49-F238E27FC236}">
+                <a16:creationId xmlns:a16="http://schemas.microsoft.com/office/drawing/2014/main" id="{5E2ACE6E-8D31-4787-9EF6-FD6E19D288CB}"/>
+              </a:ext>
+            </a:extLst>
+          </p:cNvPr>
+          <p:cNvSpPr/>
+          <p:nvPr/>
+        </p:nvSpPr>
+        <p:spPr>
+          <a:xfrm>
+            <a:off x="9255005" y="2253310"/>
+            <a:ext cx="1918921" cy="814464"/>
+          </a:xfrm>
+          <a:prstGeom prst="rect">
+            <a:avLst/>
+          </a:prstGeom>
+        </p:spPr>
+        <p:style>
+          <a:lnRef idx="2">
+            <a:schemeClr val="accent1">
+              <a:shade val="50000"/>
+            </a:schemeClr>
+          </a:lnRef>
+          <a:fillRef idx="1">
+            <a:schemeClr val="accent1"/>
+          </a:fillRef>
+          <a:effectRef idx="0">
+            <a:schemeClr val="accent1"/>
+          </a:effectRef>
+          <a:fontRef idx="minor">
+            <a:schemeClr val="lt1"/>
+          </a:fontRef>
+        </p:style>
+        <p:txBody>
+          <a:bodyPr rtlCol="0" anchor="ctr"/>
+          <a:lstStyle/>
+          <a:p>
+            <a:pPr algn="ctr"/>
+            <a:r>
+              <a:rPr lang="ko-KR" altLang="en-US" dirty="0"/>
+              <a:t>장비 구매</a:t>
+            </a:r>
+          </a:p>
+        </p:txBody>
+      </p:sp>
+      <p:sp>
+        <p:nvSpPr>
+          <p:cNvPr id="18" name="직사각형 17">
+            <a:extLst>
+              <a:ext uri="{FF2B5EF4-FFF2-40B4-BE49-F238E27FC236}">
+                <a16:creationId xmlns:a16="http://schemas.microsoft.com/office/drawing/2014/main" id="{3FF6216B-2B6A-459D-8545-B31495125F02}"/>
+              </a:ext>
+            </a:extLst>
+          </p:cNvPr>
+          <p:cNvSpPr/>
+          <p:nvPr/>
+        </p:nvSpPr>
+        <p:spPr>
+          <a:xfrm>
+            <a:off x="9255004" y="3241269"/>
+            <a:ext cx="1918921" cy="814464"/>
+          </a:xfrm>
+          <a:prstGeom prst="rect">
+            <a:avLst/>
+          </a:prstGeom>
+        </p:spPr>
+        <p:style>
+          <a:lnRef idx="2">
+            <a:schemeClr val="accent1">
+              <a:shade val="50000"/>
+            </a:schemeClr>
+          </a:lnRef>
+          <a:fillRef idx="1">
+            <a:schemeClr val="accent1"/>
+          </a:fillRef>
+          <a:effectRef idx="0">
+            <a:schemeClr val="accent1"/>
+          </a:effectRef>
+          <a:fontRef idx="minor">
+            <a:schemeClr val="lt1"/>
+          </a:fontRef>
+        </p:style>
+        <p:txBody>
+          <a:bodyPr rtlCol="0" anchor="ctr"/>
+          <a:lstStyle/>
+          <a:p>
+            <a:pPr algn="ctr"/>
+            <a:r>
+              <a:rPr lang="ko-KR" altLang="en-US" dirty="0"/>
+              <a:t>스킬 구매</a:t>
+            </a:r>
+          </a:p>
+        </p:txBody>
+      </p:sp>
+      <p:sp>
+        <p:nvSpPr>
+          <p:cNvPr id="19" name="직사각형 18">
+            <a:extLst>
+              <a:ext uri="{FF2B5EF4-FFF2-40B4-BE49-F238E27FC236}">
+                <a16:creationId xmlns:a16="http://schemas.microsoft.com/office/drawing/2014/main" id="{F7125DAF-D0B2-4783-8FD4-F74D378175E0}"/>
+              </a:ext>
+            </a:extLst>
+          </p:cNvPr>
+          <p:cNvSpPr/>
+          <p:nvPr/>
+        </p:nvSpPr>
+        <p:spPr>
+          <a:xfrm>
+            <a:off x="9255006" y="235104"/>
+            <a:ext cx="1918921" cy="814464"/>
+          </a:xfrm>
+          <a:prstGeom prst="rect">
+            <a:avLst/>
+          </a:prstGeom>
+        </p:spPr>
+        <p:style>
+          <a:lnRef idx="2">
+            <a:schemeClr val="accent1">
+              <a:shade val="50000"/>
+            </a:schemeClr>
+          </a:lnRef>
+          <a:fillRef idx="1">
+            <a:schemeClr val="accent1"/>
+          </a:fillRef>
+          <a:effectRef idx="0">
+            <a:schemeClr val="accent1"/>
+          </a:effectRef>
+          <a:fontRef idx="minor">
+            <a:schemeClr val="lt1"/>
+          </a:fontRef>
+        </p:style>
+        <p:txBody>
+          <a:bodyPr rtlCol="0" anchor="ctr"/>
+          <a:lstStyle/>
+          <a:p>
+            <a:pPr algn="ctr"/>
+            <a:r>
+              <a:rPr lang="ko-KR" altLang="en-US" dirty="0"/>
+              <a:t>수련장</a:t>
+            </a:r>
+          </a:p>
+        </p:txBody>
+      </p:sp>
+      <p:sp>
+        <p:nvSpPr>
+          <p:cNvPr id="20" name="직사각형 19">
+            <a:extLst>
+              <a:ext uri="{FF2B5EF4-FFF2-40B4-BE49-F238E27FC236}">
+                <a16:creationId xmlns:a16="http://schemas.microsoft.com/office/drawing/2014/main" id="{8975794C-C88C-4648-8579-5365D836D47E}"/>
+              </a:ext>
+            </a:extLst>
+          </p:cNvPr>
+          <p:cNvSpPr/>
+          <p:nvPr/>
+        </p:nvSpPr>
+        <p:spPr>
+          <a:xfrm>
+            <a:off x="9255005" y="1207091"/>
+            <a:ext cx="1918921" cy="814464"/>
+          </a:xfrm>
+          <a:prstGeom prst="rect">
+            <a:avLst/>
+          </a:prstGeom>
+        </p:spPr>
+        <p:style>
+          <a:lnRef idx="2">
+            <a:schemeClr val="accent1">
+              <a:shade val="50000"/>
+            </a:schemeClr>
+          </a:lnRef>
+          <a:fillRef idx="1">
+            <a:schemeClr val="accent1"/>
+          </a:fillRef>
+          <a:effectRef idx="0">
+            <a:schemeClr val="accent1"/>
+          </a:effectRef>
+          <a:fontRef idx="minor">
+            <a:schemeClr val="lt1"/>
+          </a:fontRef>
+        </p:style>
+        <p:txBody>
+          <a:bodyPr rtlCol="0" anchor="ctr"/>
+          <a:lstStyle/>
+          <a:p>
+            <a:pPr algn="ctr"/>
+            <a:r>
+              <a:rPr lang="ko-KR" altLang="en-US" dirty="0"/>
+              <a:t>특수 상점 이용</a:t>
+            </a:r>
+          </a:p>
+        </p:txBody>
+      </p:sp>
     </p:spTree>
     <p:extLst>
       <p:ext uri="{BB962C8B-B14F-4D97-AF65-F5344CB8AC3E}">
-        <p14:creationId xmlns:p14="http://schemas.microsoft.com/office/powerpoint/2010/main" val="1823790899"/>
+        <p14:creationId xmlns:p14="http://schemas.microsoft.com/office/powerpoint/2010/main" val="2393192259"/>
       </p:ext>
     </p:extLst>
   </p:cSld>
@@ -8227,774 +11878,908 @@
           <a:chExt cx="0" cy="0"/>
         </a:xfrm>
       </p:grpSpPr>
-      <p:sp>
-        <p:nvSpPr>
-          <p:cNvPr id="7" name="제목 1">
+      <p:grpSp>
+        <p:nvGrpSpPr>
+          <p:cNvPr id="2" name="그룹 1">
             <a:extLst>
               <a:ext uri="{FF2B5EF4-FFF2-40B4-BE49-F238E27FC236}">
-                <a16:creationId xmlns:a16="http://schemas.microsoft.com/office/drawing/2014/main" id="{77FA9A8E-E94C-4F99-8997-7C96A1AAEAC7}"/>
+                <a16:creationId xmlns:a16="http://schemas.microsoft.com/office/drawing/2014/main" id="{8FA92359-B0BA-40DD-B83E-48A3B7E6A178}"/>
               </a:ext>
             </a:extLst>
           </p:cNvPr>
-          <p:cNvSpPr txBox="1">
-            <a:spLocks/>
-          </p:cNvSpPr>
+          <p:cNvGrpSpPr/>
           <p:nvPr/>
-        </p:nvSpPr>
-        <p:spPr>
+        </p:nvGrpSpPr>
+        <p:grpSpPr>
           <a:xfrm>
-            <a:off x="695325" y="292100"/>
-            <a:ext cx="10801350" cy="861695"/>
+            <a:off x="1787780" y="1440937"/>
+            <a:ext cx="8616440" cy="1498600"/>
+            <a:chOff x="1653296" y="1439032"/>
+            <a:chExt cx="8616440" cy="1498600"/>
           </a:xfrm>
-          <a:prstGeom prst="rect">
-            <a:avLst/>
-          </a:prstGeom>
-        </p:spPr>
-        <p:txBody>
-          <a:bodyPr vert="horz" lIns="91440" tIns="45720" rIns="91440" bIns="45720" rtlCol="0" anchor="ctr">
-            <a:normAutofit/>
-          </a:bodyPr>
-          <a:lstStyle>
-            <a:lvl1pPr algn="l" defTabSz="914400" rtl="0" eaLnBrk="1" latinLnBrk="1" hangingPunct="1">
-              <a:lnSpc>
-                <a:spcPct val="90000"/>
-              </a:lnSpc>
-              <a:spcBef>
-                <a:spcPct val="0"/>
-              </a:spcBef>
-              <a:buNone/>
-              <a:defRPr sz="4400" kern="1200">
-                <a:solidFill>
-                  <a:schemeClr val="tx1"/>
-                </a:solidFill>
-                <a:latin typeface="+mj-lt"/>
-                <a:ea typeface="+mj-ea"/>
-                <a:cs typeface="+mj-cs"/>
-              </a:defRPr>
-            </a:lvl1pPr>
-          </a:lstStyle>
-          <a:p>
-            <a:r>
-              <a:rPr lang="ko-KR" altLang="en-US" dirty="0" err="1"/>
-              <a:t>도방</a:t>
-            </a:r>
-            <a:r>
-              <a:rPr lang="ko-KR" altLang="en-US" dirty="0"/>
-              <a:t> 세력 규칙</a:t>
-            </a:r>
-          </a:p>
-        </p:txBody>
-      </p:sp>
-      <p:graphicFrame>
-        <p:nvGraphicFramePr>
-          <p:cNvPr id="2" name="표 2">
-            <a:extLst>
-              <a:ext uri="{FF2B5EF4-FFF2-40B4-BE49-F238E27FC236}">
-                <a16:creationId xmlns:a16="http://schemas.microsoft.com/office/drawing/2014/main" id="{FBB150CA-00F1-4A49-8E35-6CF98C8E584A}"/>
-              </a:ext>
-            </a:extLst>
-          </p:cNvPr>
-          <p:cNvGraphicFramePr>
-            <a:graphicFrameLocks noGrp="1"/>
-          </p:cNvGraphicFramePr>
-          <p:nvPr/>
-        </p:nvGraphicFramePr>
-        <p:xfrm>
-          <a:off x="1530826" y="1612769"/>
-          <a:ext cx="9130348" cy="1473200"/>
-        </p:xfrm>
-        <a:graphic>
-          <a:graphicData uri="http://schemas.openxmlformats.org/drawingml/2006/table">
-            <a:tbl>
-              <a:tblPr firstRow="1" bandRow="1">
-                <a:tableStyleId>{5C22544A-7EE6-4342-B048-85BDC9FD1C3A}</a:tableStyleId>
-              </a:tblPr>
-              <a:tblGrid>
-                <a:gridCol w="721043">
-                  <a:extLst>
-                    <a:ext uri="{9D8B030D-6E8A-4147-A177-3AD203B41FA5}">
-                      <a16:colId xmlns:a16="http://schemas.microsoft.com/office/drawing/2014/main" val="3027664129"/>
-                    </a:ext>
-                  </a:extLst>
-                </a:gridCol>
-                <a:gridCol w="904569">
-                  <a:extLst>
-                    <a:ext uri="{9D8B030D-6E8A-4147-A177-3AD203B41FA5}">
-                      <a16:colId xmlns:a16="http://schemas.microsoft.com/office/drawing/2014/main" val="2521053459"/>
-                    </a:ext>
-                  </a:extLst>
-                </a:gridCol>
-                <a:gridCol w="7504736">
-                  <a:extLst>
-                    <a:ext uri="{9D8B030D-6E8A-4147-A177-3AD203B41FA5}">
-                      <a16:colId xmlns:a16="http://schemas.microsoft.com/office/drawing/2014/main" val="2352313364"/>
-                    </a:ext>
-                  </a:extLst>
-                </a:gridCol>
-              </a:tblGrid>
-              <a:tr h="370840">
-                <a:tc>
-                  <a:txBody>
-                    <a:bodyPr/>
-                    <a:lstStyle/>
-                    <a:p>
-                      <a:pPr latinLnBrk="1"/>
-                      <a:r>
-                        <a:rPr lang="ko-KR" altLang="en-US" b="0" dirty="0">
-                          <a:solidFill>
-                            <a:schemeClr val="tx1"/>
-                          </a:solidFill>
-                        </a:rPr>
-                        <a:t>무림</a:t>
-                      </a:r>
-                    </a:p>
-                  </a:txBody>
-                  <a:tcPr anchor="ctr">
-                    <a:lnL w="12700" cmpd="sng">
-                      <a:noFill/>
-                    </a:lnL>
-                    <a:lnR w="12700" cap="flat" cmpd="sng" algn="ctr">
-                      <a:solidFill>
-                        <a:schemeClr val="tx1"/>
-                      </a:solidFill>
-                      <a:prstDash val="solid"/>
-                      <a:round/>
-                      <a:headEnd type="none" w="med" len="med"/>
-                      <a:tailEnd type="none" w="med" len="med"/>
-                    </a:lnR>
-                    <a:lnT w="12700" cmpd="sng">
-                      <a:noFill/>
-                    </a:lnT>
-                    <a:lnB w="12700" cap="flat" cmpd="sng" algn="ctr">
-                      <a:solidFill>
-                        <a:schemeClr val="tx1"/>
-                      </a:solidFill>
-                      <a:prstDash val="solid"/>
-                      <a:round/>
-                      <a:headEnd type="none" w="med" len="med"/>
-                      <a:tailEnd type="none" w="med" len="med"/>
-                    </a:lnB>
-                    <a:lnTlToBr w="12700" cmpd="sng">
-                      <a:noFill/>
-                      <a:prstDash val="solid"/>
-                    </a:lnTlToBr>
-                    <a:lnBlToTr w="12700" cmpd="sng">
-                      <a:noFill/>
-                      <a:prstDash val="solid"/>
-                    </a:lnBlToTr>
-                    <a:noFill/>
-                  </a:tcPr>
-                </a:tc>
-                <a:tc gridSpan="2">
-                  <a:txBody>
-                    <a:bodyPr/>
-                    <a:lstStyle/>
-                    <a:p>
-                      <a:pPr latinLnBrk="1"/>
-                      <a:r>
-                        <a:rPr lang="ko-KR" altLang="en-US" b="0" dirty="0">
-                          <a:solidFill>
-                            <a:schemeClr val="tx1"/>
-                          </a:solidFill>
-                        </a:rPr>
-                        <a:t>플레이어의 행동에 따라 변하는 우호도에 따라 우호적인</a:t>
-                      </a:r>
-                      <a:r>
-                        <a:rPr lang="en-US" altLang="ko-KR" b="0" dirty="0">
-                          <a:solidFill>
-                            <a:schemeClr val="tx1"/>
-                          </a:solidFill>
-                        </a:rPr>
-                        <a:t>, </a:t>
-                      </a:r>
-                      <a:r>
-                        <a:rPr lang="ko-KR" altLang="en-US" b="0" dirty="0">
-                          <a:solidFill>
-                            <a:schemeClr val="tx1"/>
-                          </a:solidFill>
-                        </a:rPr>
-                        <a:t>적대적인 상태가 된다</a:t>
-                      </a:r>
-                      <a:r>
-                        <a:rPr lang="en-US" altLang="ko-KR" b="0" dirty="0">
-                          <a:solidFill>
-                            <a:schemeClr val="tx1"/>
-                          </a:solidFill>
-                        </a:rPr>
-                        <a:t>.</a:t>
-                      </a:r>
-                      <a:endParaRPr lang="ko-KR" altLang="en-US" b="0" dirty="0">
-                        <a:solidFill>
-                          <a:schemeClr val="tx1"/>
-                        </a:solidFill>
-                      </a:endParaRPr>
-                    </a:p>
-                  </a:txBody>
-                  <a:tcPr anchor="ctr">
-                    <a:lnL w="12700" cap="flat" cmpd="sng" algn="ctr">
-                      <a:solidFill>
-                        <a:schemeClr val="tx1"/>
-                      </a:solidFill>
-                      <a:prstDash val="solid"/>
-                      <a:round/>
-                      <a:headEnd type="none" w="med" len="med"/>
-                      <a:tailEnd type="none" w="med" len="med"/>
-                    </a:lnL>
-                    <a:lnR w="12700" cmpd="sng">
-                      <a:noFill/>
-                    </a:lnR>
-                    <a:lnT w="12700" cmpd="sng">
-                      <a:noFill/>
-                    </a:lnT>
-                    <a:lnB w="12700" cap="flat" cmpd="sng" algn="ctr">
-                      <a:solidFill>
-                        <a:schemeClr val="tx1"/>
-                      </a:solidFill>
-                      <a:prstDash val="solid"/>
-                      <a:round/>
-                      <a:headEnd type="none" w="med" len="med"/>
-                      <a:tailEnd type="none" w="med" len="med"/>
-                    </a:lnB>
-                    <a:lnTlToBr w="12700" cmpd="sng">
-                      <a:noFill/>
-                      <a:prstDash val="solid"/>
-                    </a:lnTlToBr>
-                    <a:lnBlToTr w="12700" cmpd="sng">
-                      <a:noFill/>
-                      <a:prstDash val="solid"/>
-                    </a:lnBlToTr>
-                    <a:noFill/>
-                  </a:tcPr>
-                </a:tc>
-                <a:tc hMerge="1">
-                  <a:txBody>
-                    <a:bodyPr/>
-                    <a:lstStyle/>
-                    <a:p>
-                      <a:pPr latinLnBrk="1"/>
-                      <a:endParaRPr lang="ko-KR" altLang="en-US"/>
-                    </a:p>
-                  </a:txBody>
-                  <a:tcPr/>
-                </a:tc>
+        </p:grpSpPr>
+        <p:grpSp>
+          <p:nvGrpSpPr>
+            <p:cNvPr id="39" name="그룹 38">
+              <a:extLst>
+                <a:ext uri="{FF2B5EF4-FFF2-40B4-BE49-F238E27FC236}">
+                  <a16:creationId xmlns:a16="http://schemas.microsoft.com/office/drawing/2014/main" id="{AED3C756-59E9-4378-A48A-546C3A71F51B}"/>
+                </a:ext>
+              </a:extLst>
+            </p:cNvPr>
+            <p:cNvGrpSpPr/>
+            <p:nvPr/>
+          </p:nvGrpSpPr>
+          <p:grpSpPr>
+            <a:xfrm>
+              <a:off x="1653296" y="1440937"/>
+              <a:ext cx="1617980" cy="1496695"/>
+              <a:chOff x="1439545" y="2680970"/>
+              <a:chExt cx="1617980" cy="1496695"/>
+            </a:xfrm>
+          </p:grpSpPr>
+          <p:sp>
+            <p:nvSpPr>
+              <p:cNvPr id="40" name="사각형: 둥근 대각선 방향 모서리 39">
                 <a:extLst>
-                  <a:ext uri="{0D108BD9-81ED-4DB2-BD59-A6C34878D82A}">
-                    <a16:rowId xmlns:a16="http://schemas.microsoft.com/office/drawing/2014/main" val="3094234635"/>
+                  <a:ext uri="{FF2B5EF4-FFF2-40B4-BE49-F238E27FC236}">
+                    <a16:creationId xmlns:a16="http://schemas.microsoft.com/office/drawing/2014/main" id="{F01A641A-E172-46B8-BE7F-2434A953C63E}"/>
                   </a:ext>
                 </a:extLst>
-              </a:tr>
-              <a:tr h="370840">
-                <a:tc rowSpan="3">
-                  <a:txBody>
-                    <a:bodyPr/>
-                    <a:lstStyle/>
-                    <a:p>
-                      <a:pPr latinLnBrk="1"/>
-                      <a:r>
-                        <a:rPr lang="ko-KR" altLang="en-US" b="0" dirty="0" err="1">
-                          <a:solidFill>
-                            <a:schemeClr val="tx1"/>
-                          </a:solidFill>
-                        </a:rPr>
-                        <a:t>도방</a:t>
-                      </a:r>
-                      <a:endParaRPr lang="ko-KR" altLang="en-US" b="0" dirty="0">
-                        <a:solidFill>
-                          <a:schemeClr val="tx1"/>
-                        </a:solidFill>
-                      </a:endParaRPr>
-                    </a:p>
-                  </a:txBody>
-                  <a:tcPr anchor="ctr">
-                    <a:lnL w="12700" cmpd="sng">
-                      <a:noFill/>
-                    </a:lnL>
-                    <a:lnR w="12700" cap="flat" cmpd="sng" algn="ctr">
-                      <a:solidFill>
-                        <a:schemeClr val="tx1"/>
-                      </a:solidFill>
-                      <a:prstDash val="solid"/>
-                      <a:round/>
-                      <a:headEnd type="none" w="med" len="med"/>
-                      <a:tailEnd type="none" w="med" len="med"/>
-                    </a:lnR>
-                    <a:lnT w="12700" cap="flat" cmpd="sng" algn="ctr">
-                      <a:solidFill>
-                        <a:schemeClr val="tx1"/>
-                      </a:solidFill>
-                      <a:prstDash val="solid"/>
-                      <a:round/>
-                      <a:headEnd type="none" w="med" len="med"/>
-                      <a:tailEnd type="none" w="med" len="med"/>
-                    </a:lnT>
-                    <a:lnB w="12700" cap="flat" cmpd="sng" algn="ctr">
-                      <a:noFill/>
-                      <a:prstDash val="solid"/>
-                      <a:round/>
-                      <a:headEnd type="none" w="med" len="med"/>
-                      <a:tailEnd type="none" w="med" len="med"/>
-                    </a:lnB>
-                    <a:lnTlToBr w="12700" cmpd="sng">
-                      <a:noFill/>
-                      <a:prstDash val="solid"/>
-                    </a:lnTlToBr>
-                    <a:lnBlToTr w="12700" cmpd="sng">
-                      <a:noFill/>
-                      <a:prstDash val="solid"/>
-                    </a:lnBlToTr>
-                    <a:noFill/>
-                  </a:tcPr>
-                </a:tc>
-                <a:tc gridSpan="2">
-                  <a:txBody>
-                    <a:bodyPr/>
-                    <a:lstStyle/>
-                    <a:p>
-                      <a:pPr latinLnBrk="1"/>
-                      <a:r>
-                        <a:rPr lang="ko-KR" altLang="en-US" b="0" dirty="0">
-                          <a:solidFill>
-                            <a:schemeClr val="tx1"/>
-                          </a:solidFill>
-                        </a:rPr>
-                        <a:t>사용하는 기술에 따라 </a:t>
-                      </a:r>
-                      <a:r>
-                        <a:rPr lang="ko-KR" altLang="en-US" b="0" dirty="0" err="1">
-                          <a:solidFill>
-                            <a:schemeClr val="tx1"/>
-                          </a:solidFill>
-                        </a:rPr>
-                        <a:t>좌도방</a:t>
-                      </a:r>
-                      <a:r>
-                        <a:rPr lang="en-US" altLang="ko-KR" b="0" dirty="0">
-                          <a:solidFill>
-                            <a:schemeClr val="tx1"/>
-                          </a:solidFill>
-                        </a:rPr>
-                        <a:t>, </a:t>
-                      </a:r>
-                      <a:r>
-                        <a:rPr lang="ko-KR" altLang="en-US" b="0" dirty="0" err="1">
-                          <a:solidFill>
-                            <a:schemeClr val="tx1"/>
-                          </a:solidFill>
-                        </a:rPr>
-                        <a:t>우도방으로</a:t>
-                      </a:r>
-                      <a:r>
-                        <a:rPr lang="ko-KR" altLang="en-US" b="0" dirty="0">
-                          <a:solidFill>
-                            <a:schemeClr val="tx1"/>
-                          </a:solidFill>
-                        </a:rPr>
-                        <a:t> 나뉜다</a:t>
-                      </a:r>
-                      <a:r>
-                        <a:rPr lang="en-US" altLang="ko-KR" b="0" dirty="0">
-                          <a:solidFill>
-                            <a:schemeClr val="tx1"/>
-                          </a:solidFill>
-                        </a:rPr>
-                        <a:t>.</a:t>
-                      </a:r>
-                      <a:endParaRPr lang="ko-KR" altLang="en-US" b="0" dirty="0">
-                        <a:solidFill>
-                          <a:schemeClr val="tx1"/>
-                        </a:solidFill>
-                      </a:endParaRPr>
-                    </a:p>
-                  </a:txBody>
-                  <a:tcPr anchor="ctr">
-                    <a:lnL w="12700" cap="flat" cmpd="sng" algn="ctr">
-                      <a:solidFill>
-                        <a:schemeClr val="tx1"/>
-                      </a:solidFill>
-                      <a:prstDash val="solid"/>
-                      <a:round/>
-                      <a:headEnd type="none" w="med" len="med"/>
-                      <a:tailEnd type="none" w="med" len="med"/>
-                    </a:lnL>
-                    <a:lnR w="12700" cmpd="sng">
-                      <a:noFill/>
-                    </a:lnR>
-                    <a:lnT w="12700" cap="flat" cmpd="sng" algn="ctr">
-                      <a:solidFill>
-                        <a:schemeClr val="tx1"/>
-                      </a:solidFill>
-                      <a:prstDash val="solid"/>
-                      <a:round/>
-                      <a:headEnd type="none" w="med" len="med"/>
-                      <a:tailEnd type="none" w="med" len="med"/>
-                    </a:lnT>
-                    <a:lnB w="12700" cap="flat" cmpd="sng" algn="ctr">
-                      <a:solidFill>
-                        <a:schemeClr val="tx1"/>
-                      </a:solidFill>
-                      <a:prstDash val="solid"/>
-                      <a:round/>
-                      <a:headEnd type="none" w="med" len="med"/>
-                      <a:tailEnd type="none" w="med" len="med"/>
-                    </a:lnB>
-                    <a:lnTlToBr w="12700" cmpd="sng">
-                      <a:noFill/>
-                      <a:prstDash val="solid"/>
-                    </a:lnTlToBr>
-                    <a:lnBlToTr w="12700" cmpd="sng">
-                      <a:noFill/>
-                      <a:prstDash val="solid"/>
-                    </a:lnBlToTr>
-                    <a:noFill/>
-                  </a:tcPr>
-                </a:tc>
-                <a:tc hMerge="1">
-                  <a:txBody>
-                    <a:bodyPr/>
-                    <a:lstStyle/>
-                    <a:p>
-                      <a:pPr latinLnBrk="1"/>
-                      <a:endParaRPr lang="ko-KR" altLang="en-US"/>
-                    </a:p>
-                  </a:txBody>
-                  <a:tcPr/>
-                </a:tc>
+              </p:cNvPr>
+              <p:cNvSpPr/>
+              <p:nvPr/>
+            </p:nvSpPr>
+            <p:spPr>
+              <a:xfrm>
+                <a:off x="1439545" y="2680970"/>
+                <a:ext cx="1617980" cy="674370"/>
+              </a:xfrm>
+              <a:prstGeom prst="round2DiagRect">
+                <a:avLst>
+                  <a:gd name="adj1" fmla="val 0"/>
+                  <a:gd name="adj2" fmla="val 50000"/>
+                </a:avLst>
+              </a:prstGeom>
+              <a:solidFill>
+                <a:schemeClr val="bg1">
+                  <a:lumMod val="95000"/>
+                </a:schemeClr>
+              </a:solidFill>
+              <a:ln>
+                <a:noFill/>
+              </a:ln>
+            </p:spPr>
+            <p:style>
+              <a:lnRef idx="2">
+                <a:schemeClr val="accent1">
+                  <a:shade val="15000"/>
+                </a:schemeClr>
+              </a:lnRef>
+              <a:fillRef idx="1">
+                <a:schemeClr val="accent1"/>
+              </a:fillRef>
+              <a:effectRef idx="0">
+                <a:schemeClr val="accent1"/>
+              </a:effectRef>
+              <a:fontRef idx="minor">
+                <a:schemeClr val="lt1"/>
+              </a:fontRef>
+            </p:style>
+            <p:txBody>
+              <a:bodyPr rtlCol="0" anchor="ctr"/>
+              <a:lstStyle/>
+              <a:p>
+                <a:pPr algn="ctr"/>
+                <a:r>
+                  <a:rPr lang="ko-KR" altLang="en-US" sz="1400" dirty="0">
+                    <a:solidFill>
+                      <a:schemeClr val="tx1"/>
+                    </a:solidFill>
+                  </a:rPr>
+                  <a:t>우호도 상승</a:t>
+                </a:r>
+              </a:p>
+            </p:txBody>
+          </p:sp>
+          <p:sp>
+            <p:nvSpPr>
+              <p:cNvPr id="41" name="직사각형 40">
                 <a:extLst>
-                  <a:ext uri="{0D108BD9-81ED-4DB2-BD59-A6C34878D82A}">
-                    <a16:rowId xmlns:a16="http://schemas.microsoft.com/office/drawing/2014/main" val="407096501"/>
+                  <a:ext uri="{FF2B5EF4-FFF2-40B4-BE49-F238E27FC236}">
+                    <a16:creationId xmlns:a16="http://schemas.microsoft.com/office/drawing/2014/main" id="{1A3EEB70-5639-4B88-BE0A-52C79DD074F6}"/>
                   </a:ext>
                 </a:extLst>
-              </a:tr>
-              <a:tr h="185420">
-                <a:tc vMerge="1">
-                  <a:txBody>
-                    <a:bodyPr/>
-                    <a:lstStyle/>
-                    <a:p>
-                      <a:pPr latinLnBrk="1"/>
-                      <a:endParaRPr lang="ko-KR" altLang="en-US" b="0" dirty="0">
-                        <a:solidFill>
-                          <a:schemeClr val="tx1"/>
-                        </a:solidFill>
-                      </a:endParaRPr>
-                    </a:p>
-                  </a:txBody>
-                  <a:tcPr>
-                    <a:lnL w="12700" cmpd="sng">
-                      <a:noFill/>
-                    </a:lnL>
-                    <a:lnR w="12700" cap="flat" cmpd="sng" algn="ctr">
-                      <a:solidFill>
-                        <a:schemeClr val="tx1"/>
-                      </a:solidFill>
-                      <a:prstDash val="solid"/>
-                      <a:round/>
-                      <a:headEnd type="none" w="med" len="med"/>
-                      <a:tailEnd type="none" w="med" len="med"/>
-                    </a:lnR>
-                    <a:lnT w="12700" cap="flat" cmpd="sng" algn="ctr">
-                      <a:solidFill>
-                        <a:schemeClr val="tx1"/>
-                      </a:solidFill>
-                      <a:prstDash val="solid"/>
-                      <a:round/>
-                      <a:headEnd type="none" w="med" len="med"/>
-                      <a:tailEnd type="none" w="med" len="med"/>
-                    </a:lnT>
-                    <a:lnB w="12700" cap="flat" cmpd="sng" algn="ctr">
-                      <a:noFill/>
-                      <a:prstDash val="solid"/>
-                      <a:round/>
-                      <a:headEnd type="none" w="med" len="med"/>
-                      <a:tailEnd type="none" w="med" len="med"/>
-                    </a:lnB>
-                    <a:lnTlToBr w="12700" cmpd="sng">
-                      <a:noFill/>
-                      <a:prstDash val="solid"/>
-                    </a:lnTlToBr>
-                    <a:lnBlToTr w="12700" cmpd="sng">
-                      <a:noFill/>
-                      <a:prstDash val="solid"/>
-                    </a:lnBlToTr>
-                    <a:noFill/>
-                  </a:tcPr>
-                </a:tc>
-                <a:tc>
-                  <a:txBody>
-                    <a:bodyPr/>
-                    <a:lstStyle/>
-                    <a:p>
-                      <a:pPr latinLnBrk="1"/>
-                      <a:r>
-                        <a:rPr lang="ko-KR" altLang="en-US" b="0" dirty="0" err="1">
-                          <a:solidFill>
-                            <a:schemeClr val="tx1"/>
-                          </a:solidFill>
-                        </a:rPr>
-                        <a:t>좌도방</a:t>
-                      </a:r>
-                      <a:endParaRPr lang="ko-KR" altLang="en-US" b="0" dirty="0">
-                        <a:solidFill>
-                          <a:schemeClr val="tx1"/>
-                        </a:solidFill>
-                      </a:endParaRPr>
-                    </a:p>
-                  </a:txBody>
-                  <a:tcPr anchor="ctr">
-                    <a:lnL w="12700" cap="flat" cmpd="sng" algn="ctr">
-                      <a:solidFill>
-                        <a:schemeClr val="tx1"/>
-                      </a:solidFill>
-                      <a:prstDash val="solid"/>
-                      <a:round/>
-                      <a:headEnd type="none" w="med" len="med"/>
-                      <a:tailEnd type="none" w="med" len="med"/>
-                    </a:lnL>
-                    <a:lnR w="12700" cap="flat" cmpd="sng" algn="ctr">
-                      <a:solidFill>
-                        <a:schemeClr val="tx1"/>
-                      </a:solidFill>
-                      <a:prstDash val="solid"/>
-                      <a:round/>
-                      <a:headEnd type="none" w="med" len="med"/>
-                      <a:tailEnd type="none" w="med" len="med"/>
-                    </a:lnR>
-                    <a:lnT w="12700" cap="flat" cmpd="sng" algn="ctr">
-                      <a:solidFill>
-                        <a:schemeClr val="tx1"/>
-                      </a:solidFill>
-                      <a:prstDash val="solid"/>
-                      <a:round/>
-                      <a:headEnd type="none" w="med" len="med"/>
-                      <a:tailEnd type="none" w="med" len="med"/>
-                    </a:lnT>
-                    <a:lnB w="12700" cap="flat" cmpd="sng" algn="ctr">
-                      <a:solidFill>
-                        <a:schemeClr val="tx1"/>
-                      </a:solidFill>
-                      <a:prstDash val="solid"/>
-                      <a:round/>
-                      <a:headEnd type="none" w="med" len="med"/>
-                      <a:tailEnd type="none" w="med" len="med"/>
-                    </a:lnB>
-                    <a:lnTlToBr w="12700" cmpd="sng">
-                      <a:noFill/>
-                      <a:prstDash val="solid"/>
-                    </a:lnTlToBr>
-                    <a:lnBlToTr w="12700" cmpd="sng">
-                      <a:noFill/>
-                      <a:prstDash val="solid"/>
-                    </a:lnBlToTr>
-                    <a:noFill/>
-                  </a:tcPr>
-                </a:tc>
-                <a:tc>
-                  <a:txBody>
-                    <a:bodyPr/>
-                    <a:lstStyle/>
-                    <a:p>
-                      <a:pPr latinLnBrk="1"/>
-                      <a:endParaRPr lang="ko-KR" altLang="en-US" b="0" dirty="0">
-                        <a:solidFill>
-                          <a:schemeClr val="tx1"/>
-                        </a:solidFill>
-                      </a:endParaRPr>
-                    </a:p>
-                  </a:txBody>
-                  <a:tcPr anchor="ctr">
-                    <a:lnL w="12700" cap="flat" cmpd="sng" algn="ctr">
-                      <a:solidFill>
-                        <a:schemeClr val="tx1"/>
-                      </a:solidFill>
-                      <a:prstDash val="solid"/>
-                      <a:round/>
-                      <a:headEnd type="none" w="med" len="med"/>
-                      <a:tailEnd type="none" w="med" len="med"/>
-                    </a:lnL>
-                    <a:lnR w="12700" cmpd="sng">
-                      <a:noFill/>
-                    </a:lnR>
-                    <a:lnT w="12700" cap="flat" cmpd="sng" algn="ctr">
-                      <a:solidFill>
-                        <a:schemeClr val="tx1"/>
-                      </a:solidFill>
-                      <a:prstDash val="solid"/>
-                      <a:round/>
-                      <a:headEnd type="none" w="med" len="med"/>
-                      <a:tailEnd type="none" w="med" len="med"/>
-                    </a:lnT>
-                    <a:lnB w="12700" cap="flat" cmpd="sng" algn="ctr">
-                      <a:solidFill>
-                        <a:schemeClr val="tx1"/>
-                      </a:solidFill>
-                      <a:prstDash val="solid"/>
-                      <a:round/>
-                      <a:headEnd type="none" w="med" len="med"/>
-                      <a:tailEnd type="none" w="med" len="med"/>
-                    </a:lnB>
-                    <a:lnTlToBr w="12700" cmpd="sng">
-                      <a:noFill/>
-                      <a:prstDash val="solid"/>
-                    </a:lnTlToBr>
-                    <a:lnBlToTr w="12700" cmpd="sng">
-                      <a:noFill/>
-                      <a:prstDash val="solid"/>
-                    </a:lnBlToTr>
-                    <a:noFill/>
-                  </a:tcPr>
-                </a:tc>
+              </p:cNvPr>
+              <p:cNvSpPr/>
+              <p:nvPr/>
+            </p:nvSpPr>
+            <p:spPr>
+              <a:xfrm>
+                <a:off x="1439545" y="3358515"/>
+                <a:ext cx="1617980" cy="818515"/>
+              </a:xfrm>
+              <a:prstGeom prst="rect">
+                <a:avLst/>
+              </a:prstGeom>
+              <a:noFill/>
+              <a:ln>
+                <a:noFill/>
+              </a:ln>
+            </p:spPr>
+            <p:style>
+              <a:lnRef idx="2">
+                <a:schemeClr val="accent1">
+                  <a:shade val="15000"/>
+                </a:schemeClr>
+              </a:lnRef>
+              <a:fillRef idx="1">
+                <a:schemeClr val="accent1"/>
+              </a:fillRef>
+              <a:effectRef idx="0">
+                <a:schemeClr val="accent1"/>
+              </a:effectRef>
+              <a:fontRef idx="minor">
+                <a:schemeClr val="lt1"/>
+              </a:fontRef>
+            </p:style>
+            <p:txBody>
+              <a:bodyPr rtlCol="0" anchor="t"/>
+              <a:lstStyle/>
+              <a:p>
+                <a:pPr latinLnBrk="1"/>
+                <a:r>
+                  <a:rPr lang="ko-KR" altLang="en-US" sz="1400" b="0" dirty="0">
+                    <a:solidFill>
+                      <a:schemeClr val="tx1"/>
+                    </a:solidFill>
+                  </a:rPr>
+                  <a:t>퀘스트 완료</a:t>
+                </a:r>
+                <a:r>
+                  <a:rPr lang="en-US" altLang="ko-KR" sz="1400" b="0" dirty="0">
+                    <a:solidFill>
+                      <a:schemeClr val="tx1"/>
+                    </a:solidFill>
+                  </a:rPr>
+                  <a:t>, </a:t>
+                </a:r>
+              </a:p>
+              <a:p>
+                <a:pPr latinLnBrk="1"/>
+                <a:r>
+                  <a:rPr lang="ko-KR" altLang="en-US" sz="1400" b="0" dirty="0">
+                    <a:solidFill>
+                      <a:schemeClr val="tx1"/>
+                    </a:solidFill>
+                  </a:rPr>
+                  <a:t>유물 회수</a:t>
+                </a:r>
+                <a:r>
+                  <a:rPr lang="en-US" altLang="ko-KR" sz="1400" b="0" dirty="0">
+                    <a:solidFill>
+                      <a:schemeClr val="tx1"/>
+                    </a:solidFill>
+                  </a:rPr>
+                  <a:t>, </a:t>
+                </a:r>
+                <a:r>
+                  <a:rPr lang="ko-KR" altLang="en-US" sz="1400" b="0" dirty="0">
+                    <a:solidFill>
+                      <a:schemeClr val="tx1"/>
+                    </a:solidFill>
+                  </a:rPr>
+                  <a:t>대화로 우호도 상승</a:t>
+                </a:r>
+              </a:p>
+            </p:txBody>
+          </p:sp>
+        </p:grpSp>
+        <p:sp>
+          <p:nvSpPr>
+            <p:cNvPr id="42" name="순서도: 병합 41">
+              <a:extLst>
+                <a:ext uri="{FF2B5EF4-FFF2-40B4-BE49-F238E27FC236}">
+                  <a16:creationId xmlns:a16="http://schemas.microsoft.com/office/drawing/2014/main" id="{EF77BEDB-9143-410E-9CE9-9B39D6822FAE}"/>
+                </a:ext>
+              </a:extLst>
+            </p:cNvPr>
+            <p:cNvSpPr/>
+            <p:nvPr/>
+          </p:nvSpPr>
+          <p:spPr>
+            <a:xfrm rot="16200000">
+              <a:off x="3287811" y="1846702"/>
+              <a:ext cx="687705" cy="685165"/>
+            </a:xfrm>
+            <a:prstGeom prst="flowChartMerge">
+              <a:avLst/>
+            </a:prstGeom>
+            <a:solidFill>
+              <a:schemeClr val="bg1">
+                <a:lumMod val="65000"/>
+              </a:schemeClr>
+            </a:solidFill>
+            <a:ln>
+              <a:noFill/>
+            </a:ln>
+          </p:spPr>
+          <p:style>
+            <a:lnRef idx="2">
+              <a:schemeClr val="accent1">
+                <a:shade val="15000"/>
+              </a:schemeClr>
+            </a:lnRef>
+            <a:fillRef idx="1">
+              <a:schemeClr val="accent1"/>
+            </a:fillRef>
+            <a:effectRef idx="0">
+              <a:schemeClr val="accent1"/>
+            </a:effectRef>
+            <a:fontRef idx="minor">
+              <a:schemeClr val="lt1"/>
+            </a:fontRef>
+          </p:style>
+          <p:txBody>
+            <a:bodyPr rtlCol="0" anchor="ctr"/>
+            <a:lstStyle/>
+            <a:p>
+              <a:pPr algn="ctr"/>
+              <a:endParaRPr lang="ko-KR" altLang="en-US"/>
+            </a:p>
+          </p:txBody>
+        </p:sp>
+        <p:grpSp>
+          <p:nvGrpSpPr>
+            <p:cNvPr id="43" name="그룹 42">
+              <a:extLst>
+                <a:ext uri="{FF2B5EF4-FFF2-40B4-BE49-F238E27FC236}">
+                  <a16:creationId xmlns:a16="http://schemas.microsoft.com/office/drawing/2014/main" id="{2258DED9-25B4-4DCF-82D6-4C86D2DA65AD}"/>
+                </a:ext>
+              </a:extLst>
+            </p:cNvPr>
+            <p:cNvGrpSpPr/>
+            <p:nvPr/>
+          </p:nvGrpSpPr>
+          <p:grpSpPr>
+            <a:xfrm>
+              <a:off x="3992051" y="1440302"/>
+              <a:ext cx="1617980" cy="1496695"/>
+              <a:chOff x="1439545" y="2680970"/>
+              <a:chExt cx="1617980" cy="1496695"/>
+            </a:xfrm>
+          </p:grpSpPr>
+          <p:sp>
+            <p:nvSpPr>
+              <p:cNvPr id="44" name="사각형: 둥근 대각선 방향 모서리 43">
                 <a:extLst>
-                  <a:ext uri="{0D108BD9-81ED-4DB2-BD59-A6C34878D82A}">
-                    <a16:rowId xmlns:a16="http://schemas.microsoft.com/office/drawing/2014/main" val="119190598"/>
+                  <a:ext uri="{FF2B5EF4-FFF2-40B4-BE49-F238E27FC236}">
+                    <a16:creationId xmlns:a16="http://schemas.microsoft.com/office/drawing/2014/main" id="{2359E89C-2646-420F-BD25-603122DC21C7}"/>
                   </a:ext>
                 </a:extLst>
-              </a:tr>
-              <a:tr h="185420">
-                <a:tc vMerge="1">
-                  <a:txBody>
-                    <a:bodyPr/>
-                    <a:lstStyle/>
-                    <a:p>
-                      <a:pPr latinLnBrk="1"/>
-                      <a:endParaRPr lang="ko-KR" altLang="en-US"/>
-                    </a:p>
-                  </a:txBody>
-                  <a:tcPr/>
-                </a:tc>
-                <a:tc>
-                  <a:txBody>
-                    <a:bodyPr/>
-                    <a:lstStyle/>
-                    <a:p>
-                      <a:pPr latinLnBrk="1"/>
-                      <a:r>
-                        <a:rPr lang="ko-KR" altLang="en-US" b="0" dirty="0" err="1">
-                          <a:solidFill>
-                            <a:schemeClr val="tx1"/>
-                          </a:solidFill>
-                        </a:rPr>
-                        <a:t>우도방</a:t>
-                      </a:r>
-                      <a:endParaRPr lang="ko-KR" altLang="en-US" b="0" dirty="0">
-                        <a:solidFill>
-                          <a:schemeClr val="tx1"/>
-                        </a:solidFill>
-                      </a:endParaRPr>
-                    </a:p>
-                  </a:txBody>
-                  <a:tcPr anchor="ctr">
-                    <a:lnL w="12700" cap="flat" cmpd="sng" algn="ctr">
-                      <a:solidFill>
-                        <a:schemeClr val="tx1"/>
-                      </a:solidFill>
-                      <a:prstDash val="solid"/>
-                      <a:round/>
-                      <a:headEnd type="none" w="med" len="med"/>
-                      <a:tailEnd type="none" w="med" len="med"/>
-                    </a:lnL>
-                    <a:lnR w="12700" cap="flat" cmpd="sng" algn="ctr">
-                      <a:solidFill>
-                        <a:schemeClr val="tx1"/>
-                      </a:solidFill>
-                      <a:prstDash val="solid"/>
-                      <a:round/>
-                      <a:headEnd type="none" w="med" len="med"/>
-                      <a:tailEnd type="none" w="med" len="med"/>
-                    </a:lnR>
-                    <a:lnT w="12700" cap="flat" cmpd="sng" algn="ctr">
-                      <a:solidFill>
-                        <a:schemeClr val="tx1"/>
-                      </a:solidFill>
-                      <a:prstDash val="solid"/>
-                      <a:round/>
-                      <a:headEnd type="none" w="med" len="med"/>
-                      <a:tailEnd type="none" w="med" len="med"/>
-                    </a:lnT>
-                    <a:lnB w="12700" cap="flat" cmpd="sng" algn="ctr">
-                      <a:noFill/>
-                      <a:prstDash val="solid"/>
-                      <a:round/>
-                      <a:headEnd type="none" w="med" len="med"/>
-                      <a:tailEnd type="none" w="med" len="med"/>
-                    </a:lnB>
-                    <a:lnTlToBr w="12700" cmpd="sng">
-                      <a:noFill/>
-                      <a:prstDash val="solid"/>
-                    </a:lnTlToBr>
-                    <a:lnBlToTr w="12700" cmpd="sng">
-                      <a:noFill/>
-                      <a:prstDash val="solid"/>
-                    </a:lnBlToTr>
-                    <a:noFill/>
-                  </a:tcPr>
-                </a:tc>
-                <a:tc>
-                  <a:txBody>
-                    <a:bodyPr/>
-                    <a:lstStyle/>
-                    <a:p>
-                      <a:pPr latinLnBrk="1"/>
-                      <a:endParaRPr lang="ko-KR" altLang="en-US" b="0" dirty="0">
-                        <a:solidFill>
-                          <a:schemeClr val="tx1"/>
-                        </a:solidFill>
-                      </a:endParaRPr>
-                    </a:p>
-                  </a:txBody>
-                  <a:tcPr anchor="ctr">
-                    <a:lnL w="12700" cap="flat" cmpd="sng" algn="ctr">
-                      <a:solidFill>
-                        <a:schemeClr val="tx1"/>
-                      </a:solidFill>
-                      <a:prstDash val="solid"/>
-                      <a:round/>
-                      <a:headEnd type="none" w="med" len="med"/>
-                      <a:tailEnd type="none" w="med" len="med"/>
-                    </a:lnL>
-                    <a:lnR w="12700" cmpd="sng">
-                      <a:noFill/>
-                    </a:lnR>
-                    <a:lnT w="12700" cap="flat" cmpd="sng" algn="ctr">
-                      <a:solidFill>
-                        <a:schemeClr val="tx1"/>
-                      </a:solidFill>
-                      <a:prstDash val="solid"/>
-                      <a:round/>
-                      <a:headEnd type="none" w="med" len="med"/>
-                      <a:tailEnd type="none" w="med" len="med"/>
-                    </a:lnT>
-                    <a:lnB w="12700" cap="flat" cmpd="sng" algn="ctr">
-                      <a:noFill/>
-                      <a:prstDash val="solid"/>
-                      <a:round/>
-                      <a:headEnd type="none" w="med" len="med"/>
-                      <a:tailEnd type="none" w="med" len="med"/>
-                    </a:lnB>
-                    <a:lnTlToBr w="12700" cmpd="sng">
-                      <a:noFill/>
-                      <a:prstDash val="solid"/>
-                    </a:lnTlToBr>
-                    <a:lnBlToTr w="12700" cmpd="sng">
-                      <a:noFill/>
-                      <a:prstDash val="solid"/>
-                    </a:lnBlToTr>
-                    <a:noFill/>
-                  </a:tcPr>
-                </a:tc>
+              </p:cNvPr>
+              <p:cNvSpPr/>
+              <p:nvPr/>
+            </p:nvSpPr>
+            <p:spPr>
+              <a:xfrm>
+                <a:off x="1439545" y="2680970"/>
+                <a:ext cx="1617980" cy="674370"/>
+              </a:xfrm>
+              <a:prstGeom prst="round2DiagRect">
+                <a:avLst>
+                  <a:gd name="adj1" fmla="val 0"/>
+                  <a:gd name="adj2" fmla="val 50000"/>
+                </a:avLst>
+              </a:prstGeom>
+              <a:solidFill>
+                <a:schemeClr val="bg1">
+                  <a:lumMod val="95000"/>
+                </a:schemeClr>
+              </a:solidFill>
+              <a:ln>
+                <a:noFill/>
+              </a:ln>
+            </p:spPr>
+            <p:style>
+              <a:lnRef idx="2">
+                <a:schemeClr val="accent1">
+                  <a:shade val="15000"/>
+                </a:schemeClr>
+              </a:lnRef>
+              <a:fillRef idx="1">
+                <a:schemeClr val="accent1"/>
+              </a:fillRef>
+              <a:effectRef idx="0">
+                <a:schemeClr val="accent1"/>
+              </a:effectRef>
+              <a:fontRef idx="minor">
+                <a:schemeClr val="lt1"/>
+              </a:fontRef>
+            </p:style>
+            <p:txBody>
+              <a:bodyPr rtlCol="0" anchor="ctr"/>
+              <a:lstStyle/>
+              <a:p>
+                <a:pPr algn="ctr"/>
+                <a:r>
+                  <a:rPr lang="ko-KR" altLang="en-US" sz="1400" dirty="0">
+                    <a:solidFill>
+                      <a:schemeClr val="tx1"/>
+                    </a:solidFill>
+                  </a:rPr>
+                  <a:t>세력 가입</a:t>
+                </a:r>
+              </a:p>
+            </p:txBody>
+          </p:sp>
+          <p:sp>
+            <p:nvSpPr>
+              <p:cNvPr id="45" name="직사각형 44">
                 <a:extLst>
-                  <a:ext uri="{0D108BD9-81ED-4DB2-BD59-A6C34878D82A}">
-                    <a16:rowId xmlns:a16="http://schemas.microsoft.com/office/drawing/2014/main" val="1144924792"/>
+                  <a:ext uri="{FF2B5EF4-FFF2-40B4-BE49-F238E27FC236}">
+                    <a16:creationId xmlns:a16="http://schemas.microsoft.com/office/drawing/2014/main" id="{E3B0B489-6AA1-410C-A47B-A643A6A74E34}"/>
                   </a:ext>
                 </a:extLst>
-              </a:tr>
-            </a:tbl>
-          </a:graphicData>
-        </a:graphic>
-      </p:graphicFrame>
+              </p:cNvPr>
+              <p:cNvSpPr/>
+              <p:nvPr/>
+            </p:nvSpPr>
+            <p:spPr>
+              <a:xfrm>
+                <a:off x="1439545" y="3358515"/>
+                <a:ext cx="1617980" cy="818515"/>
+              </a:xfrm>
+              <a:prstGeom prst="rect">
+                <a:avLst/>
+              </a:prstGeom>
+              <a:noFill/>
+              <a:ln>
+                <a:noFill/>
+              </a:ln>
+            </p:spPr>
+            <p:style>
+              <a:lnRef idx="2">
+                <a:schemeClr val="accent1">
+                  <a:shade val="15000"/>
+                </a:schemeClr>
+              </a:lnRef>
+              <a:fillRef idx="1">
+                <a:schemeClr val="accent1"/>
+              </a:fillRef>
+              <a:effectRef idx="0">
+                <a:schemeClr val="accent1"/>
+              </a:effectRef>
+              <a:fontRef idx="minor">
+                <a:schemeClr val="lt1"/>
+              </a:fontRef>
+            </p:style>
+            <p:txBody>
+              <a:bodyPr rtlCol="0" anchor="t"/>
+              <a:lstStyle/>
+              <a:p>
+                <a:pPr latinLnBrk="1"/>
+                <a:r>
+                  <a:rPr lang="ko-KR" altLang="en-US" sz="1400" b="0" dirty="0">
+                    <a:solidFill>
+                      <a:schemeClr val="tx1"/>
+                    </a:solidFill>
+                  </a:rPr>
+                  <a:t>일정 이상의 </a:t>
+                </a:r>
+                <a:endParaRPr lang="en-US" altLang="ko-KR" sz="1400" b="0" dirty="0">
+                  <a:solidFill>
+                    <a:schemeClr val="tx1"/>
+                  </a:solidFill>
+                </a:endParaRPr>
+              </a:p>
+              <a:p>
+                <a:pPr latinLnBrk="1"/>
+                <a:r>
+                  <a:rPr lang="ko-KR" altLang="en-US" sz="1400" b="0" dirty="0">
+                    <a:solidFill>
+                      <a:schemeClr val="tx1"/>
+                    </a:solidFill>
+                  </a:rPr>
+                  <a:t>우호도 보유 시 </a:t>
+                </a:r>
+                <a:endParaRPr lang="en-US" altLang="ko-KR" sz="1400" b="0" dirty="0">
+                  <a:solidFill>
+                    <a:schemeClr val="tx1"/>
+                  </a:solidFill>
+                </a:endParaRPr>
+              </a:p>
+              <a:p>
+                <a:pPr latinLnBrk="1"/>
+                <a:r>
+                  <a:rPr lang="ko-KR" altLang="en-US" sz="1400" b="0" dirty="0">
+                    <a:solidFill>
+                      <a:schemeClr val="tx1"/>
+                    </a:solidFill>
+                  </a:rPr>
+                  <a:t>해당 세력에</a:t>
+                </a:r>
+                <a:endParaRPr lang="en-US" altLang="ko-KR" sz="1400" b="0" dirty="0">
+                  <a:solidFill>
+                    <a:schemeClr val="tx1"/>
+                  </a:solidFill>
+                </a:endParaRPr>
+              </a:p>
+              <a:p>
+                <a:pPr latinLnBrk="1"/>
+                <a:r>
+                  <a:rPr lang="ko-KR" altLang="en-US" sz="1400" b="0" dirty="0">
+                    <a:solidFill>
+                      <a:schemeClr val="tx1"/>
+                    </a:solidFill>
+                  </a:rPr>
+                  <a:t>가입가능</a:t>
+                </a:r>
+              </a:p>
+            </p:txBody>
+          </p:sp>
+        </p:grpSp>
+        <p:grpSp>
+          <p:nvGrpSpPr>
+            <p:cNvPr id="46" name="그룹 45">
+              <a:extLst>
+                <a:ext uri="{FF2B5EF4-FFF2-40B4-BE49-F238E27FC236}">
+                  <a16:creationId xmlns:a16="http://schemas.microsoft.com/office/drawing/2014/main" id="{A56B7695-6DE5-4F9E-A94B-B2F851284102}"/>
+                </a:ext>
+              </a:extLst>
+            </p:cNvPr>
+            <p:cNvGrpSpPr/>
+            <p:nvPr/>
+          </p:nvGrpSpPr>
+          <p:grpSpPr>
+            <a:xfrm>
+              <a:off x="6313001" y="1439667"/>
+              <a:ext cx="1617980" cy="1496695"/>
+              <a:chOff x="1439545" y="2680970"/>
+              <a:chExt cx="1617980" cy="1496695"/>
+            </a:xfrm>
+          </p:grpSpPr>
+          <p:sp>
+            <p:nvSpPr>
+              <p:cNvPr id="47" name="사각형: 둥근 대각선 방향 모서리 46">
+                <a:extLst>
+                  <a:ext uri="{FF2B5EF4-FFF2-40B4-BE49-F238E27FC236}">
+                    <a16:creationId xmlns:a16="http://schemas.microsoft.com/office/drawing/2014/main" id="{E7D29C2E-660C-4B56-B825-172183A50778}"/>
+                  </a:ext>
+                </a:extLst>
+              </p:cNvPr>
+              <p:cNvSpPr/>
+              <p:nvPr/>
+            </p:nvSpPr>
+            <p:spPr>
+              <a:xfrm>
+                <a:off x="1439545" y="2680970"/>
+                <a:ext cx="1617980" cy="674370"/>
+              </a:xfrm>
+              <a:prstGeom prst="round2DiagRect">
+                <a:avLst>
+                  <a:gd name="adj1" fmla="val 0"/>
+                  <a:gd name="adj2" fmla="val 50000"/>
+                </a:avLst>
+              </a:prstGeom>
+              <a:solidFill>
+                <a:schemeClr val="bg1">
+                  <a:lumMod val="95000"/>
+                </a:schemeClr>
+              </a:solidFill>
+              <a:ln>
+                <a:noFill/>
+              </a:ln>
+            </p:spPr>
+            <p:style>
+              <a:lnRef idx="2">
+                <a:schemeClr val="accent1">
+                  <a:shade val="15000"/>
+                </a:schemeClr>
+              </a:lnRef>
+              <a:fillRef idx="1">
+                <a:schemeClr val="accent1"/>
+              </a:fillRef>
+              <a:effectRef idx="0">
+                <a:schemeClr val="accent1"/>
+              </a:effectRef>
+              <a:fontRef idx="minor">
+                <a:schemeClr val="lt1"/>
+              </a:fontRef>
+            </p:style>
+            <p:txBody>
+              <a:bodyPr rtlCol="0" anchor="ctr"/>
+              <a:lstStyle/>
+              <a:p>
+                <a:pPr algn="ctr"/>
+                <a:r>
+                  <a:rPr lang="ko-KR" altLang="en-US" sz="1400" dirty="0">
+                    <a:solidFill>
+                      <a:schemeClr val="tx1"/>
+                    </a:solidFill>
+                  </a:rPr>
+                  <a:t>공헌도 상승</a:t>
+                </a:r>
+              </a:p>
+            </p:txBody>
+          </p:sp>
+          <p:sp>
+            <p:nvSpPr>
+              <p:cNvPr id="48" name="직사각형 47">
+                <a:extLst>
+                  <a:ext uri="{FF2B5EF4-FFF2-40B4-BE49-F238E27FC236}">
+                    <a16:creationId xmlns:a16="http://schemas.microsoft.com/office/drawing/2014/main" id="{98398FE6-4D88-4F74-877C-09363FA6C163}"/>
+                  </a:ext>
+                </a:extLst>
+              </p:cNvPr>
+              <p:cNvSpPr/>
+              <p:nvPr/>
+            </p:nvSpPr>
+            <p:spPr>
+              <a:xfrm>
+                <a:off x="1439545" y="3358515"/>
+                <a:ext cx="1617980" cy="818515"/>
+              </a:xfrm>
+              <a:prstGeom prst="rect">
+                <a:avLst/>
+              </a:prstGeom>
+              <a:noFill/>
+              <a:ln>
+                <a:noFill/>
+              </a:ln>
+            </p:spPr>
+            <p:style>
+              <a:lnRef idx="2">
+                <a:schemeClr val="accent1">
+                  <a:shade val="15000"/>
+                </a:schemeClr>
+              </a:lnRef>
+              <a:fillRef idx="1">
+                <a:schemeClr val="accent1"/>
+              </a:fillRef>
+              <a:effectRef idx="0">
+                <a:schemeClr val="accent1"/>
+              </a:effectRef>
+              <a:fontRef idx="minor">
+                <a:schemeClr val="lt1"/>
+              </a:fontRef>
+            </p:style>
+            <p:txBody>
+              <a:bodyPr rtlCol="0" anchor="t"/>
+              <a:lstStyle/>
+              <a:p>
+                <a:pPr latinLnBrk="1"/>
+                <a:r>
+                  <a:rPr lang="ko-KR" altLang="en-US" sz="1400" b="0" dirty="0">
+                    <a:solidFill>
+                      <a:schemeClr val="tx1"/>
+                    </a:solidFill>
+                  </a:rPr>
+                  <a:t>세력에 가입 후 </a:t>
+                </a:r>
+                <a:endParaRPr lang="en-US" altLang="ko-KR" sz="1400" b="0" dirty="0">
+                  <a:solidFill>
+                    <a:schemeClr val="tx1"/>
+                  </a:solidFill>
+                </a:endParaRPr>
+              </a:p>
+              <a:p>
+                <a:pPr latinLnBrk="1"/>
+                <a:r>
+                  <a:rPr lang="ko-KR" altLang="en-US" sz="1400" b="0" dirty="0">
+                    <a:solidFill>
+                      <a:schemeClr val="tx1"/>
+                    </a:solidFill>
+                  </a:rPr>
+                  <a:t>퀘스트 완료 시</a:t>
+                </a:r>
+                <a:endParaRPr lang="en-US" altLang="ko-KR" sz="1400" b="0" dirty="0">
+                  <a:solidFill>
+                    <a:schemeClr val="tx1"/>
+                  </a:solidFill>
+                </a:endParaRPr>
+              </a:p>
+              <a:p>
+                <a:pPr latinLnBrk="1"/>
+                <a:r>
+                  <a:rPr lang="ko-KR" altLang="en-US" sz="1400" b="0" dirty="0">
+                    <a:solidFill>
+                      <a:schemeClr val="tx1"/>
+                    </a:solidFill>
+                  </a:rPr>
+                  <a:t>공헌도 상승</a:t>
+                </a:r>
+              </a:p>
+            </p:txBody>
+          </p:sp>
+        </p:grpSp>
+        <p:grpSp>
+          <p:nvGrpSpPr>
+            <p:cNvPr id="49" name="그룹 48">
+              <a:extLst>
+                <a:ext uri="{FF2B5EF4-FFF2-40B4-BE49-F238E27FC236}">
+                  <a16:creationId xmlns:a16="http://schemas.microsoft.com/office/drawing/2014/main" id="{69317884-5171-4DC3-8F32-8FE6A3A5EE5C}"/>
+                </a:ext>
+              </a:extLst>
+            </p:cNvPr>
+            <p:cNvGrpSpPr/>
+            <p:nvPr/>
+          </p:nvGrpSpPr>
+          <p:grpSpPr>
+            <a:xfrm>
+              <a:off x="8651756" y="1439032"/>
+              <a:ext cx="1617980" cy="1496695"/>
+              <a:chOff x="1439545" y="2680970"/>
+              <a:chExt cx="1617980" cy="1496695"/>
+            </a:xfrm>
+          </p:grpSpPr>
+          <p:sp>
+            <p:nvSpPr>
+              <p:cNvPr id="50" name="사각형: 둥근 대각선 방향 모서리 49">
+                <a:extLst>
+                  <a:ext uri="{FF2B5EF4-FFF2-40B4-BE49-F238E27FC236}">
+                    <a16:creationId xmlns:a16="http://schemas.microsoft.com/office/drawing/2014/main" id="{9196C45D-EF38-4EDA-AAED-6F25EC7A29DF}"/>
+                  </a:ext>
+                </a:extLst>
+              </p:cNvPr>
+              <p:cNvSpPr/>
+              <p:nvPr/>
+            </p:nvSpPr>
+            <p:spPr>
+              <a:xfrm>
+                <a:off x="1439545" y="2680970"/>
+                <a:ext cx="1617980" cy="674370"/>
+              </a:xfrm>
+              <a:prstGeom prst="round2DiagRect">
+                <a:avLst>
+                  <a:gd name="adj1" fmla="val 0"/>
+                  <a:gd name="adj2" fmla="val 50000"/>
+                </a:avLst>
+              </a:prstGeom>
+              <a:solidFill>
+                <a:schemeClr val="bg1">
+                  <a:lumMod val="95000"/>
+                </a:schemeClr>
+              </a:solidFill>
+              <a:ln>
+                <a:noFill/>
+              </a:ln>
+            </p:spPr>
+            <p:style>
+              <a:lnRef idx="2">
+                <a:schemeClr val="accent1">
+                  <a:shade val="15000"/>
+                </a:schemeClr>
+              </a:lnRef>
+              <a:fillRef idx="1">
+                <a:schemeClr val="accent1"/>
+              </a:fillRef>
+              <a:effectRef idx="0">
+                <a:schemeClr val="accent1"/>
+              </a:effectRef>
+              <a:fontRef idx="minor">
+                <a:schemeClr val="lt1"/>
+              </a:fontRef>
+            </p:style>
+            <p:txBody>
+              <a:bodyPr rtlCol="0" anchor="ctr"/>
+              <a:lstStyle/>
+              <a:p>
+                <a:pPr algn="ctr"/>
+                <a:r>
+                  <a:rPr lang="ko-KR" altLang="en-US" sz="1400" dirty="0">
+                    <a:solidFill>
+                      <a:schemeClr val="tx1"/>
+                    </a:solidFill>
+                  </a:rPr>
+                  <a:t>계급 상승</a:t>
+                </a:r>
+              </a:p>
+            </p:txBody>
+          </p:sp>
+          <p:sp>
+            <p:nvSpPr>
+              <p:cNvPr id="51" name="직사각형 50">
+                <a:extLst>
+                  <a:ext uri="{FF2B5EF4-FFF2-40B4-BE49-F238E27FC236}">
+                    <a16:creationId xmlns:a16="http://schemas.microsoft.com/office/drawing/2014/main" id="{86397E3C-35A0-4ECD-B9EE-624E55043EC8}"/>
+                  </a:ext>
+                </a:extLst>
+              </p:cNvPr>
+              <p:cNvSpPr/>
+              <p:nvPr/>
+            </p:nvSpPr>
+            <p:spPr>
+              <a:xfrm>
+                <a:off x="1439545" y="3358515"/>
+                <a:ext cx="1617980" cy="818515"/>
+              </a:xfrm>
+              <a:prstGeom prst="rect">
+                <a:avLst/>
+              </a:prstGeom>
+              <a:noFill/>
+              <a:ln>
+                <a:noFill/>
+              </a:ln>
+            </p:spPr>
+            <p:style>
+              <a:lnRef idx="2">
+                <a:schemeClr val="accent1">
+                  <a:shade val="15000"/>
+                </a:schemeClr>
+              </a:lnRef>
+              <a:fillRef idx="1">
+                <a:schemeClr val="accent1"/>
+              </a:fillRef>
+              <a:effectRef idx="0">
+                <a:schemeClr val="accent1"/>
+              </a:effectRef>
+              <a:fontRef idx="minor">
+                <a:schemeClr val="lt1"/>
+              </a:fontRef>
+            </p:style>
+            <p:txBody>
+              <a:bodyPr rtlCol="0" anchor="t"/>
+              <a:lstStyle/>
+              <a:p>
+                <a:pPr latinLnBrk="1"/>
+                <a:r>
+                  <a:rPr lang="ko-KR" altLang="en-US" sz="1400" b="0" dirty="0">
+                    <a:solidFill>
+                      <a:schemeClr val="tx1"/>
+                    </a:solidFill>
+                  </a:rPr>
+                  <a:t>일정 이상의 </a:t>
+                </a:r>
+                <a:endParaRPr lang="en-US" altLang="ko-KR" sz="1400" b="0" dirty="0">
+                  <a:solidFill>
+                    <a:schemeClr val="tx1"/>
+                  </a:solidFill>
+                </a:endParaRPr>
+              </a:p>
+              <a:p>
+                <a:pPr latinLnBrk="1"/>
+                <a:r>
+                  <a:rPr lang="ko-KR" altLang="en-US" sz="1400" b="0" dirty="0">
+                    <a:solidFill>
+                      <a:schemeClr val="tx1"/>
+                    </a:solidFill>
+                  </a:rPr>
+                  <a:t>공헌도 획득 시 </a:t>
+                </a:r>
+                <a:endParaRPr lang="en-US" altLang="ko-KR" sz="1400" b="0" dirty="0">
+                  <a:solidFill>
+                    <a:schemeClr val="tx1"/>
+                  </a:solidFill>
+                </a:endParaRPr>
+              </a:p>
+              <a:p>
+                <a:pPr latinLnBrk="1"/>
+                <a:r>
+                  <a:rPr lang="ko-KR" altLang="en-US" sz="1400" b="0" dirty="0">
+                    <a:solidFill>
+                      <a:schemeClr val="tx1"/>
+                    </a:solidFill>
+                  </a:rPr>
+                  <a:t>계급 상승</a:t>
+                </a:r>
+              </a:p>
+            </p:txBody>
+          </p:sp>
+        </p:grpSp>
+        <p:sp>
+          <p:nvSpPr>
+            <p:cNvPr id="29" name="순서도: 병합 28">
+              <a:extLst>
+                <a:ext uri="{FF2B5EF4-FFF2-40B4-BE49-F238E27FC236}">
+                  <a16:creationId xmlns:a16="http://schemas.microsoft.com/office/drawing/2014/main" id="{584EBAE3-CF57-4CC6-892C-BD0AC47FFF9E}"/>
+                </a:ext>
+              </a:extLst>
+            </p:cNvPr>
+            <p:cNvSpPr/>
+            <p:nvPr/>
+          </p:nvSpPr>
+          <p:spPr>
+            <a:xfrm rot="16200000">
+              <a:off x="5626566" y="1846702"/>
+              <a:ext cx="687705" cy="685165"/>
+            </a:xfrm>
+            <a:prstGeom prst="flowChartMerge">
+              <a:avLst/>
+            </a:prstGeom>
+            <a:solidFill>
+              <a:schemeClr val="bg1">
+                <a:lumMod val="65000"/>
+              </a:schemeClr>
+            </a:solidFill>
+            <a:ln>
+              <a:noFill/>
+            </a:ln>
+          </p:spPr>
+          <p:style>
+            <a:lnRef idx="2">
+              <a:schemeClr val="accent1">
+                <a:shade val="15000"/>
+              </a:schemeClr>
+            </a:lnRef>
+            <a:fillRef idx="1">
+              <a:schemeClr val="accent1"/>
+            </a:fillRef>
+            <a:effectRef idx="0">
+              <a:schemeClr val="accent1"/>
+            </a:effectRef>
+            <a:fontRef idx="minor">
+              <a:schemeClr val="lt1"/>
+            </a:fontRef>
+          </p:style>
+          <p:txBody>
+            <a:bodyPr rtlCol="0" anchor="ctr"/>
+            <a:lstStyle/>
+            <a:p>
+              <a:pPr algn="ctr"/>
+              <a:endParaRPr lang="ko-KR" altLang="en-US"/>
+            </a:p>
+          </p:txBody>
+        </p:sp>
+        <p:sp>
+          <p:nvSpPr>
+            <p:cNvPr id="30" name="순서도: 병합 29">
+              <a:extLst>
+                <a:ext uri="{FF2B5EF4-FFF2-40B4-BE49-F238E27FC236}">
+                  <a16:creationId xmlns:a16="http://schemas.microsoft.com/office/drawing/2014/main" id="{2D58319B-7DC6-4A7F-BD86-FA0100A9E9B9}"/>
+                </a:ext>
+              </a:extLst>
+            </p:cNvPr>
+            <p:cNvSpPr/>
+            <p:nvPr/>
+          </p:nvSpPr>
+          <p:spPr>
+            <a:xfrm rot="16200000">
+              <a:off x="7965321" y="1846702"/>
+              <a:ext cx="687705" cy="685165"/>
+            </a:xfrm>
+            <a:prstGeom prst="flowChartMerge">
+              <a:avLst/>
+            </a:prstGeom>
+            <a:solidFill>
+              <a:schemeClr val="bg1">
+                <a:lumMod val="65000"/>
+              </a:schemeClr>
+            </a:solidFill>
+            <a:ln>
+              <a:noFill/>
+            </a:ln>
+          </p:spPr>
+          <p:style>
+            <a:lnRef idx="2">
+              <a:schemeClr val="accent1">
+                <a:shade val="15000"/>
+              </a:schemeClr>
+            </a:lnRef>
+            <a:fillRef idx="1">
+              <a:schemeClr val="accent1"/>
+            </a:fillRef>
+            <a:effectRef idx="0">
+              <a:schemeClr val="accent1"/>
+            </a:effectRef>
+            <a:fontRef idx="minor">
+              <a:schemeClr val="lt1"/>
+            </a:fontRef>
+          </p:style>
+          <p:txBody>
+            <a:bodyPr rtlCol="0" anchor="ctr"/>
+            <a:lstStyle/>
+            <a:p>
+              <a:pPr algn="ctr"/>
+              <a:endParaRPr lang="ko-KR" altLang="en-US"/>
+            </a:p>
+          </p:txBody>
+        </p:sp>
+      </p:grpSp>
     </p:spTree>
     <p:extLst>
       <p:ext uri="{BB962C8B-B14F-4D97-AF65-F5344CB8AC3E}">
-        <p14:creationId xmlns:p14="http://schemas.microsoft.com/office/powerpoint/2010/main" val="3610561970"/>
+        <p14:creationId xmlns:p14="http://schemas.microsoft.com/office/powerpoint/2010/main" val="789437372"/>
       </p:ext>
     </p:extLst>
   </p:cSld>
@@ -9070,28 +12855,34 @@
           <a:p>
             <a:r>
               <a:rPr lang="ko-KR" altLang="en-US" dirty="0"/>
-              <a:t>기타 세력 규칙</a:t>
+              <a:t>우호도 상승</a:t>
             </a:r>
           </a:p>
         </p:txBody>
       </p:sp>
       <p:graphicFrame>
         <p:nvGraphicFramePr>
-          <p:cNvPr id="2" name="표 2">
+          <p:cNvPr id="3" name="표 4">
             <a:extLst>
               <a:ext uri="{FF2B5EF4-FFF2-40B4-BE49-F238E27FC236}">
-                <a16:creationId xmlns:a16="http://schemas.microsoft.com/office/drawing/2014/main" id="{FBB150CA-00F1-4A49-8E35-6CF98C8E584A}"/>
+                <a16:creationId xmlns:a16="http://schemas.microsoft.com/office/drawing/2014/main" id="{4C040953-B259-45AF-A6F6-4A737A2855B6}"/>
               </a:ext>
             </a:extLst>
           </p:cNvPr>
           <p:cNvGraphicFramePr>
             <a:graphicFrameLocks noGrp="1"/>
           </p:cNvGraphicFramePr>
-          <p:nvPr/>
+          <p:nvPr>
+            <p:extLst>
+              <p:ext uri="{D42A27DB-BD31-4B8C-83A1-F6EECF244321}">
+                <p14:modId xmlns:p14="http://schemas.microsoft.com/office/powerpoint/2010/main" val="1652642427"/>
+              </p:ext>
+            </p:extLst>
+          </p:nvPr>
         </p:nvGraphicFramePr>
         <p:xfrm>
-          <a:off x="1530826" y="1612769"/>
-          <a:ext cx="9130348" cy="1473200"/>
+          <a:off x="5332095" y="1760220"/>
+          <a:ext cx="5408930" cy="3337560"/>
         </p:xfrm>
         <a:graphic>
           <a:graphicData uri="http://schemas.openxmlformats.org/drawingml/2006/table">
@@ -9100,24 +12891,10 @@
                 <a:tableStyleId>{5C22544A-7EE6-4342-B048-85BDC9FD1C3A}</a:tableStyleId>
               </a:tblPr>
               <a:tblGrid>
-                <a:gridCol w="721043">
+                <a:gridCol w="5408930">
                   <a:extLst>
                     <a:ext uri="{9D8B030D-6E8A-4147-A177-3AD203B41FA5}">
-                      <a16:colId xmlns:a16="http://schemas.microsoft.com/office/drawing/2014/main" val="3027664129"/>
-                    </a:ext>
-                  </a:extLst>
-                </a:gridCol>
-                <a:gridCol w="904569">
-                  <a:extLst>
-                    <a:ext uri="{9D8B030D-6E8A-4147-A177-3AD203B41FA5}">
-                      <a16:colId xmlns:a16="http://schemas.microsoft.com/office/drawing/2014/main" val="2521053459"/>
-                    </a:ext>
-                  </a:extLst>
-                </a:gridCol>
-                <a:gridCol w="7504736">
-                  <a:extLst>
-                    <a:ext uri="{9D8B030D-6E8A-4147-A177-3AD203B41FA5}">
-                      <a16:colId xmlns:a16="http://schemas.microsoft.com/office/drawing/2014/main" val="2352313364"/>
+                      <a16:colId xmlns:a16="http://schemas.microsoft.com/office/drawing/2014/main" val="1735243920"/>
                     </a:ext>
                   </a:extLst>
                 </a:gridCol>
@@ -9135,22 +12912,16 @@
                             <a:schemeClr val="tx1"/>
                           </a:solidFill>
                         </a:rPr>
-                        <a:t>무림</a:t>
+                        <a:t>우호도 상승 방법</a:t>
                       </a:r>
                     </a:p>
                   </a:txBody>
-                  <a:tcPr anchor="ctr">
+                  <a:tcPr>
                     <a:lnL w="12700" cmpd="sng">
                       <a:noFill/>
                     </a:lnL>
-                    <a:lnR w="12700" cap="flat" cmpd="sng" algn="ctr">
-                      <a:solidFill>
-                        <a:schemeClr val="tx1"/>
-                      </a:solidFill>
-                      <a:prstDash val="solid"/>
-                      <a:round/>
-                      <a:headEnd type="none" w="med" len="med"/>
-                      <a:tailEnd type="none" w="med" len="med"/>
+                    <a:lnR w="12700" cmpd="sng">
+                      <a:noFill/>
                     </a:lnR>
                     <a:lnT w="12700" cmpd="sng">
                       <a:noFill/>
@@ -9172,10 +12943,21 @@
                       <a:noFill/>
                       <a:prstDash val="solid"/>
                     </a:lnBlToTr>
-                    <a:noFill/>
+                    <a:solidFill>
+                      <a:schemeClr val="bg1">
+                        <a:lumMod val="95000"/>
+                      </a:schemeClr>
+                    </a:solidFill>
                   </a:tcPr>
                 </a:tc>
-                <a:tc gridSpan="2">
+                <a:extLst>
+                  <a:ext uri="{0D108BD9-81ED-4DB2-BD59-A6C34878D82A}">
+                    <a16:rowId xmlns:a16="http://schemas.microsoft.com/office/drawing/2014/main" val="106889699"/>
+                  </a:ext>
+                </a:extLst>
+              </a:tr>
+              <a:tr h="370840">
+                <a:tc>
                   <a:txBody>
                     <a:bodyPr/>
                     <a:lstStyle/>
@@ -9187,54 +12969,25 @@
                             <a:schemeClr val="tx1"/>
                           </a:solidFill>
                         </a:rPr>
-                        <a:t>플레이어의 행동에 따라 변하는 우호도에 따라 우호적인</a:t>
-                      </a:r>
-                      <a:r>
-                        <a:rPr lang="en-US" altLang="ko-KR" b="0" dirty="0">
-                          <a:solidFill>
-                            <a:schemeClr val="tx1"/>
-                          </a:solidFill>
-                        </a:rPr>
-                        <a:t>, </a:t>
-                      </a:r>
-                      <a:r>
-                        <a:rPr lang="ko-KR" altLang="en-US" b="0" dirty="0">
-                          <a:solidFill>
-                            <a:schemeClr val="tx1"/>
-                          </a:solidFill>
-                        </a:rPr>
-                        <a:t>적대적인 상태가 된다</a:t>
-                      </a:r>
-                      <a:r>
-                        <a:rPr lang="en-US" altLang="ko-KR" b="0" dirty="0">
-                          <a:solidFill>
-                            <a:schemeClr val="tx1"/>
-                          </a:solidFill>
-                        </a:rPr>
-                        <a:t>.</a:t>
-                      </a:r>
-                      <a:endParaRPr lang="ko-KR" altLang="en-US" b="0" dirty="0">
-                        <a:solidFill>
-                          <a:schemeClr val="tx1"/>
-                        </a:solidFill>
-                      </a:endParaRPr>
+                        <a:t>해당 세력에 관련된 퀘스트 완료</a:t>
+                      </a:r>
                     </a:p>
                   </a:txBody>
-                  <a:tcPr anchor="ctr">
-                    <a:lnL w="12700" cap="flat" cmpd="sng" algn="ctr">
-                      <a:solidFill>
-                        <a:schemeClr val="tx1"/>
-                      </a:solidFill>
-                      <a:prstDash val="solid"/>
-                      <a:round/>
-                      <a:headEnd type="none" w="med" len="med"/>
-                      <a:tailEnd type="none" w="med" len="med"/>
+                  <a:tcPr>
+                    <a:lnL w="12700" cmpd="sng">
+                      <a:noFill/>
                     </a:lnL>
                     <a:lnR w="12700" cmpd="sng">
                       <a:noFill/>
                     </a:lnR>
-                    <a:lnT w="12700" cmpd="sng">
-                      <a:noFill/>
+                    <a:lnT w="12700" cap="flat" cmpd="sng" algn="ctr">
+                      <a:solidFill>
+                        <a:schemeClr val="tx1"/>
+                      </a:solidFill>
+                      <a:prstDash val="solid"/>
+                      <a:round/>
+                      <a:headEnd type="none" w="med" len="med"/>
+                      <a:tailEnd type="none" w="med" len="med"/>
                     </a:lnT>
                     <a:lnB w="12700" cap="flat" cmpd="sng" algn="ctr">
                       <a:solidFill>
@@ -9256,57 +13009,110 @@
                     <a:noFill/>
                   </a:tcPr>
                 </a:tc>
-                <a:tc hMerge="1">
+                <a:extLst>
+                  <a:ext uri="{0D108BD9-81ED-4DB2-BD59-A6C34878D82A}">
+                    <a16:rowId xmlns:a16="http://schemas.microsoft.com/office/drawing/2014/main" val="1363205147"/>
+                  </a:ext>
+                </a:extLst>
+              </a:tr>
+              <a:tr h="370840">
+                <a:tc>
                   <a:txBody>
                     <a:bodyPr/>
                     <a:lstStyle/>
                     <a:p>
                       <a:pPr latinLnBrk="1"/>
-                      <a:endParaRPr lang="ko-KR" altLang="en-US"/>
+                      <a:r>
+                        <a:rPr lang="ko-KR" altLang="en-US" b="0" dirty="0">
+                          <a:solidFill>
+                            <a:schemeClr val="tx1"/>
+                          </a:solidFill>
+                        </a:rPr>
+                        <a:t>해당 세력 유물 회수</a:t>
+                      </a:r>
                     </a:p>
                   </a:txBody>
-                  <a:tcPr/>
+                  <a:tcPr>
+                    <a:lnL w="12700" cmpd="sng">
+                      <a:noFill/>
+                    </a:lnL>
+                    <a:lnR w="12700" cmpd="sng">
+                      <a:noFill/>
+                    </a:lnR>
+                    <a:lnT w="12700" cap="flat" cmpd="sng" algn="ctr">
+                      <a:solidFill>
+                        <a:schemeClr val="tx1"/>
+                      </a:solidFill>
+                      <a:prstDash val="solid"/>
+                      <a:round/>
+                      <a:headEnd type="none" w="med" len="med"/>
+                      <a:tailEnd type="none" w="med" len="med"/>
+                    </a:lnT>
+                    <a:lnB w="12700" cap="flat" cmpd="sng" algn="ctr">
+                      <a:solidFill>
+                        <a:schemeClr val="tx1"/>
+                      </a:solidFill>
+                      <a:prstDash val="solid"/>
+                      <a:round/>
+                      <a:headEnd type="none" w="med" len="med"/>
+                      <a:tailEnd type="none" w="med" len="med"/>
+                    </a:lnB>
+                    <a:lnTlToBr w="12700" cmpd="sng">
+                      <a:noFill/>
+                      <a:prstDash val="solid"/>
+                    </a:lnTlToBr>
+                    <a:lnBlToTr w="12700" cmpd="sng">
+                      <a:noFill/>
+                      <a:prstDash val="solid"/>
+                    </a:lnBlToTr>
+                    <a:noFill/>
+                  </a:tcPr>
                 </a:tc>
                 <a:extLst>
                   <a:ext uri="{0D108BD9-81ED-4DB2-BD59-A6C34878D82A}">
-                    <a16:rowId xmlns:a16="http://schemas.microsoft.com/office/drawing/2014/main" val="3094234635"/>
+                    <a16:rowId xmlns:a16="http://schemas.microsoft.com/office/drawing/2014/main" val="623763032"/>
                   </a:ext>
                 </a:extLst>
               </a:tr>
               <a:tr h="370840">
-                <a:tc rowSpan="3">
+                <a:tc>
                   <a:txBody>
                     <a:bodyPr/>
                     <a:lstStyle/>
                     <a:p>
                       <a:pPr latinLnBrk="1"/>
                       <a:r>
-                        <a:rPr lang="ko-KR" altLang="en-US" b="0" dirty="0" err="1">
-                          <a:solidFill>
-                            <a:schemeClr val="tx1"/>
-                          </a:solidFill>
-                        </a:rPr>
-                        <a:t>도방</a:t>
-                      </a:r>
-                      <a:endParaRPr lang="ko-KR" altLang="en-US" b="0" dirty="0">
-                        <a:solidFill>
-                          <a:schemeClr val="tx1"/>
-                        </a:solidFill>
-                      </a:endParaRPr>
+                        <a:rPr lang="ko-KR" altLang="en-US" b="0" dirty="0">
+                          <a:solidFill>
+                            <a:schemeClr val="tx1"/>
+                          </a:solidFill>
+                        </a:rPr>
+                        <a:t>해당 세력 </a:t>
+                      </a:r>
+                      <a:r>
+                        <a:rPr lang="en-US" altLang="ko-KR" b="0" dirty="0">
+                          <a:solidFill>
+                            <a:schemeClr val="tx1"/>
+                          </a:solidFill>
+                        </a:rPr>
+                        <a:t>NPC</a:t>
+                      </a:r>
+                      <a:r>
+                        <a:rPr lang="ko-KR" altLang="en-US" b="0" dirty="0">
+                          <a:solidFill>
+                            <a:schemeClr val="tx1"/>
+                          </a:solidFill>
+                        </a:rPr>
+                        <a:t>와 대화</a:t>
+                      </a:r>
                     </a:p>
                   </a:txBody>
-                  <a:tcPr anchor="ctr">
+                  <a:tcPr>
                     <a:lnL w="12700" cmpd="sng">
                       <a:noFill/>
                     </a:lnL>
-                    <a:lnR w="12700" cap="flat" cmpd="sng" algn="ctr">
-                      <a:solidFill>
-                        <a:schemeClr val="tx1"/>
-                      </a:solidFill>
-                      <a:prstDash val="solid"/>
-                      <a:round/>
-                      <a:headEnd type="none" w="med" len="med"/>
-                      <a:tailEnd type="none" w="med" len="med"/>
+                    <a:lnR w="12700" cmpd="sng">
+                      <a:noFill/>
                     </a:lnR>
                     <a:lnT w="12700" cap="flat" cmpd="sng" algn="ctr">
                       <a:solidFill>
@@ -9335,128 +13141,14 @@
                     <a:noFill/>
                   </a:tcPr>
                 </a:tc>
-                <a:tc gridSpan="2">
-                  <a:txBody>
-                    <a:bodyPr/>
-                    <a:lstStyle/>
-                    <a:p>
-                      <a:pPr latinLnBrk="1"/>
-                      <a:r>
-                        <a:rPr lang="ko-KR" altLang="en-US" b="0" dirty="0">
-                          <a:solidFill>
-                            <a:schemeClr val="tx1"/>
-                          </a:solidFill>
-                        </a:rPr>
-                        <a:t>사용하는 기술에 따라 </a:t>
-                      </a:r>
-                      <a:r>
-                        <a:rPr lang="ko-KR" altLang="en-US" b="0" dirty="0" err="1">
-                          <a:solidFill>
-                            <a:schemeClr val="tx1"/>
-                          </a:solidFill>
-                        </a:rPr>
-                        <a:t>좌도방</a:t>
-                      </a:r>
-                      <a:r>
-                        <a:rPr lang="en-US" altLang="ko-KR" b="0" dirty="0">
-                          <a:solidFill>
-                            <a:schemeClr val="tx1"/>
-                          </a:solidFill>
-                        </a:rPr>
-                        <a:t>, </a:t>
-                      </a:r>
-                      <a:r>
-                        <a:rPr lang="ko-KR" altLang="en-US" b="0" dirty="0" err="1">
-                          <a:solidFill>
-                            <a:schemeClr val="tx1"/>
-                          </a:solidFill>
-                        </a:rPr>
-                        <a:t>우도방으로</a:t>
-                      </a:r>
-                      <a:r>
-                        <a:rPr lang="ko-KR" altLang="en-US" b="0" dirty="0">
-                          <a:solidFill>
-                            <a:schemeClr val="tx1"/>
-                          </a:solidFill>
-                        </a:rPr>
-                        <a:t> 나뉜다</a:t>
-                      </a:r>
-                      <a:r>
-                        <a:rPr lang="en-US" altLang="ko-KR" b="0" dirty="0">
-                          <a:solidFill>
-                            <a:schemeClr val="tx1"/>
-                          </a:solidFill>
-                        </a:rPr>
-                        <a:t>.</a:t>
-                      </a:r>
-                      <a:endParaRPr lang="ko-KR" altLang="en-US" b="0" dirty="0">
-                        <a:solidFill>
-                          <a:schemeClr val="tx1"/>
-                        </a:solidFill>
-                      </a:endParaRPr>
-                    </a:p>
-                  </a:txBody>
-                  <a:tcPr anchor="ctr">
-                    <a:lnL w="12700" cap="flat" cmpd="sng" algn="ctr">
-                      <a:solidFill>
-                        <a:schemeClr val="tx1"/>
-                      </a:solidFill>
-                      <a:prstDash val="solid"/>
-                      <a:round/>
-                      <a:headEnd type="none" w="med" len="med"/>
-                      <a:tailEnd type="none" w="med" len="med"/>
-                    </a:lnL>
-                    <a:lnR w="12700" cmpd="sng">
-                      <a:noFill/>
-                    </a:lnR>
-                    <a:lnT w="12700" cap="flat" cmpd="sng" algn="ctr">
-                      <a:solidFill>
-                        <a:schemeClr val="tx1"/>
-                      </a:solidFill>
-                      <a:prstDash val="solid"/>
-                      <a:round/>
-                      <a:headEnd type="none" w="med" len="med"/>
-                      <a:tailEnd type="none" w="med" len="med"/>
-                    </a:lnT>
-                    <a:lnB w="12700" cap="flat" cmpd="sng" algn="ctr">
-                      <a:solidFill>
-                        <a:schemeClr val="tx1"/>
-                      </a:solidFill>
-                      <a:prstDash val="solid"/>
-                      <a:round/>
-                      <a:headEnd type="none" w="med" len="med"/>
-                      <a:tailEnd type="none" w="med" len="med"/>
-                    </a:lnB>
-                    <a:lnTlToBr w="12700" cmpd="sng">
-                      <a:noFill/>
-                      <a:prstDash val="solid"/>
-                    </a:lnTlToBr>
-                    <a:lnBlToTr w="12700" cmpd="sng">
-                      <a:noFill/>
-                      <a:prstDash val="solid"/>
-                    </a:lnBlToTr>
-                    <a:noFill/>
-                  </a:tcPr>
-                </a:tc>
-                <a:tc hMerge="1">
-                  <a:txBody>
-                    <a:bodyPr/>
-                    <a:lstStyle/>
-                    <a:p>
-                      <a:pPr latinLnBrk="1"/>
-                      <a:endParaRPr lang="ko-KR" altLang="en-US"/>
-                    </a:p>
-                  </a:txBody>
-                  <a:tcPr/>
-                </a:tc>
                 <a:extLst>
                   <a:ext uri="{0D108BD9-81ED-4DB2-BD59-A6C34878D82A}">
-                    <a16:rowId xmlns:a16="http://schemas.microsoft.com/office/drawing/2014/main" val="407096501"/>
+                    <a16:rowId xmlns:a16="http://schemas.microsoft.com/office/drawing/2014/main" val="673639245"/>
                   </a:ext>
                 </a:extLst>
               </a:tr>
-              <a:tr h="185420">
-                <a:tc vMerge="1">
+              <a:tr h="370840">
+                <a:tc>
                   <a:txBody>
                     <a:bodyPr/>
                     <a:lstStyle/>
@@ -9473,19 +13165,11 @@
                     <a:lnL w="12700" cmpd="sng">
                       <a:noFill/>
                     </a:lnL>
-                    <a:lnR w="12700" cap="flat" cmpd="sng" algn="ctr">
-                      <a:solidFill>
-                        <a:schemeClr val="tx1"/>
-                      </a:solidFill>
-                      <a:prstDash val="solid"/>
-                      <a:round/>
-                      <a:headEnd type="none" w="med" len="med"/>
-                      <a:tailEnd type="none" w="med" len="med"/>
+                    <a:lnR w="12700" cmpd="sng">
+                      <a:noFill/>
                     </a:lnR>
                     <a:lnT w="12700" cap="flat" cmpd="sng" algn="ctr">
-                      <a:solidFill>
-                        <a:schemeClr val="tx1"/>
-                      </a:solidFill>
+                      <a:noFill/>
                       <a:prstDash val="solid"/>
                       <a:round/>
                       <a:headEnd type="none" w="med" len="med"/>
@@ -9509,6 +13193,13 @@
                     <a:noFill/>
                   </a:tcPr>
                 </a:tc>
+                <a:extLst>
+                  <a:ext uri="{0D108BD9-81ED-4DB2-BD59-A6C34878D82A}">
+                    <a16:rowId xmlns:a16="http://schemas.microsoft.com/office/drawing/2014/main" val="3883671481"/>
+                  </a:ext>
+                </a:extLst>
+              </a:tr>
+              <a:tr h="370840">
                 <a:tc>
                   <a:txBody>
                     <a:bodyPr/>
@@ -9516,12 +13207,271 @@
                     <a:p>
                       <a:pPr latinLnBrk="1"/>
                       <a:r>
-                        <a:rPr lang="ko-KR" altLang="en-US" b="0" dirty="0" err="1">
-                          <a:solidFill>
-                            <a:schemeClr val="tx1"/>
-                          </a:solidFill>
-                        </a:rPr>
-                        <a:t>좌도방</a:t>
+                        <a:rPr lang="ko-KR" altLang="en-US" b="0" dirty="0">
+                          <a:solidFill>
+                            <a:schemeClr val="tx1"/>
+                          </a:solidFill>
+                        </a:rPr>
+                        <a:t>우호도 규칙</a:t>
+                      </a:r>
+                    </a:p>
+                  </a:txBody>
+                  <a:tcPr>
+                    <a:lnL w="12700" cmpd="sng">
+                      <a:noFill/>
+                    </a:lnL>
+                    <a:lnR w="12700" cmpd="sng">
+                      <a:noFill/>
+                    </a:lnR>
+                    <a:lnT w="12700" cap="flat" cmpd="sng" algn="ctr">
+                      <a:noFill/>
+                      <a:prstDash val="solid"/>
+                      <a:round/>
+                      <a:headEnd type="none" w="med" len="med"/>
+                      <a:tailEnd type="none" w="med" len="med"/>
+                    </a:lnT>
+                    <a:lnB w="12700" cap="flat" cmpd="sng" algn="ctr">
+                      <a:solidFill>
+                        <a:schemeClr val="tx1"/>
+                      </a:solidFill>
+                      <a:prstDash val="solid"/>
+                      <a:round/>
+                      <a:headEnd type="none" w="med" len="med"/>
+                      <a:tailEnd type="none" w="med" len="med"/>
+                    </a:lnB>
+                    <a:lnTlToBr w="12700" cmpd="sng">
+                      <a:noFill/>
+                      <a:prstDash val="solid"/>
+                    </a:lnTlToBr>
+                    <a:lnBlToTr w="12700" cmpd="sng">
+                      <a:noFill/>
+                      <a:prstDash val="solid"/>
+                    </a:lnBlToTr>
+                    <a:solidFill>
+                      <a:schemeClr val="bg1">
+                        <a:lumMod val="95000"/>
+                      </a:schemeClr>
+                    </a:solidFill>
+                  </a:tcPr>
+                </a:tc>
+                <a:extLst>
+                  <a:ext uri="{0D108BD9-81ED-4DB2-BD59-A6C34878D82A}">
+                    <a16:rowId xmlns:a16="http://schemas.microsoft.com/office/drawing/2014/main" val="984760577"/>
+                  </a:ext>
+                </a:extLst>
+              </a:tr>
+              <a:tr h="370840">
+                <a:tc>
+                  <a:txBody>
+                    <a:bodyPr/>
+                    <a:lstStyle/>
+                    <a:p>
+                      <a:pPr latinLnBrk="1"/>
+                      <a:r>
+                        <a:rPr lang="ko-KR" altLang="en-US" b="0" dirty="0">
+                          <a:solidFill>
+                            <a:schemeClr val="tx1"/>
+                          </a:solidFill>
+                        </a:rPr>
+                        <a:t>우호도의 기본 값은 </a:t>
+                      </a:r>
+                      <a:r>
+                        <a:rPr lang="en-US" altLang="ko-KR" b="0" dirty="0">
+                          <a:solidFill>
+                            <a:schemeClr val="tx1"/>
+                          </a:solidFill>
+                        </a:rPr>
+                        <a:t>0</a:t>
+                      </a:r>
+                      <a:r>
+                        <a:rPr lang="ko-KR" altLang="en-US" b="0" dirty="0">
+                          <a:solidFill>
+                            <a:schemeClr val="tx1"/>
+                          </a:solidFill>
+                        </a:rPr>
+                        <a:t>이다</a:t>
+                      </a:r>
+                      <a:r>
+                        <a:rPr lang="en-US" altLang="ko-KR" b="0" dirty="0">
+                          <a:solidFill>
+                            <a:schemeClr val="tx1"/>
+                          </a:solidFill>
+                        </a:rPr>
+                        <a:t>.</a:t>
+                      </a:r>
+                    </a:p>
+                  </a:txBody>
+                  <a:tcPr>
+                    <a:lnL w="12700" cmpd="sng">
+                      <a:noFill/>
+                    </a:lnL>
+                    <a:lnR w="12700" cmpd="sng">
+                      <a:noFill/>
+                    </a:lnR>
+                    <a:lnT w="12700" cap="flat" cmpd="sng" algn="ctr">
+                      <a:solidFill>
+                        <a:schemeClr val="tx1"/>
+                      </a:solidFill>
+                      <a:prstDash val="solid"/>
+                      <a:round/>
+                      <a:headEnd type="none" w="med" len="med"/>
+                      <a:tailEnd type="none" w="med" len="med"/>
+                    </a:lnT>
+                    <a:lnB w="12700" cap="flat" cmpd="sng" algn="ctr">
+                      <a:solidFill>
+                        <a:schemeClr val="tx1"/>
+                      </a:solidFill>
+                      <a:prstDash val="solid"/>
+                      <a:round/>
+                      <a:headEnd type="none" w="med" len="med"/>
+                      <a:tailEnd type="none" w="med" len="med"/>
+                    </a:lnB>
+                    <a:lnTlToBr w="12700" cmpd="sng">
+                      <a:noFill/>
+                      <a:prstDash val="solid"/>
+                    </a:lnTlToBr>
+                    <a:lnBlToTr w="12700" cmpd="sng">
+                      <a:noFill/>
+                      <a:prstDash val="solid"/>
+                    </a:lnBlToTr>
+                    <a:noFill/>
+                  </a:tcPr>
+                </a:tc>
+                <a:extLst>
+                  <a:ext uri="{0D108BD9-81ED-4DB2-BD59-A6C34878D82A}">
+                    <a16:rowId xmlns:a16="http://schemas.microsoft.com/office/drawing/2014/main" val="102684944"/>
+                  </a:ext>
+                </a:extLst>
+              </a:tr>
+              <a:tr h="370840">
+                <a:tc>
+                  <a:txBody>
+                    <a:bodyPr/>
+                    <a:lstStyle/>
+                    <a:p>
+                      <a:pPr latinLnBrk="1"/>
+                      <a:r>
+                        <a:rPr lang="ko-KR" altLang="en-US" b="0" dirty="0">
+                          <a:solidFill>
+                            <a:schemeClr val="tx1"/>
+                          </a:solidFill>
+                        </a:rPr>
+                        <a:t>우호도의 최대 값은 </a:t>
+                      </a:r>
+                      <a:r>
+                        <a:rPr lang="en-US" altLang="ko-KR" b="0" dirty="0">
+                          <a:solidFill>
+                            <a:schemeClr val="tx1"/>
+                          </a:solidFill>
+                        </a:rPr>
+                        <a:t>100</a:t>
+                      </a:r>
+                      <a:r>
+                        <a:rPr lang="ko-KR" altLang="en-US" b="0" dirty="0">
+                          <a:solidFill>
+                            <a:schemeClr val="tx1"/>
+                          </a:solidFill>
+                        </a:rPr>
+                        <a:t>이다</a:t>
+                      </a:r>
+                      <a:r>
+                        <a:rPr lang="en-US" altLang="ko-KR" b="0" dirty="0">
+                          <a:solidFill>
+                            <a:schemeClr val="tx1"/>
+                          </a:solidFill>
+                        </a:rPr>
+                        <a:t>.</a:t>
+                      </a:r>
+                    </a:p>
+                  </a:txBody>
+                  <a:tcPr>
+                    <a:lnL w="12700" cmpd="sng">
+                      <a:noFill/>
+                    </a:lnL>
+                    <a:lnR w="12700" cmpd="sng">
+                      <a:noFill/>
+                    </a:lnR>
+                    <a:lnT w="12700" cap="flat" cmpd="sng" algn="ctr">
+                      <a:solidFill>
+                        <a:schemeClr val="tx1"/>
+                      </a:solidFill>
+                      <a:prstDash val="solid"/>
+                      <a:round/>
+                      <a:headEnd type="none" w="med" len="med"/>
+                      <a:tailEnd type="none" w="med" len="med"/>
+                    </a:lnT>
+                    <a:lnB w="12700" cap="flat" cmpd="sng" algn="ctr">
+                      <a:solidFill>
+                        <a:schemeClr val="tx1"/>
+                      </a:solidFill>
+                      <a:prstDash val="solid"/>
+                      <a:round/>
+                      <a:headEnd type="none" w="med" len="med"/>
+                      <a:tailEnd type="none" w="med" len="med"/>
+                    </a:lnB>
+                    <a:lnTlToBr w="12700" cmpd="sng">
+                      <a:noFill/>
+                      <a:prstDash val="solid"/>
+                    </a:lnTlToBr>
+                    <a:lnBlToTr w="12700" cmpd="sng">
+                      <a:noFill/>
+                      <a:prstDash val="solid"/>
+                    </a:lnBlToTr>
+                    <a:noFill/>
+                  </a:tcPr>
+                </a:tc>
+                <a:extLst>
+                  <a:ext uri="{0D108BD9-81ED-4DB2-BD59-A6C34878D82A}">
+                    <a16:rowId xmlns:a16="http://schemas.microsoft.com/office/drawing/2014/main" val="2545170330"/>
+                  </a:ext>
+                </a:extLst>
+              </a:tr>
+              <a:tr h="370840">
+                <a:tc>
+                  <a:txBody>
+                    <a:bodyPr/>
+                    <a:lstStyle/>
+                    <a:p>
+                      <a:pPr latinLnBrk="1"/>
+                      <a:r>
+                        <a:rPr lang="en-US" altLang="ko-KR" b="0" dirty="0">
+                          <a:solidFill>
+                            <a:schemeClr val="tx1"/>
+                          </a:solidFill>
+                        </a:rPr>
+                        <a:t>NPC</a:t>
+                      </a:r>
+                      <a:r>
+                        <a:rPr lang="ko-KR" altLang="en-US" b="0" dirty="0">
+                          <a:solidFill>
+                            <a:schemeClr val="tx1"/>
+                          </a:solidFill>
+                        </a:rPr>
+                        <a:t>와 대화로 상승하는 우호도의 최대치는 </a:t>
+                      </a:r>
+                      <a:r>
+                        <a:rPr lang="en-US" altLang="ko-KR" b="0" dirty="0">
+                          <a:solidFill>
+                            <a:schemeClr val="tx1"/>
+                          </a:solidFill>
+                        </a:rPr>
+                        <a:t>5</a:t>
+                      </a:r>
+                      <a:r>
+                        <a:rPr lang="ko-KR" altLang="en-US" b="0" dirty="0">
+                          <a:solidFill>
+                            <a:schemeClr val="tx1"/>
+                          </a:solidFill>
+                        </a:rPr>
+                        <a:t>이다</a:t>
+                      </a:r>
+                      <a:r>
+                        <a:rPr lang="en-US" altLang="ko-KR" b="0" dirty="0">
+                          <a:solidFill>
+                            <a:schemeClr val="tx1"/>
+                          </a:solidFill>
+                        </a:rPr>
+                        <a:t>.</a:t>
                       </a:r>
                       <a:endParaRPr lang="ko-KR" altLang="en-US" b="0" dirty="0">
                         <a:solidFill>
@@ -9530,76 +13480,9 @@
                       </a:endParaRPr>
                     </a:p>
                   </a:txBody>
-                  <a:tcPr anchor="ctr">
-                    <a:lnL w="12700" cap="flat" cmpd="sng" algn="ctr">
-                      <a:solidFill>
-                        <a:schemeClr val="tx1"/>
-                      </a:solidFill>
-                      <a:prstDash val="solid"/>
-                      <a:round/>
-                      <a:headEnd type="none" w="med" len="med"/>
-                      <a:tailEnd type="none" w="med" len="med"/>
-                    </a:lnL>
-                    <a:lnR w="12700" cap="flat" cmpd="sng" algn="ctr">
-                      <a:solidFill>
-                        <a:schemeClr val="tx1"/>
-                      </a:solidFill>
-                      <a:prstDash val="solid"/>
-                      <a:round/>
-                      <a:headEnd type="none" w="med" len="med"/>
-                      <a:tailEnd type="none" w="med" len="med"/>
-                    </a:lnR>
-                    <a:lnT w="12700" cap="flat" cmpd="sng" algn="ctr">
-                      <a:solidFill>
-                        <a:schemeClr val="tx1"/>
-                      </a:solidFill>
-                      <a:prstDash val="solid"/>
-                      <a:round/>
-                      <a:headEnd type="none" w="med" len="med"/>
-                      <a:tailEnd type="none" w="med" len="med"/>
-                    </a:lnT>
-                    <a:lnB w="12700" cap="flat" cmpd="sng" algn="ctr">
-                      <a:solidFill>
-                        <a:schemeClr val="tx1"/>
-                      </a:solidFill>
-                      <a:prstDash val="solid"/>
-                      <a:round/>
-                      <a:headEnd type="none" w="med" len="med"/>
-                      <a:tailEnd type="none" w="med" len="med"/>
-                    </a:lnB>
-                    <a:lnTlToBr w="12700" cmpd="sng">
-                      <a:noFill/>
-                      <a:prstDash val="solid"/>
-                    </a:lnTlToBr>
-                    <a:lnBlToTr w="12700" cmpd="sng">
-                      <a:noFill/>
-                      <a:prstDash val="solid"/>
-                    </a:lnBlToTr>
-                    <a:noFill/>
-                  </a:tcPr>
-                </a:tc>
-                <a:tc>
-                  <a:txBody>
-                    <a:bodyPr/>
-                    <a:lstStyle/>
-                    <a:p>
-                      <a:pPr latinLnBrk="1"/>
-                      <a:endParaRPr lang="ko-KR" altLang="en-US" b="0" dirty="0">
-                        <a:solidFill>
-                          <a:schemeClr val="tx1"/>
-                        </a:solidFill>
-                      </a:endParaRPr>
-                    </a:p>
-                  </a:txBody>
-                  <a:tcPr anchor="ctr">
-                    <a:lnL w="12700" cap="flat" cmpd="sng" algn="ctr">
-                      <a:solidFill>
-                        <a:schemeClr val="tx1"/>
-                      </a:solidFill>
-                      <a:prstDash val="solid"/>
-                      <a:round/>
-                      <a:headEnd type="none" w="med" len="med"/>
-                      <a:tailEnd type="none" w="med" len="med"/>
+                  <a:tcPr>
+                    <a:lnL w="12700" cmpd="sng">
+                      <a:noFill/>
                     </a:lnL>
                     <a:lnR w="12700" cmpd="sng">
                       <a:noFill/>
@@ -9635,145 +13518,7 @@
                 </a:tc>
                 <a:extLst>
                   <a:ext uri="{0D108BD9-81ED-4DB2-BD59-A6C34878D82A}">
-                    <a16:rowId xmlns:a16="http://schemas.microsoft.com/office/drawing/2014/main" val="119190598"/>
-                  </a:ext>
-                </a:extLst>
-              </a:tr>
-              <a:tr h="185420">
-                <a:tc vMerge="1">
-                  <a:txBody>
-                    <a:bodyPr/>
-                    <a:lstStyle/>
-                    <a:p>
-                      <a:pPr latinLnBrk="1"/>
-                      <a:endParaRPr lang="ko-KR" altLang="en-US"/>
-                    </a:p>
-                  </a:txBody>
-                  <a:tcPr/>
-                </a:tc>
-                <a:tc>
-                  <a:txBody>
-                    <a:bodyPr/>
-                    <a:lstStyle/>
-                    <a:p>
-                      <a:pPr latinLnBrk="1"/>
-                      <a:r>
-                        <a:rPr lang="ko-KR" altLang="en-US" b="0" dirty="0" err="1">
-                          <a:solidFill>
-                            <a:schemeClr val="tx1"/>
-                          </a:solidFill>
-                        </a:rPr>
-                        <a:t>우도방</a:t>
-                      </a:r>
-                      <a:endParaRPr lang="ko-KR" altLang="en-US" b="0" dirty="0">
-                        <a:solidFill>
-                          <a:schemeClr val="tx1"/>
-                        </a:solidFill>
-                      </a:endParaRPr>
-                    </a:p>
-                  </a:txBody>
-                  <a:tcPr anchor="ctr">
-                    <a:lnL w="12700" cap="flat" cmpd="sng" algn="ctr">
-                      <a:solidFill>
-                        <a:schemeClr val="tx1"/>
-                      </a:solidFill>
-                      <a:prstDash val="solid"/>
-                      <a:round/>
-                      <a:headEnd type="none" w="med" len="med"/>
-                      <a:tailEnd type="none" w="med" len="med"/>
-                    </a:lnL>
-                    <a:lnR w="12700" cap="flat" cmpd="sng" algn="ctr">
-                      <a:solidFill>
-                        <a:schemeClr val="tx1"/>
-                      </a:solidFill>
-                      <a:prstDash val="solid"/>
-                      <a:round/>
-                      <a:headEnd type="none" w="med" len="med"/>
-                      <a:tailEnd type="none" w="med" len="med"/>
-                    </a:lnR>
-                    <a:lnT w="12700" cap="flat" cmpd="sng" algn="ctr">
-                      <a:solidFill>
-                        <a:schemeClr val="tx1"/>
-                      </a:solidFill>
-                      <a:prstDash val="solid"/>
-                      <a:round/>
-                      <a:headEnd type="none" w="med" len="med"/>
-                      <a:tailEnd type="none" w="med" len="med"/>
-                    </a:lnT>
-                    <a:lnB w="12700" cap="flat" cmpd="sng" algn="ctr">
-                      <a:noFill/>
-                      <a:prstDash val="solid"/>
-                      <a:round/>
-                      <a:headEnd type="none" w="med" len="med"/>
-                      <a:tailEnd type="none" w="med" len="med"/>
-                    </a:lnB>
-                    <a:lnTlToBr w="12700" cmpd="sng">
-                      <a:noFill/>
-                      <a:prstDash val="solid"/>
-                    </a:lnTlToBr>
-                    <a:lnBlToTr w="12700" cmpd="sng">
-                      <a:noFill/>
-                      <a:prstDash val="solid"/>
-                    </a:lnBlToTr>
-                    <a:noFill/>
-                  </a:tcPr>
-                </a:tc>
-                <a:tc>
-                  <a:txBody>
-                    <a:bodyPr/>
-                    <a:lstStyle/>
-                    <a:p>
-                      <a:pPr latinLnBrk="1"/>
-                      <a:endParaRPr lang="ko-KR" altLang="en-US" b="0" dirty="0">
-                        <a:solidFill>
-                          <a:schemeClr val="tx1"/>
-                        </a:solidFill>
-                      </a:endParaRPr>
-                    </a:p>
-                  </a:txBody>
-                  <a:tcPr anchor="ctr">
-                    <a:lnL w="12700" cap="flat" cmpd="sng" algn="ctr">
-                      <a:solidFill>
-                        <a:schemeClr val="tx1"/>
-                      </a:solidFill>
-                      <a:prstDash val="solid"/>
-                      <a:round/>
-                      <a:headEnd type="none" w="med" len="med"/>
-                      <a:tailEnd type="none" w="med" len="med"/>
-                    </a:lnL>
-                    <a:lnR w="12700" cmpd="sng">
-                      <a:noFill/>
-                    </a:lnR>
-                    <a:lnT w="12700" cap="flat" cmpd="sng" algn="ctr">
-                      <a:solidFill>
-                        <a:schemeClr val="tx1"/>
-                      </a:solidFill>
-                      <a:prstDash val="solid"/>
-                      <a:round/>
-                      <a:headEnd type="none" w="med" len="med"/>
-                      <a:tailEnd type="none" w="med" len="med"/>
-                    </a:lnT>
-                    <a:lnB w="12700" cap="flat" cmpd="sng" algn="ctr">
-                      <a:noFill/>
-                      <a:prstDash val="solid"/>
-                      <a:round/>
-                      <a:headEnd type="none" w="med" len="med"/>
-                      <a:tailEnd type="none" w="med" len="med"/>
-                    </a:lnB>
-                    <a:lnTlToBr w="12700" cmpd="sng">
-                      <a:noFill/>
-                      <a:prstDash val="solid"/>
-                    </a:lnTlToBr>
-                    <a:lnBlToTr w="12700" cmpd="sng">
-                      <a:noFill/>
-                      <a:prstDash val="solid"/>
-                    </a:lnBlToTr>
-                    <a:noFill/>
-                  </a:tcPr>
-                </a:tc>
-                <a:extLst>
-                  <a:ext uri="{0D108BD9-81ED-4DB2-BD59-A6C34878D82A}">
-                    <a16:rowId xmlns:a16="http://schemas.microsoft.com/office/drawing/2014/main" val="1144924792"/>
+                    <a16:rowId xmlns:a16="http://schemas.microsoft.com/office/drawing/2014/main" val="1616199669"/>
                   </a:ext>
                 </a:extLst>
               </a:tr>
@@ -9784,7 +13529,7 @@
     </p:spTree>
     <p:extLst>
       <p:ext uri="{BB962C8B-B14F-4D97-AF65-F5344CB8AC3E}">
-        <p14:creationId xmlns:p14="http://schemas.microsoft.com/office/powerpoint/2010/main" val="1422473712"/>
+        <p14:creationId xmlns:p14="http://schemas.microsoft.com/office/powerpoint/2010/main" val="3646061158"/>
       </p:ext>
     </p:extLst>
   </p:cSld>
@@ -9859,33 +13604,43 @@
           </a:lstStyle>
           <a:p>
             <a:r>
-              <a:rPr lang="ko-KR" altLang="en-US" dirty="0" err="1"/>
-              <a:t>살막</a:t>
+              <a:rPr lang="ko-KR" altLang="en-US" dirty="0"/>
+              <a:t>공헌도</a:t>
+            </a:r>
+            <a:r>
+              <a:rPr lang="en-US" altLang="ko-KR" dirty="0"/>
+              <a:t> </a:t>
             </a:r>
             <a:r>
               <a:rPr lang="ko-KR" altLang="en-US" dirty="0"/>
-              <a:t> 세력 규칙</a:t>
+              <a:t>상승</a:t>
             </a:r>
           </a:p>
         </p:txBody>
       </p:sp>
       <p:graphicFrame>
         <p:nvGraphicFramePr>
-          <p:cNvPr id="2" name="표 2">
+          <p:cNvPr id="4" name="표 4">
             <a:extLst>
               <a:ext uri="{FF2B5EF4-FFF2-40B4-BE49-F238E27FC236}">
-                <a16:creationId xmlns:a16="http://schemas.microsoft.com/office/drawing/2014/main" id="{FBB150CA-00F1-4A49-8E35-6CF98C8E584A}"/>
+                <a16:creationId xmlns:a16="http://schemas.microsoft.com/office/drawing/2014/main" id="{BF124DB5-0E7F-4747-98B2-67AE08B74197}"/>
               </a:ext>
             </a:extLst>
           </p:cNvPr>
           <p:cNvGraphicFramePr>
             <a:graphicFrameLocks noGrp="1"/>
           </p:cNvGraphicFramePr>
-          <p:nvPr/>
+          <p:nvPr>
+            <p:extLst>
+              <p:ext uri="{D42A27DB-BD31-4B8C-83A1-F6EECF244321}">
+                <p14:modId xmlns:p14="http://schemas.microsoft.com/office/powerpoint/2010/main" val="2961104648"/>
+              </p:ext>
+            </p:extLst>
+          </p:nvPr>
         </p:nvGraphicFramePr>
         <p:xfrm>
-          <a:off x="1530826" y="1612769"/>
-          <a:ext cx="9130348" cy="1473200"/>
+          <a:off x="6096000" y="1902655"/>
+          <a:ext cx="4621530" cy="3235960"/>
         </p:xfrm>
         <a:graphic>
           <a:graphicData uri="http://schemas.openxmlformats.org/drawingml/2006/table">
@@ -9894,24 +13649,10 @@
                 <a:tableStyleId>{5C22544A-7EE6-4342-B048-85BDC9FD1C3A}</a:tableStyleId>
               </a:tblPr>
               <a:tblGrid>
-                <a:gridCol w="721043">
+                <a:gridCol w="4621530">
                   <a:extLst>
                     <a:ext uri="{9D8B030D-6E8A-4147-A177-3AD203B41FA5}">
-                      <a16:colId xmlns:a16="http://schemas.microsoft.com/office/drawing/2014/main" val="3027664129"/>
-                    </a:ext>
-                  </a:extLst>
-                </a:gridCol>
-                <a:gridCol w="904569">
-                  <a:extLst>
-                    <a:ext uri="{9D8B030D-6E8A-4147-A177-3AD203B41FA5}">
-                      <a16:colId xmlns:a16="http://schemas.microsoft.com/office/drawing/2014/main" val="2521053459"/>
-                    </a:ext>
-                  </a:extLst>
-                </a:gridCol>
-                <a:gridCol w="7504736">
-                  <a:extLst>
-                    <a:ext uri="{9D8B030D-6E8A-4147-A177-3AD203B41FA5}">
-                      <a16:colId xmlns:a16="http://schemas.microsoft.com/office/drawing/2014/main" val="2352313364"/>
+                      <a16:colId xmlns:a16="http://schemas.microsoft.com/office/drawing/2014/main" val="1735243920"/>
                     </a:ext>
                   </a:extLst>
                 </a:gridCol>
@@ -9929,22 +13670,16 @@
                             <a:schemeClr val="tx1"/>
                           </a:solidFill>
                         </a:rPr>
-                        <a:t>무림</a:t>
+                        <a:t>공헌도 상승 방법</a:t>
                       </a:r>
                     </a:p>
                   </a:txBody>
-                  <a:tcPr anchor="ctr">
+                  <a:tcPr>
                     <a:lnL w="12700" cmpd="sng">
                       <a:noFill/>
                     </a:lnL>
-                    <a:lnR w="12700" cap="flat" cmpd="sng" algn="ctr">
-                      <a:solidFill>
-                        <a:schemeClr val="tx1"/>
-                      </a:solidFill>
-                      <a:prstDash val="solid"/>
-                      <a:round/>
-                      <a:headEnd type="none" w="med" len="med"/>
-                      <a:tailEnd type="none" w="med" len="med"/>
+                    <a:lnR w="12700" cmpd="sng">
+                      <a:noFill/>
                     </a:lnR>
                     <a:lnT w="12700" cmpd="sng">
                       <a:noFill/>
@@ -9966,10 +13701,21 @@
                       <a:noFill/>
                       <a:prstDash val="solid"/>
                     </a:lnBlToTr>
-                    <a:noFill/>
+                    <a:solidFill>
+                      <a:schemeClr val="bg1">
+                        <a:lumMod val="95000"/>
+                      </a:schemeClr>
+                    </a:solidFill>
                   </a:tcPr>
                 </a:tc>
-                <a:tc gridSpan="2">
+                <a:extLst>
+                  <a:ext uri="{0D108BD9-81ED-4DB2-BD59-A6C34878D82A}">
+                    <a16:rowId xmlns:a16="http://schemas.microsoft.com/office/drawing/2014/main" val="106889699"/>
+                  </a:ext>
+                </a:extLst>
+              </a:tr>
+              <a:tr h="370840">
+                <a:tc>
                   <a:txBody>
                     <a:bodyPr/>
                     <a:lstStyle/>
@@ -9981,54 +13727,25 @@
                             <a:schemeClr val="tx1"/>
                           </a:solidFill>
                         </a:rPr>
-                        <a:t>플레이어의 행동에 따라 변하는 우호도에 따라 우호적인</a:t>
-                      </a:r>
-                      <a:r>
-                        <a:rPr lang="en-US" altLang="ko-KR" b="0" dirty="0">
-                          <a:solidFill>
-                            <a:schemeClr val="tx1"/>
-                          </a:solidFill>
-                        </a:rPr>
-                        <a:t>, </a:t>
-                      </a:r>
-                      <a:r>
-                        <a:rPr lang="ko-KR" altLang="en-US" b="0" dirty="0">
-                          <a:solidFill>
-                            <a:schemeClr val="tx1"/>
-                          </a:solidFill>
-                        </a:rPr>
-                        <a:t>적대적인 상태가 된다</a:t>
-                      </a:r>
-                      <a:r>
-                        <a:rPr lang="en-US" altLang="ko-KR" b="0" dirty="0">
-                          <a:solidFill>
-                            <a:schemeClr val="tx1"/>
-                          </a:solidFill>
-                        </a:rPr>
-                        <a:t>.</a:t>
-                      </a:r>
-                      <a:endParaRPr lang="ko-KR" altLang="en-US" b="0" dirty="0">
-                        <a:solidFill>
-                          <a:schemeClr val="tx1"/>
-                        </a:solidFill>
-                      </a:endParaRPr>
+                        <a:t>해당 세력에 관련된 퀘스트 완료</a:t>
+                      </a:r>
                     </a:p>
                   </a:txBody>
-                  <a:tcPr anchor="ctr">
-                    <a:lnL w="12700" cap="flat" cmpd="sng" algn="ctr">
-                      <a:solidFill>
-                        <a:schemeClr val="tx1"/>
-                      </a:solidFill>
-                      <a:prstDash val="solid"/>
-                      <a:round/>
-                      <a:headEnd type="none" w="med" len="med"/>
-                      <a:tailEnd type="none" w="med" len="med"/>
+                  <a:tcPr>
+                    <a:lnL w="12700" cmpd="sng">
+                      <a:noFill/>
                     </a:lnL>
                     <a:lnR w="12700" cmpd="sng">
                       <a:noFill/>
                     </a:lnR>
-                    <a:lnT w="12700" cmpd="sng">
-                      <a:noFill/>
+                    <a:lnT w="12700" cap="flat" cmpd="sng" algn="ctr">
+                      <a:solidFill>
+                        <a:schemeClr val="tx1"/>
+                      </a:solidFill>
+                      <a:prstDash val="solid"/>
+                      <a:round/>
+                      <a:headEnd type="none" w="med" len="med"/>
+                      <a:tailEnd type="none" w="med" len="med"/>
                     </a:lnT>
                     <a:lnB w="12700" cap="flat" cmpd="sng" algn="ctr">
                       <a:solidFill>
@@ -10050,207 +13767,71 @@
                     <a:noFill/>
                   </a:tcPr>
                 </a:tc>
-                <a:tc hMerge="1">
+                <a:extLst>
+                  <a:ext uri="{0D108BD9-81ED-4DB2-BD59-A6C34878D82A}">
+                    <a16:rowId xmlns:a16="http://schemas.microsoft.com/office/drawing/2014/main" val="1363205147"/>
+                  </a:ext>
+                </a:extLst>
+              </a:tr>
+              <a:tr h="370840">
+                <a:tc>
                   <a:txBody>
                     <a:bodyPr/>
                     <a:lstStyle/>
                     <a:p>
                       <a:pPr latinLnBrk="1"/>
-                      <a:endParaRPr lang="ko-KR" altLang="en-US"/>
+                      <a:r>
+                        <a:rPr lang="ko-KR" altLang="en-US" b="0" dirty="0">
+                          <a:solidFill>
+                            <a:schemeClr val="tx1"/>
+                          </a:solidFill>
+                        </a:rPr>
+                        <a:t>해당 세력 유물 회수</a:t>
+                      </a:r>
                     </a:p>
                   </a:txBody>
-                  <a:tcPr/>
+                  <a:tcPr>
+                    <a:lnL w="12700" cmpd="sng">
+                      <a:noFill/>
+                    </a:lnL>
+                    <a:lnR w="12700" cmpd="sng">
+                      <a:noFill/>
+                    </a:lnR>
+                    <a:lnT w="12700" cap="flat" cmpd="sng" algn="ctr">
+                      <a:solidFill>
+                        <a:schemeClr val="tx1"/>
+                      </a:solidFill>
+                      <a:prstDash val="solid"/>
+                      <a:round/>
+                      <a:headEnd type="none" w="med" len="med"/>
+                      <a:tailEnd type="none" w="med" len="med"/>
+                    </a:lnT>
+                    <a:lnB w="12700" cap="flat" cmpd="sng" algn="ctr">
+                      <a:noFill/>
+                      <a:prstDash val="solid"/>
+                      <a:round/>
+                      <a:headEnd type="none" w="med" len="med"/>
+                      <a:tailEnd type="none" w="med" len="med"/>
+                    </a:lnB>
+                    <a:lnTlToBr w="12700" cmpd="sng">
+                      <a:noFill/>
+                      <a:prstDash val="solid"/>
+                    </a:lnTlToBr>
+                    <a:lnBlToTr w="12700" cmpd="sng">
+                      <a:noFill/>
+                      <a:prstDash val="solid"/>
+                    </a:lnBlToTr>
+                    <a:noFill/>
+                  </a:tcPr>
                 </a:tc>
                 <a:extLst>
                   <a:ext uri="{0D108BD9-81ED-4DB2-BD59-A6C34878D82A}">
-                    <a16:rowId xmlns:a16="http://schemas.microsoft.com/office/drawing/2014/main" val="3094234635"/>
+                    <a16:rowId xmlns:a16="http://schemas.microsoft.com/office/drawing/2014/main" val="623763032"/>
                   </a:ext>
                 </a:extLst>
               </a:tr>
               <a:tr h="370840">
-                <a:tc rowSpan="3">
-                  <a:txBody>
-                    <a:bodyPr/>
-                    <a:lstStyle/>
-                    <a:p>
-                      <a:pPr latinLnBrk="1"/>
-                      <a:r>
-                        <a:rPr lang="ko-KR" altLang="en-US" b="0" dirty="0" err="1">
-                          <a:solidFill>
-                            <a:schemeClr val="tx1"/>
-                          </a:solidFill>
-                        </a:rPr>
-                        <a:t>도방</a:t>
-                      </a:r>
-                      <a:endParaRPr lang="ko-KR" altLang="en-US" b="0" dirty="0">
-                        <a:solidFill>
-                          <a:schemeClr val="tx1"/>
-                        </a:solidFill>
-                      </a:endParaRPr>
-                    </a:p>
-                  </a:txBody>
-                  <a:tcPr anchor="ctr">
-                    <a:lnL w="12700" cmpd="sng">
-                      <a:noFill/>
-                    </a:lnL>
-                    <a:lnR w="12700" cap="flat" cmpd="sng" algn="ctr">
-                      <a:solidFill>
-                        <a:schemeClr val="tx1"/>
-                      </a:solidFill>
-                      <a:prstDash val="solid"/>
-                      <a:round/>
-                      <a:headEnd type="none" w="med" len="med"/>
-                      <a:tailEnd type="none" w="med" len="med"/>
-                    </a:lnR>
-                    <a:lnT w="12700" cap="flat" cmpd="sng" algn="ctr">
-                      <a:solidFill>
-                        <a:schemeClr val="tx1"/>
-                      </a:solidFill>
-                      <a:prstDash val="solid"/>
-                      <a:round/>
-                      <a:headEnd type="none" w="med" len="med"/>
-                      <a:tailEnd type="none" w="med" len="med"/>
-                    </a:lnT>
-                    <a:lnB w="12700" cap="flat" cmpd="sng" algn="ctr">
-                      <a:noFill/>
-                      <a:prstDash val="solid"/>
-                      <a:round/>
-                      <a:headEnd type="none" w="med" len="med"/>
-                      <a:tailEnd type="none" w="med" len="med"/>
-                    </a:lnB>
-                    <a:lnTlToBr w="12700" cmpd="sng">
-                      <a:noFill/>
-                      <a:prstDash val="solid"/>
-                    </a:lnTlToBr>
-                    <a:lnBlToTr w="12700" cmpd="sng">
-                      <a:noFill/>
-                      <a:prstDash val="solid"/>
-                    </a:lnBlToTr>
-                    <a:noFill/>
-                  </a:tcPr>
-                </a:tc>
-                <a:tc gridSpan="2">
-                  <a:txBody>
-                    <a:bodyPr/>
-                    <a:lstStyle/>
-                    <a:p>
-                      <a:pPr latinLnBrk="1"/>
-                      <a:r>
-                        <a:rPr lang="ko-KR" altLang="en-US" b="0" dirty="0">
-                          <a:solidFill>
-                            <a:schemeClr val="tx1"/>
-                          </a:solidFill>
-                        </a:rPr>
-                        <a:t>사용하는 기술에 따라 </a:t>
-                      </a:r>
-                      <a:r>
-                        <a:rPr lang="ko-KR" altLang="en-US" b="0" dirty="0" err="1">
-                          <a:solidFill>
-                            <a:schemeClr val="tx1"/>
-                          </a:solidFill>
-                        </a:rPr>
-                        <a:t>좌도방</a:t>
-                      </a:r>
-                      <a:r>
-                        <a:rPr lang="en-US" altLang="ko-KR" b="0" dirty="0">
-                          <a:solidFill>
-                            <a:schemeClr val="tx1"/>
-                          </a:solidFill>
-                        </a:rPr>
-                        <a:t>, </a:t>
-                      </a:r>
-                      <a:r>
-                        <a:rPr lang="ko-KR" altLang="en-US" b="0" dirty="0" err="1">
-                          <a:solidFill>
-                            <a:schemeClr val="tx1"/>
-                          </a:solidFill>
-                        </a:rPr>
-                        <a:t>우도방으로</a:t>
-                      </a:r>
-                      <a:r>
-                        <a:rPr lang="ko-KR" altLang="en-US" b="0" dirty="0">
-                          <a:solidFill>
-                            <a:schemeClr val="tx1"/>
-                          </a:solidFill>
-                        </a:rPr>
-                        <a:t> 나뉜다</a:t>
-                      </a:r>
-                      <a:r>
-                        <a:rPr lang="en-US" altLang="ko-KR" b="0" dirty="0">
-                          <a:solidFill>
-                            <a:schemeClr val="tx1"/>
-                          </a:solidFill>
-                        </a:rPr>
-                        <a:t>.</a:t>
-                      </a:r>
-                      <a:endParaRPr lang="ko-KR" altLang="en-US" b="0" dirty="0">
-                        <a:solidFill>
-                          <a:schemeClr val="tx1"/>
-                        </a:solidFill>
-                      </a:endParaRPr>
-                    </a:p>
-                  </a:txBody>
-                  <a:tcPr anchor="ctr">
-                    <a:lnL w="12700" cap="flat" cmpd="sng" algn="ctr">
-                      <a:solidFill>
-                        <a:schemeClr val="tx1"/>
-                      </a:solidFill>
-                      <a:prstDash val="solid"/>
-                      <a:round/>
-                      <a:headEnd type="none" w="med" len="med"/>
-                      <a:tailEnd type="none" w="med" len="med"/>
-                    </a:lnL>
-                    <a:lnR w="12700" cmpd="sng">
-                      <a:noFill/>
-                    </a:lnR>
-                    <a:lnT w="12700" cap="flat" cmpd="sng" algn="ctr">
-                      <a:solidFill>
-                        <a:schemeClr val="tx1"/>
-                      </a:solidFill>
-                      <a:prstDash val="solid"/>
-                      <a:round/>
-                      <a:headEnd type="none" w="med" len="med"/>
-                      <a:tailEnd type="none" w="med" len="med"/>
-                    </a:lnT>
-                    <a:lnB w="12700" cap="flat" cmpd="sng" algn="ctr">
-                      <a:solidFill>
-                        <a:schemeClr val="tx1"/>
-                      </a:solidFill>
-                      <a:prstDash val="solid"/>
-                      <a:round/>
-                      <a:headEnd type="none" w="med" len="med"/>
-                      <a:tailEnd type="none" w="med" len="med"/>
-                    </a:lnB>
-                    <a:lnTlToBr w="12700" cmpd="sng">
-                      <a:noFill/>
-                      <a:prstDash val="solid"/>
-                    </a:lnTlToBr>
-                    <a:lnBlToTr w="12700" cmpd="sng">
-                      <a:noFill/>
-                      <a:prstDash val="solid"/>
-                    </a:lnBlToTr>
-                    <a:noFill/>
-                  </a:tcPr>
-                </a:tc>
-                <a:tc hMerge="1">
-                  <a:txBody>
-                    <a:bodyPr/>
-                    <a:lstStyle/>
-                    <a:p>
-                      <a:pPr latinLnBrk="1"/>
-                      <a:endParaRPr lang="ko-KR" altLang="en-US"/>
-                    </a:p>
-                  </a:txBody>
-                  <a:tcPr/>
-                </a:tc>
-                <a:extLst>
-                  <a:ext uri="{0D108BD9-81ED-4DB2-BD59-A6C34878D82A}">
-                    <a16:rowId xmlns:a16="http://schemas.microsoft.com/office/drawing/2014/main" val="407096501"/>
-                  </a:ext>
-                </a:extLst>
-              </a:tr>
-              <a:tr h="185420">
-                <a:tc vMerge="1">
+                <a:tc>
                   <a:txBody>
                     <a:bodyPr/>
                     <a:lstStyle/>
@@ -10267,19 +13848,11 @@
                     <a:lnL w="12700" cmpd="sng">
                       <a:noFill/>
                     </a:lnL>
-                    <a:lnR w="12700" cap="flat" cmpd="sng" algn="ctr">
-                      <a:solidFill>
-                        <a:schemeClr val="tx1"/>
-                      </a:solidFill>
-                      <a:prstDash val="solid"/>
-                      <a:round/>
-                      <a:headEnd type="none" w="med" len="med"/>
-                      <a:tailEnd type="none" w="med" len="med"/>
+                    <a:lnR w="12700" cmpd="sng">
+                      <a:noFill/>
                     </a:lnR>
                     <a:lnT w="12700" cap="flat" cmpd="sng" algn="ctr">
-                      <a:solidFill>
-                        <a:schemeClr val="tx1"/>
-                      </a:solidFill>
+                      <a:noFill/>
                       <a:prstDash val="solid"/>
                       <a:round/>
                       <a:headEnd type="none" w="med" len="med"/>
@@ -10303,6 +13876,13 @@
                     <a:noFill/>
                   </a:tcPr>
                 </a:tc>
+                <a:extLst>
+                  <a:ext uri="{0D108BD9-81ED-4DB2-BD59-A6C34878D82A}">
+                    <a16:rowId xmlns:a16="http://schemas.microsoft.com/office/drawing/2014/main" val="3883671481"/>
+                  </a:ext>
+                </a:extLst>
+              </a:tr>
+              <a:tr h="370840">
                 <a:tc>
                   <a:txBody>
                     <a:bodyPr/>
@@ -10310,12 +13890,263 @@
                     <a:p>
                       <a:pPr latinLnBrk="1"/>
                       <a:r>
-                        <a:rPr lang="ko-KR" altLang="en-US" b="0" dirty="0" err="1">
-                          <a:solidFill>
-                            <a:schemeClr val="tx1"/>
-                          </a:solidFill>
-                        </a:rPr>
-                        <a:t>좌도방</a:t>
+                        <a:rPr lang="ko-KR" altLang="en-US" b="0" dirty="0">
+                          <a:solidFill>
+                            <a:schemeClr val="tx1"/>
+                          </a:solidFill>
+                        </a:rPr>
+                        <a:t>공헌도 규칙</a:t>
+                      </a:r>
+                    </a:p>
+                  </a:txBody>
+                  <a:tcPr>
+                    <a:lnL w="12700" cmpd="sng">
+                      <a:noFill/>
+                    </a:lnL>
+                    <a:lnR w="12700" cmpd="sng">
+                      <a:noFill/>
+                    </a:lnR>
+                    <a:lnT w="12700" cap="flat" cmpd="sng" algn="ctr">
+                      <a:noFill/>
+                      <a:prstDash val="solid"/>
+                      <a:round/>
+                      <a:headEnd type="none" w="med" len="med"/>
+                      <a:tailEnd type="none" w="med" len="med"/>
+                    </a:lnT>
+                    <a:lnB w="12700" cap="flat" cmpd="sng" algn="ctr">
+                      <a:solidFill>
+                        <a:schemeClr val="tx1"/>
+                      </a:solidFill>
+                      <a:prstDash val="solid"/>
+                      <a:round/>
+                      <a:headEnd type="none" w="med" len="med"/>
+                      <a:tailEnd type="none" w="med" len="med"/>
+                    </a:lnB>
+                    <a:lnTlToBr w="12700" cmpd="sng">
+                      <a:noFill/>
+                      <a:prstDash val="solid"/>
+                    </a:lnTlToBr>
+                    <a:lnBlToTr w="12700" cmpd="sng">
+                      <a:noFill/>
+                      <a:prstDash val="solid"/>
+                    </a:lnBlToTr>
+                    <a:solidFill>
+                      <a:schemeClr val="bg1">
+                        <a:lumMod val="95000"/>
+                      </a:schemeClr>
+                    </a:solidFill>
+                  </a:tcPr>
+                </a:tc>
+                <a:extLst>
+                  <a:ext uri="{0D108BD9-81ED-4DB2-BD59-A6C34878D82A}">
+                    <a16:rowId xmlns:a16="http://schemas.microsoft.com/office/drawing/2014/main" val="984760577"/>
+                  </a:ext>
+                </a:extLst>
+              </a:tr>
+              <a:tr h="370840">
+                <a:tc>
+                  <a:txBody>
+                    <a:bodyPr/>
+                    <a:lstStyle/>
+                    <a:p>
+                      <a:pPr latinLnBrk="1"/>
+                      <a:r>
+                        <a:rPr lang="ko-KR" altLang="en-US" b="0" dirty="0">
+                          <a:solidFill>
+                            <a:schemeClr val="tx1"/>
+                          </a:solidFill>
+                        </a:rPr>
+                        <a:t>공헌도의 기본 값은 </a:t>
+                      </a:r>
+                      <a:r>
+                        <a:rPr lang="en-US" altLang="ko-KR" b="0" dirty="0">
+                          <a:solidFill>
+                            <a:schemeClr val="tx1"/>
+                          </a:solidFill>
+                        </a:rPr>
+                        <a:t>0</a:t>
+                      </a:r>
+                      <a:r>
+                        <a:rPr lang="ko-KR" altLang="en-US" b="0" dirty="0">
+                          <a:solidFill>
+                            <a:schemeClr val="tx1"/>
+                          </a:solidFill>
+                        </a:rPr>
+                        <a:t>이다</a:t>
+                      </a:r>
+                      <a:r>
+                        <a:rPr lang="en-US" altLang="ko-KR" b="0" dirty="0">
+                          <a:solidFill>
+                            <a:schemeClr val="tx1"/>
+                          </a:solidFill>
+                        </a:rPr>
+                        <a:t>.</a:t>
+                      </a:r>
+                    </a:p>
+                  </a:txBody>
+                  <a:tcPr>
+                    <a:lnL w="12700" cmpd="sng">
+                      <a:noFill/>
+                    </a:lnL>
+                    <a:lnR w="12700" cmpd="sng">
+                      <a:noFill/>
+                    </a:lnR>
+                    <a:lnT w="12700" cap="flat" cmpd="sng" algn="ctr">
+                      <a:solidFill>
+                        <a:schemeClr val="tx1"/>
+                      </a:solidFill>
+                      <a:prstDash val="solid"/>
+                      <a:round/>
+                      <a:headEnd type="none" w="med" len="med"/>
+                      <a:tailEnd type="none" w="med" len="med"/>
+                    </a:lnT>
+                    <a:lnB w="12700" cap="flat" cmpd="sng" algn="ctr">
+                      <a:solidFill>
+                        <a:schemeClr val="tx1"/>
+                      </a:solidFill>
+                      <a:prstDash val="solid"/>
+                      <a:round/>
+                      <a:headEnd type="none" w="med" len="med"/>
+                      <a:tailEnd type="none" w="med" len="med"/>
+                    </a:lnB>
+                    <a:lnTlToBr w="12700" cmpd="sng">
+                      <a:noFill/>
+                      <a:prstDash val="solid"/>
+                    </a:lnTlToBr>
+                    <a:lnBlToTr w="12700" cmpd="sng">
+                      <a:noFill/>
+                      <a:prstDash val="solid"/>
+                    </a:lnBlToTr>
+                    <a:noFill/>
+                  </a:tcPr>
+                </a:tc>
+                <a:extLst>
+                  <a:ext uri="{0D108BD9-81ED-4DB2-BD59-A6C34878D82A}">
+                    <a16:rowId xmlns:a16="http://schemas.microsoft.com/office/drawing/2014/main" val="102684944"/>
+                  </a:ext>
+                </a:extLst>
+              </a:tr>
+              <a:tr h="370840">
+                <a:tc>
+                  <a:txBody>
+                    <a:bodyPr/>
+                    <a:lstStyle/>
+                    <a:p>
+                      <a:pPr latinLnBrk="1"/>
+                      <a:r>
+                        <a:rPr lang="ko-KR" altLang="en-US" b="0" dirty="0">
+                          <a:solidFill>
+                            <a:schemeClr val="tx1"/>
+                          </a:solidFill>
+                        </a:rPr>
+                        <a:t>공헌도의 최대 값은 </a:t>
+                      </a:r>
+                      <a:r>
+                        <a:rPr lang="en-US" altLang="ko-KR" b="0" dirty="0">
+                          <a:solidFill>
+                            <a:schemeClr val="tx1"/>
+                          </a:solidFill>
+                        </a:rPr>
+                        <a:t>99999999</a:t>
+                      </a:r>
+                      <a:r>
+                        <a:rPr lang="ko-KR" altLang="en-US" b="0" dirty="0">
+                          <a:solidFill>
+                            <a:schemeClr val="tx1"/>
+                          </a:solidFill>
+                        </a:rPr>
+                        <a:t>이다</a:t>
+                      </a:r>
+                      <a:r>
+                        <a:rPr lang="en-US" altLang="ko-KR" b="0" dirty="0">
+                          <a:solidFill>
+                            <a:schemeClr val="tx1"/>
+                          </a:solidFill>
+                        </a:rPr>
+                        <a:t>.</a:t>
+                      </a:r>
+                    </a:p>
+                  </a:txBody>
+                  <a:tcPr>
+                    <a:lnL w="12700" cmpd="sng">
+                      <a:noFill/>
+                    </a:lnL>
+                    <a:lnR w="12700" cmpd="sng">
+                      <a:noFill/>
+                    </a:lnR>
+                    <a:lnT w="12700" cap="flat" cmpd="sng" algn="ctr">
+                      <a:solidFill>
+                        <a:schemeClr val="tx1"/>
+                      </a:solidFill>
+                      <a:prstDash val="solid"/>
+                      <a:round/>
+                      <a:headEnd type="none" w="med" len="med"/>
+                      <a:tailEnd type="none" w="med" len="med"/>
+                    </a:lnT>
+                    <a:lnB w="12700" cap="flat" cmpd="sng" algn="ctr">
+                      <a:solidFill>
+                        <a:schemeClr val="tx1"/>
+                      </a:solidFill>
+                      <a:prstDash val="solid"/>
+                      <a:round/>
+                      <a:headEnd type="none" w="med" len="med"/>
+                      <a:tailEnd type="none" w="med" len="med"/>
+                    </a:lnB>
+                    <a:lnTlToBr w="12700" cmpd="sng">
+                      <a:noFill/>
+                      <a:prstDash val="solid"/>
+                    </a:lnTlToBr>
+                    <a:lnBlToTr w="12700" cmpd="sng">
+                      <a:noFill/>
+                      <a:prstDash val="solid"/>
+                    </a:lnBlToTr>
+                    <a:noFill/>
+                  </a:tcPr>
+                </a:tc>
+                <a:extLst>
+                  <a:ext uri="{0D108BD9-81ED-4DB2-BD59-A6C34878D82A}">
+                    <a16:rowId xmlns:a16="http://schemas.microsoft.com/office/drawing/2014/main" val="2545170330"/>
+                  </a:ext>
+                </a:extLst>
+              </a:tr>
+              <a:tr h="370840">
+                <a:tc>
+                  <a:txBody>
+                    <a:bodyPr/>
+                    <a:lstStyle/>
+                    <a:p>
+                      <a:pPr latinLnBrk="1"/>
+                      <a:r>
+                        <a:rPr lang="ko-KR" altLang="en-US" b="0" dirty="0">
+                          <a:solidFill>
+                            <a:schemeClr val="tx1"/>
+                          </a:solidFill>
+                        </a:rPr>
+                        <a:t>플레이어는 공헌도를 소비하여 아이템이나</a:t>
+                      </a:r>
+                      <a:endParaRPr lang="en-US" altLang="ko-KR" b="0" dirty="0">
+                        <a:solidFill>
+                          <a:schemeClr val="tx1"/>
+                        </a:solidFill>
+                      </a:endParaRPr>
+                    </a:p>
+                    <a:p>
+                      <a:pPr latinLnBrk="1"/>
+                      <a:r>
+                        <a:rPr lang="ko-KR" altLang="en-US" b="0" dirty="0">
+                          <a:solidFill>
+                            <a:schemeClr val="tx1"/>
+                          </a:solidFill>
+                        </a:rPr>
+                        <a:t>스킬 등의 보상을 받을 수 있다</a:t>
+                      </a:r>
+                      <a:r>
+                        <a:rPr lang="en-US" altLang="ko-KR" b="0" dirty="0">
+                          <a:solidFill>
+                            <a:schemeClr val="tx1"/>
+                          </a:solidFill>
+                        </a:rPr>
+                        <a:t>.</a:t>
                       </a:r>
                       <a:endParaRPr lang="ko-KR" altLang="en-US" b="0" dirty="0">
                         <a:solidFill>
@@ -10324,24 +14155,12 @@
                       </a:endParaRPr>
                     </a:p>
                   </a:txBody>
-                  <a:tcPr anchor="ctr">
-                    <a:lnL w="12700" cap="flat" cmpd="sng" algn="ctr">
-                      <a:solidFill>
-                        <a:schemeClr val="tx1"/>
-                      </a:solidFill>
-                      <a:prstDash val="solid"/>
-                      <a:round/>
-                      <a:headEnd type="none" w="med" len="med"/>
-                      <a:tailEnd type="none" w="med" len="med"/>
+                  <a:tcPr>
+                    <a:lnL w="12700" cmpd="sng">
+                      <a:noFill/>
                     </a:lnL>
-                    <a:lnR w="12700" cap="flat" cmpd="sng" algn="ctr">
-                      <a:solidFill>
-                        <a:schemeClr val="tx1"/>
-                      </a:solidFill>
-                      <a:prstDash val="solid"/>
-                      <a:round/>
-                      <a:headEnd type="none" w="med" len="med"/>
-                      <a:tailEnd type="none" w="med" len="med"/>
+                    <a:lnR w="12700" cmpd="sng">
+                      <a:noFill/>
                     </a:lnR>
                     <a:lnT w="12700" cap="flat" cmpd="sng" algn="ctr">
                       <a:solidFill>
@@ -10353,64 +14172,7 @@
                       <a:tailEnd type="none" w="med" len="med"/>
                     </a:lnT>
                     <a:lnB w="12700" cap="flat" cmpd="sng" algn="ctr">
-                      <a:solidFill>
-                        <a:schemeClr val="tx1"/>
-                      </a:solidFill>
-                      <a:prstDash val="solid"/>
-                      <a:round/>
-                      <a:headEnd type="none" w="med" len="med"/>
-                      <a:tailEnd type="none" w="med" len="med"/>
-                    </a:lnB>
-                    <a:lnTlToBr w="12700" cmpd="sng">
-                      <a:noFill/>
-                      <a:prstDash val="solid"/>
-                    </a:lnTlToBr>
-                    <a:lnBlToTr w="12700" cmpd="sng">
-                      <a:noFill/>
-                      <a:prstDash val="solid"/>
-                    </a:lnBlToTr>
-                    <a:noFill/>
-                  </a:tcPr>
-                </a:tc>
-                <a:tc>
-                  <a:txBody>
-                    <a:bodyPr/>
-                    <a:lstStyle/>
-                    <a:p>
-                      <a:pPr latinLnBrk="1"/>
-                      <a:endParaRPr lang="ko-KR" altLang="en-US" b="0" dirty="0">
-                        <a:solidFill>
-                          <a:schemeClr val="tx1"/>
-                        </a:solidFill>
-                      </a:endParaRPr>
-                    </a:p>
-                  </a:txBody>
-                  <a:tcPr anchor="ctr">
-                    <a:lnL w="12700" cap="flat" cmpd="sng" algn="ctr">
-                      <a:solidFill>
-                        <a:schemeClr val="tx1"/>
-                      </a:solidFill>
-                      <a:prstDash val="solid"/>
-                      <a:round/>
-                      <a:headEnd type="none" w="med" len="med"/>
-                      <a:tailEnd type="none" w="med" len="med"/>
-                    </a:lnL>
-                    <a:lnR w="12700" cmpd="sng">
-                      <a:noFill/>
-                    </a:lnR>
-                    <a:lnT w="12700" cap="flat" cmpd="sng" algn="ctr">
-                      <a:solidFill>
-                        <a:schemeClr val="tx1"/>
-                      </a:solidFill>
-                      <a:prstDash val="solid"/>
-                      <a:round/>
-                      <a:headEnd type="none" w="med" len="med"/>
-                      <a:tailEnd type="none" w="med" len="med"/>
-                    </a:lnT>
-                    <a:lnB w="12700" cap="flat" cmpd="sng" algn="ctr">
-                      <a:solidFill>
-                        <a:schemeClr val="tx1"/>
-                      </a:solidFill>
+                      <a:noFill/>
                       <a:prstDash val="solid"/>
                       <a:round/>
                       <a:headEnd type="none" w="med" len="med"/>
@@ -10429,145 +14191,7 @@
                 </a:tc>
                 <a:extLst>
                   <a:ext uri="{0D108BD9-81ED-4DB2-BD59-A6C34878D82A}">
-                    <a16:rowId xmlns:a16="http://schemas.microsoft.com/office/drawing/2014/main" val="119190598"/>
-                  </a:ext>
-                </a:extLst>
-              </a:tr>
-              <a:tr h="185420">
-                <a:tc vMerge="1">
-                  <a:txBody>
-                    <a:bodyPr/>
-                    <a:lstStyle/>
-                    <a:p>
-                      <a:pPr latinLnBrk="1"/>
-                      <a:endParaRPr lang="ko-KR" altLang="en-US"/>
-                    </a:p>
-                  </a:txBody>
-                  <a:tcPr/>
-                </a:tc>
-                <a:tc>
-                  <a:txBody>
-                    <a:bodyPr/>
-                    <a:lstStyle/>
-                    <a:p>
-                      <a:pPr latinLnBrk="1"/>
-                      <a:r>
-                        <a:rPr lang="ko-KR" altLang="en-US" b="0" dirty="0" err="1">
-                          <a:solidFill>
-                            <a:schemeClr val="tx1"/>
-                          </a:solidFill>
-                        </a:rPr>
-                        <a:t>우도방</a:t>
-                      </a:r>
-                      <a:endParaRPr lang="ko-KR" altLang="en-US" b="0" dirty="0">
-                        <a:solidFill>
-                          <a:schemeClr val="tx1"/>
-                        </a:solidFill>
-                      </a:endParaRPr>
-                    </a:p>
-                  </a:txBody>
-                  <a:tcPr anchor="ctr">
-                    <a:lnL w="12700" cap="flat" cmpd="sng" algn="ctr">
-                      <a:solidFill>
-                        <a:schemeClr val="tx1"/>
-                      </a:solidFill>
-                      <a:prstDash val="solid"/>
-                      <a:round/>
-                      <a:headEnd type="none" w="med" len="med"/>
-                      <a:tailEnd type="none" w="med" len="med"/>
-                    </a:lnL>
-                    <a:lnR w="12700" cap="flat" cmpd="sng" algn="ctr">
-                      <a:solidFill>
-                        <a:schemeClr val="tx1"/>
-                      </a:solidFill>
-                      <a:prstDash val="solid"/>
-                      <a:round/>
-                      <a:headEnd type="none" w="med" len="med"/>
-                      <a:tailEnd type="none" w="med" len="med"/>
-                    </a:lnR>
-                    <a:lnT w="12700" cap="flat" cmpd="sng" algn="ctr">
-                      <a:solidFill>
-                        <a:schemeClr val="tx1"/>
-                      </a:solidFill>
-                      <a:prstDash val="solid"/>
-                      <a:round/>
-                      <a:headEnd type="none" w="med" len="med"/>
-                      <a:tailEnd type="none" w="med" len="med"/>
-                    </a:lnT>
-                    <a:lnB w="12700" cap="flat" cmpd="sng" algn="ctr">
-                      <a:noFill/>
-                      <a:prstDash val="solid"/>
-                      <a:round/>
-                      <a:headEnd type="none" w="med" len="med"/>
-                      <a:tailEnd type="none" w="med" len="med"/>
-                    </a:lnB>
-                    <a:lnTlToBr w="12700" cmpd="sng">
-                      <a:noFill/>
-                      <a:prstDash val="solid"/>
-                    </a:lnTlToBr>
-                    <a:lnBlToTr w="12700" cmpd="sng">
-                      <a:noFill/>
-                      <a:prstDash val="solid"/>
-                    </a:lnBlToTr>
-                    <a:noFill/>
-                  </a:tcPr>
-                </a:tc>
-                <a:tc>
-                  <a:txBody>
-                    <a:bodyPr/>
-                    <a:lstStyle/>
-                    <a:p>
-                      <a:pPr latinLnBrk="1"/>
-                      <a:endParaRPr lang="ko-KR" altLang="en-US" b="0" dirty="0">
-                        <a:solidFill>
-                          <a:schemeClr val="tx1"/>
-                        </a:solidFill>
-                      </a:endParaRPr>
-                    </a:p>
-                  </a:txBody>
-                  <a:tcPr anchor="ctr">
-                    <a:lnL w="12700" cap="flat" cmpd="sng" algn="ctr">
-                      <a:solidFill>
-                        <a:schemeClr val="tx1"/>
-                      </a:solidFill>
-                      <a:prstDash val="solid"/>
-                      <a:round/>
-                      <a:headEnd type="none" w="med" len="med"/>
-                      <a:tailEnd type="none" w="med" len="med"/>
-                    </a:lnL>
-                    <a:lnR w="12700" cmpd="sng">
-                      <a:noFill/>
-                    </a:lnR>
-                    <a:lnT w="12700" cap="flat" cmpd="sng" algn="ctr">
-                      <a:solidFill>
-                        <a:schemeClr val="tx1"/>
-                      </a:solidFill>
-                      <a:prstDash val="solid"/>
-                      <a:round/>
-                      <a:headEnd type="none" w="med" len="med"/>
-                      <a:tailEnd type="none" w="med" len="med"/>
-                    </a:lnT>
-                    <a:lnB w="12700" cap="flat" cmpd="sng" algn="ctr">
-                      <a:noFill/>
-                      <a:prstDash val="solid"/>
-                      <a:round/>
-                      <a:headEnd type="none" w="med" len="med"/>
-                      <a:tailEnd type="none" w="med" len="med"/>
-                    </a:lnB>
-                    <a:lnTlToBr w="12700" cmpd="sng">
-                      <a:noFill/>
-                      <a:prstDash val="solid"/>
-                    </a:lnTlToBr>
-                    <a:lnBlToTr w="12700" cmpd="sng">
-                      <a:noFill/>
-                      <a:prstDash val="solid"/>
-                    </a:lnBlToTr>
-                    <a:noFill/>
-                  </a:tcPr>
-                </a:tc>
-                <a:extLst>
-                  <a:ext uri="{0D108BD9-81ED-4DB2-BD59-A6C34878D82A}">
-                    <a16:rowId xmlns:a16="http://schemas.microsoft.com/office/drawing/2014/main" val="1144924792"/>
+                    <a16:rowId xmlns:a16="http://schemas.microsoft.com/office/drawing/2014/main" val="1616199669"/>
                   </a:ext>
                 </a:extLst>
               </a:tr>
@@ -10578,7 +14202,7 @@
     </p:spTree>
     <p:extLst>
       <p:ext uri="{BB962C8B-B14F-4D97-AF65-F5344CB8AC3E}">
-        <p14:creationId xmlns:p14="http://schemas.microsoft.com/office/powerpoint/2010/main" val="126504867"/>
+        <p14:creationId xmlns:p14="http://schemas.microsoft.com/office/powerpoint/2010/main" val="746233291"/>
       </p:ext>
     </p:extLst>
   </p:cSld>

--- a/기획/방랑엽사전/세력 시스템 기획서.pptx
+++ b/기획/방랑엽사전/세력 시스템 기획서.pptx
@@ -5,7 +5,7 @@
     <p:sldMasterId id="2147483715" r:id="rId1"/>
   </p:sldMasterIdLst>
   <p:notesMasterIdLst>
-    <p:notesMasterId r:id="rId7"/>
+    <p:notesMasterId r:id="rId8"/>
   </p:notesMasterIdLst>
   <p:sldIdLst>
     <p:sldId id="258" r:id="rId2"/>
@@ -13,6 +13,7 @@
     <p:sldId id="265" r:id="rId4"/>
     <p:sldId id="268" r:id="rId5"/>
     <p:sldId id="273" r:id="rId6"/>
+    <p:sldId id="274" r:id="rId7"/>
   </p:sldIdLst>
   <p:sldSz cx="12192000" cy="6858000"/>
   <p:notesSz cx="6858000" cy="9144000"/>
@@ -237,7 +238,7 @@
           <a:p>
             <a:fld id="{C8649E71-8129-4905-BAC0-51D65A0C1379}" type="datetimeFigureOut">
               <a:rPr lang="ko-KR" altLang="en-US" smtClean="0"/>
-              <a:t>2024-01-26</a:t>
+              <a:t>2024-01-29</a:t>
             </a:fld>
             <a:endParaRPr lang="ko-KR" altLang="en-US"/>
           </a:p>
@@ -735,7 +736,7 @@
           <a:p>
             <a:fld id="{523D6941-6B33-4834-BC65-A333846D27E6}" type="datetimeFigureOut">
               <a:rPr lang="ko-KR" altLang="en-US" smtClean="0"/>
-              <a:t>2024-01-26</a:t>
+              <a:t>2024-01-29</a:t>
             </a:fld>
             <a:endParaRPr lang="ko-KR" altLang="en-US"/>
           </a:p>
@@ -933,7 +934,7 @@
           <a:p>
             <a:fld id="{523D6941-6B33-4834-BC65-A333846D27E6}" type="datetimeFigureOut">
               <a:rPr lang="ko-KR" altLang="en-US" smtClean="0"/>
-              <a:t>2024-01-26</a:t>
+              <a:t>2024-01-29</a:t>
             </a:fld>
             <a:endParaRPr lang="ko-KR" altLang="en-US"/>
           </a:p>
@@ -1141,7 +1142,7 @@
           <a:p>
             <a:fld id="{523D6941-6B33-4834-BC65-A333846D27E6}" type="datetimeFigureOut">
               <a:rPr lang="ko-KR" altLang="en-US" smtClean="0"/>
-              <a:t>2024-01-26</a:t>
+              <a:t>2024-01-29</a:t>
             </a:fld>
             <a:endParaRPr lang="ko-KR" altLang="en-US"/>
           </a:p>
@@ -1354,7 +1355,7 @@
           <a:p>
             <a:fld id="{523D6941-6B33-4834-BC65-A333846D27E6}" type="datetimeFigureOut">
               <a:rPr lang="ko-KR" altLang="en-US" smtClean="0"/>
-              <a:t>2024-01-26</a:t>
+              <a:t>2024-01-29</a:t>
             </a:fld>
             <a:endParaRPr lang="ko-KR" altLang="en-US"/>
           </a:p>
@@ -1639,7 +1640,7 @@
           <a:p>
             <a:fld id="{523D6941-6B33-4834-BC65-A333846D27E6}" type="datetimeFigureOut">
               <a:rPr lang="ko-KR" altLang="en-US" smtClean="0"/>
-              <a:t>2024-01-26</a:t>
+              <a:t>2024-01-29</a:t>
             </a:fld>
             <a:endParaRPr lang="ko-KR" altLang="en-US"/>
           </a:p>
@@ -1904,7 +1905,7 @@
           <a:p>
             <a:fld id="{523D6941-6B33-4834-BC65-A333846D27E6}" type="datetimeFigureOut">
               <a:rPr lang="ko-KR" altLang="en-US" smtClean="0"/>
-              <a:t>2024-01-26</a:t>
+              <a:t>2024-01-29</a:t>
             </a:fld>
             <a:endParaRPr lang="ko-KR" altLang="en-US"/>
           </a:p>
@@ -2316,7 +2317,7 @@
           <a:p>
             <a:fld id="{523D6941-6B33-4834-BC65-A333846D27E6}" type="datetimeFigureOut">
               <a:rPr lang="ko-KR" altLang="en-US" smtClean="0"/>
-              <a:t>2024-01-26</a:t>
+              <a:t>2024-01-29</a:t>
             </a:fld>
             <a:endParaRPr lang="ko-KR" altLang="en-US"/>
           </a:p>
@@ -2457,7 +2458,7 @@
           <a:p>
             <a:fld id="{523D6941-6B33-4834-BC65-A333846D27E6}" type="datetimeFigureOut">
               <a:rPr lang="ko-KR" altLang="en-US" smtClean="0"/>
-              <a:t>2024-01-26</a:t>
+              <a:t>2024-01-29</a:t>
             </a:fld>
             <a:endParaRPr lang="ko-KR" altLang="en-US"/>
           </a:p>
@@ -2570,7 +2571,7 @@
           <a:p>
             <a:fld id="{523D6941-6B33-4834-BC65-A333846D27E6}" type="datetimeFigureOut">
               <a:rPr lang="ko-KR" altLang="en-US" smtClean="0"/>
-              <a:t>2024-01-26</a:t>
+              <a:t>2024-01-29</a:t>
             </a:fld>
             <a:endParaRPr lang="ko-KR" altLang="en-US"/>
           </a:p>
@@ -2881,7 +2882,7 @@
           <a:p>
             <a:fld id="{523D6941-6B33-4834-BC65-A333846D27E6}" type="datetimeFigureOut">
               <a:rPr lang="ko-KR" altLang="en-US" smtClean="0"/>
-              <a:t>2024-01-26</a:t>
+              <a:t>2024-01-29</a:t>
             </a:fld>
             <a:endParaRPr lang="ko-KR" altLang="en-US"/>
           </a:p>
@@ -3169,7 +3170,7 @@
           <a:p>
             <a:fld id="{523D6941-6B33-4834-BC65-A333846D27E6}" type="datetimeFigureOut">
               <a:rPr lang="ko-KR" altLang="en-US" smtClean="0"/>
-              <a:t>2024-01-26</a:t>
+              <a:t>2024-01-29</a:t>
             </a:fld>
             <a:endParaRPr lang="ko-KR" altLang="en-US"/>
           </a:p>
@@ -3410,7 +3411,7 @@
           <a:p>
             <a:fld id="{523D6941-6B33-4834-BC65-A333846D27E6}" type="datetimeFigureOut">
               <a:rPr lang="ko-KR" altLang="en-US" smtClean="0"/>
-              <a:t>2024-01-26</a:t>
+              <a:t>2024-01-29</a:t>
             </a:fld>
             <a:endParaRPr lang="ko-KR" altLang="en-US"/>
           </a:p>
@@ -4612,14 +4613,14 @@
           <p:nvPr>
             <p:extLst>
               <p:ext uri="{D42A27DB-BD31-4B8C-83A1-F6EECF244321}">
-                <p14:modId xmlns:p14="http://schemas.microsoft.com/office/powerpoint/2010/main" val="1692588380"/>
+                <p14:modId xmlns:p14="http://schemas.microsoft.com/office/powerpoint/2010/main" val="3599542935"/>
               </p:ext>
             </p:extLst>
           </p:nvPr>
         </p:nvGraphicFramePr>
         <p:xfrm>
           <a:off x="1409700" y="2362200"/>
-          <a:ext cx="9009185" cy="2133600"/>
+          <a:ext cx="9009185" cy="1402080"/>
         </p:xfrm>
         <a:graphic>
           <a:graphicData uri="http://schemas.openxmlformats.org/drawingml/2006/table">
@@ -4755,10 +4756,10 @@
                           <a:ea typeface="맑은 고딕" charset="0"/>
                           <a:cs typeface="Times New Roman" charset="0"/>
                         </a:rPr>
-                        <a:t>플레이어가 협력하거나 소속될 수 있는 단체들을 의미한다</a:t>
-                      </a:r>
-                      <a:r>
-                        <a:rPr lang="en-US" altLang="ko-KR" sz="1600" kern="1200" dirty="0">
+                        <a:t>성향에 따라서 구분되는 문파들의 모임으로 플레이어가 소속된 </a:t>
+                      </a:r>
+                      <a:r>
+                        <a:rPr lang="ko-KR" altLang="en-US" sz="1600" kern="1200" dirty="0" err="1">
                           <a:solidFill>
                             <a:schemeClr val="tx1"/>
                           </a:solidFill>
@@ -4766,23 +4767,8 @@
                           <a:ea typeface="맑은 고딕" charset="0"/>
                           <a:cs typeface="Times New Roman" charset="0"/>
                         </a:rPr>
-                        <a:t>.</a:t>
-                      </a:r>
-                    </a:p>
-                    <a:p>
-                      <a:pPr marL="0" lvl="1" indent="0" algn="l" defTabSz="914400" rtl="0" eaLnBrk="1" fontAlgn="auto" latinLnBrk="1" hangingPunct="1">
-                        <a:lnSpc>
-                          <a:spcPct val="100000"/>
-                        </a:lnSpc>
-                        <a:spcBef>
-                          <a:spcPct val="0"/>
-                        </a:spcBef>
-                        <a:spcAft>
-                          <a:spcPct val="0"/>
-                        </a:spcAft>
-                        <a:buFontTx/>
-                        <a:buNone/>
-                      </a:pPr>
+                        <a:t>문파에</a:t>
+                      </a:r>
                       <a:r>
                         <a:rPr lang="ko-KR" altLang="en-US" sz="1600" kern="1200" dirty="0">
                           <a:solidFill>
@@ -4792,7 +4778,7 @@
                           <a:ea typeface="맑은 고딕" charset="0"/>
                           <a:cs typeface="Times New Roman" charset="0"/>
                         </a:rPr>
-                        <a:t>플레이어는 세력을 선택하여 활동할 수 있다</a:t>
+                        <a:t> 따라 정해진다</a:t>
                       </a:r>
                       <a:r>
                         <a:rPr lang="en-US" altLang="ko-KR" sz="1600" kern="1200" dirty="0">
@@ -4852,7 +4838,7 @@
                           <a:ea typeface="맑은 고딕" charset="0"/>
                           <a:cs typeface="Times New Roman" charset="0"/>
                         </a:rPr>
-                        <a:t>세력을 선택하여 소속되면 해당 세력에 대한 다양한 보상들과 시설들을 이용할 수 있다</a:t>
+                        <a:t>선택한 세력에 따라 마을이나 </a:t>
                       </a:r>
                       <a:r>
                         <a:rPr lang="en-US" altLang="ko-KR" sz="1600" kern="1200" dirty="0">
@@ -4863,23 +4849,8 @@
                           <a:ea typeface="맑은 고딕" charset="0"/>
                           <a:cs typeface="Times New Roman" charset="0"/>
                         </a:rPr>
-                        <a:t>. </a:t>
-                      </a:r>
-                    </a:p>
-                    <a:p>
-                      <a:pPr marL="0" lvl="1" indent="0" algn="l" defTabSz="914400" rtl="0" eaLnBrk="1" fontAlgn="auto" latinLnBrk="1" hangingPunct="1">
-                        <a:lnSpc>
-                          <a:spcPct val="100000"/>
-                        </a:lnSpc>
-                        <a:spcBef>
-                          <a:spcPct val="0"/>
-                        </a:spcBef>
-                        <a:spcAft>
-                          <a:spcPct val="0"/>
-                        </a:spcAft>
-                        <a:buFontTx/>
-                        <a:buNone/>
-                      </a:pPr>
+                        <a:t>NPC</a:t>
+                      </a:r>
                       <a:r>
                         <a:rPr lang="ko-KR" altLang="en-US" sz="1600" kern="1200" dirty="0">
                           <a:solidFill>
@@ -4889,7 +4860,7 @@
                           <a:ea typeface="맑은 고딕" charset="0"/>
                           <a:cs typeface="Times New Roman" charset="0"/>
                         </a:rPr>
-                        <a:t>반대로 적대적인 세력에 대한 활동에 제한이 생긴다</a:t>
+                        <a:t>들의 플레이어에 대한 반응이 변하기 때문에 플레이어들의 선택이 다양해질 것이다</a:t>
                       </a:r>
                       <a:r>
                         <a:rPr lang="en-US" altLang="ko-KR" sz="1600" kern="1200" dirty="0">
@@ -4900,53 +4871,8 @@
                           <a:ea typeface="맑은 고딕" charset="0"/>
                           <a:cs typeface="Times New Roman" charset="0"/>
                         </a:rPr>
-                        <a:t>. </a:t>
-                      </a:r>
-                    </a:p>
-                    <a:p>
-                      <a:pPr marL="0" lvl="1" indent="0" algn="l" defTabSz="914400" rtl="0" eaLnBrk="1" fontAlgn="auto" latinLnBrk="1" hangingPunct="1">
-                        <a:lnSpc>
-                          <a:spcPct val="100000"/>
-                        </a:lnSpc>
-                        <a:spcBef>
-                          <a:spcPct val="0"/>
-                        </a:spcBef>
-                        <a:spcAft>
-                          <a:spcPct val="0"/>
-                        </a:spcAft>
-                        <a:buFontTx/>
-                        <a:buNone/>
-                      </a:pPr>
-                      <a:r>
-                        <a:rPr lang="ko-KR" altLang="en-US" sz="1600" kern="1200" dirty="0">
-                          <a:solidFill>
-                            <a:schemeClr val="tx1"/>
-                          </a:solidFill>
-                          <a:latin typeface="맑은 고딕" charset="0"/>
-                          <a:ea typeface="맑은 고딕" charset="0"/>
-                          <a:cs typeface="Times New Roman" charset="0"/>
-                        </a:rPr>
-                        <a:t>플레이어의 선택에 따라서 리스크와 리턴이 생기게 되기에 플레이어들은 자신들의 선택을 더욱 신중히 하고 연구하게 될 것이다</a:t>
-                      </a:r>
-                      <a:r>
-                        <a:rPr lang="en-US" altLang="ko-KR" sz="1600" kern="1200" dirty="0">
-                          <a:solidFill>
-                            <a:schemeClr val="tx1"/>
-                          </a:solidFill>
-                          <a:latin typeface="맑은 고딕" charset="0"/>
-                          <a:ea typeface="맑은 고딕" charset="0"/>
-                          <a:cs typeface="Times New Roman" charset="0"/>
-                        </a:rPr>
                         <a:t>.</a:t>
                       </a:r>
-                      <a:endParaRPr lang="ko-KR" altLang="en-US" sz="1600" kern="1200" dirty="0">
-                        <a:solidFill>
-                          <a:schemeClr val="tx1"/>
-                        </a:solidFill>
-                        <a:latin typeface="맑은 고딕" charset="0"/>
-                        <a:ea typeface="맑은 고딕" charset="0"/>
-                        <a:cs typeface="Times New Roman" charset="0"/>
-                      </a:endParaRPr>
                     </a:p>
                   </a:txBody>
                   <a:tcPr>
@@ -7888,6 +7814,1369 @@
     <p:extLst>
       <p:ext uri="{BB962C8B-B14F-4D97-AF65-F5344CB8AC3E}">
         <p14:creationId xmlns:p14="http://schemas.microsoft.com/office/powerpoint/2010/main" val="2880584063"/>
+      </p:ext>
+    </p:extLst>
+  </p:cSld>
+  <p:clrMapOvr>
+    <a:masterClrMapping/>
+  </p:clrMapOvr>
+</p:sld>
+</file>
+
+<file path=ppt/slides/slide6.xml><?xml version="1.0" encoding="utf-8"?>
+<p:sld xmlns:a="http://schemas.openxmlformats.org/drawingml/2006/main" xmlns:r="http://schemas.openxmlformats.org/officeDocument/2006/relationships" xmlns:p="http://schemas.openxmlformats.org/presentationml/2006/main">
+  <p:cSld>
+    <p:spTree>
+      <p:nvGrpSpPr>
+        <p:cNvPr id="1" name=""/>
+        <p:cNvGrpSpPr/>
+        <p:nvPr/>
+      </p:nvGrpSpPr>
+      <p:grpSpPr>
+        <a:xfrm>
+          <a:off x="0" y="0"/>
+          <a:ext cx="0" cy="0"/>
+          <a:chOff x="0" y="0"/>
+          <a:chExt cx="0" cy="0"/>
+        </a:xfrm>
+      </p:grpSpPr>
+      <p:graphicFrame>
+        <p:nvGraphicFramePr>
+          <p:cNvPr id="6" name="내용 개체 틀 5"/>
+          <p:cNvGraphicFramePr>
+            <a:graphicFrameLocks noGrp="1"/>
+          </p:cNvGraphicFramePr>
+          <p:nvPr>
+            <p:extLst>
+              <p:ext uri="{D42A27DB-BD31-4B8C-83A1-F6EECF244321}">
+                <p14:modId xmlns:p14="http://schemas.microsoft.com/office/powerpoint/2010/main" val="1968540269"/>
+              </p:ext>
+            </p:extLst>
+          </p:nvPr>
+        </p:nvGraphicFramePr>
+        <p:xfrm>
+          <a:off x="1409700" y="1920240"/>
+          <a:ext cx="9009185" cy="3017520"/>
+        </p:xfrm>
+        <a:graphic>
+          <a:graphicData uri="http://schemas.openxmlformats.org/drawingml/2006/table">
+            <a:tbl>
+              <a:tblPr firstRow="1" bandRow="1">
+                <a:tableStyleId>{5C22544A-7EE6-4342-B048-85BDC9FD1C3A}</a:tableStyleId>
+              </a:tblPr>
+              <a:tblGrid>
+                <a:gridCol w="9009185">
+                  <a:extLst>
+                    <a:ext uri="{9D8B030D-6E8A-4147-A177-3AD203B41FA5}">
+                      <a16:colId xmlns:a16="http://schemas.microsoft.com/office/drawing/2014/main" val="20000"/>
+                    </a:ext>
+                  </a:extLst>
+                </a:gridCol>
+              </a:tblGrid>
+              <a:tr h="0">
+                <a:tc>
+                  <a:txBody>
+                    <a:bodyPr/>
+                    <a:lstStyle/>
+                    <a:p>
+                      <a:pPr marL="0" lvl="1" indent="0" latinLnBrk="1">
+                        <a:buFontTx/>
+                        <a:buNone/>
+                      </a:pPr>
+                      <a:r>
+                        <a:rPr lang="ko-KR" altLang="en-US" sz="1600" b="0" kern="1200" dirty="0">
+                          <a:solidFill>
+                            <a:schemeClr val="tx1"/>
+                          </a:solidFill>
+                        </a:rPr>
+                        <a:t>플레이어에게는 </a:t>
+                      </a:r>
+                      <a:r>
+                        <a:rPr lang="ko-KR" altLang="en-US" sz="1600" b="0" kern="1200" dirty="0" err="1">
+                          <a:solidFill>
+                            <a:schemeClr val="tx1"/>
+                          </a:solidFill>
+                        </a:rPr>
+                        <a:t>문파</a:t>
+                      </a:r>
+                      <a:r>
+                        <a:rPr lang="ko-KR" altLang="en-US" sz="1600" b="0" kern="1200" dirty="0">
+                          <a:solidFill>
+                            <a:schemeClr val="tx1"/>
+                          </a:solidFill>
+                        </a:rPr>
+                        <a:t> 우호도를 종합하여 계산되는 세력 우호도가 존재한다</a:t>
+                      </a:r>
+                      <a:r>
+                        <a:rPr lang="en-US" altLang="ko-KR" sz="1600" b="0" kern="1200" dirty="0">
+                          <a:solidFill>
+                            <a:schemeClr val="tx1"/>
+                          </a:solidFill>
+                        </a:rPr>
+                        <a:t>.</a:t>
+                      </a:r>
+                      <a:endParaRPr lang="ko-KR" altLang="en-US" sz="1600" b="0" kern="1200" dirty="0">
+                        <a:solidFill>
+                          <a:schemeClr val="tx1"/>
+                        </a:solidFill>
+                      </a:endParaRPr>
+                    </a:p>
+                  </a:txBody>
+                  <a:tcPr>
+                    <a:lnL w="0" cap="flat" cmpd="sng" algn="ctr">
+                      <a:noFill/>
+                      <a:prstDash/>
+                      <a:round/>
+                      <a:headEnd type="none" w="med" len="med"/>
+                      <a:tailEnd type="none" w="med" len="med"/>
+                    </a:lnL>
+                    <a:lnR w="0" cap="flat" cmpd="sng" algn="ctr">
+                      <a:noFill/>
+                      <a:prstDash/>
+                      <a:round/>
+                      <a:headEnd type="none" w="med" len="med"/>
+                      <a:tailEnd type="none" w="med" len="med"/>
+                    </a:lnR>
+                    <a:lnT w="0" cap="flat" cmpd="sng" algn="ctr">
+                      <a:noFill/>
+                      <a:prstDash/>
+                      <a:round/>
+                      <a:headEnd type="none" w="med" len="med"/>
+                      <a:tailEnd type="none" w="med" len="med"/>
+                    </a:lnT>
+                    <a:lnB w="12700" cap="flat" cmpd="sng" algn="ctr">
+                      <a:solidFill>
+                        <a:schemeClr val="tx1"/>
+                      </a:solidFill>
+                      <a:prstDash val="solid"/>
+                      <a:round/>
+                      <a:headEnd type="none" w="med" len="med"/>
+                      <a:tailEnd type="none" w="med" len="med"/>
+                    </a:lnB>
+                    <a:lnTlToBr w="0" cap="flat" cmpd="sng" algn="ctr">
+                      <a:noFill/>
+                      <a:prstDash/>
+                      <a:round/>
+                      <a:headEnd type="none" w="med" len="med"/>
+                      <a:tailEnd type="none" w="med" len="med"/>
+                    </a:lnTlToBr>
+                    <a:lnBlToTr w="0" cap="flat" cmpd="sng" algn="ctr">
+                      <a:noFill/>
+                      <a:prstDash/>
+                      <a:round/>
+                      <a:headEnd type="none" w="med" len="med"/>
+                      <a:tailEnd type="none" w="med" len="med"/>
+                    </a:lnBlToTr>
+                    <a:noFill/>
+                  </a:tcPr>
+                </a:tc>
+                <a:extLst>
+                  <a:ext uri="{0D108BD9-81ED-4DB2-BD59-A6C34878D82A}">
+                    <a16:rowId xmlns:a16="http://schemas.microsoft.com/office/drawing/2014/main" val="10000"/>
+                  </a:ext>
+                </a:extLst>
+              </a:tr>
+              <a:tr h="0">
+                <a:tc>
+                  <a:txBody>
+                    <a:bodyPr/>
+                    <a:lstStyle/>
+                    <a:p>
+                      <a:pPr marL="0" lvl="1" indent="0" algn="l" defTabSz="914400" rtl="0" eaLnBrk="1" fontAlgn="auto" latinLnBrk="1" hangingPunct="1">
+                        <a:lnSpc>
+                          <a:spcPct val="100000"/>
+                        </a:lnSpc>
+                        <a:spcBef>
+                          <a:spcPct val="0"/>
+                        </a:spcBef>
+                        <a:spcAft>
+                          <a:spcPct val="0"/>
+                        </a:spcAft>
+                        <a:buFontTx/>
+                        <a:buNone/>
+                      </a:pPr>
+                      <a:r>
+                        <a:rPr lang="ko-KR" altLang="en-US" sz="1600" kern="1200" dirty="0">
+                          <a:solidFill>
+                            <a:schemeClr val="tx1"/>
+                          </a:solidFill>
+                          <a:latin typeface="맑은 고딕" charset="0"/>
+                          <a:ea typeface="맑은 고딕" charset="0"/>
+                          <a:cs typeface="Times New Roman" charset="0"/>
+                        </a:rPr>
+                        <a:t>세력 우호도의 기본 값은 </a:t>
+                      </a:r>
+                      <a:r>
+                        <a:rPr lang="en-US" altLang="ko-KR" sz="1600" kern="1200" dirty="0">
+                          <a:solidFill>
+                            <a:schemeClr val="tx1"/>
+                          </a:solidFill>
+                          <a:latin typeface="맑은 고딕" charset="0"/>
+                          <a:ea typeface="맑은 고딕" charset="0"/>
+                          <a:cs typeface="Times New Roman" charset="0"/>
+                        </a:rPr>
+                        <a:t>0</a:t>
+                      </a:r>
+                      <a:r>
+                        <a:rPr lang="ko-KR" altLang="en-US" sz="1600" kern="1200" dirty="0">
+                          <a:solidFill>
+                            <a:schemeClr val="tx1"/>
+                          </a:solidFill>
+                          <a:latin typeface="맑은 고딕" charset="0"/>
+                          <a:ea typeface="맑은 고딕" charset="0"/>
+                          <a:cs typeface="Times New Roman" charset="0"/>
+                        </a:rPr>
+                        <a:t>이다</a:t>
+                      </a:r>
+                      <a:r>
+                        <a:rPr lang="en-US" altLang="ko-KR" sz="1600" kern="1200" dirty="0">
+                          <a:solidFill>
+                            <a:schemeClr val="tx1"/>
+                          </a:solidFill>
+                          <a:latin typeface="맑은 고딕" charset="0"/>
+                          <a:ea typeface="맑은 고딕" charset="0"/>
+                          <a:cs typeface="Times New Roman" charset="0"/>
+                        </a:rPr>
+                        <a:t>.</a:t>
+                      </a:r>
+                    </a:p>
+                  </a:txBody>
+                  <a:tcPr>
+                    <a:lnL w="0" cap="flat" cmpd="sng" algn="ctr">
+                      <a:noFill/>
+                      <a:prstDash/>
+                      <a:round/>
+                      <a:headEnd type="none" w="med" len="med"/>
+                      <a:tailEnd type="none" w="med" len="med"/>
+                    </a:lnL>
+                    <a:lnR w="0" cap="flat" cmpd="sng" algn="ctr">
+                      <a:noFill/>
+                      <a:prstDash/>
+                      <a:round/>
+                      <a:headEnd type="none" w="med" len="med"/>
+                      <a:tailEnd type="none" w="med" len="med"/>
+                    </a:lnR>
+                    <a:lnT w="12700" cap="flat" cmpd="sng" algn="ctr">
+                      <a:solidFill>
+                        <a:schemeClr val="tx1"/>
+                      </a:solidFill>
+                      <a:prstDash val="solid"/>
+                      <a:round/>
+                      <a:headEnd type="none" w="med" len="med"/>
+                      <a:tailEnd type="none" w="med" len="med"/>
+                    </a:lnT>
+                    <a:lnB w="12700" cap="flat" cmpd="sng" algn="ctr">
+                      <a:solidFill>
+                        <a:schemeClr val="tx1"/>
+                      </a:solidFill>
+                      <a:prstDash val="solid"/>
+                      <a:round/>
+                      <a:headEnd type="none" w="med" len="med"/>
+                      <a:tailEnd type="none" w="med" len="med"/>
+                    </a:lnB>
+                    <a:lnTlToBr w="0" cap="flat" cmpd="sng" algn="ctr">
+                      <a:noFill/>
+                      <a:prstDash/>
+                      <a:round/>
+                      <a:headEnd type="none" w="med" len="med"/>
+                      <a:tailEnd type="none" w="med" len="med"/>
+                    </a:lnTlToBr>
+                    <a:lnBlToTr w="0" cap="flat" cmpd="sng" algn="ctr">
+                      <a:noFill/>
+                      <a:prstDash/>
+                      <a:round/>
+                      <a:headEnd type="none" w="med" len="med"/>
+                      <a:tailEnd type="none" w="med" len="med"/>
+                    </a:lnBlToTr>
+                    <a:noFill/>
+                  </a:tcPr>
+                </a:tc>
+                <a:extLst>
+                  <a:ext uri="{0D108BD9-81ED-4DB2-BD59-A6C34878D82A}">
+                    <a16:rowId xmlns:a16="http://schemas.microsoft.com/office/drawing/2014/main" val="10001"/>
+                  </a:ext>
+                </a:extLst>
+              </a:tr>
+              <a:tr h="0">
+                <a:tc>
+                  <a:txBody>
+                    <a:bodyPr/>
+                    <a:lstStyle/>
+                    <a:p>
+                      <a:pPr marL="0" lvl="1" indent="0" algn="l" defTabSz="914400" rtl="0" eaLnBrk="1" fontAlgn="auto" latinLnBrk="1" hangingPunct="1">
+                        <a:lnSpc>
+                          <a:spcPct val="100000"/>
+                        </a:lnSpc>
+                        <a:spcBef>
+                          <a:spcPct val="0"/>
+                        </a:spcBef>
+                        <a:spcAft>
+                          <a:spcPct val="0"/>
+                        </a:spcAft>
+                        <a:buFontTx/>
+                        <a:buNone/>
+                      </a:pPr>
+                      <a:r>
+                        <a:rPr lang="ko-KR" altLang="en-US" sz="1600" kern="1200" dirty="0">
+                          <a:solidFill>
+                            <a:schemeClr val="tx1"/>
+                          </a:solidFill>
+                          <a:latin typeface="맑은 고딕" charset="0"/>
+                          <a:ea typeface="맑은 고딕" charset="0"/>
+                          <a:cs typeface="Times New Roman" charset="0"/>
+                        </a:rPr>
+                        <a:t>정파의 우호도는 </a:t>
+                      </a:r>
+                      <a:r>
+                        <a:rPr lang="en-US" altLang="ko-KR" sz="1600" kern="1200" dirty="0">
+                          <a:solidFill>
+                            <a:schemeClr val="tx1"/>
+                          </a:solidFill>
+                          <a:latin typeface="맑은 고딕" charset="0"/>
+                          <a:ea typeface="맑은 고딕" charset="0"/>
+                          <a:cs typeface="Times New Roman" charset="0"/>
+                        </a:rPr>
+                        <a:t>+</a:t>
+                      </a:r>
+                      <a:r>
+                        <a:rPr lang="ko-KR" altLang="en-US" sz="1600" kern="1200" dirty="0">
+                          <a:solidFill>
+                            <a:schemeClr val="tx1"/>
+                          </a:solidFill>
+                          <a:latin typeface="맑은 고딕" charset="0"/>
+                          <a:ea typeface="맑은 고딕" charset="0"/>
+                          <a:cs typeface="Times New Roman" charset="0"/>
+                        </a:rPr>
+                        <a:t>로 </a:t>
+                      </a:r>
+                      <a:r>
+                        <a:rPr lang="ko-KR" altLang="en-US" sz="1600" kern="1200" dirty="0" err="1">
+                          <a:solidFill>
+                            <a:schemeClr val="tx1"/>
+                          </a:solidFill>
+                          <a:latin typeface="맑은 고딕" charset="0"/>
+                          <a:ea typeface="맑은 고딕" charset="0"/>
+                          <a:cs typeface="Times New Roman" charset="0"/>
+                        </a:rPr>
+                        <a:t>사파의</a:t>
+                      </a:r>
+                      <a:r>
+                        <a:rPr lang="ko-KR" altLang="en-US" sz="1600" kern="1200" dirty="0">
+                          <a:solidFill>
+                            <a:schemeClr val="tx1"/>
+                          </a:solidFill>
+                          <a:latin typeface="맑은 고딕" charset="0"/>
+                          <a:ea typeface="맑은 고딕" charset="0"/>
+                          <a:cs typeface="Times New Roman" charset="0"/>
+                        </a:rPr>
+                        <a:t> 우호도는 </a:t>
+                      </a:r>
+                      <a:r>
+                        <a:rPr lang="en-US" altLang="ko-KR" sz="1600" kern="1200" dirty="0">
+                          <a:solidFill>
+                            <a:schemeClr val="tx1"/>
+                          </a:solidFill>
+                          <a:latin typeface="맑은 고딕" charset="0"/>
+                          <a:ea typeface="맑은 고딕" charset="0"/>
+                          <a:cs typeface="Times New Roman" charset="0"/>
+                        </a:rPr>
+                        <a:t>–</a:t>
+                      </a:r>
+                      <a:r>
+                        <a:rPr lang="ko-KR" altLang="en-US" sz="1600" kern="1200" dirty="0">
+                          <a:solidFill>
+                            <a:schemeClr val="tx1"/>
+                          </a:solidFill>
+                          <a:latin typeface="맑은 고딕" charset="0"/>
+                          <a:ea typeface="맑은 고딕" charset="0"/>
+                          <a:cs typeface="Times New Roman" charset="0"/>
+                        </a:rPr>
+                        <a:t>로 계산하며 </a:t>
+                      </a:r>
+                      <a:r>
+                        <a:rPr lang="ko-KR" altLang="en-US" sz="1600" kern="1200" dirty="0" err="1">
+                          <a:solidFill>
+                            <a:schemeClr val="tx1"/>
+                          </a:solidFill>
+                          <a:latin typeface="맑은 고딕" charset="0"/>
+                          <a:ea typeface="맑은 고딕" charset="0"/>
+                          <a:cs typeface="Times New Roman" charset="0"/>
+                        </a:rPr>
+                        <a:t>도방의</a:t>
+                      </a:r>
+                      <a:r>
+                        <a:rPr lang="ko-KR" altLang="en-US" sz="1600" kern="1200" dirty="0">
+                          <a:solidFill>
+                            <a:schemeClr val="tx1"/>
+                          </a:solidFill>
+                          <a:latin typeface="맑은 고딕" charset="0"/>
+                          <a:ea typeface="맑은 고딕" charset="0"/>
+                          <a:cs typeface="Times New Roman" charset="0"/>
+                        </a:rPr>
+                        <a:t> 우호도는 계산하지 않는다</a:t>
+                      </a:r>
+                      <a:r>
+                        <a:rPr lang="en-US" altLang="ko-KR" sz="1600" kern="1200" dirty="0">
+                          <a:solidFill>
+                            <a:schemeClr val="tx1"/>
+                          </a:solidFill>
+                          <a:latin typeface="맑은 고딕" charset="0"/>
+                          <a:ea typeface="맑은 고딕" charset="0"/>
+                          <a:cs typeface="Times New Roman" charset="0"/>
+                        </a:rPr>
+                        <a:t>.</a:t>
+                      </a:r>
+                    </a:p>
+                  </a:txBody>
+                  <a:tcPr>
+                    <a:lnL w="0" cap="flat" cmpd="sng" algn="ctr">
+                      <a:noFill/>
+                      <a:prstDash/>
+                      <a:round/>
+                      <a:headEnd type="none" w="med" len="med"/>
+                      <a:tailEnd type="none" w="med" len="med"/>
+                    </a:lnL>
+                    <a:lnR w="0" cap="flat" cmpd="sng" algn="ctr">
+                      <a:noFill/>
+                      <a:prstDash/>
+                      <a:round/>
+                      <a:headEnd type="none" w="med" len="med"/>
+                      <a:tailEnd type="none" w="med" len="med"/>
+                    </a:lnR>
+                    <a:lnT w="12700" cap="flat" cmpd="sng" algn="ctr">
+                      <a:solidFill>
+                        <a:schemeClr val="tx1"/>
+                      </a:solidFill>
+                      <a:prstDash val="solid"/>
+                      <a:round/>
+                      <a:headEnd type="none" w="med" len="med"/>
+                      <a:tailEnd type="none" w="med" len="med"/>
+                    </a:lnT>
+                    <a:lnB w="12700" cap="flat" cmpd="sng" algn="ctr">
+                      <a:solidFill>
+                        <a:schemeClr val="tx1"/>
+                      </a:solidFill>
+                      <a:prstDash val="solid"/>
+                      <a:round/>
+                      <a:headEnd type="none" w="med" len="med"/>
+                      <a:tailEnd type="none" w="med" len="med"/>
+                    </a:lnB>
+                    <a:lnTlToBr w="0" cap="flat" cmpd="sng" algn="ctr">
+                      <a:noFill/>
+                      <a:prstDash/>
+                      <a:round/>
+                      <a:headEnd type="none" w="med" len="med"/>
+                      <a:tailEnd type="none" w="med" len="med"/>
+                    </a:lnTlToBr>
+                    <a:lnBlToTr w="0" cap="flat" cmpd="sng" algn="ctr">
+                      <a:noFill/>
+                      <a:prstDash/>
+                      <a:round/>
+                      <a:headEnd type="none" w="med" len="med"/>
+                      <a:tailEnd type="none" w="med" len="med"/>
+                    </a:lnBlToTr>
+                    <a:noFill/>
+                  </a:tcPr>
+                </a:tc>
+                <a:extLst>
+                  <a:ext uri="{0D108BD9-81ED-4DB2-BD59-A6C34878D82A}">
+                    <a16:rowId xmlns:a16="http://schemas.microsoft.com/office/drawing/2014/main" val="54897333"/>
+                  </a:ext>
+                </a:extLst>
+              </a:tr>
+              <a:tr h="0">
+                <a:tc>
+                  <a:txBody>
+                    <a:bodyPr/>
+                    <a:lstStyle/>
+                    <a:p>
+                      <a:pPr marL="0" lvl="1" indent="0" algn="l" defTabSz="914400" rtl="0" eaLnBrk="1" fontAlgn="auto" latinLnBrk="1" hangingPunct="1">
+                        <a:lnSpc>
+                          <a:spcPct val="100000"/>
+                        </a:lnSpc>
+                        <a:spcBef>
+                          <a:spcPct val="0"/>
+                        </a:spcBef>
+                        <a:spcAft>
+                          <a:spcPct val="0"/>
+                        </a:spcAft>
+                        <a:buFontTx/>
+                        <a:buNone/>
+                      </a:pPr>
+                      <a:r>
+                        <a:rPr lang="en-US" altLang="ko-KR" sz="1600" kern="1200" dirty="0">
+                          <a:solidFill>
+                            <a:schemeClr val="tx1"/>
+                          </a:solidFill>
+                          <a:latin typeface="맑은 고딕" charset="0"/>
+                          <a:ea typeface="맑은 고딕" charset="0"/>
+                          <a:cs typeface="Times New Roman" charset="0"/>
+                        </a:rPr>
+                        <a:t>+30</a:t>
+                      </a:r>
+                      <a:r>
+                        <a:rPr lang="ko-KR" altLang="en-US" sz="1600" kern="1200" dirty="0">
+                          <a:solidFill>
+                            <a:schemeClr val="tx1"/>
+                          </a:solidFill>
+                          <a:latin typeface="맑은 고딕" charset="0"/>
+                          <a:ea typeface="맑은 고딕" charset="0"/>
+                          <a:cs typeface="Times New Roman" charset="0"/>
+                        </a:rPr>
+                        <a:t>의 초과할 경우 정파에 우호 상태가 되며</a:t>
+                      </a:r>
+                      <a:r>
+                        <a:rPr lang="en-US" altLang="ko-KR" sz="1600" kern="1200" dirty="0">
+                          <a:solidFill>
+                            <a:schemeClr val="tx1"/>
+                          </a:solidFill>
+                          <a:latin typeface="맑은 고딕" charset="0"/>
+                          <a:ea typeface="맑은 고딕" charset="0"/>
+                          <a:cs typeface="Times New Roman" charset="0"/>
+                        </a:rPr>
+                        <a:t>, -30 </a:t>
+                      </a:r>
+                      <a:r>
+                        <a:rPr lang="ko-KR" altLang="en-US" sz="1600" kern="1200" dirty="0">
+                          <a:solidFill>
+                            <a:schemeClr val="tx1"/>
+                          </a:solidFill>
+                          <a:latin typeface="맑은 고딕" charset="0"/>
+                          <a:ea typeface="맑은 고딕" charset="0"/>
+                          <a:cs typeface="Times New Roman" charset="0"/>
+                        </a:rPr>
+                        <a:t>미만일 경우 </a:t>
+                      </a:r>
+                      <a:r>
+                        <a:rPr lang="ko-KR" altLang="en-US" sz="1600" kern="1200" dirty="0" err="1">
+                          <a:solidFill>
+                            <a:schemeClr val="tx1"/>
+                          </a:solidFill>
+                          <a:latin typeface="맑은 고딕" charset="0"/>
+                          <a:ea typeface="맑은 고딕" charset="0"/>
+                          <a:cs typeface="Times New Roman" charset="0"/>
+                        </a:rPr>
+                        <a:t>사파</a:t>
+                      </a:r>
+                      <a:r>
+                        <a:rPr lang="ko-KR" altLang="en-US" sz="1600" kern="1200" dirty="0">
+                          <a:solidFill>
+                            <a:schemeClr val="tx1"/>
+                          </a:solidFill>
+                          <a:latin typeface="맑은 고딕" charset="0"/>
+                          <a:ea typeface="맑은 고딕" charset="0"/>
+                          <a:cs typeface="Times New Roman" charset="0"/>
+                        </a:rPr>
+                        <a:t> 우호 상태가 된다</a:t>
+                      </a:r>
+                      <a:r>
+                        <a:rPr lang="en-US" altLang="ko-KR" sz="1600" kern="1200" dirty="0">
+                          <a:solidFill>
+                            <a:schemeClr val="tx1"/>
+                          </a:solidFill>
+                          <a:latin typeface="맑은 고딕" charset="0"/>
+                          <a:ea typeface="맑은 고딕" charset="0"/>
+                          <a:cs typeface="Times New Roman" charset="0"/>
+                        </a:rPr>
+                        <a:t>.</a:t>
+                      </a:r>
+                    </a:p>
+                  </a:txBody>
+                  <a:tcPr>
+                    <a:lnL w="0" cap="flat" cmpd="sng" algn="ctr">
+                      <a:noFill/>
+                      <a:prstDash/>
+                      <a:round/>
+                      <a:headEnd type="none" w="med" len="med"/>
+                      <a:tailEnd type="none" w="med" len="med"/>
+                    </a:lnL>
+                    <a:lnR w="0" cap="flat" cmpd="sng" algn="ctr">
+                      <a:noFill/>
+                      <a:prstDash/>
+                      <a:round/>
+                      <a:headEnd type="none" w="med" len="med"/>
+                      <a:tailEnd type="none" w="med" len="med"/>
+                    </a:lnR>
+                    <a:lnT w="12700" cap="flat" cmpd="sng" algn="ctr">
+                      <a:solidFill>
+                        <a:schemeClr val="tx1"/>
+                      </a:solidFill>
+                      <a:prstDash val="solid"/>
+                      <a:round/>
+                      <a:headEnd type="none" w="med" len="med"/>
+                      <a:tailEnd type="none" w="med" len="med"/>
+                    </a:lnT>
+                    <a:lnB w="12700" cap="flat" cmpd="sng" algn="ctr">
+                      <a:solidFill>
+                        <a:schemeClr val="tx1"/>
+                      </a:solidFill>
+                      <a:prstDash val="solid"/>
+                      <a:round/>
+                      <a:headEnd type="none" w="med" len="med"/>
+                      <a:tailEnd type="none" w="med" len="med"/>
+                    </a:lnB>
+                    <a:lnTlToBr w="0" cap="flat" cmpd="sng" algn="ctr">
+                      <a:noFill/>
+                      <a:prstDash/>
+                      <a:round/>
+                      <a:headEnd type="none" w="med" len="med"/>
+                      <a:tailEnd type="none" w="med" len="med"/>
+                    </a:lnTlToBr>
+                    <a:lnBlToTr w="0" cap="flat" cmpd="sng" algn="ctr">
+                      <a:noFill/>
+                      <a:prstDash/>
+                      <a:round/>
+                      <a:headEnd type="none" w="med" len="med"/>
+                      <a:tailEnd type="none" w="med" len="med"/>
+                    </a:lnBlToTr>
+                    <a:noFill/>
+                  </a:tcPr>
+                </a:tc>
+                <a:extLst>
+                  <a:ext uri="{0D108BD9-81ED-4DB2-BD59-A6C34878D82A}">
+                    <a16:rowId xmlns:a16="http://schemas.microsoft.com/office/drawing/2014/main" val="175023330"/>
+                  </a:ext>
+                </a:extLst>
+              </a:tr>
+              <a:tr h="0">
+                <a:tc>
+                  <a:txBody>
+                    <a:bodyPr/>
+                    <a:lstStyle/>
+                    <a:p>
+                      <a:pPr marL="0" lvl="1" indent="0" algn="l" defTabSz="914400" rtl="0" eaLnBrk="1" fontAlgn="auto" latinLnBrk="1" hangingPunct="1">
+                        <a:lnSpc>
+                          <a:spcPct val="100000"/>
+                        </a:lnSpc>
+                        <a:spcBef>
+                          <a:spcPct val="0"/>
+                        </a:spcBef>
+                        <a:spcAft>
+                          <a:spcPct val="0"/>
+                        </a:spcAft>
+                        <a:buFontTx/>
+                        <a:buNone/>
+                      </a:pPr>
+                      <a:r>
+                        <a:rPr lang="en-US" altLang="ko-KR" sz="1600" kern="1200" dirty="0">
+                          <a:solidFill>
+                            <a:schemeClr val="tx1"/>
+                          </a:solidFill>
+                          <a:latin typeface="맑은 고딕" charset="0"/>
+                          <a:ea typeface="맑은 고딕" charset="0"/>
+                          <a:cs typeface="Times New Roman" charset="0"/>
+                        </a:rPr>
+                        <a:t>-30 ~ +30 </a:t>
+                      </a:r>
+                      <a:r>
+                        <a:rPr lang="ko-KR" altLang="en-US" sz="1600" kern="1200" dirty="0">
+                          <a:solidFill>
+                            <a:schemeClr val="tx1"/>
+                          </a:solidFill>
+                          <a:latin typeface="맑은 고딕" charset="0"/>
+                          <a:ea typeface="맑은 고딕" charset="0"/>
+                          <a:cs typeface="Times New Roman" charset="0"/>
+                        </a:rPr>
+                        <a:t>일 경우 중립 상태가 된다</a:t>
+                      </a:r>
+                      <a:r>
+                        <a:rPr lang="en-US" altLang="ko-KR" sz="1600" kern="1200" dirty="0">
+                          <a:solidFill>
+                            <a:schemeClr val="tx1"/>
+                          </a:solidFill>
+                          <a:latin typeface="맑은 고딕" charset="0"/>
+                          <a:ea typeface="맑은 고딕" charset="0"/>
+                          <a:cs typeface="Times New Roman" charset="0"/>
+                        </a:rPr>
+                        <a:t>.</a:t>
+                      </a:r>
+                    </a:p>
+                  </a:txBody>
+                  <a:tcPr>
+                    <a:lnL w="0" cap="flat" cmpd="sng" algn="ctr">
+                      <a:noFill/>
+                      <a:prstDash/>
+                      <a:round/>
+                      <a:headEnd type="none" w="med" len="med"/>
+                      <a:tailEnd type="none" w="med" len="med"/>
+                    </a:lnL>
+                    <a:lnR w="0" cap="flat" cmpd="sng" algn="ctr">
+                      <a:noFill/>
+                      <a:prstDash/>
+                      <a:round/>
+                      <a:headEnd type="none" w="med" len="med"/>
+                      <a:tailEnd type="none" w="med" len="med"/>
+                    </a:lnR>
+                    <a:lnT w="12700" cap="flat" cmpd="sng" algn="ctr">
+                      <a:solidFill>
+                        <a:schemeClr val="tx1"/>
+                      </a:solidFill>
+                      <a:prstDash val="solid"/>
+                      <a:round/>
+                      <a:headEnd type="none" w="med" len="med"/>
+                      <a:tailEnd type="none" w="med" len="med"/>
+                    </a:lnT>
+                    <a:lnB w="12700" cap="flat" cmpd="sng" algn="ctr">
+                      <a:solidFill>
+                        <a:schemeClr val="tx1"/>
+                      </a:solidFill>
+                      <a:prstDash val="solid"/>
+                      <a:round/>
+                      <a:headEnd type="none" w="med" len="med"/>
+                      <a:tailEnd type="none" w="med" len="med"/>
+                    </a:lnB>
+                    <a:lnTlToBr w="0" cap="flat" cmpd="sng" algn="ctr">
+                      <a:noFill/>
+                      <a:prstDash/>
+                      <a:round/>
+                      <a:headEnd type="none" w="med" len="med"/>
+                      <a:tailEnd type="none" w="med" len="med"/>
+                    </a:lnTlToBr>
+                    <a:lnBlToTr w="0" cap="flat" cmpd="sng" algn="ctr">
+                      <a:noFill/>
+                      <a:prstDash/>
+                      <a:round/>
+                      <a:headEnd type="none" w="med" len="med"/>
+                      <a:tailEnd type="none" w="med" len="med"/>
+                    </a:lnBlToTr>
+                    <a:noFill/>
+                  </a:tcPr>
+                </a:tc>
+                <a:extLst>
+                  <a:ext uri="{0D108BD9-81ED-4DB2-BD59-A6C34878D82A}">
+                    <a16:rowId xmlns:a16="http://schemas.microsoft.com/office/drawing/2014/main" val="1395687980"/>
+                  </a:ext>
+                </a:extLst>
+              </a:tr>
+              <a:tr h="0">
+                <a:tc>
+                  <a:txBody>
+                    <a:bodyPr/>
+                    <a:lstStyle/>
+                    <a:p>
+                      <a:pPr marL="0" lvl="1" indent="0" algn="l" defTabSz="914400" rtl="0" eaLnBrk="1" fontAlgn="auto" latinLnBrk="1" hangingPunct="1">
+                        <a:lnSpc>
+                          <a:spcPct val="100000"/>
+                        </a:lnSpc>
+                        <a:spcBef>
+                          <a:spcPct val="0"/>
+                        </a:spcBef>
+                        <a:spcAft>
+                          <a:spcPct val="0"/>
+                        </a:spcAft>
+                        <a:buFontTx/>
+                        <a:buNone/>
+                      </a:pPr>
+                      <a:r>
+                        <a:rPr lang="ko-KR" altLang="en-US" sz="1600" kern="1200" dirty="0">
+                          <a:solidFill>
+                            <a:schemeClr val="tx1"/>
+                          </a:solidFill>
+                          <a:latin typeface="맑은 고딕" charset="0"/>
+                          <a:ea typeface="맑은 고딕" charset="0"/>
+                          <a:cs typeface="Times New Roman" charset="0"/>
+                        </a:rPr>
+                        <a:t>적대 상태인 마을</a:t>
+                      </a:r>
+                      <a:r>
+                        <a:rPr lang="en-US" altLang="ko-KR" sz="1600" kern="1200" dirty="0">
+                          <a:solidFill>
+                            <a:schemeClr val="tx1"/>
+                          </a:solidFill>
+                          <a:latin typeface="맑은 고딕" charset="0"/>
+                          <a:ea typeface="맑은 고딕" charset="0"/>
+                          <a:cs typeface="Times New Roman" charset="0"/>
+                        </a:rPr>
+                        <a:t>, NPC</a:t>
+                      </a:r>
+                      <a:r>
+                        <a:rPr lang="ko-KR" altLang="en-US" sz="1600" kern="1200" dirty="0">
+                          <a:solidFill>
+                            <a:schemeClr val="tx1"/>
+                          </a:solidFill>
+                          <a:latin typeface="맑은 고딕" charset="0"/>
+                          <a:ea typeface="맑은 고딕" charset="0"/>
+                          <a:cs typeface="Times New Roman" charset="0"/>
+                        </a:rPr>
+                        <a:t>는 플레이어를 경계하고 공격한다</a:t>
+                      </a:r>
+                      <a:r>
+                        <a:rPr lang="en-US" altLang="ko-KR" sz="1600" kern="1200" dirty="0">
+                          <a:solidFill>
+                            <a:schemeClr val="tx1"/>
+                          </a:solidFill>
+                          <a:latin typeface="맑은 고딕" charset="0"/>
+                          <a:ea typeface="맑은 고딕" charset="0"/>
+                          <a:cs typeface="Times New Roman" charset="0"/>
+                        </a:rPr>
+                        <a:t>.</a:t>
+                      </a:r>
+                    </a:p>
+                  </a:txBody>
+                  <a:tcPr>
+                    <a:lnL w="0" cap="flat" cmpd="sng" algn="ctr">
+                      <a:noFill/>
+                      <a:prstDash/>
+                      <a:round/>
+                      <a:headEnd type="none" w="med" len="med"/>
+                      <a:tailEnd type="none" w="med" len="med"/>
+                    </a:lnL>
+                    <a:lnR w="0" cap="flat" cmpd="sng" algn="ctr">
+                      <a:noFill/>
+                      <a:prstDash/>
+                      <a:round/>
+                      <a:headEnd type="none" w="med" len="med"/>
+                      <a:tailEnd type="none" w="med" len="med"/>
+                    </a:lnR>
+                    <a:lnT w="12700" cap="flat" cmpd="sng" algn="ctr">
+                      <a:solidFill>
+                        <a:schemeClr val="tx1"/>
+                      </a:solidFill>
+                      <a:prstDash val="solid"/>
+                      <a:round/>
+                      <a:headEnd type="none" w="med" len="med"/>
+                      <a:tailEnd type="none" w="med" len="med"/>
+                    </a:lnT>
+                    <a:lnB w="12700" cap="flat" cmpd="sng" algn="ctr">
+                      <a:solidFill>
+                        <a:schemeClr val="tx1"/>
+                      </a:solidFill>
+                      <a:prstDash val="solid"/>
+                      <a:round/>
+                      <a:headEnd type="none" w="med" len="med"/>
+                      <a:tailEnd type="none" w="med" len="med"/>
+                    </a:lnB>
+                    <a:lnTlToBr w="0" cap="flat" cmpd="sng" algn="ctr">
+                      <a:noFill/>
+                      <a:prstDash/>
+                      <a:round/>
+                      <a:headEnd type="none" w="med" len="med"/>
+                      <a:tailEnd type="none" w="med" len="med"/>
+                    </a:lnTlToBr>
+                    <a:lnBlToTr w="0" cap="flat" cmpd="sng" algn="ctr">
+                      <a:noFill/>
+                      <a:prstDash/>
+                      <a:round/>
+                      <a:headEnd type="none" w="med" len="med"/>
+                      <a:tailEnd type="none" w="med" len="med"/>
+                    </a:lnBlToTr>
+                    <a:noFill/>
+                  </a:tcPr>
+                </a:tc>
+                <a:extLst>
+                  <a:ext uri="{0D108BD9-81ED-4DB2-BD59-A6C34878D82A}">
+                    <a16:rowId xmlns:a16="http://schemas.microsoft.com/office/drawing/2014/main" val="3546709023"/>
+                  </a:ext>
+                </a:extLst>
+              </a:tr>
+              <a:tr h="0">
+                <a:tc>
+                  <a:txBody>
+                    <a:bodyPr/>
+                    <a:lstStyle/>
+                    <a:p>
+                      <a:pPr marL="0" lvl="1" indent="0" algn="l" defTabSz="914400" rtl="0" eaLnBrk="1" fontAlgn="auto" latinLnBrk="1" hangingPunct="1">
+                        <a:lnSpc>
+                          <a:spcPct val="100000"/>
+                        </a:lnSpc>
+                        <a:spcBef>
+                          <a:spcPct val="0"/>
+                        </a:spcBef>
+                        <a:spcAft>
+                          <a:spcPct val="0"/>
+                        </a:spcAft>
+                        <a:buFontTx/>
+                        <a:buNone/>
+                      </a:pPr>
+                      <a:r>
+                        <a:rPr lang="ko-KR" altLang="en-US" sz="1600" kern="1200" dirty="0">
+                          <a:solidFill>
+                            <a:schemeClr val="tx1"/>
+                          </a:solidFill>
+                          <a:latin typeface="맑은 고딕" charset="0"/>
+                          <a:ea typeface="맑은 고딕" charset="0"/>
+                          <a:cs typeface="Times New Roman" charset="0"/>
+                        </a:rPr>
+                        <a:t>정파 우호 상태일 경우 </a:t>
+                      </a:r>
+                      <a:r>
+                        <a:rPr lang="ko-KR" altLang="en-US" sz="1600" kern="1200" dirty="0" err="1">
+                          <a:solidFill>
+                            <a:schemeClr val="tx1"/>
+                          </a:solidFill>
+                          <a:latin typeface="맑은 고딕" charset="0"/>
+                          <a:ea typeface="맑은 고딕" charset="0"/>
+                          <a:cs typeface="Times New Roman" charset="0"/>
+                        </a:rPr>
+                        <a:t>사파</a:t>
+                      </a:r>
+                      <a:r>
+                        <a:rPr lang="ko-KR" altLang="en-US" sz="1600" kern="1200" dirty="0">
+                          <a:solidFill>
+                            <a:schemeClr val="tx1"/>
+                          </a:solidFill>
+                          <a:latin typeface="맑은 고딕" charset="0"/>
+                          <a:ea typeface="맑은 고딕" charset="0"/>
+                          <a:cs typeface="Times New Roman" charset="0"/>
+                        </a:rPr>
+                        <a:t> 세력 마을</a:t>
+                      </a:r>
+                      <a:r>
+                        <a:rPr lang="en-US" altLang="ko-KR" sz="1600" kern="1200" dirty="0">
+                          <a:solidFill>
+                            <a:schemeClr val="tx1"/>
+                          </a:solidFill>
+                          <a:latin typeface="맑은 고딕" charset="0"/>
+                          <a:ea typeface="맑은 고딕" charset="0"/>
+                          <a:cs typeface="Times New Roman" charset="0"/>
+                        </a:rPr>
+                        <a:t> </a:t>
+                      </a:r>
+                      <a:r>
+                        <a:rPr lang="ko-KR" altLang="en-US" sz="1600" kern="1200" dirty="0">
+                          <a:solidFill>
+                            <a:schemeClr val="tx1"/>
+                          </a:solidFill>
+                          <a:latin typeface="맑은 고딕" charset="0"/>
+                          <a:ea typeface="맑은 고딕" charset="0"/>
+                          <a:cs typeface="Times New Roman" charset="0"/>
+                        </a:rPr>
+                        <a:t>및 </a:t>
+                      </a:r>
+                      <a:r>
+                        <a:rPr lang="en-US" altLang="ko-KR" sz="1600" kern="1200" dirty="0">
+                          <a:solidFill>
+                            <a:schemeClr val="tx1"/>
+                          </a:solidFill>
+                          <a:latin typeface="맑은 고딕" charset="0"/>
+                          <a:ea typeface="맑은 고딕" charset="0"/>
+                          <a:cs typeface="Times New Roman" charset="0"/>
+                        </a:rPr>
+                        <a:t>NPC</a:t>
+                      </a:r>
+                      <a:r>
+                        <a:rPr lang="ko-KR" altLang="en-US" sz="1600" kern="1200" dirty="0">
+                          <a:solidFill>
+                            <a:schemeClr val="tx1"/>
+                          </a:solidFill>
+                          <a:latin typeface="맑은 고딕" charset="0"/>
+                          <a:ea typeface="맑은 고딕" charset="0"/>
+                          <a:cs typeface="Times New Roman" charset="0"/>
+                        </a:rPr>
+                        <a:t>에게 적대 상태가 된다</a:t>
+                      </a:r>
+                      <a:r>
+                        <a:rPr lang="en-US" altLang="ko-KR" sz="1600" kern="1200" dirty="0">
+                          <a:solidFill>
+                            <a:schemeClr val="tx1"/>
+                          </a:solidFill>
+                          <a:latin typeface="맑은 고딕" charset="0"/>
+                          <a:ea typeface="맑은 고딕" charset="0"/>
+                          <a:cs typeface="Times New Roman" charset="0"/>
+                        </a:rPr>
+                        <a:t>.</a:t>
+                      </a:r>
+                    </a:p>
+                  </a:txBody>
+                  <a:tcPr>
+                    <a:lnL w="0" cap="flat" cmpd="sng" algn="ctr">
+                      <a:noFill/>
+                      <a:prstDash/>
+                      <a:round/>
+                      <a:headEnd type="none" w="med" len="med"/>
+                      <a:tailEnd type="none" w="med" len="med"/>
+                    </a:lnL>
+                    <a:lnR w="0" cap="flat" cmpd="sng" algn="ctr">
+                      <a:noFill/>
+                      <a:prstDash/>
+                      <a:round/>
+                      <a:headEnd type="none" w="med" len="med"/>
+                      <a:tailEnd type="none" w="med" len="med"/>
+                    </a:lnR>
+                    <a:lnT w="12700" cap="flat" cmpd="sng" algn="ctr">
+                      <a:solidFill>
+                        <a:schemeClr val="tx1"/>
+                      </a:solidFill>
+                      <a:prstDash val="solid"/>
+                      <a:round/>
+                      <a:headEnd type="none" w="med" len="med"/>
+                      <a:tailEnd type="none" w="med" len="med"/>
+                    </a:lnT>
+                    <a:lnB w="12700" cap="flat" cmpd="sng" algn="ctr">
+                      <a:solidFill>
+                        <a:schemeClr val="tx1"/>
+                      </a:solidFill>
+                      <a:prstDash val="solid"/>
+                      <a:round/>
+                      <a:headEnd type="none" w="med" len="med"/>
+                      <a:tailEnd type="none" w="med" len="med"/>
+                    </a:lnB>
+                    <a:lnTlToBr w="0" cap="flat" cmpd="sng" algn="ctr">
+                      <a:noFill/>
+                      <a:prstDash/>
+                      <a:round/>
+                      <a:headEnd type="none" w="med" len="med"/>
+                      <a:tailEnd type="none" w="med" len="med"/>
+                    </a:lnTlToBr>
+                    <a:lnBlToTr w="0" cap="flat" cmpd="sng" algn="ctr">
+                      <a:noFill/>
+                      <a:prstDash/>
+                      <a:round/>
+                      <a:headEnd type="none" w="med" len="med"/>
+                      <a:tailEnd type="none" w="med" len="med"/>
+                    </a:lnBlToTr>
+                    <a:noFill/>
+                  </a:tcPr>
+                </a:tc>
+                <a:extLst>
+                  <a:ext uri="{0D108BD9-81ED-4DB2-BD59-A6C34878D82A}">
+                    <a16:rowId xmlns:a16="http://schemas.microsoft.com/office/drawing/2014/main" val="2793153911"/>
+                  </a:ext>
+                </a:extLst>
+              </a:tr>
+              <a:tr h="0">
+                <a:tc>
+                  <a:txBody>
+                    <a:bodyPr/>
+                    <a:lstStyle/>
+                    <a:p>
+                      <a:pPr marL="0" marR="0" lvl="1" indent="0" algn="l" defTabSz="914400" rtl="0" eaLnBrk="1" fontAlgn="auto" latinLnBrk="1" hangingPunct="1">
+                        <a:lnSpc>
+                          <a:spcPct val="100000"/>
+                        </a:lnSpc>
+                        <a:spcBef>
+                          <a:spcPct val="0"/>
+                        </a:spcBef>
+                        <a:spcAft>
+                          <a:spcPct val="0"/>
+                        </a:spcAft>
+                        <a:buClrTx/>
+                        <a:buSzTx/>
+                        <a:buFontTx/>
+                        <a:buNone/>
+                        <a:tabLst/>
+                        <a:defRPr/>
+                      </a:pPr>
+                      <a:r>
+                        <a:rPr lang="ko-KR" altLang="en-US" sz="1600" kern="1200" dirty="0" err="1">
+                          <a:solidFill>
+                            <a:schemeClr val="tx1"/>
+                          </a:solidFill>
+                          <a:latin typeface="맑은 고딕" charset="0"/>
+                          <a:ea typeface="맑은 고딕" charset="0"/>
+                          <a:cs typeface="Times New Roman" charset="0"/>
+                        </a:rPr>
+                        <a:t>사파</a:t>
+                      </a:r>
+                      <a:r>
+                        <a:rPr lang="ko-KR" altLang="en-US" sz="1600" kern="1200" dirty="0">
+                          <a:solidFill>
+                            <a:schemeClr val="tx1"/>
+                          </a:solidFill>
+                          <a:latin typeface="맑은 고딕" charset="0"/>
+                          <a:ea typeface="맑은 고딕" charset="0"/>
+                          <a:cs typeface="Times New Roman" charset="0"/>
+                        </a:rPr>
+                        <a:t> 우호 상태일 경우 정파 세력 마을</a:t>
+                      </a:r>
+                      <a:r>
+                        <a:rPr lang="en-US" altLang="ko-KR" sz="1600" kern="1200" dirty="0">
+                          <a:solidFill>
+                            <a:schemeClr val="tx1"/>
+                          </a:solidFill>
+                          <a:latin typeface="맑은 고딕" charset="0"/>
+                          <a:ea typeface="맑은 고딕" charset="0"/>
+                          <a:cs typeface="Times New Roman" charset="0"/>
+                        </a:rPr>
+                        <a:t> </a:t>
+                      </a:r>
+                      <a:r>
+                        <a:rPr lang="ko-KR" altLang="en-US" sz="1600" kern="1200" dirty="0">
+                          <a:solidFill>
+                            <a:schemeClr val="tx1"/>
+                          </a:solidFill>
+                          <a:latin typeface="맑은 고딕" charset="0"/>
+                          <a:ea typeface="맑은 고딕" charset="0"/>
+                          <a:cs typeface="Times New Roman" charset="0"/>
+                        </a:rPr>
+                        <a:t>및 </a:t>
+                      </a:r>
+                      <a:r>
+                        <a:rPr lang="en-US" altLang="ko-KR" sz="1600" kern="1200" dirty="0">
+                          <a:solidFill>
+                            <a:schemeClr val="tx1"/>
+                          </a:solidFill>
+                          <a:latin typeface="맑은 고딕" charset="0"/>
+                          <a:ea typeface="맑은 고딕" charset="0"/>
+                          <a:cs typeface="Times New Roman" charset="0"/>
+                        </a:rPr>
+                        <a:t>NPC</a:t>
+                      </a:r>
+                      <a:r>
+                        <a:rPr lang="ko-KR" altLang="en-US" sz="1600" kern="1200" dirty="0">
+                          <a:solidFill>
+                            <a:schemeClr val="tx1"/>
+                          </a:solidFill>
+                          <a:latin typeface="맑은 고딕" charset="0"/>
+                          <a:ea typeface="맑은 고딕" charset="0"/>
+                          <a:cs typeface="Times New Roman" charset="0"/>
+                        </a:rPr>
+                        <a:t>에게 적대 상태가 된다</a:t>
+                      </a:r>
+                      <a:r>
+                        <a:rPr lang="en-US" altLang="ko-KR" sz="1600" kern="1200" dirty="0">
+                          <a:solidFill>
+                            <a:schemeClr val="tx1"/>
+                          </a:solidFill>
+                          <a:latin typeface="맑은 고딕" charset="0"/>
+                          <a:ea typeface="맑은 고딕" charset="0"/>
+                          <a:cs typeface="Times New Roman" charset="0"/>
+                        </a:rPr>
+                        <a:t>.</a:t>
+                      </a:r>
+                    </a:p>
+                  </a:txBody>
+                  <a:tcPr>
+                    <a:lnL w="0" cap="flat" cmpd="sng" algn="ctr">
+                      <a:noFill/>
+                      <a:prstDash/>
+                      <a:round/>
+                      <a:headEnd type="none" w="med" len="med"/>
+                      <a:tailEnd type="none" w="med" len="med"/>
+                    </a:lnL>
+                    <a:lnR w="0" cap="flat" cmpd="sng" algn="ctr">
+                      <a:noFill/>
+                      <a:prstDash/>
+                      <a:round/>
+                      <a:headEnd type="none" w="med" len="med"/>
+                      <a:tailEnd type="none" w="med" len="med"/>
+                    </a:lnR>
+                    <a:lnT w="12700" cap="flat" cmpd="sng" algn="ctr">
+                      <a:solidFill>
+                        <a:schemeClr val="tx1"/>
+                      </a:solidFill>
+                      <a:prstDash val="solid"/>
+                      <a:round/>
+                      <a:headEnd type="none" w="med" len="med"/>
+                      <a:tailEnd type="none" w="med" len="med"/>
+                    </a:lnT>
+                    <a:lnB w="12700" cap="flat" cmpd="sng" algn="ctr">
+                      <a:solidFill>
+                        <a:schemeClr val="tx1"/>
+                      </a:solidFill>
+                      <a:prstDash val="solid"/>
+                      <a:round/>
+                      <a:headEnd type="none" w="med" len="med"/>
+                      <a:tailEnd type="none" w="med" len="med"/>
+                    </a:lnB>
+                    <a:lnTlToBr w="0" cap="flat" cmpd="sng" algn="ctr">
+                      <a:noFill/>
+                      <a:prstDash/>
+                      <a:round/>
+                      <a:headEnd type="none" w="med" len="med"/>
+                      <a:tailEnd type="none" w="med" len="med"/>
+                    </a:lnTlToBr>
+                    <a:lnBlToTr w="0" cap="flat" cmpd="sng" algn="ctr">
+                      <a:noFill/>
+                      <a:prstDash/>
+                      <a:round/>
+                      <a:headEnd type="none" w="med" len="med"/>
+                      <a:tailEnd type="none" w="med" len="med"/>
+                    </a:lnBlToTr>
+                    <a:noFill/>
+                  </a:tcPr>
+                </a:tc>
+                <a:extLst>
+                  <a:ext uri="{0D108BD9-81ED-4DB2-BD59-A6C34878D82A}">
+                    <a16:rowId xmlns:a16="http://schemas.microsoft.com/office/drawing/2014/main" val="58614893"/>
+                  </a:ext>
+                </a:extLst>
+              </a:tr>
+              <a:tr h="0">
+                <a:tc>
+                  <a:txBody>
+                    <a:bodyPr/>
+                    <a:lstStyle/>
+                    <a:p>
+                      <a:pPr marL="0" marR="0" lvl="1" indent="0" algn="l" defTabSz="914400" rtl="0" eaLnBrk="1" fontAlgn="auto" latinLnBrk="1" hangingPunct="1">
+                        <a:lnSpc>
+                          <a:spcPct val="100000"/>
+                        </a:lnSpc>
+                        <a:spcBef>
+                          <a:spcPct val="0"/>
+                        </a:spcBef>
+                        <a:spcAft>
+                          <a:spcPct val="0"/>
+                        </a:spcAft>
+                        <a:buClrTx/>
+                        <a:buSzTx/>
+                        <a:buFontTx/>
+                        <a:buNone/>
+                        <a:tabLst/>
+                        <a:defRPr/>
+                      </a:pPr>
+                      <a:r>
+                        <a:rPr lang="ko-KR" altLang="en-US" sz="1600" kern="1200" dirty="0">
+                          <a:solidFill>
+                            <a:schemeClr val="tx1"/>
+                          </a:solidFill>
+                          <a:latin typeface="맑은 고딕" charset="0"/>
+                          <a:ea typeface="맑은 고딕" charset="0"/>
+                          <a:cs typeface="Times New Roman" charset="0"/>
+                        </a:rPr>
+                        <a:t>장비 아이템</a:t>
+                      </a:r>
+                      <a:r>
+                        <a:rPr lang="en-US" altLang="ko-KR" sz="1600" kern="1200" dirty="0">
+                          <a:solidFill>
+                            <a:schemeClr val="tx1"/>
+                          </a:solidFill>
+                          <a:latin typeface="맑은 고딕" charset="0"/>
+                          <a:ea typeface="맑은 고딕" charset="0"/>
+                          <a:cs typeface="Times New Roman" charset="0"/>
+                        </a:rPr>
+                        <a:t>, </a:t>
+                      </a:r>
+                      <a:r>
+                        <a:rPr lang="ko-KR" altLang="en-US" sz="1600" kern="1200" dirty="0">
+                          <a:solidFill>
+                            <a:schemeClr val="tx1"/>
+                          </a:solidFill>
+                          <a:latin typeface="맑은 고딕" charset="0"/>
+                          <a:ea typeface="맑은 고딕" charset="0"/>
+                          <a:cs typeface="Times New Roman" charset="0"/>
+                        </a:rPr>
+                        <a:t>소비 아이템 등의 사용하여 중립 상태로 위장할 수 있다</a:t>
+                      </a:r>
+                      <a:r>
+                        <a:rPr lang="en-US" altLang="ko-KR" sz="1600" kern="1200" dirty="0">
+                          <a:solidFill>
+                            <a:schemeClr val="tx1"/>
+                          </a:solidFill>
+                          <a:latin typeface="맑은 고딕" charset="0"/>
+                          <a:ea typeface="맑은 고딕" charset="0"/>
+                          <a:cs typeface="Times New Roman" charset="0"/>
+                        </a:rPr>
+                        <a:t>.</a:t>
+                      </a:r>
+                    </a:p>
+                  </a:txBody>
+                  <a:tcPr>
+                    <a:lnL w="0" cap="flat" cmpd="sng" algn="ctr">
+                      <a:noFill/>
+                      <a:prstDash/>
+                      <a:round/>
+                      <a:headEnd type="none" w="med" len="med"/>
+                      <a:tailEnd type="none" w="med" len="med"/>
+                    </a:lnL>
+                    <a:lnR w="0" cap="flat" cmpd="sng" algn="ctr">
+                      <a:noFill/>
+                      <a:prstDash/>
+                      <a:round/>
+                      <a:headEnd type="none" w="med" len="med"/>
+                      <a:tailEnd type="none" w="med" len="med"/>
+                    </a:lnR>
+                    <a:lnT w="12700" cap="flat" cmpd="sng" algn="ctr">
+                      <a:solidFill>
+                        <a:schemeClr val="tx1"/>
+                      </a:solidFill>
+                      <a:prstDash val="solid"/>
+                      <a:round/>
+                      <a:headEnd type="none" w="med" len="med"/>
+                      <a:tailEnd type="none" w="med" len="med"/>
+                    </a:lnT>
+                    <a:lnB w="12700" cap="flat" cmpd="sng" algn="ctr">
+                      <a:noFill/>
+                      <a:prstDash val="solid"/>
+                      <a:round/>
+                      <a:headEnd type="none" w="med" len="med"/>
+                      <a:tailEnd type="none" w="med" len="med"/>
+                    </a:lnB>
+                    <a:lnTlToBr w="0" cap="flat" cmpd="sng" algn="ctr">
+                      <a:noFill/>
+                      <a:prstDash/>
+                      <a:round/>
+                      <a:headEnd type="none" w="med" len="med"/>
+                      <a:tailEnd type="none" w="med" len="med"/>
+                    </a:lnTlToBr>
+                    <a:lnBlToTr w="0" cap="flat" cmpd="sng" algn="ctr">
+                      <a:noFill/>
+                      <a:prstDash/>
+                      <a:round/>
+                      <a:headEnd type="none" w="med" len="med"/>
+                      <a:tailEnd type="none" w="med" len="med"/>
+                    </a:lnBlToTr>
+                    <a:noFill/>
+                  </a:tcPr>
+                </a:tc>
+                <a:extLst>
+                  <a:ext uri="{0D108BD9-81ED-4DB2-BD59-A6C34878D82A}">
+                    <a16:rowId xmlns:a16="http://schemas.microsoft.com/office/drawing/2014/main" val="832220931"/>
+                  </a:ext>
+                </a:extLst>
+              </a:tr>
+            </a:tbl>
+          </a:graphicData>
+        </a:graphic>
+      </p:graphicFrame>
+      <p:sp>
+        <p:nvSpPr>
+          <p:cNvPr id="7" name="제목 1">
+            <a:extLst>
+              <a:ext uri="{FF2B5EF4-FFF2-40B4-BE49-F238E27FC236}">
+                <a16:creationId xmlns:a16="http://schemas.microsoft.com/office/drawing/2014/main" id="{77FA9A8E-E94C-4F99-8997-7C96A1AAEAC7}"/>
+              </a:ext>
+            </a:extLst>
+          </p:cNvPr>
+          <p:cNvSpPr txBox="1">
+            <a:spLocks/>
+          </p:cNvSpPr>
+          <p:nvPr/>
+        </p:nvSpPr>
+        <p:spPr>
+          <a:xfrm>
+            <a:off x="695325" y="292100"/>
+            <a:ext cx="10801350" cy="861695"/>
+          </a:xfrm>
+          <a:prstGeom prst="rect">
+            <a:avLst/>
+          </a:prstGeom>
+        </p:spPr>
+        <p:txBody>
+          <a:bodyPr vert="horz" lIns="91440" tIns="45720" rIns="91440" bIns="45720" rtlCol="0" anchor="ctr">
+            <a:normAutofit/>
+          </a:bodyPr>
+          <a:lstStyle>
+            <a:lvl1pPr algn="l" defTabSz="914400" rtl="0" eaLnBrk="1" latinLnBrk="1" hangingPunct="1">
+              <a:lnSpc>
+                <a:spcPct val="90000"/>
+              </a:lnSpc>
+              <a:spcBef>
+                <a:spcPct val="0"/>
+              </a:spcBef>
+              <a:buNone/>
+              <a:defRPr sz="4400" kern="1200">
+                <a:solidFill>
+                  <a:schemeClr val="tx1"/>
+                </a:solidFill>
+                <a:latin typeface="+mj-lt"/>
+                <a:ea typeface="+mj-ea"/>
+                <a:cs typeface="+mj-cs"/>
+              </a:defRPr>
+            </a:lvl1pPr>
+          </a:lstStyle>
+          <a:p>
+            <a:r>
+              <a:rPr lang="ko-KR" altLang="en-US" dirty="0"/>
+              <a:t>규칙</a:t>
+            </a:r>
+          </a:p>
+        </p:txBody>
+      </p:sp>
+    </p:spTree>
+    <p:extLst>
+      <p:ext uri="{BB962C8B-B14F-4D97-AF65-F5344CB8AC3E}">
+        <p14:creationId xmlns:p14="http://schemas.microsoft.com/office/powerpoint/2010/main" val="10502872"/>
       </p:ext>
     </p:extLst>
   </p:cSld>

--- a/기획/방랑엽사전/세력 시스템 기획서.pptx
+++ b/기획/방랑엽사전/세력 시스템 기획서.pptx
@@ -5,7 +5,7 @@
     <p:sldMasterId id="2147483715" r:id="rId1"/>
   </p:sldMasterIdLst>
   <p:notesMasterIdLst>
-    <p:notesMasterId r:id="rId12"/>
+    <p:notesMasterId r:id="rId13"/>
   </p:notesMasterIdLst>
   <p:sldIdLst>
     <p:sldId id="258" r:id="rId2"/>
@@ -17,7 +17,8 @@
     <p:sldId id="277" r:id="rId8"/>
     <p:sldId id="274" r:id="rId9"/>
     <p:sldId id="278" r:id="rId10"/>
-    <p:sldId id="279" r:id="rId11"/>
+    <p:sldId id="280" r:id="rId11"/>
+    <p:sldId id="279" r:id="rId12"/>
   </p:sldIdLst>
   <p:sldSz cx="12192000" cy="6858000"/>
   <p:notesSz cx="6858000" cy="9144000"/>
@@ -242,7 +243,7 @@
           <a:p>
             <a:fld id="{C8649E71-8129-4905-BAC0-51D65A0C1379}" type="datetimeFigureOut">
               <a:rPr lang="ko-KR" altLang="en-US" smtClean="0"/>
-              <a:t>2024-01-29</a:t>
+              <a:t>2024-01-30</a:t>
             </a:fld>
             <a:endParaRPr lang="ko-KR" altLang="en-US"/>
           </a:p>
@@ -740,7 +741,7 @@
           <a:p>
             <a:fld id="{523D6941-6B33-4834-BC65-A333846D27E6}" type="datetimeFigureOut">
               <a:rPr lang="ko-KR" altLang="en-US" smtClean="0"/>
-              <a:t>2024-01-29</a:t>
+              <a:t>2024-01-30</a:t>
             </a:fld>
             <a:endParaRPr lang="ko-KR" altLang="en-US"/>
           </a:p>
@@ -938,7 +939,7 @@
           <a:p>
             <a:fld id="{523D6941-6B33-4834-BC65-A333846D27E6}" type="datetimeFigureOut">
               <a:rPr lang="ko-KR" altLang="en-US" smtClean="0"/>
-              <a:t>2024-01-29</a:t>
+              <a:t>2024-01-30</a:t>
             </a:fld>
             <a:endParaRPr lang="ko-KR" altLang="en-US"/>
           </a:p>
@@ -1146,7 +1147,7 @@
           <a:p>
             <a:fld id="{523D6941-6B33-4834-BC65-A333846D27E6}" type="datetimeFigureOut">
               <a:rPr lang="ko-KR" altLang="en-US" smtClean="0"/>
-              <a:t>2024-01-29</a:t>
+              <a:t>2024-01-30</a:t>
             </a:fld>
             <a:endParaRPr lang="ko-KR" altLang="en-US"/>
           </a:p>
@@ -1359,7 +1360,7 @@
           <a:p>
             <a:fld id="{523D6941-6B33-4834-BC65-A333846D27E6}" type="datetimeFigureOut">
               <a:rPr lang="ko-KR" altLang="en-US" smtClean="0"/>
-              <a:t>2024-01-29</a:t>
+              <a:t>2024-01-30</a:t>
             </a:fld>
             <a:endParaRPr lang="ko-KR" altLang="en-US"/>
           </a:p>
@@ -1644,7 +1645,7 @@
           <a:p>
             <a:fld id="{523D6941-6B33-4834-BC65-A333846D27E6}" type="datetimeFigureOut">
               <a:rPr lang="ko-KR" altLang="en-US" smtClean="0"/>
-              <a:t>2024-01-29</a:t>
+              <a:t>2024-01-30</a:t>
             </a:fld>
             <a:endParaRPr lang="ko-KR" altLang="en-US"/>
           </a:p>
@@ -1909,7 +1910,7 @@
           <a:p>
             <a:fld id="{523D6941-6B33-4834-BC65-A333846D27E6}" type="datetimeFigureOut">
               <a:rPr lang="ko-KR" altLang="en-US" smtClean="0"/>
-              <a:t>2024-01-29</a:t>
+              <a:t>2024-01-30</a:t>
             </a:fld>
             <a:endParaRPr lang="ko-KR" altLang="en-US"/>
           </a:p>
@@ -2321,7 +2322,7 @@
           <a:p>
             <a:fld id="{523D6941-6B33-4834-BC65-A333846D27E6}" type="datetimeFigureOut">
               <a:rPr lang="ko-KR" altLang="en-US" smtClean="0"/>
-              <a:t>2024-01-29</a:t>
+              <a:t>2024-01-30</a:t>
             </a:fld>
             <a:endParaRPr lang="ko-KR" altLang="en-US"/>
           </a:p>
@@ -2462,7 +2463,7 @@
           <a:p>
             <a:fld id="{523D6941-6B33-4834-BC65-A333846D27E6}" type="datetimeFigureOut">
               <a:rPr lang="ko-KR" altLang="en-US" smtClean="0"/>
-              <a:t>2024-01-29</a:t>
+              <a:t>2024-01-30</a:t>
             </a:fld>
             <a:endParaRPr lang="ko-KR" altLang="en-US"/>
           </a:p>
@@ -2575,7 +2576,7 @@
           <a:p>
             <a:fld id="{523D6941-6B33-4834-BC65-A333846D27E6}" type="datetimeFigureOut">
               <a:rPr lang="ko-KR" altLang="en-US" smtClean="0"/>
-              <a:t>2024-01-29</a:t>
+              <a:t>2024-01-30</a:t>
             </a:fld>
             <a:endParaRPr lang="ko-KR" altLang="en-US"/>
           </a:p>
@@ -2886,7 +2887,7 @@
           <a:p>
             <a:fld id="{523D6941-6B33-4834-BC65-A333846D27E6}" type="datetimeFigureOut">
               <a:rPr lang="ko-KR" altLang="en-US" smtClean="0"/>
-              <a:t>2024-01-29</a:t>
+              <a:t>2024-01-30</a:t>
             </a:fld>
             <a:endParaRPr lang="ko-KR" altLang="en-US"/>
           </a:p>
@@ -3174,7 +3175,7 @@
           <a:p>
             <a:fld id="{523D6941-6B33-4834-BC65-A333846D27E6}" type="datetimeFigureOut">
               <a:rPr lang="ko-KR" altLang="en-US" smtClean="0"/>
-              <a:t>2024-01-29</a:t>
+              <a:t>2024-01-30</a:t>
             </a:fld>
             <a:endParaRPr lang="ko-KR" altLang="en-US"/>
           </a:p>
@@ -3415,7 +3416,7 @@
           <a:p>
             <a:fld id="{523D6941-6B33-4834-BC65-A333846D27E6}" type="datetimeFigureOut">
               <a:rPr lang="ko-KR" altLang="en-US" smtClean="0"/>
-              <a:t>2024-01-29</a:t>
+              <a:t>2024-01-30</a:t>
             </a:fld>
             <a:endParaRPr lang="ko-KR" altLang="en-US"/>
           </a:p>
@@ -3943,6 +3944,906 @@
           <p:nvPr>
             <p:extLst>
               <p:ext uri="{D42A27DB-BD31-4B8C-83A1-F6EECF244321}">
+                <p14:modId xmlns:p14="http://schemas.microsoft.com/office/powerpoint/2010/main" val="1215710895"/>
+              </p:ext>
+            </p:extLst>
+          </p:nvPr>
+        </p:nvGraphicFramePr>
+        <p:xfrm>
+          <a:off x="2339023" y="2468880"/>
+          <a:ext cx="7510780" cy="1920240"/>
+        </p:xfrm>
+        <a:graphic>
+          <a:graphicData uri="http://schemas.openxmlformats.org/drawingml/2006/table">
+            <a:tbl>
+              <a:tblPr firstRow="1" bandRow="1">
+                <a:tableStyleId>{5C22544A-7EE6-4342-B048-85BDC9FD1C3A}</a:tableStyleId>
+              </a:tblPr>
+              <a:tblGrid>
+                <a:gridCol w="7510780">
+                  <a:extLst>
+                    <a:ext uri="{9D8B030D-6E8A-4147-A177-3AD203B41FA5}">
+                      <a16:colId xmlns:a16="http://schemas.microsoft.com/office/drawing/2014/main" val="20000"/>
+                    </a:ext>
+                  </a:extLst>
+                </a:gridCol>
+              </a:tblGrid>
+              <a:tr h="0">
+                <a:tc>
+                  <a:txBody>
+                    <a:bodyPr/>
+                    <a:lstStyle/>
+                    <a:p>
+                      <a:pPr marL="0" lvl="1" indent="0" algn="l" defTabSz="914400" rtl="0" eaLnBrk="1" fontAlgn="auto" latinLnBrk="1" hangingPunct="1">
+                        <a:lnSpc>
+                          <a:spcPct val="100000"/>
+                        </a:lnSpc>
+                        <a:spcBef>
+                          <a:spcPct val="0"/>
+                        </a:spcBef>
+                        <a:spcAft>
+                          <a:spcPct val="0"/>
+                        </a:spcAft>
+                        <a:buFontTx/>
+                        <a:buNone/>
+                      </a:pPr>
+                      <a:r>
+                        <a:rPr lang="ko-KR" altLang="en-US" sz="1200" b="0" kern="1200" dirty="0">
+                          <a:solidFill>
+                            <a:schemeClr val="tx1"/>
+                          </a:solidFill>
+                          <a:latin typeface="맑은 고딕" charset="0"/>
+                          <a:ea typeface="맑은 고딕" charset="0"/>
+                          <a:cs typeface="Times New Roman" charset="0"/>
+                        </a:rPr>
+                        <a:t>잔존세력 이란</a:t>
+                      </a:r>
+                      <a:r>
+                        <a:rPr lang="en-US" altLang="ko-KR" sz="1200" b="0" kern="1200" dirty="0">
+                          <a:solidFill>
+                            <a:schemeClr val="tx1"/>
+                          </a:solidFill>
+                          <a:latin typeface="맑은 고딕" charset="0"/>
+                          <a:ea typeface="맑은 고딕" charset="0"/>
+                          <a:cs typeface="Times New Roman" charset="0"/>
+                        </a:rPr>
+                        <a:t>?</a:t>
+                      </a:r>
+                    </a:p>
+                  </a:txBody>
+                  <a:tcPr anchor="ctr">
+                    <a:lnL w="0" cap="flat" cmpd="sng" algn="ctr">
+                      <a:noFill/>
+                      <a:prstDash/>
+                      <a:round/>
+                      <a:headEnd type="none" w="med" len="med"/>
+                      <a:tailEnd type="none" w="med" len="med"/>
+                    </a:lnL>
+                    <a:lnR w="0" cap="flat" cmpd="sng" algn="ctr">
+                      <a:noFill/>
+                      <a:prstDash/>
+                      <a:round/>
+                      <a:headEnd type="none" w="med" len="med"/>
+                      <a:tailEnd type="none" w="med" len="med"/>
+                    </a:lnR>
+                    <a:lnT w="12700" cap="flat" cmpd="sng" algn="ctr">
+                      <a:noFill/>
+                      <a:prstDash val="solid"/>
+                      <a:round/>
+                      <a:headEnd type="none" w="med" len="med"/>
+                      <a:tailEnd type="none" w="med" len="med"/>
+                    </a:lnT>
+                    <a:lnB w="12700" cap="flat" cmpd="sng" algn="ctr">
+                      <a:solidFill>
+                        <a:schemeClr val="tx1"/>
+                      </a:solidFill>
+                      <a:prstDash val="solid"/>
+                      <a:round/>
+                      <a:headEnd type="none" w="med" len="med"/>
+                      <a:tailEnd type="none" w="med" len="med"/>
+                    </a:lnB>
+                    <a:lnTlToBr w="0" cap="flat" cmpd="sng" algn="ctr">
+                      <a:noFill/>
+                      <a:prstDash/>
+                      <a:round/>
+                      <a:headEnd type="none" w="med" len="med"/>
+                      <a:tailEnd type="none" w="med" len="med"/>
+                    </a:lnTlToBr>
+                    <a:lnBlToTr w="0" cap="flat" cmpd="sng" algn="ctr">
+                      <a:noFill/>
+                      <a:prstDash/>
+                      <a:round/>
+                      <a:headEnd type="none" w="med" len="med"/>
+                      <a:tailEnd type="none" w="med" len="med"/>
+                    </a:lnBlToTr>
+                    <a:solidFill>
+                      <a:schemeClr val="bg1">
+                        <a:lumMod val="95000"/>
+                      </a:schemeClr>
+                    </a:solidFill>
+                  </a:tcPr>
+                </a:tc>
+                <a:extLst>
+                  <a:ext uri="{0D108BD9-81ED-4DB2-BD59-A6C34878D82A}">
+                    <a16:rowId xmlns:a16="http://schemas.microsoft.com/office/drawing/2014/main" val="3546709023"/>
+                  </a:ext>
+                </a:extLst>
+              </a:tr>
+              <a:tr h="0">
+                <a:tc>
+                  <a:txBody>
+                    <a:bodyPr/>
+                    <a:lstStyle/>
+                    <a:p>
+                      <a:pPr marL="0" lvl="1" indent="0" algn="l" defTabSz="914400" rtl="0" eaLnBrk="1" fontAlgn="auto" latinLnBrk="1" hangingPunct="1">
+                        <a:lnSpc>
+                          <a:spcPct val="100000"/>
+                        </a:lnSpc>
+                        <a:spcBef>
+                          <a:spcPct val="0"/>
+                        </a:spcBef>
+                        <a:spcAft>
+                          <a:spcPct val="0"/>
+                        </a:spcAft>
+                        <a:buFontTx/>
+                        <a:buNone/>
+                      </a:pPr>
+                      <a:r>
+                        <a:rPr lang="ko-KR" altLang="en-US" sz="1200" b="0" kern="1200" dirty="0">
+                          <a:solidFill>
+                            <a:schemeClr val="tx1"/>
+                          </a:solidFill>
+                          <a:latin typeface="맑은 고딕" charset="0"/>
+                          <a:ea typeface="맑은 고딕" charset="0"/>
+                          <a:cs typeface="Times New Roman" charset="0"/>
+                        </a:rPr>
+                        <a:t>하오문과 관련되어 있는 은둔 중인 고수들이다</a:t>
+                      </a:r>
+                      <a:r>
+                        <a:rPr lang="en-US" altLang="ko-KR" sz="1200" b="0" kern="1200" dirty="0">
+                          <a:solidFill>
+                            <a:schemeClr val="tx1"/>
+                          </a:solidFill>
+                          <a:latin typeface="맑은 고딕" charset="0"/>
+                          <a:ea typeface="맑은 고딕" charset="0"/>
+                          <a:cs typeface="Times New Roman" charset="0"/>
+                        </a:rPr>
+                        <a:t>.</a:t>
+                      </a:r>
+                    </a:p>
+                  </a:txBody>
+                  <a:tcPr anchor="ctr">
+                    <a:lnL w="0" cap="flat" cmpd="sng" algn="ctr">
+                      <a:noFill/>
+                      <a:prstDash/>
+                      <a:round/>
+                      <a:headEnd type="none" w="med" len="med"/>
+                      <a:tailEnd type="none" w="med" len="med"/>
+                    </a:lnL>
+                    <a:lnR w="0" cap="flat" cmpd="sng" algn="ctr">
+                      <a:noFill/>
+                      <a:prstDash/>
+                      <a:round/>
+                      <a:headEnd type="none" w="med" len="med"/>
+                      <a:tailEnd type="none" w="med" len="med"/>
+                    </a:lnR>
+                    <a:lnT w="12700" cap="flat" cmpd="sng" algn="ctr">
+                      <a:solidFill>
+                        <a:schemeClr val="tx1"/>
+                      </a:solidFill>
+                      <a:prstDash val="solid"/>
+                      <a:round/>
+                      <a:headEnd type="none" w="med" len="med"/>
+                      <a:tailEnd type="none" w="med" len="med"/>
+                    </a:lnT>
+                    <a:lnB w="12700" cap="flat" cmpd="sng" algn="ctr">
+                      <a:noFill/>
+                      <a:prstDash val="solid"/>
+                      <a:round/>
+                      <a:headEnd type="none" w="med" len="med"/>
+                      <a:tailEnd type="none" w="med" len="med"/>
+                    </a:lnB>
+                    <a:lnTlToBr w="0" cap="flat" cmpd="sng" algn="ctr">
+                      <a:noFill/>
+                      <a:prstDash/>
+                      <a:round/>
+                      <a:headEnd type="none" w="med" len="med"/>
+                      <a:tailEnd type="none" w="med" len="med"/>
+                    </a:lnTlToBr>
+                    <a:lnBlToTr w="0" cap="flat" cmpd="sng" algn="ctr">
+                      <a:noFill/>
+                      <a:prstDash/>
+                      <a:round/>
+                      <a:headEnd type="none" w="med" len="med"/>
+                      <a:tailEnd type="none" w="med" len="med"/>
+                    </a:lnBlToTr>
+                    <a:noFill/>
+                  </a:tcPr>
+                </a:tc>
+                <a:extLst>
+                  <a:ext uri="{0D108BD9-81ED-4DB2-BD59-A6C34878D82A}">
+                    <a16:rowId xmlns:a16="http://schemas.microsoft.com/office/drawing/2014/main" val="2793153911"/>
+                  </a:ext>
+                </a:extLst>
+              </a:tr>
+              <a:tr h="0">
+                <a:tc>
+                  <a:txBody>
+                    <a:bodyPr/>
+                    <a:lstStyle/>
+                    <a:p>
+                      <a:pPr marL="0" marR="0" lvl="1" indent="0" algn="l" defTabSz="914400" rtl="0" eaLnBrk="1" fontAlgn="auto" latinLnBrk="1" hangingPunct="1">
+                        <a:lnSpc>
+                          <a:spcPct val="100000"/>
+                        </a:lnSpc>
+                        <a:spcBef>
+                          <a:spcPct val="0"/>
+                        </a:spcBef>
+                        <a:spcAft>
+                          <a:spcPct val="0"/>
+                        </a:spcAft>
+                        <a:buClrTx/>
+                        <a:buSzTx/>
+                        <a:buFontTx/>
+                        <a:buNone/>
+                        <a:tabLst/>
+                        <a:defRPr/>
+                      </a:pPr>
+                      <a:endParaRPr lang="en-US" altLang="ko-KR" sz="1200" b="0" kern="1200" dirty="0">
+                        <a:solidFill>
+                          <a:schemeClr val="tx1"/>
+                        </a:solidFill>
+                        <a:latin typeface="맑은 고딕" charset="0"/>
+                        <a:ea typeface="맑은 고딕" charset="0"/>
+                        <a:cs typeface="Times New Roman" charset="0"/>
+                      </a:endParaRPr>
+                    </a:p>
+                  </a:txBody>
+                  <a:tcPr anchor="ctr">
+                    <a:lnL w="0" cap="flat" cmpd="sng" algn="ctr">
+                      <a:noFill/>
+                      <a:prstDash/>
+                      <a:round/>
+                      <a:headEnd type="none" w="med" len="med"/>
+                      <a:tailEnd type="none" w="med" len="med"/>
+                    </a:lnL>
+                    <a:lnR w="0" cap="flat" cmpd="sng" algn="ctr">
+                      <a:noFill/>
+                      <a:prstDash/>
+                      <a:round/>
+                      <a:headEnd type="none" w="med" len="med"/>
+                      <a:tailEnd type="none" w="med" len="med"/>
+                    </a:lnR>
+                    <a:lnT w="12700" cap="flat" cmpd="sng" algn="ctr">
+                      <a:noFill/>
+                      <a:prstDash val="solid"/>
+                      <a:round/>
+                      <a:headEnd type="none" w="med" len="med"/>
+                      <a:tailEnd type="none" w="med" len="med"/>
+                    </a:lnT>
+                    <a:lnB w="12700" cap="flat" cmpd="sng" algn="ctr">
+                      <a:noFill/>
+                      <a:prstDash val="solid"/>
+                      <a:round/>
+                      <a:headEnd type="none" w="med" len="med"/>
+                      <a:tailEnd type="none" w="med" len="med"/>
+                    </a:lnB>
+                    <a:lnTlToBr w="0" cap="flat" cmpd="sng" algn="ctr">
+                      <a:noFill/>
+                      <a:prstDash/>
+                      <a:round/>
+                      <a:headEnd type="none" w="med" len="med"/>
+                      <a:tailEnd type="none" w="med" len="med"/>
+                    </a:lnTlToBr>
+                    <a:lnBlToTr w="0" cap="flat" cmpd="sng" algn="ctr">
+                      <a:noFill/>
+                      <a:prstDash/>
+                      <a:round/>
+                      <a:headEnd type="none" w="med" len="med"/>
+                      <a:tailEnd type="none" w="med" len="med"/>
+                    </a:lnBlToTr>
+                    <a:noFill/>
+                  </a:tcPr>
+                </a:tc>
+                <a:extLst>
+                  <a:ext uri="{0D108BD9-81ED-4DB2-BD59-A6C34878D82A}">
+                    <a16:rowId xmlns:a16="http://schemas.microsoft.com/office/drawing/2014/main" val="58614893"/>
+                  </a:ext>
+                </a:extLst>
+              </a:tr>
+              <a:tr h="0">
+                <a:tc>
+                  <a:txBody>
+                    <a:bodyPr/>
+                    <a:lstStyle/>
+                    <a:p>
+                      <a:pPr marL="0" marR="0" lvl="1" indent="0" algn="l" defTabSz="914400" rtl="0" eaLnBrk="1" fontAlgn="auto" latinLnBrk="1" hangingPunct="1">
+                        <a:lnSpc>
+                          <a:spcPct val="100000"/>
+                        </a:lnSpc>
+                        <a:spcBef>
+                          <a:spcPct val="0"/>
+                        </a:spcBef>
+                        <a:spcAft>
+                          <a:spcPct val="0"/>
+                        </a:spcAft>
+                        <a:buClrTx/>
+                        <a:buSzTx/>
+                        <a:buFontTx/>
+                        <a:buNone/>
+                        <a:tabLst/>
+                        <a:defRPr/>
+                      </a:pPr>
+                      <a:r>
+                        <a:rPr lang="ko-KR" altLang="en-US" sz="1200" b="0" kern="1200" dirty="0">
+                          <a:solidFill>
+                            <a:schemeClr val="tx1"/>
+                          </a:solidFill>
+                          <a:latin typeface="맑은 고딕" charset="0"/>
+                          <a:ea typeface="맑은 고딕" charset="0"/>
+                          <a:cs typeface="Times New Roman" charset="0"/>
+                        </a:rPr>
+                        <a:t>일정 이상의 하오문의 </a:t>
+                      </a:r>
+                      <a:r>
+                        <a:rPr lang="ko-KR" altLang="en-US" sz="1200" b="0" kern="1200" dirty="0" err="1">
+                          <a:solidFill>
+                            <a:schemeClr val="tx1"/>
+                          </a:solidFill>
+                          <a:latin typeface="맑은 고딕" charset="0"/>
+                          <a:ea typeface="맑은 고딕" charset="0"/>
+                          <a:cs typeface="Times New Roman" charset="0"/>
+                        </a:rPr>
+                        <a:t>문파</a:t>
+                      </a:r>
+                      <a:r>
+                        <a:rPr lang="ko-KR" altLang="en-US" sz="1200" b="0" kern="1200" dirty="0">
+                          <a:solidFill>
+                            <a:schemeClr val="tx1"/>
+                          </a:solidFill>
+                          <a:latin typeface="맑은 고딕" charset="0"/>
+                          <a:ea typeface="맑은 고딕" charset="0"/>
+                          <a:cs typeface="Times New Roman" charset="0"/>
+                        </a:rPr>
+                        <a:t> 우호도 달성한 상태에서 공헌도를 소비하여 은둔 고수들의 정보를 얻을 수 있다</a:t>
+                      </a:r>
+                      <a:r>
+                        <a:rPr lang="en-US" altLang="ko-KR" sz="1200" b="0" kern="1200" dirty="0">
+                          <a:solidFill>
+                            <a:schemeClr val="tx1"/>
+                          </a:solidFill>
+                          <a:latin typeface="맑은 고딕" charset="0"/>
+                          <a:ea typeface="맑은 고딕" charset="0"/>
+                          <a:cs typeface="Times New Roman" charset="0"/>
+                        </a:rPr>
+                        <a:t>.</a:t>
+                      </a:r>
+                    </a:p>
+                  </a:txBody>
+                  <a:tcPr anchor="ctr">
+                    <a:lnL w="0" cap="flat" cmpd="sng" algn="ctr">
+                      <a:noFill/>
+                      <a:prstDash/>
+                      <a:round/>
+                      <a:headEnd type="none" w="med" len="med"/>
+                      <a:tailEnd type="none" w="med" len="med"/>
+                    </a:lnL>
+                    <a:lnR w="0" cap="flat" cmpd="sng" algn="ctr">
+                      <a:noFill/>
+                      <a:prstDash/>
+                      <a:round/>
+                      <a:headEnd type="none" w="med" len="med"/>
+                      <a:tailEnd type="none" w="med" len="med"/>
+                    </a:lnR>
+                    <a:lnT w="12700" cap="flat" cmpd="sng" algn="ctr">
+                      <a:noFill/>
+                      <a:prstDash val="solid"/>
+                      <a:round/>
+                      <a:headEnd type="none" w="med" len="med"/>
+                      <a:tailEnd type="none" w="med" len="med"/>
+                    </a:lnT>
+                    <a:lnB w="12700" cap="flat" cmpd="sng" algn="ctr">
+                      <a:solidFill>
+                        <a:schemeClr val="tx1"/>
+                      </a:solidFill>
+                      <a:prstDash val="solid"/>
+                      <a:round/>
+                      <a:headEnd type="none" w="med" len="med"/>
+                      <a:tailEnd type="none" w="med" len="med"/>
+                    </a:lnB>
+                    <a:lnTlToBr w="0" cap="flat" cmpd="sng" algn="ctr">
+                      <a:noFill/>
+                      <a:prstDash/>
+                      <a:round/>
+                      <a:headEnd type="none" w="med" len="med"/>
+                      <a:tailEnd type="none" w="med" len="med"/>
+                    </a:lnTlToBr>
+                    <a:lnBlToTr w="0" cap="flat" cmpd="sng" algn="ctr">
+                      <a:noFill/>
+                      <a:prstDash/>
+                      <a:round/>
+                      <a:headEnd type="none" w="med" len="med"/>
+                      <a:tailEnd type="none" w="med" len="med"/>
+                    </a:lnBlToTr>
+                    <a:noFill/>
+                  </a:tcPr>
+                </a:tc>
+                <a:extLst>
+                  <a:ext uri="{0D108BD9-81ED-4DB2-BD59-A6C34878D82A}">
+                    <a16:rowId xmlns:a16="http://schemas.microsoft.com/office/drawing/2014/main" val="2831184516"/>
+                  </a:ext>
+                </a:extLst>
+              </a:tr>
+              <a:tr h="0">
+                <a:tc>
+                  <a:txBody>
+                    <a:bodyPr/>
+                    <a:lstStyle/>
+                    <a:p>
+                      <a:pPr marL="0" marR="0" lvl="1" indent="0" algn="l" defTabSz="914400" rtl="0" eaLnBrk="1" fontAlgn="auto" latinLnBrk="1" hangingPunct="1">
+                        <a:lnSpc>
+                          <a:spcPct val="100000"/>
+                        </a:lnSpc>
+                        <a:spcBef>
+                          <a:spcPct val="0"/>
+                        </a:spcBef>
+                        <a:spcAft>
+                          <a:spcPct val="0"/>
+                        </a:spcAft>
+                        <a:buClrTx/>
+                        <a:buSzTx/>
+                        <a:buFontTx/>
+                        <a:buNone/>
+                        <a:tabLst/>
+                        <a:defRPr/>
+                      </a:pPr>
+                      <a:r>
+                        <a:rPr lang="ko-KR" altLang="en-US" sz="1200" b="0" kern="1200" dirty="0">
+                          <a:solidFill>
+                            <a:schemeClr val="tx1"/>
+                          </a:solidFill>
+                          <a:latin typeface="맑은 고딕" charset="0"/>
+                          <a:ea typeface="맑은 고딕" charset="0"/>
+                          <a:cs typeface="Times New Roman" charset="0"/>
+                        </a:rPr>
+                        <a:t>얻을 수 있는 정보는 은둔 중인 지역과 이름</a:t>
+                      </a:r>
+                      <a:r>
+                        <a:rPr lang="en-US" altLang="ko-KR" sz="1200" b="0" kern="1200" dirty="0">
+                          <a:solidFill>
+                            <a:schemeClr val="tx1"/>
+                          </a:solidFill>
+                          <a:latin typeface="맑은 고딕" charset="0"/>
+                          <a:ea typeface="맑은 고딕" charset="0"/>
+                          <a:cs typeface="Times New Roman" charset="0"/>
+                        </a:rPr>
+                        <a:t>, </a:t>
+                      </a:r>
+                      <a:r>
+                        <a:rPr lang="ko-KR" altLang="en-US" sz="1200" b="0" kern="1200" dirty="0">
+                          <a:solidFill>
+                            <a:schemeClr val="tx1"/>
+                          </a:solidFill>
+                          <a:latin typeface="맑은 고딕" charset="0"/>
+                          <a:ea typeface="맑은 고딕" charset="0"/>
+                          <a:cs typeface="Times New Roman" charset="0"/>
+                        </a:rPr>
+                        <a:t>사용 무공 등이 있다</a:t>
+                      </a:r>
+                      <a:r>
+                        <a:rPr lang="en-US" altLang="ko-KR" sz="1200" b="0" kern="1200" dirty="0">
+                          <a:solidFill>
+                            <a:schemeClr val="tx1"/>
+                          </a:solidFill>
+                          <a:latin typeface="맑은 고딕" charset="0"/>
+                          <a:ea typeface="맑은 고딕" charset="0"/>
+                          <a:cs typeface="Times New Roman" charset="0"/>
+                        </a:rPr>
+                        <a:t>.</a:t>
+                      </a:r>
+                    </a:p>
+                  </a:txBody>
+                  <a:tcPr anchor="ctr">
+                    <a:lnL w="0" cap="flat" cmpd="sng" algn="ctr">
+                      <a:noFill/>
+                      <a:prstDash/>
+                      <a:round/>
+                      <a:headEnd type="none" w="med" len="med"/>
+                      <a:tailEnd type="none" w="med" len="med"/>
+                    </a:lnL>
+                    <a:lnR w="0" cap="flat" cmpd="sng" algn="ctr">
+                      <a:noFill/>
+                      <a:prstDash/>
+                      <a:round/>
+                      <a:headEnd type="none" w="med" len="med"/>
+                      <a:tailEnd type="none" w="med" len="med"/>
+                    </a:lnR>
+                    <a:lnT w="12700" cap="flat" cmpd="sng" algn="ctr">
+                      <a:solidFill>
+                        <a:schemeClr val="tx1"/>
+                      </a:solidFill>
+                      <a:prstDash val="solid"/>
+                      <a:round/>
+                      <a:headEnd type="none" w="med" len="med"/>
+                      <a:tailEnd type="none" w="med" len="med"/>
+                    </a:lnT>
+                    <a:lnB w="12700" cap="flat" cmpd="sng" algn="ctr">
+                      <a:solidFill>
+                        <a:schemeClr val="tx1"/>
+                      </a:solidFill>
+                      <a:prstDash val="solid"/>
+                      <a:round/>
+                      <a:headEnd type="none" w="med" len="med"/>
+                      <a:tailEnd type="none" w="med" len="med"/>
+                    </a:lnB>
+                    <a:lnTlToBr w="0" cap="flat" cmpd="sng" algn="ctr">
+                      <a:noFill/>
+                      <a:prstDash/>
+                      <a:round/>
+                      <a:headEnd type="none" w="med" len="med"/>
+                      <a:tailEnd type="none" w="med" len="med"/>
+                    </a:lnTlToBr>
+                    <a:lnBlToTr w="0" cap="flat" cmpd="sng" algn="ctr">
+                      <a:noFill/>
+                      <a:prstDash/>
+                      <a:round/>
+                      <a:headEnd type="none" w="med" len="med"/>
+                      <a:tailEnd type="none" w="med" len="med"/>
+                    </a:lnBlToTr>
+                    <a:noFill/>
+                  </a:tcPr>
+                </a:tc>
+                <a:extLst>
+                  <a:ext uri="{0D108BD9-81ED-4DB2-BD59-A6C34878D82A}">
+                    <a16:rowId xmlns:a16="http://schemas.microsoft.com/office/drawing/2014/main" val="926153326"/>
+                  </a:ext>
+                </a:extLst>
+              </a:tr>
+              <a:tr h="0">
+                <a:tc>
+                  <a:txBody>
+                    <a:bodyPr/>
+                    <a:lstStyle/>
+                    <a:p>
+                      <a:pPr marL="0" marR="0" lvl="1" indent="0" algn="l" defTabSz="914400" rtl="0" eaLnBrk="1" fontAlgn="auto" latinLnBrk="1" hangingPunct="1">
+                        <a:lnSpc>
+                          <a:spcPct val="100000"/>
+                        </a:lnSpc>
+                        <a:spcBef>
+                          <a:spcPct val="0"/>
+                        </a:spcBef>
+                        <a:spcAft>
+                          <a:spcPct val="0"/>
+                        </a:spcAft>
+                        <a:buClrTx/>
+                        <a:buSzTx/>
+                        <a:buFontTx/>
+                        <a:buNone/>
+                        <a:tabLst/>
+                        <a:defRPr/>
+                      </a:pPr>
+                      <a:r>
+                        <a:rPr lang="ko-KR" altLang="en-US" sz="1200" b="0" kern="1200" dirty="0">
+                          <a:solidFill>
+                            <a:schemeClr val="tx1"/>
+                          </a:solidFill>
+                          <a:latin typeface="맑은 고딕" charset="0"/>
+                          <a:ea typeface="맑은 고딕" charset="0"/>
+                          <a:cs typeface="Times New Roman" charset="0"/>
+                        </a:rPr>
+                        <a:t>은둔 고수와 접촉할 경우 </a:t>
+                      </a:r>
+                      <a:r>
+                        <a:rPr lang="ko-KR" altLang="en-US" sz="1200" b="0" kern="1200" dirty="0" err="1">
+                          <a:solidFill>
+                            <a:schemeClr val="tx1"/>
+                          </a:solidFill>
+                          <a:latin typeface="맑은 고딕" charset="0"/>
+                          <a:ea typeface="맑은 고딕" charset="0"/>
+                          <a:cs typeface="Times New Roman" charset="0"/>
+                        </a:rPr>
+                        <a:t>히든</a:t>
+                      </a:r>
+                      <a:r>
+                        <a:rPr lang="ko-KR" altLang="en-US" sz="1200" b="0" kern="1200" dirty="0">
+                          <a:solidFill>
+                            <a:schemeClr val="tx1"/>
+                          </a:solidFill>
+                          <a:latin typeface="맑은 고딕" charset="0"/>
+                          <a:ea typeface="맑은 고딕" charset="0"/>
+                          <a:cs typeface="Times New Roman" charset="0"/>
+                        </a:rPr>
+                        <a:t> 퀘스트를 수행할 수 있다</a:t>
+                      </a:r>
+                      <a:r>
+                        <a:rPr lang="en-US" altLang="ko-KR" sz="1200" b="0" kern="1200" dirty="0">
+                          <a:solidFill>
+                            <a:schemeClr val="tx1"/>
+                          </a:solidFill>
+                          <a:latin typeface="맑은 고딕" charset="0"/>
+                          <a:ea typeface="맑은 고딕" charset="0"/>
+                          <a:cs typeface="Times New Roman" charset="0"/>
+                        </a:rPr>
+                        <a:t>.</a:t>
+                      </a:r>
+                    </a:p>
+                  </a:txBody>
+                  <a:tcPr anchor="ctr">
+                    <a:lnL w="0" cap="flat" cmpd="sng" algn="ctr">
+                      <a:noFill/>
+                      <a:prstDash/>
+                      <a:round/>
+                      <a:headEnd type="none" w="med" len="med"/>
+                      <a:tailEnd type="none" w="med" len="med"/>
+                    </a:lnL>
+                    <a:lnR w="0" cap="flat" cmpd="sng" algn="ctr">
+                      <a:noFill/>
+                      <a:prstDash/>
+                      <a:round/>
+                      <a:headEnd type="none" w="med" len="med"/>
+                      <a:tailEnd type="none" w="med" len="med"/>
+                    </a:lnR>
+                    <a:lnT w="12700" cap="flat" cmpd="sng" algn="ctr">
+                      <a:solidFill>
+                        <a:schemeClr val="tx1"/>
+                      </a:solidFill>
+                      <a:prstDash val="solid"/>
+                      <a:round/>
+                      <a:headEnd type="none" w="med" len="med"/>
+                      <a:tailEnd type="none" w="med" len="med"/>
+                    </a:lnT>
+                    <a:lnB w="12700" cap="flat" cmpd="sng" algn="ctr">
+                      <a:solidFill>
+                        <a:schemeClr val="tx1"/>
+                      </a:solidFill>
+                      <a:prstDash val="solid"/>
+                      <a:round/>
+                      <a:headEnd type="none" w="med" len="med"/>
+                      <a:tailEnd type="none" w="med" len="med"/>
+                    </a:lnB>
+                    <a:lnTlToBr w="0" cap="flat" cmpd="sng" algn="ctr">
+                      <a:noFill/>
+                      <a:prstDash/>
+                      <a:round/>
+                      <a:headEnd type="none" w="med" len="med"/>
+                      <a:tailEnd type="none" w="med" len="med"/>
+                    </a:lnTlToBr>
+                    <a:lnBlToTr w="0" cap="flat" cmpd="sng" algn="ctr">
+                      <a:noFill/>
+                      <a:prstDash/>
+                      <a:round/>
+                      <a:headEnd type="none" w="med" len="med"/>
+                      <a:tailEnd type="none" w="med" len="med"/>
+                    </a:lnBlToTr>
+                    <a:noFill/>
+                  </a:tcPr>
+                </a:tc>
+                <a:extLst>
+                  <a:ext uri="{0D108BD9-81ED-4DB2-BD59-A6C34878D82A}">
+                    <a16:rowId xmlns:a16="http://schemas.microsoft.com/office/drawing/2014/main" val="412380857"/>
+                  </a:ext>
+                </a:extLst>
+              </a:tr>
+              <a:tr h="0">
+                <a:tc>
+                  <a:txBody>
+                    <a:bodyPr/>
+                    <a:lstStyle/>
+                    <a:p>
+                      <a:pPr marL="0" marR="0" lvl="1" indent="0" algn="l" defTabSz="914400" rtl="0" eaLnBrk="1" fontAlgn="auto" latinLnBrk="1" hangingPunct="1">
+                        <a:lnSpc>
+                          <a:spcPct val="100000"/>
+                        </a:lnSpc>
+                        <a:spcBef>
+                          <a:spcPct val="0"/>
+                        </a:spcBef>
+                        <a:spcAft>
+                          <a:spcPct val="0"/>
+                        </a:spcAft>
+                        <a:buClrTx/>
+                        <a:buSzTx/>
+                        <a:buFontTx/>
+                        <a:buNone/>
+                        <a:tabLst/>
+                        <a:defRPr/>
+                      </a:pPr>
+                      <a:r>
+                        <a:rPr lang="ko-KR" altLang="en-US" sz="1200" b="0" kern="1200" dirty="0">
+                          <a:solidFill>
+                            <a:schemeClr val="tx1"/>
+                          </a:solidFill>
+                          <a:latin typeface="맑은 고딕" charset="0"/>
+                          <a:ea typeface="맑은 고딕" charset="0"/>
+                          <a:cs typeface="Times New Roman" charset="0"/>
+                        </a:rPr>
+                        <a:t>해당 퀘스트를 완료할 경우 해당 고수의 무공</a:t>
+                      </a:r>
+                      <a:r>
+                        <a:rPr lang="en-US" altLang="ko-KR" sz="1200" b="0" kern="1200" dirty="0">
+                          <a:solidFill>
+                            <a:schemeClr val="tx1"/>
+                          </a:solidFill>
+                          <a:latin typeface="맑은 고딕" charset="0"/>
+                          <a:ea typeface="맑은 고딕" charset="0"/>
+                          <a:cs typeface="Times New Roman" charset="0"/>
+                        </a:rPr>
+                        <a:t>, </a:t>
+                      </a:r>
+                      <a:r>
+                        <a:rPr lang="ko-KR" altLang="en-US" sz="1200" b="0" kern="1200" dirty="0">
+                          <a:solidFill>
+                            <a:schemeClr val="tx1"/>
+                          </a:solidFill>
+                          <a:latin typeface="맑은 고딕" charset="0"/>
+                          <a:ea typeface="맑은 고딕" charset="0"/>
+                          <a:cs typeface="Times New Roman" charset="0"/>
+                        </a:rPr>
+                        <a:t>아이템을 얻을 수 있다</a:t>
+                      </a:r>
+                      <a:r>
+                        <a:rPr lang="en-US" altLang="ko-KR" sz="1200" b="0" kern="1200" dirty="0">
+                          <a:solidFill>
+                            <a:schemeClr val="tx1"/>
+                          </a:solidFill>
+                          <a:latin typeface="맑은 고딕" charset="0"/>
+                          <a:ea typeface="맑은 고딕" charset="0"/>
+                          <a:cs typeface="Times New Roman" charset="0"/>
+                        </a:rPr>
+                        <a:t>.</a:t>
+                      </a:r>
+                    </a:p>
+                  </a:txBody>
+                  <a:tcPr anchor="ctr">
+                    <a:lnL w="0" cap="flat" cmpd="sng" algn="ctr">
+                      <a:noFill/>
+                      <a:prstDash/>
+                      <a:round/>
+                      <a:headEnd type="none" w="med" len="med"/>
+                      <a:tailEnd type="none" w="med" len="med"/>
+                    </a:lnL>
+                    <a:lnR w="0" cap="flat" cmpd="sng" algn="ctr">
+                      <a:noFill/>
+                      <a:prstDash/>
+                      <a:round/>
+                      <a:headEnd type="none" w="med" len="med"/>
+                      <a:tailEnd type="none" w="med" len="med"/>
+                    </a:lnR>
+                    <a:lnT w="12700" cap="flat" cmpd="sng" algn="ctr">
+                      <a:solidFill>
+                        <a:schemeClr val="tx1"/>
+                      </a:solidFill>
+                      <a:prstDash val="solid"/>
+                      <a:round/>
+                      <a:headEnd type="none" w="med" len="med"/>
+                      <a:tailEnd type="none" w="med" len="med"/>
+                    </a:lnT>
+                    <a:lnB w="12700" cap="flat" cmpd="sng" algn="ctr">
+                      <a:noFill/>
+                      <a:prstDash val="solid"/>
+                      <a:round/>
+                      <a:headEnd type="none" w="med" len="med"/>
+                      <a:tailEnd type="none" w="med" len="med"/>
+                    </a:lnB>
+                    <a:lnTlToBr w="0" cap="flat" cmpd="sng" algn="ctr">
+                      <a:noFill/>
+                      <a:prstDash/>
+                      <a:round/>
+                      <a:headEnd type="none" w="med" len="med"/>
+                      <a:tailEnd type="none" w="med" len="med"/>
+                    </a:lnTlToBr>
+                    <a:lnBlToTr w="0" cap="flat" cmpd="sng" algn="ctr">
+                      <a:noFill/>
+                      <a:prstDash/>
+                      <a:round/>
+                      <a:headEnd type="none" w="med" len="med"/>
+                      <a:tailEnd type="none" w="med" len="med"/>
+                    </a:lnBlToTr>
+                    <a:noFill/>
+                  </a:tcPr>
+                </a:tc>
+                <a:extLst>
+                  <a:ext uri="{0D108BD9-81ED-4DB2-BD59-A6C34878D82A}">
+                    <a16:rowId xmlns:a16="http://schemas.microsoft.com/office/drawing/2014/main" val="412071022"/>
+                  </a:ext>
+                </a:extLst>
+              </a:tr>
+            </a:tbl>
+          </a:graphicData>
+        </a:graphic>
+      </p:graphicFrame>
+      <p:sp>
+        <p:nvSpPr>
+          <p:cNvPr id="7" name="제목 1">
+            <a:extLst>
+              <a:ext uri="{FF2B5EF4-FFF2-40B4-BE49-F238E27FC236}">
+                <a16:creationId xmlns:a16="http://schemas.microsoft.com/office/drawing/2014/main" id="{77FA9A8E-E94C-4F99-8997-7C96A1AAEAC7}"/>
+              </a:ext>
+            </a:extLst>
+          </p:cNvPr>
+          <p:cNvSpPr txBox="1">
+            <a:spLocks/>
+          </p:cNvSpPr>
+          <p:nvPr/>
+        </p:nvSpPr>
+        <p:spPr>
+          <a:xfrm>
+            <a:off x="695325" y="292100"/>
+            <a:ext cx="10801350" cy="861695"/>
+          </a:xfrm>
+          <a:prstGeom prst="rect">
+            <a:avLst/>
+          </a:prstGeom>
+        </p:spPr>
+        <p:txBody>
+          <a:bodyPr vert="horz" lIns="91440" tIns="45720" rIns="91440" bIns="45720" rtlCol="0" anchor="ctr">
+            <a:normAutofit/>
+          </a:bodyPr>
+          <a:lstStyle>
+            <a:lvl1pPr algn="l" defTabSz="914400" rtl="0" eaLnBrk="1" latinLnBrk="1" hangingPunct="1">
+              <a:lnSpc>
+                <a:spcPct val="90000"/>
+              </a:lnSpc>
+              <a:spcBef>
+                <a:spcPct val="0"/>
+              </a:spcBef>
+              <a:buNone/>
+              <a:defRPr sz="4400" kern="1200">
+                <a:solidFill>
+                  <a:schemeClr val="tx1"/>
+                </a:solidFill>
+                <a:latin typeface="+mj-lt"/>
+                <a:ea typeface="+mj-ea"/>
+                <a:cs typeface="+mj-cs"/>
+              </a:defRPr>
+            </a:lvl1pPr>
+          </a:lstStyle>
+          <a:p>
+            <a:r>
+              <a:rPr lang="ko-KR" altLang="en-US" dirty="0"/>
+              <a:t>잔존세력 규칙</a:t>
+            </a:r>
+          </a:p>
+        </p:txBody>
+      </p:sp>
+    </p:spTree>
+    <p:extLst>
+      <p:ext uri="{BB962C8B-B14F-4D97-AF65-F5344CB8AC3E}">
+        <p14:creationId xmlns:p14="http://schemas.microsoft.com/office/powerpoint/2010/main" val="4073145639"/>
+      </p:ext>
+    </p:extLst>
+  </p:cSld>
+  <p:clrMapOvr>
+    <a:masterClrMapping/>
+  </p:clrMapOvr>
+</p:sld>
+</file>
+
+<file path=ppt/slides/slide11.xml><?xml version="1.0" encoding="utf-8"?>
+<p:sld xmlns:a="http://schemas.openxmlformats.org/drawingml/2006/main" xmlns:r="http://schemas.openxmlformats.org/officeDocument/2006/relationships" xmlns:p="http://schemas.openxmlformats.org/presentationml/2006/main">
+  <p:cSld>
+    <p:spTree>
+      <p:nvGrpSpPr>
+        <p:cNvPr id="1" name=""/>
+        <p:cNvGrpSpPr/>
+        <p:nvPr/>
+      </p:nvGrpSpPr>
+      <p:grpSpPr>
+        <a:xfrm>
+          <a:off x="0" y="0"/>
+          <a:ext cx="0" cy="0"/>
+          <a:chOff x="0" y="0"/>
+          <a:chExt cx="0" cy="0"/>
+        </a:xfrm>
+      </p:grpSpPr>
+      <p:graphicFrame>
+        <p:nvGraphicFramePr>
+          <p:cNvPr id="6" name="내용 개체 틀 5"/>
+          <p:cNvGraphicFramePr>
+            <a:graphicFrameLocks noGrp="1"/>
+          </p:cNvGraphicFramePr>
+          <p:nvPr>
+            <p:extLst>
+              <p:ext uri="{D42A27DB-BD31-4B8C-83A1-F6EECF244321}">
                 <p14:modId xmlns:p14="http://schemas.microsoft.com/office/powerpoint/2010/main" val="3137699600"/>
               </p:ext>
             </p:extLst>
@@ -6476,7 +7377,7 @@
           <p:nvPr>
             <p:extLst>
               <p:ext uri="{D42A27DB-BD31-4B8C-83A1-F6EECF244321}">
-                <p14:modId xmlns:p14="http://schemas.microsoft.com/office/powerpoint/2010/main" val="2155631689"/>
+                <p14:modId xmlns:p14="http://schemas.microsoft.com/office/powerpoint/2010/main" val="1345797242"/>
               </p:ext>
             </p:extLst>
           </p:nvPr>
@@ -8873,18 +9774,13 @@
                         <a:buNone/>
                       </a:pPr>
                       <a:r>
-                        <a:rPr lang="ko-KR" altLang="en-US" sz="1200" b="0" kern="1200">
-                          <a:solidFill>
-                            <a:schemeClr val="tx1"/>
-                          </a:solidFill>
-                        </a:rPr>
-                        <a:t>과거 전쟁으로 인해 소수의 인원만이 남은 세력들.</a:t>
-                      </a:r>
-                      <a:endParaRPr lang="ko-KR" altLang="en-US" sz="1200" b="0" kern="1200" dirty="0">
-                        <a:solidFill>
-                          <a:schemeClr val="tx1"/>
-                        </a:solidFill>
-                      </a:endParaRPr>
+                        <a:rPr lang="ko-KR" altLang="en-US" sz="1200" b="0" kern="1200" dirty="0">
+                          <a:solidFill>
+                            <a:schemeClr val="tx1"/>
+                          </a:solidFill>
+                        </a:rPr>
+                        <a:t>과거 전쟁으로 생존하고 은둔한 고수들.</a:t>
+                      </a:r>
                     </a:p>
                   </a:txBody>
                   <a:tcPr anchor="ctr">

--- a/기획/방랑엽사전/세력 시스템 기획서.pptx
+++ b/기획/방랑엽사전/세력 시스템 기획서.pptx
@@ -245,7 +245,7 @@
           <a:p>
             <a:fld id="{C8649E71-8129-4905-BAC0-51D65A0C1379}" type="datetimeFigureOut">
               <a:rPr lang="ko-KR" altLang="en-US" smtClean="0"/>
-              <a:t>2024-01-30</a:t>
+              <a:t>2024-01-31</a:t>
             </a:fld>
             <a:endParaRPr lang="ko-KR" altLang="en-US"/>
           </a:p>
@@ -743,7 +743,7 @@
           <a:p>
             <a:fld id="{523D6941-6B33-4834-BC65-A333846D27E6}" type="datetimeFigureOut">
               <a:rPr lang="ko-KR" altLang="en-US" smtClean="0"/>
-              <a:t>2024-01-30</a:t>
+              <a:t>2024-01-31</a:t>
             </a:fld>
             <a:endParaRPr lang="ko-KR" altLang="en-US"/>
           </a:p>
@@ -941,7 +941,7 @@
           <a:p>
             <a:fld id="{523D6941-6B33-4834-BC65-A333846D27E6}" type="datetimeFigureOut">
               <a:rPr lang="ko-KR" altLang="en-US" smtClean="0"/>
-              <a:t>2024-01-30</a:t>
+              <a:t>2024-01-31</a:t>
             </a:fld>
             <a:endParaRPr lang="ko-KR" altLang="en-US"/>
           </a:p>
@@ -1149,7 +1149,7 @@
           <a:p>
             <a:fld id="{523D6941-6B33-4834-BC65-A333846D27E6}" type="datetimeFigureOut">
               <a:rPr lang="ko-KR" altLang="en-US" smtClean="0"/>
-              <a:t>2024-01-30</a:t>
+              <a:t>2024-01-31</a:t>
             </a:fld>
             <a:endParaRPr lang="ko-KR" altLang="en-US"/>
           </a:p>
@@ -1362,7 +1362,7 @@
           <a:p>
             <a:fld id="{523D6941-6B33-4834-BC65-A333846D27E6}" type="datetimeFigureOut">
               <a:rPr lang="ko-KR" altLang="en-US" smtClean="0"/>
-              <a:t>2024-01-30</a:t>
+              <a:t>2024-01-31</a:t>
             </a:fld>
             <a:endParaRPr lang="ko-KR" altLang="en-US"/>
           </a:p>
@@ -1647,7 +1647,7 @@
           <a:p>
             <a:fld id="{523D6941-6B33-4834-BC65-A333846D27E6}" type="datetimeFigureOut">
               <a:rPr lang="ko-KR" altLang="en-US" smtClean="0"/>
-              <a:t>2024-01-30</a:t>
+              <a:t>2024-01-31</a:t>
             </a:fld>
             <a:endParaRPr lang="ko-KR" altLang="en-US"/>
           </a:p>
@@ -1912,7 +1912,7 @@
           <a:p>
             <a:fld id="{523D6941-6B33-4834-BC65-A333846D27E6}" type="datetimeFigureOut">
               <a:rPr lang="ko-KR" altLang="en-US" smtClean="0"/>
-              <a:t>2024-01-30</a:t>
+              <a:t>2024-01-31</a:t>
             </a:fld>
             <a:endParaRPr lang="ko-KR" altLang="en-US"/>
           </a:p>
@@ -2324,7 +2324,7 @@
           <a:p>
             <a:fld id="{523D6941-6B33-4834-BC65-A333846D27E6}" type="datetimeFigureOut">
               <a:rPr lang="ko-KR" altLang="en-US" smtClean="0"/>
-              <a:t>2024-01-30</a:t>
+              <a:t>2024-01-31</a:t>
             </a:fld>
             <a:endParaRPr lang="ko-KR" altLang="en-US"/>
           </a:p>
@@ -2465,7 +2465,7 @@
           <a:p>
             <a:fld id="{523D6941-6B33-4834-BC65-A333846D27E6}" type="datetimeFigureOut">
               <a:rPr lang="ko-KR" altLang="en-US" smtClean="0"/>
-              <a:t>2024-01-30</a:t>
+              <a:t>2024-01-31</a:t>
             </a:fld>
             <a:endParaRPr lang="ko-KR" altLang="en-US"/>
           </a:p>
@@ -2578,7 +2578,7 @@
           <a:p>
             <a:fld id="{523D6941-6B33-4834-BC65-A333846D27E6}" type="datetimeFigureOut">
               <a:rPr lang="ko-KR" altLang="en-US" smtClean="0"/>
-              <a:t>2024-01-30</a:t>
+              <a:t>2024-01-31</a:t>
             </a:fld>
             <a:endParaRPr lang="ko-KR" altLang="en-US"/>
           </a:p>
@@ -2889,7 +2889,7 @@
           <a:p>
             <a:fld id="{523D6941-6B33-4834-BC65-A333846D27E6}" type="datetimeFigureOut">
               <a:rPr lang="ko-KR" altLang="en-US" smtClean="0"/>
-              <a:t>2024-01-30</a:t>
+              <a:t>2024-01-31</a:t>
             </a:fld>
             <a:endParaRPr lang="ko-KR" altLang="en-US"/>
           </a:p>
@@ -3177,7 +3177,7 @@
           <a:p>
             <a:fld id="{523D6941-6B33-4834-BC65-A333846D27E6}" type="datetimeFigureOut">
               <a:rPr lang="ko-KR" altLang="en-US" smtClean="0"/>
-              <a:t>2024-01-30</a:t>
+              <a:t>2024-01-31</a:t>
             </a:fld>
             <a:endParaRPr lang="ko-KR" altLang="en-US"/>
           </a:p>
@@ -3418,7 +3418,7 @@
           <a:p>
             <a:fld id="{523D6941-6B33-4834-BC65-A333846D27E6}" type="datetimeFigureOut">
               <a:rPr lang="ko-KR" altLang="en-US" smtClean="0"/>
-              <a:t>2024-01-30</a:t>
+              <a:t>2024-01-31</a:t>
             </a:fld>
             <a:endParaRPr lang="ko-KR" altLang="en-US"/>
           </a:p>
@@ -28398,14 +28398,14 @@
           <p:nvPr>
             <p:extLst>
               <p:ext uri="{D42A27DB-BD31-4B8C-83A1-F6EECF244321}">
-                <p14:modId xmlns:p14="http://schemas.microsoft.com/office/powerpoint/2010/main" val="1211370546"/>
+                <p14:modId xmlns:p14="http://schemas.microsoft.com/office/powerpoint/2010/main" val="3735001274"/>
               </p:ext>
             </p:extLst>
           </p:nvPr>
         </p:nvGraphicFramePr>
         <p:xfrm>
           <a:off x="3433365" y="1770667"/>
-          <a:ext cx="5325269" cy="2225040"/>
+          <a:ext cx="5325269" cy="2560320"/>
         </p:xfrm>
         <a:graphic>
           <a:graphicData uri="http://schemas.openxmlformats.org/drawingml/2006/table">
@@ -29087,6 +29087,38 @@
                     <a:lstStyle/>
                     <a:p>
                       <a:pPr algn="l" latinLnBrk="1"/>
+                      <a:r>
+                        <a:rPr lang="ko-KR" altLang="en-US" sz="1100" b="0" dirty="0">
+                          <a:solidFill>
+                            <a:schemeClr val="tx1"/>
+                          </a:solidFill>
+                        </a:rPr>
+                        <a:t>무공 연습과 심상 수련을 할 수 있는 넓은 수련장</a:t>
+                      </a:r>
+                      <a:endParaRPr lang="en-US" altLang="ko-KR" sz="1100" b="0" dirty="0">
+                        <a:solidFill>
+                          <a:schemeClr val="tx1"/>
+                        </a:solidFill>
+                      </a:endParaRPr>
+                    </a:p>
+                    <a:p>
+                      <a:pPr algn="l" latinLnBrk="1"/>
+                      <a:r>
+                        <a:rPr lang="ko-KR" altLang="en-US" sz="1100" b="0" dirty="0">
+                          <a:solidFill>
+                            <a:schemeClr val="tx1"/>
+                          </a:solidFill>
+                        </a:rPr>
+                        <a:t>시간을 소비하여 능력치를 상승 시킬 수 있다</a:t>
+                      </a:r>
+                      <a:r>
+                        <a:rPr lang="en-US" altLang="ko-KR" sz="1100" b="0" dirty="0">
+                          <a:solidFill>
+                            <a:schemeClr val="tx1"/>
+                          </a:solidFill>
+                        </a:rPr>
+                        <a:t>.</a:t>
+                      </a:r>
                       <a:endParaRPr lang="ko-KR" altLang="en-US" sz="1100" b="0" dirty="0">
                         <a:solidFill>
                           <a:schemeClr val="tx1"/>
@@ -29205,6 +29237,38 @@
                     <a:lstStyle/>
                     <a:p>
                       <a:pPr algn="l" latinLnBrk="1"/>
+                      <a:r>
+                        <a:rPr lang="ko-KR" altLang="en-US" sz="1100" b="0" dirty="0">
+                          <a:solidFill>
+                            <a:schemeClr val="tx1"/>
+                          </a:solidFill>
+                        </a:rPr>
+                        <a:t>명상과 폐관 수련을 할 수 있는 수련장</a:t>
+                      </a:r>
+                      <a:endParaRPr lang="en-US" altLang="ko-KR" sz="1100" b="0" dirty="0">
+                        <a:solidFill>
+                          <a:schemeClr val="tx1"/>
+                        </a:solidFill>
+                      </a:endParaRPr>
+                    </a:p>
+                    <a:p>
+                      <a:pPr algn="l" latinLnBrk="1"/>
+                      <a:r>
+                        <a:rPr lang="ko-KR" altLang="en-US" sz="1100" b="0" dirty="0">
+                          <a:solidFill>
+                            <a:schemeClr val="tx1"/>
+                          </a:solidFill>
+                        </a:rPr>
+                        <a:t>시간과 음식을 소비하여 능력치를 상승 시킬 수 있다</a:t>
+                      </a:r>
+                      <a:r>
+                        <a:rPr lang="en-US" altLang="ko-KR" sz="1100" b="0" dirty="0">
+                          <a:solidFill>
+                            <a:schemeClr val="tx1"/>
+                          </a:solidFill>
+                        </a:rPr>
+                        <a:t>.</a:t>
+                      </a:r>
                       <a:endParaRPr lang="ko-KR" altLang="en-US" sz="1100" b="0" dirty="0">
                         <a:solidFill>
                           <a:schemeClr val="tx1"/>

--- a/기획/방랑엽사전/세력 시스템 기획서.pptx
+++ b/기획/방랑엽사전/세력 시스템 기획서.pptx
@@ -247,7 +247,7 @@
           <a:p>
             <a:fld id="{C8649E71-8129-4905-BAC0-51D65A0C1379}" type="datetimeFigureOut">
               <a:rPr lang="ko-KR" altLang="en-US" smtClean="0"/>
-              <a:t>2024-02-02</a:t>
+              <a:t>2024-05-27</a:t>
             </a:fld>
             <a:endParaRPr lang="ko-KR" altLang="en-US"/>
           </a:p>
@@ -745,7 +745,7 @@
           <a:p>
             <a:fld id="{523D6941-6B33-4834-BC65-A333846D27E6}" type="datetimeFigureOut">
               <a:rPr lang="ko-KR" altLang="en-US" smtClean="0"/>
-              <a:t>2024-02-02</a:t>
+              <a:t>2024-05-27</a:t>
             </a:fld>
             <a:endParaRPr lang="ko-KR" altLang="en-US"/>
           </a:p>
@@ -943,7 +943,7 @@
           <a:p>
             <a:fld id="{523D6941-6B33-4834-BC65-A333846D27E6}" type="datetimeFigureOut">
               <a:rPr lang="ko-KR" altLang="en-US" smtClean="0"/>
-              <a:t>2024-02-02</a:t>
+              <a:t>2024-05-27</a:t>
             </a:fld>
             <a:endParaRPr lang="ko-KR" altLang="en-US"/>
           </a:p>
@@ -1151,7 +1151,7 @@
           <a:p>
             <a:fld id="{523D6941-6B33-4834-BC65-A333846D27E6}" type="datetimeFigureOut">
               <a:rPr lang="ko-KR" altLang="en-US" smtClean="0"/>
-              <a:t>2024-02-02</a:t>
+              <a:t>2024-05-27</a:t>
             </a:fld>
             <a:endParaRPr lang="ko-KR" altLang="en-US"/>
           </a:p>
@@ -1364,7 +1364,7 @@
           <a:p>
             <a:fld id="{523D6941-6B33-4834-BC65-A333846D27E6}" type="datetimeFigureOut">
               <a:rPr lang="ko-KR" altLang="en-US" smtClean="0"/>
-              <a:t>2024-02-02</a:t>
+              <a:t>2024-05-27</a:t>
             </a:fld>
             <a:endParaRPr lang="ko-KR" altLang="en-US"/>
           </a:p>
@@ -1649,7 +1649,7 @@
           <a:p>
             <a:fld id="{523D6941-6B33-4834-BC65-A333846D27E6}" type="datetimeFigureOut">
               <a:rPr lang="ko-KR" altLang="en-US" smtClean="0"/>
-              <a:t>2024-02-02</a:t>
+              <a:t>2024-05-27</a:t>
             </a:fld>
             <a:endParaRPr lang="ko-KR" altLang="en-US"/>
           </a:p>
@@ -1914,7 +1914,7 @@
           <a:p>
             <a:fld id="{523D6941-6B33-4834-BC65-A333846D27E6}" type="datetimeFigureOut">
               <a:rPr lang="ko-KR" altLang="en-US" smtClean="0"/>
-              <a:t>2024-02-02</a:t>
+              <a:t>2024-05-27</a:t>
             </a:fld>
             <a:endParaRPr lang="ko-KR" altLang="en-US"/>
           </a:p>
@@ -2326,7 +2326,7 @@
           <a:p>
             <a:fld id="{523D6941-6B33-4834-BC65-A333846D27E6}" type="datetimeFigureOut">
               <a:rPr lang="ko-KR" altLang="en-US" smtClean="0"/>
-              <a:t>2024-02-02</a:t>
+              <a:t>2024-05-27</a:t>
             </a:fld>
             <a:endParaRPr lang="ko-KR" altLang="en-US"/>
           </a:p>
@@ -2467,7 +2467,7 @@
           <a:p>
             <a:fld id="{523D6941-6B33-4834-BC65-A333846D27E6}" type="datetimeFigureOut">
               <a:rPr lang="ko-KR" altLang="en-US" smtClean="0"/>
-              <a:t>2024-02-02</a:t>
+              <a:t>2024-05-27</a:t>
             </a:fld>
             <a:endParaRPr lang="ko-KR" altLang="en-US"/>
           </a:p>
@@ -2580,7 +2580,7 @@
           <a:p>
             <a:fld id="{523D6941-6B33-4834-BC65-A333846D27E6}" type="datetimeFigureOut">
               <a:rPr lang="ko-KR" altLang="en-US" smtClean="0"/>
-              <a:t>2024-02-02</a:t>
+              <a:t>2024-05-27</a:t>
             </a:fld>
             <a:endParaRPr lang="ko-KR" altLang="en-US"/>
           </a:p>
@@ -2891,7 +2891,7 @@
           <a:p>
             <a:fld id="{523D6941-6B33-4834-BC65-A333846D27E6}" type="datetimeFigureOut">
               <a:rPr lang="ko-KR" altLang="en-US" smtClean="0"/>
-              <a:t>2024-02-02</a:t>
+              <a:t>2024-05-27</a:t>
             </a:fld>
             <a:endParaRPr lang="ko-KR" altLang="en-US"/>
           </a:p>
@@ -3179,7 +3179,7 @@
           <a:p>
             <a:fld id="{523D6941-6B33-4834-BC65-A333846D27E6}" type="datetimeFigureOut">
               <a:rPr lang="ko-KR" altLang="en-US" smtClean="0"/>
-              <a:t>2024-02-02</a:t>
+              <a:t>2024-05-27</a:t>
             </a:fld>
             <a:endParaRPr lang="ko-KR" altLang="en-US"/>
           </a:p>
@@ -3420,7 +3420,7 @@
           <a:p>
             <a:fld id="{523D6941-6B33-4834-BC65-A333846D27E6}" type="datetimeFigureOut">
               <a:rPr lang="ko-KR" altLang="en-US" smtClean="0"/>
-              <a:t>2024-02-02</a:t>
+              <a:t>2024-05-27</a:t>
             </a:fld>
             <a:endParaRPr lang="ko-KR" altLang="en-US"/>
           </a:p>
@@ -13795,7 +13795,7 @@
           <p:nvPr>
             <p:extLst>
               <p:ext uri="{D42A27DB-BD31-4B8C-83A1-F6EECF244321}">
-                <p14:modId xmlns:p14="http://schemas.microsoft.com/office/powerpoint/2010/main" val="2619716213"/>
+                <p14:modId xmlns:p14="http://schemas.microsoft.com/office/powerpoint/2010/main" val="1497165416"/>
               </p:ext>
             </p:extLst>
           </p:nvPr>
@@ -14145,7 +14145,7 @@
                     <a:bodyPr/>
                     <a:lstStyle/>
                     <a:p>
-                      <a:pPr latinLnBrk="1"/>
+                      <a:pPr algn="ctr" latinLnBrk="1"/>
                       <a:r>
                         <a:rPr lang="ko-KR" altLang="en-US" sz="1100" b="0" dirty="0">
                           <a:solidFill>
@@ -14349,7 +14349,7 @@
                     <a:bodyPr/>
                     <a:lstStyle/>
                     <a:p>
-                      <a:pPr latinLnBrk="1"/>
+                      <a:pPr algn="ctr" latinLnBrk="1"/>
                       <a:r>
                         <a:rPr lang="ko-KR" altLang="en-US" sz="1100" b="0" dirty="0">
                           <a:solidFill>
@@ -14548,7 +14548,7 @@
                     <a:bodyPr/>
                     <a:lstStyle/>
                     <a:p>
-                      <a:pPr latinLnBrk="1"/>
+                      <a:pPr algn="ctr" latinLnBrk="1"/>
                       <a:r>
                         <a:rPr lang="ko-KR" altLang="en-US" sz="1100" b="0" dirty="0" err="1">
                           <a:solidFill>
@@ -14760,7 +14760,7 @@
                     <a:bodyPr/>
                     <a:lstStyle/>
                     <a:p>
-                      <a:pPr latinLnBrk="1"/>
+                      <a:pPr algn="ctr" latinLnBrk="1"/>
                       <a:r>
                         <a:rPr lang="ko-KR" altLang="en-US" sz="1100" b="0" dirty="0" err="1">
                           <a:solidFill>
@@ -14964,7 +14964,7 @@
                     <a:bodyPr/>
                     <a:lstStyle/>
                     <a:p>
-                      <a:pPr latinLnBrk="1"/>
+                      <a:pPr algn="ctr" latinLnBrk="1"/>
                       <a:r>
                         <a:rPr lang="ko-KR" altLang="en-US" sz="1100" b="0" dirty="0">
                           <a:solidFill>
@@ -15171,7 +15171,7 @@
                     <a:bodyPr/>
                     <a:lstStyle/>
                     <a:p>
-                      <a:pPr latinLnBrk="1"/>
+                      <a:pPr algn="ctr" latinLnBrk="1"/>
                       <a:r>
                         <a:rPr lang="ko-KR" altLang="en-US" sz="1100" b="0" dirty="0" err="1">
                           <a:solidFill>
@@ -15388,7 +15388,7 @@
                     <a:bodyPr/>
                     <a:lstStyle/>
                     <a:p>
-                      <a:pPr latinLnBrk="1"/>
+                      <a:pPr algn="ctr" latinLnBrk="1"/>
                       <a:r>
                         <a:rPr lang="ko-KR" altLang="en-US" sz="1100" b="0" dirty="0">
                           <a:solidFill>
@@ -15608,7 +15608,7 @@
                     <a:bodyPr/>
                     <a:lstStyle/>
                     <a:p>
-                      <a:pPr latinLnBrk="1"/>
+                      <a:pPr algn="ctr" latinLnBrk="1"/>
                       <a:r>
                         <a:rPr lang="ko-KR" altLang="en-US" sz="1100" b="0" dirty="0" err="1">
                           <a:solidFill>
@@ -15828,7 +15828,7 @@
                     <a:bodyPr/>
                     <a:lstStyle/>
                     <a:p>
-                      <a:pPr latinLnBrk="1"/>
+                      <a:pPr algn="ctr" latinLnBrk="1"/>
                       <a:r>
                         <a:rPr lang="ko-KR" altLang="en-US" sz="1100" b="0" dirty="0">
                           <a:solidFill>
@@ -16059,7 +16059,7 @@
                     <a:bodyPr/>
                     <a:lstStyle/>
                     <a:p>
-                      <a:pPr latinLnBrk="1"/>
+                      <a:pPr algn="ctr" latinLnBrk="1"/>
                       <a:r>
                         <a:rPr lang="ko-KR" altLang="en-US" sz="1100" b="0" dirty="0">
                           <a:solidFill>

--- a/기획/방랑엽사전/세력 시스템 기획서.pptx
+++ b/기획/방랑엽사전/세력 시스템 기획서.pptx
@@ -5,7 +5,7 @@
     <p:sldMasterId id="2147483715" r:id="rId1"/>
   </p:sldMasterIdLst>
   <p:notesMasterIdLst>
-    <p:notesMasterId r:id="rId17"/>
+    <p:notesMasterId r:id="rId18"/>
   </p:notesMasterIdLst>
   <p:sldIdLst>
     <p:sldId id="258" r:id="rId2"/>
@@ -16,13 +16,14 @@
     <p:sldId id="276" r:id="rId7"/>
     <p:sldId id="277" r:id="rId8"/>
     <p:sldId id="283" r:id="rId9"/>
-    <p:sldId id="284" r:id="rId10"/>
-    <p:sldId id="285" r:id="rId11"/>
-    <p:sldId id="278" r:id="rId12"/>
-    <p:sldId id="280" r:id="rId13"/>
-    <p:sldId id="279" r:id="rId14"/>
-    <p:sldId id="286" r:id="rId15"/>
-    <p:sldId id="282" r:id="rId16"/>
+    <p:sldId id="287" r:id="rId10"/>
+    <p:sldId id="284" r:id="rId11"/>
+    <p:sldId id="285" r:id="rId12"/>
+    <p:sldId id="278" r:id="rId13"/>
+    <p:sldId id="280" r:id="rId14"/>
+    <p:sldId id="279" r:id="rId15"/>
+    <p:sldId id="286" r:id="rId16"/>
+    <p:sldId id="282" r:id="rId17"/>
   </p:sldIdLst>
   <p:sldSz cx="12192000" cy="6858000"/>
   <p:notesSz cx="6858000" cy="9144000"/>
@@ -247,7 +248,7 @@
           <a:p>
             <a:fld id="{C8649E71-8129-4905-BAC0-51D65A0C1379}" type="datetimeFigureOut">
               <a:rPr lang="ko-KR" altLang="en-US" smtClean="0"/>
-              <a:t>2024-05-27</a:t>
+              <a:t>2024-05-28</a:t>
             </a:fld>
             <a:endParaRPr lang="ko-KR" altLang="en-US"/>
           </a:p>
@@ -745,7 +746,7 @@
           <a:p>
             <a:fld id="{523D6941-6B33-4834-BC65-A333846D27E6}" type="datetimeFigureOut">
               <a:rPr lang="ko-KR" altLang="en-US" smtClean="0"/>
-              <a:t>2024-05-27</a:t>
+              <a:t>2024-05-28</a:t>
             </a:fld>
             <a:endParaRPr lang="ko-KR" altLang="en-US"/>
           </a:p>
@@ -943,7 +944,7 @@
           <a:p>
             <a:fld id="{523D6941-6B33-4834-BC65-A333846D27E6}" type="datetimeFigureOut">
               <a:rPr lang="ko-KR" altLang="en-US" smtClean="0"/>
-              <a:t>2024-05-27</a:t>
+              <a:t>2024-05-28</a:t>
             </a:fld>
             <a:endParaRPr lang="ko-KR" altLang="en-US"/>
           </a:p>
@@ -1151,7 +1152,7 @@
           <a:p>
             <a:fld id="{523D6941-6B33-4834-BC65-A333846D27E6}" type="datetimeFigureOut">
               <a:rPr lang="ko-KR" altLang="en-US" smtClean="0"/>
-              <a:t>2024-05-27</a:t>
+              <a:t>2024-05-28</a:t>
             </a:fld>
             <a:endParaRPr lang="ko-KR" altLang="en-US"/>
           </a:p>
@@ -1364,7 +1365,7 @@
           <a:p>
             <a:fld id="{523D6941-6B33-4834-BC65-A333846D27E6}" type="datetimeFigureOut">
               <a:rPr lang="ko-KR" altLang="en-US" smtClean="0"/>
-              <a:t>2024-05-27</a:t>
+              <a:t>2024-05-28</a:t>
             </a:fld>
             <a:endParaRPr lang="ko-KR" altLang="en-US"/>
           </a:p>
@@ -1649,7 +1650,7 @@
           <a:p>
             <a:fld id="{523D6941-6B33-4834-BC65-A333846D27E6}" type="datetimeFigureOut">
               <a:rPr lang="ko-KR" altLang="en-US" smtClean="0"/>
-              <a:t>2024-05-27</a:t>
+              <a:t>2024-05-28</a:t>
             </a:fld>
             <a:endParaRPr lang="ko-KR" altLang="en-US"/>
           </a:p>
@@ -1914,7 +1915,7 @@
           <a:p>
             <a:fld id="{523D6941-6B33-4834-BC65-A333846D27E6}" type="datetimeFigureOut">
               <a:rPr lang="ko-KR" altLang="en-US" smtClean="0"/>
-              <a:t>2024-05-27</a:t>
+              <a:t>2024-05-28</a:t>
             </a:fld>
             <a:endParaRPr lang="ko-KR" altLang="en-US"/>
           </a:p>
@@ -2326,7 +2327,7 @@
           <a:p>
             <a:fld id="{523D6941-6B33-4834-BC65-A333846D27E6}" type="datetimeFigureOut">
               <a:rPr lang="ko-KR" altLang="en-US" smtClean="0"/>
-              <a:t>2024-05-27</a:t>
+              <a:t>2024-05-28</a:t>
             </a:fld>
             <a:endParaRPr lang="ko-KR" altLang="en-US"/>
           </a:p>
@@ -2467,7 +2468,7 @@
           <a:p>
             <a:fld id="{523D6941-6B33-4834-BC65-A333846D27E6}" type="datetimeFigureOut">
               <a:rPr lang="ko-KR" altLang="en-US" smtClean="0"/>
-              <a:t>2024-05-27</a:t>
+              <a:t>2024-05-28</a:t>
             </a:fld>
             <a:endParaRPr lang="ko-KR" altLang="en-US"/>
           </a:p>
@@ -2580,7 +2581,7 @@
           <a:p>
             <a:fld id="{523D6941-6B33-4834-BC65-A333846D27E6}" type="datetimeFigureOut">
               <a:rPr lang="ko-KR" altLang="en-US" smtClean="0"/>
-              <a:t>2024-05-27</a:t>
+              <a:t>2024-05-28</a:t>
             </a:fld>
             <a:endParaRPr lang="ko-KR" altLang="en-US"/>
           </a:p>
@@ -2891,7 +2892,7 @@
           <a:p>
             <a:fld id="{523D6941-6B33-4834-BC65-A333846D27E6}" type="datetimeFigureOut">
               <a:rPr lang="ko-KR" altLang="en-US" smtClean="0"/>
-              <a:t>2024-05-27</a:t>
+              <a:t>2024-05-28</a:t>
             </a:fld>
             <a:endParaRPr lang="ko-KR" altLang="en-US"/>
           </a:p>
@@ -3179,7 +3180,7 @@
           <a:p>
             <a:fld id="{523D6941-6B33-4834-BC65-A333846D27E6}" type="datetimeFigureOut">
               <a:rPr lang="ko-KR" altLang="en-US" smtClean="0"/>
-              <a:t>2024-05-27</a:t>
+              <a:t>2024-05-28</a:t>
             </a:fld>
             <a:endParaRPr lang="ko-KR" altLang="en-US"/>
           </a:p>
@@ -3420,7 +3421,7 @@
           <a:p>
             <a:fld id="{523D6941-6B33-4834-BC65-A333846D27E6}" type="datetimeFigureOut">
               <a:rPr lang="ko-KR" altLang="en-US" smtClean="0"/>
-              <a:t>2024-05-27</a:t>
+              <a:t>2024-05-28</a:t>
             </a:fld>
             <a:endParaRPr lang="ko-KR" altLang="en-US"/>
           </a:p>
@@ -3939,6 +3940,2750 @@
           <a:chExt cx="0" cy="0"/>
         </a:xfrm>
       </p:grpSpPr>
+      <p:graphicFrame>
+        <p:nvGraphicFramePr>
+          <p:cNvPr id="6" name="내용 개체 틀 5"/>
+          <p:cNvGraphicFramePr>
+            <a:graphicFrameLocks noGrp="1"/>
+          </p:cNvGraphicFramePr>
+          <p:nvPr>
+            <p:extLst>
+              <p:ext uri="{D42A27DB-BD31-4B8C-83A1-F6EECF244321}">
+                <p14:modId xmlns:p14="http://schemas.microsoft.com/office/powerpoint/2010/main" val="1652782388"/>
+              </p:ext>
+            </p:extLst>
+          </p:nvPr>
+        </p:nvGraphicFramePr>
+        <p:xfrm>
+          <a:off x="2871628" y="1161303"/>
+          <a:ext cx="6448743" cy="1920240"/>
+        </p:xfrm>
+        <a:graphic>
+          <a:graphicData uri="http://schemas.openxmlformats.org/drawingml/2006/table">
+            <a:tbl>
+              <a:tblPr firstRow="1" bandRow="1">
+                <a:tableStyleId>{5C22544A-7EE6-4342-B048-85BDC9FD1C3A}</a:tableStyleId>
+              </a:tblPr>
+              <a:tblGrid>
+                <a:gridCol w="6448743">
+                  <a:extLst>
+                    <a:ext uri="{9D8B030D-6E8A-4147-A177-3AD203B41FA5}">
+                      <a16:colId xmlns:a16="http://schemas.microsoft.com/office/drawing/2014/main" val="20000"/>
+                    </a:ext>
+                  </a:extLst>
+                </a:gridCol>
+              </a:tblGrid>
+              <a:tr h="0">
+                <a:tc>
+                  <a:txBody>
+                    <a:bodyPr/>
+                    <a:lstStyle/>
+                    <a:p>
+                      <a:pPr marL="0" marR="0" lvl="1" indent="0" algn="l" defTabSz="914400" rtl="0" eaLnBrk="1" fontAlgn="auto" latinLnBrk="1" hangingPunct="1">
+                        <a:lnSpc>
+                          <a:spcPct val="100000"/>
+                        </a:lnSpc>
+                        <a:spcBef>
+                          <a:spcPct val="0"/>
+                        </a:spcBef>
+                        <a:spcAft>
+                          <a:spcPct val="0"/>
+                        </a:spcAft>
+                        <a:buClrTx/>
+                        <a:buSzTx/>
+                        <a:buFontTx/>
+                        <a:buNone/>
+                        <a:tabLst/>
+                        <a:defRPr/>
+                      </a:pPr>
+                      <a:r>
+                        <a:rPr lang="ko-KR" altLang="en-US" sz="1200" b="0" kern="1200" dirty="0">
+                          <a:solidFill>
+                            <a:schemeClr val="tx1"/>
+                          </a:solidFill>
+                          <a:latin typeface="맑은 고딕" charset="0"/>
+                          <a:ea typeface="맑은 고딕" charset="0"/>
+                          <a:cs typeface="Times New Roman" charset="0"/>
+                        </a:rPr>
+                        <a:t>잠입 이란</a:t>
+                      </a:r>
+                      <a:r>
+                        <a:rPr lang="en-US" altLang="ko-KR" sz="1200" b="0" kern="1200" dirty="0">
+                          <a:solidFill>
+                            <a:schemeClr val="tx1"/>
+                          </a:solidFill>
+                          <a:latin typeface="맑은 고딕" charset="0"/>
+                          <a:ea typeface="맑은 고딕" charset="0"/>
+                          <a:cs typeface="Times New Roman" charset="0"/>
+                        </a:rPr>
+                        <a:t>?</a:t>
+                      </a:r>
+                    </a:p>
+                  </a:txBody>
+                  <a:tcPr>
+                    <a:lnL w="0" cap="flat" cmpd="sng" algn="ctr">
+                      <a:noFill/>
+                      <a:prstDash/>
+                      <a:round/>
+                      <a:headEnd type="none" w="med" len="med"/>
+                      <a:tailEnd type="none" w="med" len="med"/>
+                    </a:lnL>
+                    <a:lnR w="0" cap="flat" cmpd="sng" algn="ctr">
+                      <a:noFill/>
+                      <a:prstDash/>
+                      <a:round/>
+                      <a:headEnd type="none" w="med" len="med"/>
+                      <a:tailEnd type="none" w="med" len="med"/>
+                    </a:lnR>
+                    <a:lnT w="12700" cap="flat" cmpd="sng" algn="ctr">
+                      <a:noFill/>
+                      <a:prstDash val="solid"/>
+                      <a:round/>
+                      <a:headEnd type="none" w="med" len="med"/>
+                      <a:tailEnd type="none" w="med" len="med"/>
+                    </a:lnT>
+                    <a:lnB w="12700" cap="flat" cmpd="sng" algn="ctr">
+                      <a:solidFill>
+                        <a:schemeClr val="tx1"/>
+                      </a:solidFill>
+                      <a:prstDash val="solid"/>
+                      <a:round/>
+                      <a:headEnd type="none" w="med" len="med"/>
+                      <a:tailEnd type="none" w="med" len="med"/>
+                    </a:lnB>
+                    <a:lnTlToBr w="0" cap="flat" cmpd="sng" algn="ctr">
+                      <a:noFill/>
+                      <a:prstDash/>
+                      <a:round/>
+                      <a:headEnd type="none" w="med" len="med"/>
+                      <a:tailEnd type="none" w="med" len="med"/>
+                    </a:lnTlToBr>
+                    <a:lnBlToTr w="0" cap="flat" cmpd="sng" algn="ctr">
+                      <a:noFill/>
+                      <a:prstDash/>
+                      <a:round/>
+                      <a:headEnd type="none" w="med" len="med"/>
+                      <a:tailEnd type="none" w="med" len="med"/>
+                    </a:lnBlToTr>
+                    <a:solidFill>
+                      <a:schemeClr val="bg1">
+                        <a:lumMod val="95000"/>
+                      </a:schemeClr>
+                    </a:solidFill>
+                  </a:tcPr>
+                </a:tc>
+                <a:extLst>
+                  <a:ext uri="{0D108BD9-81ED-4DB2-BD59-A6C34878D82A}">
+                    <a16:rowId xmlns:a16="http://schemas.microsoft.com/office/drawing/2014/main" val="755526336"/>
+                  </a:ext>
+                </a:extLst>
+              </a:tr>
+              <a:tr h="0">
+                <a:tc>
+                  <a:txBody>
+                    <a:bodyPr/>
+                    <a:lstStyle/>
+                    <a:p>
+                      <a:pPr marL="0" marR="0" lvl="1" indent="0" algn="l" defTabSz="914400" rtl="0" eaLnBrk="1" fontAlgn="auto" latinLnBrk="1" hangingPunct="1">
+                        <a:lnSpc>
+                          <a:spcPct val="100000"/>
+                        </a:lnSpc>
+                        <a:spcBef>
+                          <a:spcPct val="0"/>
+                        </a:spcBef>
+                        <a:spcAft>
+                          <a:spcPct val="0"/>
+                        </a:spcAft>
+                        <a:buClrTx/>
+                        <a:buSzTx/>
+                        <a:buFontTx/>
+                        <a:buNone/>
+                        <a:tabLst/>
+                        <a:defRPr/>
+                      </a:pPr>
+                      <a:r>
+                        <a:rPr lang="ko-KR" altLang="en-US" sz="1200" b="0" kern="1200" dirty="0">
+                          <a:solidFill>
+                            <a:schemeClr val="tx1"/>
+                          </a:solidFill>
+                          <a:latin typeface="맑은 고딕" charset="0"/>
+                          <a:ea typeface="맑은 고딕" charset="0"/>
+                          <a:cs typeface="Times New Roman" charset="0"/>
+                        </a:rPr>
+                        <a:t>중립이 아닌 플레이어가 아이템이나 스킬을 사용하여 일시적으로 중립 상태가 되는 것이다</a:t>
+                      </a:r>
+                      <a:r>
+                        <a:rPr lang="en-US" altLang="ko-KR" sz="1200" b="0" kern="1200" dirty="0">
+                          <a:solidFill>
+                            <a:schemeClr val="tx1"/>
+                          </a:solidFill>
+                          <a:latin typeface="맑은 고딕" charset="0"/>
+                          <a:ea typeface="맑은 고딕" charset="0"/>
+                          <a:cs typeface="Times New Roman" charset="0"/>
+                        </a:rPr>
+                        <a:t>.</a:t>
+                      </a:r>
+                    </a:p>
+                  </a:txBody>
+                  <a:tcPr>
+                    <a:lnL w="0" cap="flat" cmpd="sng" algn="ctr">
+                      <a:noFill/>
+                      <a:prstDash/>
+                      <a:round/>
+                      <a:headEnd type="none" w="med" len="med"/>
+                      <a:tailEnd type="none" w="med" len="med"/>
+                    </a:lnL>
+                    <a:lnR w="0" cap="flat" cmpd="sng" algn="ctr">
+                      <a:noFill/>
+                      <a:prstDash/>
+                      <a:round/>
+                      <a:headEnd type="none" w="med" len="med"/>
+                      <a:tailEnd type="none" w="med" len="med"/>
+                    </a:lnR>
+                    <a:lnT w="12700" cap="flat" cmpd="sng" algn="ctr">
+                      <a:solidFill>
+                        <a:schemeClr val="tx1"/>
+                      </a:solidFill>
+                      <a:prstDash val="solid"/>
+                      <a:round/>
+                      <a:headEnd type="none" w="med" len="med"/>
+                      <a:tailEnd type="none" w="med" len="med"/>
+                    </a:lnT>
+                    <a:lnB w="12700" cap="flat" cmpd="sng" algn="ctr">
+                      <a:noFill/>
+                      <a:prstDash val="solid"/>
+                      <a:round/>
+                      <a:headEnd type="none" w="med" len="med"/>
+                      <a:tailEnd type="none" w="med" len="med"/>
+                    </a:lnB>
+                    <a:lnTlToBr w="0" cap="flat" cmpd="sng" algn="ctr">
+                      <a:noFill/>
+                      <a:prstDash/>
+                      <a:round/>
+                      <a:headEnd type="none" w="med" len="med"/>
+                      <a:tailEnd type="none" w="med" len="med"/>
+                    </a:lnTlToBr>
+                    <a:lnBlToTr w="0" cap="flat" cmpd="sng" algn="ctr">
+                      <a:noFill/>
+                      <a:prstDash/>
+                      <a:round/>
+                      <a:headEnd type="none" w="med" len="med"/>
+                      <a:tailEnd type="none" w="med" len="med"/>
+                    </a:lnBlToTr>
+                    <a:noFill/>
+                  </a:tcPr>
+                </a:tc>
+                <a:extLst>
+                  <a:ext uri="{0D108BD9-81ED-4DB2-BD59-A6C34878D82A}">
+                    <a16:rowId xmlns:a16="http://schemas.microsoft.com/office/drawing/2014/main" val="763555588"/>
+                  </a:ext>
+                </a:extLst>
+              </a:tr>
+              <a:tr h="0">
+                <a:tc>
+                  <a:txBody>
+                    <a:bodyPr/>
+                    <a:lstStyle/>
+                    <a:p>
+                      <a:pPr marL="0" marR="0" lvl="1" indent="0" algn="l" defTabSz="914400" rtl="0" eaLnBrk="1" fontAlgn="auto" latinLnBrk="1" hangingPunct="1">
+                        <a:lnSpc>
+                          <a:spcPct val="100000"/>
+                        </a:lnSpc>
+                        <a:spcBef>
+                          <a:spcPct val="0"/>
+                        </a:spcBef>
+                        <a:spcAft>
+                          <a:spcPct val="0"/>
+                        </a:spcAft>
+                        <a:buClrTx/>
+                        <a:buSzTx/>
+                        <a:buFontTx/>
+                        <a:buNone/>
+                        <a:tabLst/>
+                        <a:defRPr/>
+                      </a:pPr>
+                      <a:endParaRPr lang="en-US" altLang="ko-KR" sz="1200" b="0" kern="1200" dirty="0">
+                        <a:solidFill>
+                          <a:schemeClr val="tx1"/>
+                        </a:solidFill>
+                        <a:latin typeface="맑은 고딕" charset="0"/>
+                        <a:ea typeface="맑은 고딕" charset="0"/>
+                        <a:cs typeface="Times New Roman" charset="0"/>
+                      </a:endParaRPr>
+                    </a:p>
+                  </a:txBody>
+                  <a:tcPr>
+                    <a:lnL w="0" cap="flat" cmpd="sng" algn="ctr">
+                      <a:noFill/>
+                      <a:prstDash/>
+                      <a:round/>
+                      <a:headEnd type="none" w="med" len="med"/>
+                      <a:tailEnd type="none" w="med" len="med"/>
+                    </a:lnL>
+                    <a:lnR w="0" cap="flat" cmpd="sng" algn="ctr">
+                      <a:noFill/>
+                      <a:prstDash/>
+                      <a:round/>
+                      <a:headEnd type="none" w="med" len="med"/>
+                      <a:tailEnd type="none" w="med" len="med"/>
+                    </a:lnR>
+                    <a:lnT w="12700" cap="flat" cmpd="sng" algn="ctr">
+                      <a:noFill/>
+                      <a:prstDash val="solid"/>
+                      <a:round/>
+                      <a:headEnd type="none" w="med" len="med"/>
+                      <a:tailEnd type="none" w="med" len="med"/>
+                    </a:lnT>
+                    <a:lnB w="12700" cap="flat" cmpd="sng" algn="ctr">
+                      <a:noFill/>
+                      <a:prstDash val="solid"/>
+                      <a:round/>
+                      <a:headEnd type="none" w="med" len="med"/>
+                      <a:tailEnd type="none" w="med" len="med"/>
+                    </a:lnB>
+                    <a:lnTlToBr w="0" cap="flat" cmpd="sng" algn="ctr">
+                      <a:noFill/>
+                      <a:prstDash/>
+                      <a:round/>
+                      <a:headEnd type="none" w="med" len="med"/>
+                      <a:tailEnd type="none" w="med" len="med"/>
+                    </a:lnTlToBr>
+                    <a:lnBlToTr w="0" cap="flat" cmpd="sng" algn="ctr">
+                      <a:noFill/>
+                      <a:prstDash/>
+                      <a:round/>
+                      <a:headEnd type="none" w="med" len="med"/>
+                      <a:tailEnd type="none" w="med" len="med"/>
+                    </a:lnBlToTr>
+                    <a:noFill/>
+                  </a:tcPr>
+                </a:tc>
+                <a:extLst>
+                  <a:ext uri="{0D108BD9-81ED-4DB2-BD59-A6C34878D82A}">
+                    <a16:rowId xmlns:a16="http://schemas.microsoft.com/office/drawing/2014/main" val="3005516184"/>
+                  </a:ext>
+                </a:extLst>
+              </a:tr>
+              <a:tr h="0">
+                <a:tc>
+                  <a:txBody>
+                    <a:bodyPr/>
+                    <a:lstStyle/>
+                    <a:p>
+                      <a:pPr marL="0" lvl="1" indent="0" algn="l" defTabSz="914400" rtl="0" eaLnBrk="1" fontAlgn="auto" latinLnBrk="1" hangingPunct="1">
+                        <a:lnSpc>
+                          <a:spcPct val="100000"/>
+                        </a:lnSpc>
+                        <a:spcBef>
+                          <a:spcPct val="0"/>
+                        </a:spcBef>
+                        <a:spcAft>
+                          <a:spcPct val="0"/>
+                        </a:spcAft>
+                        <a:buFontTx/>
+                        <a:buNone/>
+                      </a:pPr>
+                      <a:r>
+                        <a:rPr lang="ko-KR" altLang="en-US" sz="1200" b="0" kern="1200" dirty="0">
+                          <a:solidFill>
+                            <a:schemeClr val="tx1"/>
+                          </a:solidFill>
+                          <a:latin typeface="맑은 고딕" charset="0"/>
+                          <a:ea typeface="맑은 고딕" charset="0"/>
+                          <a:cs typeface="Times New Roman" charset="0"/>
+                        </a:rPr>
+                        <a:t>잠입 아이템을 사용하는 것으로 세력 우호도를 조절하여 중립 상태가 될 수 있다</a:t>
+                      </a:r>
+                      <a:r>
+                        <a:rPr lang="en-US" altLang="ko-KR" sz="1200" b="0" kern="1200" dirty="0">
+                          <a:solidFill>
+                            <a:schemeClr val="tx1"/>
+                          </a:solidFill>
+                          <a:latin typeface="맑은 고딕" charset="0"/>
+                          <a:ea typeface="맑은 고딕" charset="0"/>
+                          <a:cs typeface="Times New Roman" charset="0"/>
+                        </a:rPr>
+                        <a:t>.</a:t>
+                      </a:r>
+                    </a:p>
+                  </a:txBody>
+                  <a:tcPr>
+                    <a:lnL w="0" cap="flat" cmpd="sng" algn="ctr">
+                      <a:noFill/>
+                      <a:prstDash/>
+                      <a:round/>
+                      <a:headEnd type="none" w="med" len="med"/>
+                      <a:tailEnd type="none" w="med" len="med"/>
+                    </a:lnL>
+                    <a:lnR w="0" cap="flat" cmpd="sng" algn="ctr">
+                      <a:noFill/>
+                      <a:prstDash/>
+                      <a:round/>
+                      <a:headEnd type="none" w="med" len="med"/>
+                      <a:tailEnd type="none" w="med" len="med"/>
+                    </a:lnR>
+                    <a:lnT w="12700" cap="flat" cmpd="sng" algn="ctr">
+                      <a:noFill/>
+                      <a:prstDash val="solid"/>
+                      <a:round/>
+                      <a:headEnd type="none" w="med" len="med"/>
+                      <a:tailEnd type="none" w="med" len="med"/>
+                    </a:lnT>
+                    <a:lnB w="12700" cap="flat" cmpd="sng" algn="ctr">
+                      <a:solidFill>
+                        <a:schemeClr val="tx1"/>
+                      </a:solidFill>
+                      <a:prstDash val="solid"/>
+                      <a:round/>
+                      <a:headEnd type="none" w="med" len="med"/>
+                      <a:tailEnd type="none" w="med" len="med"/>
+                    </a:lnB>
+                    <a:lnTlToBr w="0" cap="flat" cmpd="sng" algn="ctr">
+                      <a:noFill/>
+                      <a:prstDash/>
+                      <a:round/>
+                      <a:headEnd type="none" w="med" len="med"/>
+                      <a:tailEnd type="none" w="med" len="med"/>
+                    </a:lnTlToBr>
+                    <a:lnBlToTr w="0" cap="flat" cmpd="sng" algn="ctr">
+                      <a:noFill/>
+                      <a:prstDash/>
+                      <a:round/>
+                      <a:headEnd type="none" w="med" len="med"/>
+                      <a:tailEnd type="none" w="med" len="med"/>
+                    </a:lnBlToTr>
+                    <a:noFill/>
+                  </a:tcPr>
+                </a:tc>
+                <a:extLst>
+                  <a:ext uri="{0D108BD9-81ED-4DB2-BD59-A6C34878D82A}">
+                    <a16:rowId xmlns:a16="http://schemas.microsoft.com/office/drawing/2014/main" val="2190709710"/>
+                  </a:ext>
+                </a:extLst>
+              </a:tr>
+              <a:tr h="0">
+                <a:tc>
+                  <a:txBody>
+                    <a:bodyPr/>
+                    <a:lstStyle/>
+                    <a:p>
+                      <a:pPr marL="0" marR="0" lvl="1" indent="0" algn="l" defTabSz="914400" rtl="0" eaLnBrk="1" fontAlgn="auto" latinLnBrk="1" hangingPunct="1">
+                        <a:lnSpc>
+                          <a:spcPct val="100000"/>
+                        </a:lnSpc>
+                        <a:spcBef>
+                          <a:spcPct val="0"/>
+                        </a:spcBef>
+                        <a:spcAft>
+                          <a:spcPct val="0"/>
+                        </a:spcAft>
+                        <a:buClrTx/>
+                        <a:buSzTx/>
+                        <a:buFontTx/>
+                        <a:buNone/>
+                        <a:tabLst/>
+                        <a:defRPr/>
+                      </a:pPr>
+                      <a:r>
+                        <a:rPr lang="ko-KR" altLang="en-US" sz="1200" b="0" kern="1200" dirty="0">
+                          <a:solidFill>
+                            <a:schemeClr val="tx1"/>
+                          </a:solidFill>
+                          <a:latin typeface="맑은 고딕" charset="0"/>
+                          <a:ea typeface="맑은 고딕" charset="0"/>
+                          <a:cs typeface="Times New Roman" charset="0"/>
+                        </a:rPr>
+                        <a:t>일정 시간 동안 특정 </a:t>
+                      </a:r>
+                      <a:r>
+                        <a:rPr lang="ko-KR" altLang="en-US" sz="1200" b="0" kern="1200" dirty="0" err="1">
+                          <a:solidFill>
+                            <a:schemeClr val="tx1"/>
+                          </a:solidFill>
+                          <a:latin typeface="맑은 고딕" charset="0"/>
+                          <a:ea typeface="맑은 고딕" charset="0"/>
+                          <a:cs typeface="Times New Roman" charset="0"/>
+                        </a:rPr>
+                        <a:t>문파의</a:t>
+                      </a:r>
+                      <a:r>
+                        <a:rPr lang="ko-KR" altLang="en-US" sz="1200" b="0" kern="1200" dirty="0">
+                          <a:solidFill>
+                            <a:schemeClr val="tx1"/>
+                          </a:solidFill>
+                          <a:latin typeface="맑은 고딕" charset="0"/>
+                          <a:ea typeface="맑은 고딕" charset="0"/>
+                          <a:cs typeface="Times New Roman" charset="0"/>
+                        </a:rPr>
+                        <a:t> 우호도를 </a:t>
+                      </a:r>
+                      <a:r>
+                        <a:rPr lang="en-US" altLang="ko-KR" sz="1200" b="0" kern="1200" dirty="0">
+                          <a:solidFill>
+                            <a:schemeClr val="tx1"/>
+                          </a:solidFill>
+                          <a:latin typeface="맑은 고딕" charset="0"/>
+                          <a:ea typeface="맑은 고딕" charset="0"/>
+                          <a:cs typeface="Times New Roman" charset="0"/>
+                        </a:rPr>
+                        <a:t>0</a:t>
+                      </a:r>
+                      <a:r>
+                        <a:rPr lang="ko-KR" altLang="en-US" sz="1200" b="0" kern="1200" dirty="0">
+                          <a:solidFill>
+                            <a:schemeClr val="tx1"/>
+                          </a:solidFill>
+                          <a:latin typeface="맑은 고딕" charset="0"/>
+                          <a:ea typeface="맑은 고딕" charset="0"/>
+                          <a:cs typeface="Times New Roman" charset="0"/>
+                        </a:rPr>
+                        <a:t>으로 만드는 소비 아이템이 있다</a:t>
+                      </a:r>
+                      <a:r>
+                        <a:rPr lang="en-US" altLang="ko-KR" sz="1200" b="0" kern="1200" dirty="0">
+                          <a:solidFill>
+                            <a:schemeClr val="tx1"/>
+                          </a:solidFill>
+                          <a:latin typeface="맑은 고딕" charset="0"/>
+                          <a:ea typeface="맑은 고딕" charset="0"/>
+                          <a:cs typeface="Times New Roman" charset="0"/>
+                        </a:rPr>
+                        <a:t>.</a:t>
+                      </a:r>
+                    </a:p>
+                  </a:txBody>
+                  <a:tcPr>
+                    <a:lnL w="0" cap="flat" cmpd="sng" algn="ctr">
+                      <a:noFill/>
+                      <a:prstDash/>
+                      <a:round/>
+                      <a:headEnd type="none" w="med" len="med"/>
+                      <a:tailEnd type="none" w="med" len="med"/>
+                    </a:lnL>
+                    <a:lnR w="0" cap="flat" cmpd="sng" algn="ctr">
+                      <a:noFill/>
+                      <a:prstDash/>
+                      <a:round/>
+                      <a:headEnd type="none" w="med" len="med"/>
+                      <a:tailEnd type="none" w="med" len="med"/>
+                    </a:lnR>
+                    <a:lnT w="12700" cap="flat" cmpd="sng" algn="ctr">
+                      <a:solidFill>
+                        <a:schemeClr val="tx1"/>
+                      </a:solidFill>
+                      <a:prstDash val="solid"/>
+                      <a:round/>
+                      <a:headEnd type="none" w="med" len="med"/>
+                      <a:tailEnd type="none" w="med" len="med"/>
+                    </a:lnT>
+                    <a:lnB w="12700" cap="flat" cmpd="sng" algn="ctr">
+                      <a:solidFill>
+                        <a:schemeClr val="tx1"/>
+                      </a:solidFill>
+                      <a:prstDash val="solid"/>
+                      <a:round/>
+                      <a:headEnd type="none" w="med" len="med"/>
+                      <a:tailEnd type="none" w="med" len="med"/>
+                    </a:lnB>
+                    <a:lnTlToBr w="0" cap="flat" cmpd="sng" algn="ctr">
+                      <a:noFill/>
+                      <a:prstDash/>
+                      <a:round/>
+                      <a:headEnd type="none" w="med" len="med"/>
+                      <a:tailEnd type="none" w="med" len="med"/>
+                    </a:lnTlToBr>
+                    <a:lnBlToTr w="0" cap="flat" cmpd="sng" algn="ctr">
+                      <a:noFill/>
+                      <a:prstDash/>
+                      <a:round/>
+                      <a:headEnd type="none" w="med" len="med"/>
+                      <a:tailEnd type="none" w="med" len="med"/>
+                    </a:lnBlToTr>
+                    <a:noFill/>
+                  </a:tcPr>
+                </a:tc>
+                <a:extLst>
+                  <a:ext uri="{0D108BD9-81ED-4DB2-BD59-A6C34878D82A}">
+                    <a16:rowId xmlns:a16="http://schemas.microsoft.com/office/drawing/2014/main" val="969962190"/>
+                  </a:ext>
+                </a:extLst>
+              </a:tr>
+              <a:tr h="0">
+                <a:tc>
+                  <a:txBody>
+                    <a:bodyPr/>
+                    <a:lstStyle/>
+                    <a:p>
+                      <a:pPr marL="0" marR="0" lvl="1" indent="0" algn="l" defTabSz="914400" rtl="0" eaLnBrk="1" fontAlgn="auto" latinLnBrk="1" hangingPunct="1">
+                        <a:lnSpc>
+                          <a:spcPct val="100000"/>
+                        </a:lnSpc>
+                        <a:spcBef>
+                          <a:spcPct val="0"/>
+                        </a:spcBef>
+                        <a:spcAft>
+                          <a:spcPct val="0"/>
+                        </a:spcAft>
+                        <a:buClrTx/>
+                        <a:buSzTx/>
+                        <a:buFontTx/>
+                        <a:buNone/>
+                        <a:tabLst/>
+                        <a:defRPr/>
+                      </a:pPr>
+                      <a:r>
+                        <a:rPr lang="ko-KR" altLang="en-US" sz="1200" b="0" kern="1200" dirty="0" err="1">
+                          <a:solidFill>
+                            <a:schemeClr val="tx1"/>
+                          </a:solidFill>
+                          <a:latin typeface="맑은 고딕" charset="0"/>
+                          <a:ea typeface="맑은 고딕" charset="0"/>
+                          <a:cs typeface="Times New Roman" charset="0"/>
+                        </a:rPr>
+                        <a:t>마교와</a:t>
+                      </a:r>
+                      <a:r>
+                        <a:rPr lang="en-US" altLang="ko-KR" sz="1200" b="0" kern="1200" dirty="0">
+                          <a:solidFill>
+                            <a:schemeClr val="tx1"/>
+                          </a:solidFill>
+                          <a:latin typeface="맑은 고딕" charset="0"/>
+                          <a:ea typeface="맑은 고딕" charset="0"/>
+                          <a:cs typeface="Times New Roman" charset="0"/>
+                        </a:rPr>
+                        <a:t> </a:t>
+                      </a:r>
+                      <a:r>
+                        <a:rPr lang="ko-KR" altLang="en-US" sz="1200" b="0" kern="1200" dirty="0" err="1">
+                          <a:solidFill>
+                            <a:schemeClr val="tx1"/>
+                          </a:solidFill>
+                          <a:latin typeface="맑은 고딕" charset="0"/>
+                          <a:ea typeface="맑은 고딕" charset="0"/>
+                          <a:cs typeface="Times New Roman" charset="0"/>
+                        </a:rPr>
+                        <a:t>혈교는</a:t>
+                      </a:r>
+                      <a:r>
+                        <a:rPr lang="ko-KR" altLang="en-US" sz="1200" b="0" kern="1200" dirty="0">
+                          <a:solidFill>
+                            <a:schemeClr val="tx1"/>
+                          </a:solidFill>
+                          <a:latin typeface="맑은 고딕" charset="0"/>
+                          <a:ea typeface="맑은 고딕" charset="0"/>
+                          <a:cs typeface="Times New Roman" charset="0"/>
+                        </a:rPr>
+                        <a:t> 잠입에 사용할 수 있는 </a:t>
+                      </a:r>
+                      <a:r>
+                        <a:rPr lang="en-US" altLang="ko-KR" sz="1200" b="0" kern="1200" dirty="0">
+                          <a:solidFill>
+                            <a:schemeClr val="tx1"/>
+                          </a:solidFill>
+                          <a:latin typeface="맑은 고딕" charset="0"/>
+                          <a:ea typeface="맑은 고딕" charset="0"/>
+                          <a:cs typeface="Times New Roman" charset="0"/>
+                        </a:rPr>
+                        <a:t>ON/OFF</a:t>
+                      </a:r>
+                      <a:r>
+                        <a:rPr lang="ko-KR" altLang="en-US" sz="1200" b="0" kern="1200" dirty="0">
+                          <a:solidFill>
+                            <a:schemeClr val="tx1"/>
+                          </a:solidFill>
+                          <a:latin typeface="맑은 고딕" charset="0"/>
+                          <a:ea typeface="맑은 고딕" charset="0"/>
+                          <a:cs typeface="Times New Roman" charset="0"/>
+                        </a:rPr>
+                        <a:t> 형태의 패시브 스킬을 배울 수 있다</a:t>
+                      </a:r>
+                      <a:r>
+                        <a:rPr lang="en-US" altLang="ko-KR" sz="1200" b="0" kern="1200" dirty="0">
+                          <a:solidFill>
+                            <a:schemeClr val="tx1"/>
+                          </a:solidFill>
+                          <a:latin typeface="맑은 고딕" charset="0"/>
+                          <a:ea typeface="맑은 고딕" charset="0"/>
+                          <a:cs typeface="Times New Roman" charset="0"/>
+                        </a:rPr>
+                        <a:t>.</a:t>
+                      </a:r>
+                    </a:p>
+                  </a:txBody>
+                  <a:tcPr>
+                    <a:lnL w="0" cap="flat" cmpd="sng" algn="ctr">
+                      <a:noFill/>
+                      <a:prstDash/>
+                      <a:round/>
+                      <a:headEnd type="none" w="med" len="med"/>
+                      <a:tailEnd type="none" w="med" len="med"/>
+                    </a:lnL>
+                    <a:lnR w="0" cap="flat" cmpd="sng" algn="ctr">
+                      <a:noFill/>
+                      <a:prstDash/>
+                      <a:round/>
+                      <a:headEnd type="none" w="med" len="med"/>
+                      <a:tailEnd type="none" w="med" len="med"/>
+                    </a:lnR>
+                    <a:lnT w="12700" cap="flat" cmpd="sng" algn="ctr">
+                      <a:solidFill>
+                        <a:schemeClr val="tx1"/>
+                      </a:solidFill>
+                      <a:prstDash val="solid"/>
+                      <a:round/>
+                      <a:headEnd type="none" w="med" len="med"/>
+                      <a:tailEnd type="none" w="med" len="med"/>
+                    </a:lnT>
+                    <a:lnB w="12700" cap="flat" cmpd="sng" algn="ctr">
+                      <a:solidFill>
+                        <a:schemeClr val="tx1"/>
+                      </a:solidFill>
+                      <a:prstDash val="solid"/>
+                      <a:round/>
+                      <a:headEnd type="none" w="med" len="med"/>
+                      <a:tailEnd type="none" w="med" len="med"/>
+                    </a:lnB>
+                    <a:lnTlToBr w="0" cap="flat" cmpd="sng" algn="ctr">
+                      <a:noFill/>
+                      <a:prstDash/>
+                      <a:round/>
+                      <a:headEnd type="none" w="med" len="med"/>
+                      <a:tailEnd type="none" w="med" len="med"/>
+                    </a:lnTlToBr>
+                    <a:lnBlToTr w="0" cap="flat" cmpd="sng" algn="ctr">
+                      <a:noFill/>
+                      <a:prstDash/>
+                      <a:round/>
+                      <a:headEnd type="none" w="med" len="med"/>
+                      <a:tailEnd type="none" w="med" len="med"/>
+                    </a:lnBlToTr>
+                    <a:noFill/>
+                  </a:tcPr>
+                </a:tc>
+                <a:extLst>
+                  <a:ext uri="{0D108BD9-81ED-4DB2-BD59-A6C34878D82A}">
+                    <a16:rowId xmlns:a16="http://schemas.microsoft.com/office/drawing/2014/main" val="4031687768"/>
+                  </a:ext>
+                </a:extLst>
+              </a:tr>
+              <a:tr h="0">
+                <a:tc>
+                  <a:txBody>
+                    <a:bodyPr/>
+                    <a:lstStyle/>
+                    <a:p>
+                      <a:pPr marL="0" marR="0" lvl="1" indent="0" algn="l" defTabSz="914400" rtl="0" eaLnBrk="1" fontAlgn="auto" latinLnBrk="1" hangingPunct="1">
+                        <a:lnSpc>
+                          <a:spcPct val="100000"/>
+                        </a:lnSpc>
+                        <a:spcBef>
+                          <a:spcPct val="0"/>
+                        </a:spcBef>
+                        <a:spcAft>
+                          <a:spcPct val="0"/>
+                        </a:spcAft>
+                        <a:buClrTx/>
+                        <a:buSzTx/>
+                        <a:buFontTx/>
+                        <a:buNone/>
+                        <a:tabLst/>
+                        <a:defRPr/>
+                      </a:pPr>
+                      <a:r>
+                        <a:rPr lang="ko-KR" altLang="en-US" sz="1200" b="0" kern="1200" dirty="0">
+                          <a:solidFill>
+                            <a:schemeClr val="tx1"/>
+                          </a:solidFill>
+                          <a:latin typeface="맑은 고딕" charset="0"/>
+                          <a:ea typeface="맑은 고딕" charset="0"/>
+                          <a:cs typeface="Times New Roman" charset="0"/>
+                        </a:rPr>
+                        <a:t>잠입 중에 중립 상태가 아니게 될 경우 근처 적대 세력 </a:t>
+                      </a:r>
+                      <a:r>
+                        <a:rPr lang="en-US" altLang="ko-KR" sz="1200" b="0" kern="1200" dirty="0">
+                          <a:solidFill>
+                            <a:schemeClr val="tx1"/>
+                          </a:solidFill>
+                          <a:latin typeface="맑은 고딕" charset="0"/>
+                          <a:ea typeface="맑은 고딕" charset="0"/>
+                          <a:cs typeface="Times New Roman" charset="0"/>
+                        </a:rPr>
+                        <a:t>NPC</a:t>
+                      </a:r>
+                      <a:r>
+                        <a:rPr lang="ko-KR" altLang="en-US" sz="1200" b="0" kern="1200" dirty="0">
+                          <a:solidFill>
+                            <a:schemeClr val="tx1"/>
+                          </a:solidFill>
+                          <a:latin typeface="맑은 고딕" charset="0"/>
+                          <a:ea typeface="맑은 고딕" charset="0"/>
+                          <a:cs typeface="Times New Roman" charset="0"/>
+                        </a:rPr>
+                        <a:t>는 경계 상태가 된다</a:t>
+                      </a:r>
+                      <a:r>
+                        <a:rPr lang="en-US" altLang="ko-KR" sz="1200" b="0" kern="1200" dirty="0">
+                          <a:solidFill>
+                            <a:schemeClr val="tx1"/>
+                          </a:solidFill>
+                          <a:latin typeface="맑은 고딕" charset="0"/>
+                          <a:ea typeface="맑은 고딕" charset="0"/>
+                          <a:cs typeface="Times New Roman" charset="0"/>
+                        </a:rPr>
+                        <a:t>.</a:t>
+                      </a:r>
+                    </a:p>
+                  </a:txBody>
+                  <a:tcPr>
+                    <a:lnL w="0" cap="flat" cmpd="sng" algn="ctr">
+                      <a:noFill/>
+                      <a:prstDash/>
+                      <a:round/>
+                      <a:headEnd type="none" w="med" len="med"/>
+                      <a:tailEnd type="none" w="med" len="med"/>
+                    </a:lnL>
+                    <a:lnR w="0" cap="flat" cmpd="sng" algn="ctr">
+                      <a:noFill/>
+                      <a:prstDash/>
+                      <a:round/>
+                      <a:headEnd type="none" w="med" len="med"/>
+                      <a:tailEnd type="none" w="med" len="med"/>
+                    </a:lnR>
+                    <a:lnT w="12700" cap="flat" cmpd="sng" algn="ctr">
+                      <a:solidFill>
+                        <a:schemeClr val="tx1"/>
+                      </a:solidFill>
+                      <a:prstDash val="solid"/>
+                      <a:round/>
+                      <a:headEnd type="none" w="med" len="med"/>
+                      <a:tailEnd type="none" w="med" len="med"/>
+                    </a:lnT>
+                    <a:lnB w="12700" cap="flat" cmpd="sng" algn="ctr">
+                      <a:noFill/>
+                      <a:prstDash val="solid"/>
+                      <a:round/>
+                      <a:headEnd type="none" w="med" len="med"/>
+                      <a:tailEnd type="none" w="med" len="med"/>
+                    </a:lnB>
+                    <a:lnTlToBr w="0" cap="flat" cmpd="sng" algn="ctr">
+                      <a:noFill/>
+                      <a:prstDash/>
+                      <a:round/>
+                      <a:headEnd type="none" w="med" len="med"/>
+                      <a:tailEnd type="none" w="med" len="med"/>
+                    </a:lnTlToBr>
+                    <a:lnBlToTr w="0" cap="flat" cmpd="sng" algn="ctr">
+                      <a:noFill/>
+                      <a:prstDash/>
+                      <a:round/>
+                      <a:headEnd type="none" w="med" len="med"/>
+                      <a:tailEnd type="none" w="med" len="med"/>
+                    </a:lnBlToTr>
+                    <a:noFill/>
+                  </a:tcPr>
+                </a:tc>
+                <a:extLst>
+                  <a:ext uri="{0D108BD9-81ED-4DB2-BD59-A6C34878D82A}">
+                    <a16:rowId xmlns:a16="http://schemas.microsoft.com/office/drawing/2014/main" val="2823449412"/>
+                  </a:ext>
+                </a:extLst>
+              </a:tr>
+            </a:tbl>
+          </a:graphicData>
+        </a:graphic>
+      </p:graphicFrame>
+      <p:sp>
+        <p:nvSpPr>
+          <p:cNvPr id="7" name="제목 1">
+            <a:extLst>
+              <a:ext uri="{FF2B5EF4-FFF2-40B4-BE49-F238E27FC236}">
+                <a16:creationId xmlns:a16="http://schemas.microsoft.com/office/drawing/2014/main" id="{77FA9A8E-E94C-4F99-8997-7C96A1AAEAC7}"/>
+              </a:ext>
+            </a:extLst>
+          </p:cNvPr>
+          <p:cNvSpPr txBox="1">
+            <a:spLocks/>
+          </p:cNvSpPr>
+          <p:nvPr/>
+        </p:nvSpPr>
+        <p:spPr>
+          <a:xfrm>
+            <a:off x="695325" y="292100"/>
+            <a:ext cx="10801350" cy="861695"/>
+          </a:xfrm>
+          <a:prstGeom prst="rect">
+            <a:avLst/>
+          </a:prstGeom>
+        </p:spPr>
+        <p:txBody>
+          <a:bodyPr vert="horz" lIns="91440" tIns="45720" rIns="91440" bIns="45720" rtlCol="0" anchor="ctr">
+            <a:normAutofit/>
+          </a:bodyPr>
+          <a:lstStyle>
+            <a:lvl1pPr algn="l" defTabSz="914400" rtl="0" eaLnBrk="1" latinLnBrk="1" hangingPunct="1">
+              <a:lnSpc>
+                <a:spcPct val="90000"/>
+              </a:lnSpc>
+              <a:spcBef>
+                <a:spcPct val="0"/>
+              </a:spcBef>
+              <a:buNone/>
+              <a:defRPr sz="4400" kern="1200">
+                <a:solidFill>
+                  <a:schemeClr val="tx1"/>
+                </a:solidFill>
+                <a:latin typeface="+mj-lt"/>
+                <a:ea typeface="+mj-ea"/>
+                <a:cs typeface="+mj-cs"/>
+              </a:defRPr>
+            </a:lvl1pPr>
+          </a:lstStyle>
+          <a:p>
+            <a:r>
+              <a:rPr lang="ko-KR" altLang="en-US" dirty="0"/>
+              <a:t>잠입 규칙</a:t>
+            </a:r>
+          </a:p>
+        </p:txBody>
+      </p:sp>
+      <p:graphicFrame>
+        <p:nvGraphicFramePr>
+          <p:cNvPr id="8" name="표 2">
+            <a:extLst>
+              <a:ext uri="{FF2B5EF4-FFF2-40B4-BE49-F238E27FC236}">
+                <a16:creationId xmlns:a16="http://schemas.microsoft.com/office/drawing/2014/main" id="{2436C41E-1117-4F4C-A68C-2180939C5720}"/>
+              </a:ext>
+            </a:extLst>
+          </p:cNvPr>
+          <p:cNvGraphicFramePr>
+            <a:graphicFrameLocks noGrp="1"/>
+          </p:cNvGraphicFramePr>
+          <p:nvPr>
+            <p:extLst>
+              <p:ext uri="{D42A27DB-BD31-4B8C-83A1-F6EECF244321}">
+                <p14:modId xmlns:p14="http://schemas.microsoft.com/office/powerpoint/2010/main" val="2041246965"/>
+              </p:ext>
+            </p:extLst>
+          </p:nvPr>
+        </p:nvGraphicFramePr>
+        <p:xfrm>
+          <a:off x="2603816" y="3429000"/>
+          <a:ext cx="6984365" cy="2468880"/>
+        </p:xfrm>
+        <a:graphic>
+          <a:graphicData uri="http://schemas.openxmlformats.org/drawingml/2006/table">
+            <a:tbl>
+              <a:tblPr firstRow="1" bandRow="1">
+                <a:tableStyleId>{5C22544A-7EE6-4342-B048-85BDC9FD1C3A}</a:tableStyleId>
+              </a:tblPr>
+              <a:tblGrid>
+                <a:gridCol w="652780">
+                  <a:extLst>
+                    <a:ext uri="{9D8B030D-6E8A-4147-A177-3AD203B41FA5}">
+                      <a16:colId xmlns:a16="http://schemas.microsoft.com/office/drawing/2014/main" val="2422316135"/>
+                    </a:ext>
+                  </a:extLst>
+                </a:gridCol>
+                <a:gridCol w="1510030">
+                  <a:extLst>
+                    <a:ext uri="{9D8B030D-6E8A-4147-A177-3AD203B41FA5}">
+                      <a16:colId xmlns:a16="http://schemas.microsoft.com/office/drawing/2014/main" val="399140447"/>
+                    </a:ext>
+                  </a:extLst>
+                </a:gridCol>
+                <a:gridCol w="4821555">
+                  <a:extLst>
+                    <a:ext uri="{9D8B030D-6E8A-4147-A177-3AD203B41FA5}">
+                      <a16:colId xmlns:a16="http://schemas.microsoft.com/office/drawing/2014/main" val="1292698405"/>
+                    </a:ext>
+                  </a:extLst>
+                </a:gridCol>
+              </a:tblGrid>
+              <a:tr h="0">
+                <a:tc gridSpan="3">
+                  <a:txBody>
+                    <a:bodyPr/>
+                    <a:lstStyle/>
+                    <a:p>
+                      <a:pPr algn="l" latinLnBrk="1"/>
+                      <a:r>
+                        <a:rPr lang="ko-KR" altLang="en-US" sz="1000" b="0" dirty="0">
+                          <a:solidFill>
+                            <a:schemeClr val="tx1"/>
+                          </a:solidFill>
+                        </a:rPr>
+                        <a:t>잠입 방법</a:t>
+                      </a:r>
+                    </a:p>
+                  </a:txBody>
+                  <a:tcPr>
+                    <a:lnL w="12700" cmpd="sng">
+                      <a:noFill/>
+                    </a:lnL>
+                    <a:lnR w="12700" cmpd="sng">
+                      <a:noFill/>
+                    </a:lnR>
+                    <a:lnT w="12700" cmpd="sng">
+                      <a:noFill/>
+                    </a:lnT>
+                    <a:lnB w="12700" cap="flat" cmpd="sng" algn="ctr">
+                      <a:solidFill>
+                        <a:schemeClr val="tx1"/>
+                      </a:solidFill>
+                      <a:prstDash val="solid"/>
+                      <a:round/>
+                      <a:headEnd type="none" w="med" len="med"/>
+                      <a:tailEnd type="none" w="med" len="med"/>
+                    </a:lnB>
+                    <a:lnTlToBr w="12700" cmpd="sng">
+                      <a:noFill/>
+                      <a:prstDash val="solid"/>
+                    </a:lnTlToBr>
+                    <a:lnBlToTr w="12700" cmpd="sng">
+                      <a:noFill/>
+                      <a:prstDash val="solid"/>
+                    </a:lnBlToTr>
+                    <a:solidFill>
+                      <a:schemeClr val="bg1">
+                        <a:lumMod val="95000"/>
+                      </a:schemeClr>
+                    </a:solidFill>
+                  </a:tcPr>
+                </a:tc>
+                <a:tc hMerge="1">
+                  <a:txBody>
+                    <a:bodyPr/>
+                    <a:lstStyle/>
+                    <a:p>
+                      <a:pPr algn="l" latinLnBrk="1"/>
+                      <a:endParaRPr lang="ko-KR" altLang="en-US" b="0" dirty="0">
+                        <a:solidFill>
+                          <a:schemeClr val="tx1"/>
+                        </a:solidFill>
+                      </a:endParaRPr>
+                    </a:p>
+                  </a:txBody>
+                  <a:tcPr>
+                    <a:lnL w="12700" cap="flat" cmpd="sng" algn="ctr">
+                      <a:solidFill>
+                        <a:schemeClr val="tx1"/>
+                      </a:solidFill>
+                      <a:prstDash val="solid"/>
+                      <a:round/>
+                      <a:headEnd type="none" w="med" len="med"/>
+                      <a:tailEnd type="none" w="med" len="med"/>
+                    </a:lnL>
+                    <a:lnR w="12700" cmpd="sng">
+                      <a:noFill/>
+                    </a:lnR>
+                    <a:lnT w="12700" cmpd="sng">
+                      <a:noFill/>
+                    </a:lnT>
+                    <a:lnB w="12700" cap="flat" cmpd="sng" algn="ctr">
+                      <a:solidFill>
+                        <a:schemeClr val="tx1"/>
+                      </a:solidFill>
+                      <a:prstDash val="solid"/>
+                      <a:round/>
+                      <a:headEnd type="none" w="med" len="med"/>
+                      <a:tailEnd type="none" w="med" len="med"/>
+                    </a:lnB>
+                    <a:lnTlToBr w="12700" cmpd="sng">
+                      <a:noFill/>
+                      <a:prstDash val="solid"/>
+                    </a:lnTlToBr>
+                    <a:lnBlToTr w="12700" cmpd="sng">
+                      <a:noFill/>
+                      <a:prstDash val="solid"/>
+                    </a:lnBlToTr>
+                    <a:noFill/>
+                  </a:tcPr>
+                </a:tc>
+                <a:tc hMerge="1">
+                  <a:txBody>
+                    <a:bodyPr/>
+                    <a:lstStyle/>
+                    <a:p>
+                      <a:pPr latinLnBrk="1"/>
+                      <a:endParaRPr lang="ko-KR" altLang="en-US"/>
+                    </a:p>
+                  </a:txBody>
+                  <a:tcPr>
+                    <a:lnL w="12700" cmpd="sng">
+                      <a:noFill/>
+                    </a:lnL>
+                  </a:tcPr>
+                </a:tc>
+                <a:extLst>
+                  <a:ext uri="{0D108BD9-81ED-4DB2-BD59-A6C34878D82A}">
+                    <a16:rowId xmlns:a16="http://schemas.microsoft.com/office/drawing/2014/main" val="3064705254"/>
+                  </a:ext>
+                </a:extLst>
+              </a:tr>
+              <a:tr h="0">
+                <a:tc rowSpan="2">
+                  <a:txBody>
+                    <a:bodyPr/>
+                    <a:lstStyle/>
+                    <a:p>
+                      <a:pPr algn="ctr" latinLnBrk="1"/>
+                      <a:r>
+                        <a:rPr lang="ko-KR" altLang="en-US" sz="1000" b="0" dirty="0">
+                          <a:solidFill>
+                            <a:schemeClr val="tx1"/>
+                          </a:solidFill>
+                        </a:rPr>
+                        <a:t>소비 </a:t>
+                      </a:r>
+                      <a:endParaRPr lang="en-US" altLang="ko-KR" sz="1000" b="0" dirty="0">
+                        <a:solidFill>
+                          <a:schemeClr val="tx1"/>
+                        </a:solidFill>
+                      </a:endParaRPr>
+                    </a:p>
+                    <a:p>
+                      <a:pPr algn="ctr" latinLnBrk="1"/>
+                      <a:r>
+                        <a:rPr lang="ko-KR" altLang="en-US" sz="1000" b="0" dirty="0">
+                          <a:solidFill>
+                            <a:schemeClr val="tx1"/>
+                          </a:solidFill>
+                        </a:rPr>
+                        <a:t>아이템</a:t>
+                      </a:r>
+                    </a:p>
+                  </a:txBody>
+                  <a:tcPr anchor="ctr">
+                    <a:lnL w="12700" cap="flat" cmpd="sng" algn="ctr">
+                      <a:noFill/>
+                      <a:prstDash val="solid"/>
+                      <a:round/>
+                      <a:headEnd type="none" w="med" len="med"/>
+                      <a:tailEnd type="none" w="med" len="med"/>
+                    </a:lnL>
+                    <a:lnR w="12700" cap="flat" cmpd="sng" algn="ctr">
+                      <a:solidFill>
+                        <a:schemeClr val="tx1"/>
+                      </a:solidFill>
+                      <a:prstDash val="solid"/>
+                      <a:round/>
+                      <a:headEnd type="none" w="med" len="med"/>
+                      <a:tailEnd type="none" w="med" len="med"/>
+                    </a:lnR>
+                    <a:lnT w="12700" cap="flat" cmpd="sng" algn="ctr">
+                      <a:solidFill>
+                        <a:schemeClr val="tx1"/>
+                      </a:solidFill>
+                      <a:prstDash val="solid"/>
+                      <a:round/>
+                      <a:headEnd type="none" w="med" len="med"/>
+                      <a:tailEnd type="none" w="med" len="med"/>
+                    </a:lnT>
+                    <a:lnB w="12700" cap="flat" cmpd="sng" algn="ctr">
+                      <a:solidFill>
+                        <a:schemeClr val="tx1"/>
+                      </a:solidFill>
+                      <a:prstDash val="solid"/>
+                      <a:round/>
+                      <a:headEnd type="none" w="med" len="med"/>
+                      <a:tailEnd type="none" w="med" len="med"/>
+                    </a:lnB>
+                    <a:lnTlToBr w="12700" cmpd="sng">
+                      <a:noFill/>
+                      <a:prstDash val="solid"/>
+                    </a:lnTlToBr>
+                    <a:lnBlToTr w="12700" cmpd="sng">
+                      <a:noFill/>
+                      <a:prstDash val="solid"/>
+                    </a:lnBlToTr>
+                    <a:noFill/>
+                  </a:tcPr>
+                </a:tc>
+                <a:tc>
+                  <a:txBody>
+                    <a:bodyPr/>
+                    <a:lstStyle/>
+                    <a:p>
+                      <a:pPr algn="ctr" latinLnBrk="1"/>
+                      <a:r>
+                        <a:rPr lang="ko-KR" altLang="en-US" sz="1000" b="0" dirty="0">
+                          <a:solidFill>
+                            <a:schemeClr val="tx1"/>
+                          </a:solidFill>
+                        </a:rPr>
+                        <a:t>기운을 지우는 환약</a:t>
+                      </a:r>
+                    </a:p>
+                  </a:txBody>
+                  <a:tcPr anchor="ctr">
+                    <a:lnL w="12700" cap="flat" cmpd="sng" algn="ctr">
+                      <a:solidFill>
+                        <a:schemeClr val="tx1"/>
+                      </a:solidFill>
+                      <a:prstDash val="solid"/>
+                      <a:round/>
+                      <a:headEnd type="none" w="med" len="med"/>
+                      <a:tailEnd type="none" w="med" len="med"/>
+                    </a:lnL>
+                    <a:lnR w="12700" cap="flat" cmpd="sng" algn="ctr">
+                      <a:solidFill>
+                        <a:schemeClr val="tx1"/>
+                      </a:solidFill>
+                      <a:prstDash val="solid"/>
+                      <a:round/>
+                      <a:headEnd type="none" w="med" len="med"/>
+                      <a:tailEnd type="none" w="med" len="med"/>
+                    </a:lnR>
+                    <a:lnT w="12700" cap="flat" cmpd="sng" algn="ctr">
+                      <a:solidFill>
+                        <a:schemeClr val="tx1"/>
+                      </a:solidFill>
+                      <a:prstDash val="solid"/>
+                      <a:round/>
+                      <a:headEnd type="none" w="med" len="med"/>
+                      <a:tailEnd type="none" w="med" len="med"/>
+                    </a:lnT>
+                    <a:lnB w="12700" cap="flat" cmpd="sng" algn="ctr">
+                      <a:solidFill>
+                        <a:schemeClr val="tx1"/>
+                      </a:solidFill>
+                      <a:prstDash val="solid"/>
+                      <a:round/>
+                      <a:headEnd type="none" w="med" len="med"/>
+                      <a:tailEnd type="none" w="med" len="med"/>
+                    </a:lnB>
+                    <a:lnTlToBr w="12700" cmpd="sng">
+                      <a:noFill/>
+                      <a:prstDash val="solid"/>
+                    </a:lnTlToBr>
+                    <a:lnBlToTr w="12700" cmpd="sng">
+                      <a:noFill/>
+                      <a:prstDash val="solid"/>
+                    </a:lnBlToTr>
+                    <a:noFill/>
+                  </a:tcPr>
+                </a:tc>
+                <a:tc>
+                  <a:txBody>
+                    <a:bodyPr/>
+                    <a:lstStyle/>
+                    <a:p>
+                      <a:pPr marL="0" marR="0" lvl="0" indent="0" algn="l" defTabSz="914400" rtl="0" eaLnBrk="1" fontAlgn="auto" latinLnBrk="1" hangingPunct="1">
+                        <a:lnSpc>
+                          <a:spcPct val="100000"/>
+                        </a:lnSpc>
+                        <a:spcBef>
+                          <a:spcPts val="0"/>
+                        </a:spcBef>
+                        <a:spcAft>
+                          <a:spcPts val="0"/>
+                        </a:spcAft>
+                        <a:buClrTx/>
+                        <a:buSzTx/>
+                        <a:buFontTx/>
+                        <a:buNone/>
+                        <a:tabLst/>
+                        <a:defRPr/>
+                      </a:pPr>
+                      <a:r>
+                        <a:rPr lang="ko-KR" altLang="en-US" sz="1000" b="0" dirty="0">
+                          <a:solidFill>
+                            <a:schemeClr val="tx1"/>
+                          </a:solidFill>
+                        </a:rPr>
+                        <a:t>복용하는 것으로 등급에 따라서 </a:t>
+                      </a:r>
+                      <a:r>
+                        <a:rPr lang="en-US" altLang="ko-KR" sz="1000" b="0" dirty="0">
+                          <a:solidFill>
+                            <a:schemeClr val="tx1"/>
+                          </a:solidFill>
+                        </a:rPr>
+                        <a:t>10/20/30</a:t>
+                      </a:r>
+                      <a:r>
+                        <a:rPr lang="ko-KR" altLang="en-US" sz="1000" b="0" dirty="0">
+                          <a:solidFill>
+                            <a:schemeClr val="tx1"/>
+                          </a:solidFill>
+                        </a:rPr>
+                        <a:t>분 동안 특정 </a:t>
+                      </a:r>
+                      <a:r>
+                        <a:rPr lang="ko-KR" altLang="en-US" sz="1000" b="0" dirty="0" err="1">
+                          <a:solidFill>
+                            <a:schemeClr val="tx1"/>
+                          </a:solidFill>
+                        </a:rPr>
+                        <a:t>문파의</a:t>
+                      </a:r>
+                      <a:r>
+                        <a:rPr lang="ko-KR" altLang="en-US" sz="1000" b="0" dirty="0">
+                          <a:solidFill>
+                            <a:schemeClr val="tx1"/>
+                          </a:solidFill>
+                        </a:rPr>
+                        <a:t> 기를 감출 수 있다</a:t>
+                      </a:r>
+                      <a:r>
+                        <a:rPr lang="en-US" altLang="ko-KR" sz="1000" b="0" dirty="0">
+                          <a:solidFill>
+                            <a:schemeClr val="tx1"/>
+                          </a:solidFill>
+                        </a:rPr>
+                        <a:t>.</a:t>
+                      </a:r>
+                      <a:endParaRPr lang="ko-KR" altLang="en-US" sz="1000" b="0" dirty="0">
+                        <a:solidFill>
+                          <a:schemeClr val="tx1"/>
+                        </a:solidFill>
+                      </a:endParaRPr>
+                    </a:p>
+                  </a:txBody>
+                  <a:tcPr anchor="ctr">
+                    <a:lnL w="12700" cap="flat" cmpd="sng" algn="ctr">
+                      <a:solidFill>
+                        <a:schemeClr val="tx1"/>
+                      </a:solidFill>
+                      <a:prstDash val="solid"/>
+                      <a:round/>
+                      <a:headEnd type="none" w="med" len="med"/>
+                      <a:tailEnd type="none" w="med" len="med"/>
+                    </a:lnL>
+                    <a:lnR w="12700" cap="flat" cmpd="sng" algn="ctr">
+                      <a:noFill/>
+                      <a:prstDash val="solid"/>
+                      <a:round/>
+                      <a:headEnd type="none" w="med" len="med"/>
+                      <a:tailEnd type="none" w="med" len="med"/>
+                    </a:lnR>
+                    <a:lnT w="12700" cap="flat" cmpd="sng" algn="ctr">
+                      <a:solidFill>
+                        <a:schemeClr val="tx1"/>
+                      </a:solidFill>
+                      <a:prstDash val="solid"/>
+                      <a:round/>
+                      <a:headEnd type="none" w="med" len="med"/>
+                      <a:tailEnd type="none" w="med" len="med"/>
+                    </a:lnT>
+                    <a:lnB w="12700" cap="flat" cmpd="sng" algn="ctr">
+                      <a:solidFill>
+                        <a:schemeClr val="tx1"/>
+                      </a:solidFill>
+                      <a:prstDash val="solid"/>
+                      <a:round/>
+                      <a:headEnd type="none" w="med" len="med"/>
+                      <a:tailEnd type="none" w="med" len="med"/>
+                    </a:lnB>
+                    <a:lnTlToBr w="12700" cmpd="sng">
+                      <a:noFill/>
+                      <a:prstDash val="solid"/>
+                    </a:lnTlToBr>
+                    <a:lnBlToTr w="12700" cmpd="sng">
+                      <a:noFill/>
+                      <a:prstDash val="solid"/>
+                    </a:lnBlToTr>
+                    <a:noFill/>
+                  </a:tcPr>
+                </a:tc>
+                <a:extLst>
+                  <a:ext uri="{0D108BD9-81ED-4DB2-BD59-A6C34878D82A}">
+                    <a16:rowId xmlns:a16="http://schemas.microsoft.com/office/drawing/2014/main" val="3391025423"/>
+                  </a:ext>
+                </a:extLst>
+              </a:tr>
+              <a:tr h="0">
+                <a:tc vMerge="1">
+                  <a:txBody>
+                    <a:bodyPr/>
+                    <a:lstStyle/>
+                    <a:p>
+                      <a:pPr algn="l" latinLnBrk="1"/>
+                      <a:endParaRPr lang="ko-KR" altLang="en-US" sz="1200" b="0" dirty="0">
+                        <a:solidFill>
+                          <a:schemeClr val="tx1"/>
+                        </a:solidFill>
+                      </a:endParaRPr>
+                    </a:p>
+                  </a:txBody>
+                  <a:tcPr anchor="ctr">
+                    <a:lnL w="12700" cmpd="sng">
+                      <a:noFill/>
+                    </a:lnL>
+                    <a:lnR w="12700" cap="flat" cmpd="sng" algn="ctr">
+                      <a:solidFill>
+                        <a:schemeClr val="tx1"/>
+                      </a:solidFill>
+                      <a:prstDash val="solid"/>
+                      <a:round/>
+                      <a:headEnd type="none" w="med" len="med"/>
+                      <a:tailEnd type="none" w="med" len="med"/>
+                    </a:lnR>
+                    <a:lnT w="12700" cap="flat" cmpd="sng" algn="ctr">
+                      <a:solidFill>
+                        <a:schemeClr val="tx1"/>
+                      </a:solidFill>
+                      <a:prstDash val="solid"/>
+                      <a:round/>
+                      <a:headEnd type="none" w="med" len="med"/>
+                      <a:tailEnd type="none" w="med" len="med"/>
+                    </a:lnT>
+                    <a:lnB w="12700" cap="flat" cmpd="sng" algn="ctr">
+                      <a:solidFill>
+                        <a:schemeClr val="tx1"/>
+                      </a:solidFill>
+                      <a:prstDash val="solid"/>
+                      <a:round/>
+                      <a:headEnd type="none" w="med" len="med"/>
+                      <a:tailEnd type="none" w="med" len="med"/>
+                    </a:lnB>
+                    <a:lnTlToBr w="12700" cmpd="sng">
+                      <a:noFill/>
+                      <a:prstDash val="solid"/>
+                    </a:lnTlToBr>
+                    <a:lnBlToTr w="12700" cmpd="sng">
+                      <a:noFill/>
+                      <a:prstDash val="solid"/>
+                    </a:lnBlToTr>
+                    <a:noFill/>
+                  </a:tcPr>
+                </a:tc>
+                <a:tc>
+                  <a:txBody>
+                    <a:bodyPr/>
+                    <a:lstStyle/>
+                    <a:p>
+                      <a:pPr marL="0" marR="0" lvl="0" indent="0" algn="ctr" defTabSz="914400" rtl="0" eaLnBrk="1" fontAlgn="auto" latinLnBrk="1" hangingPunct="1">
+                        <a:lnSpc>
+                          <a:spcPct val="100000"/>
+                        </a:lnSpc>
+                        <a:spcBef>
+                          <a:spcPts val="0"/>
+                        </a:spcBef>
+                        <a:spcAft>
+                          <a:spcPts val="0"/>
+                        </a:spcAft>
+                        <a:buClrTx/>
+                        <a:buSzTx/>
+                        <a:buFontTx/>
+                        <a:buNone/>
+                        <a:tabLst/>
+                        <a:defRPr/>
+                      </a:pPr>
+                      <a:r>
+                        <a:rPr kumimoji="0" lang="ko-KR" altLang="en-US" sz="1000" b="0" i="0" u="none" strike="noStrike" kern="1200" cap="none" spc="0" normalizeH="0" baseline="0" noProof="0" dirty="0">
+                          <a:ln>
+                            <a:noFill/>
+                          </a:ln>
+                          <a:solidFill>
+                            <a:prstClr val="black"/>
+                          </a:solidFill>
+                          <a:effectLst/>
+                          <a:uLnTx/>
+                          <a:uFillTx/>
+                          <a:latin typeface="+mn-lt"/>
+                          <a:ea typeface="+mn-ea"/>
+                          <a:cs typeface="+mn-cs"/>
+                        </a:rPr>
+                        <a:t>기를 먹는 부적</a:t>
+                      </a:r>
+                    </a:p>
+                  </a:txBody>
+                  <a:tcPr anchor="ctr">
+                    <a:lnL w="12700" cap="flat" cmpd="sng" algn="ctr">
+                      <a:solidFill>
+                        <a:schemeClr val="tx1"/>
+                      </a:solidFill>
+                      <a:prstDash val="solid"/>
+                      <a:round/>
+                      <a:headEnd type="none" w="med" len="med"/>
+                      <a:tailEnd type="none" w="med" len="med"/>
+                    </a:lnL>
+                    <a:lnR w="12700" cap="flat" cmpd="sng" algn="ctr">
+                      <a:solidFill>
+                        <a:schemeClr val="tx1"/>
+                      </a:solidFill>
+                      <a:prstDash val="solid"/>
+                      <a:round/>
+                      <a:headEnd type="none" w="med" len="med"/>
+                      <a:tailEnd type="none" w="med" len="med"/>
+                    </a:lnR>
+                    <a:lnT w="12700" cap="flat" cmpd="sng" algn="ctr">
+                      <a:solidFill>
+                        <a:schemeClr val="tx1"/>
+                      </a:solidFill>
+                      <a:prstDash val="solid"/>
+                      <a:round/>
+                      <a:headEnd type="none" w="med" len="med"/>
+                      <a:tailEnd type="none" w="med" len="med"/>
+                    </a:lnT>
+                    <a:lnB w="12700" cap="flat" cmpd="sng" algn="ctr">
+                      <a:solidFill>
+                        <a:schemeClr val="tx1"/>
+                      </a:solidFill>
+                      <a:prstDash val="solid"/>
+                      <a:round/>
+                      <a:headEnd type="none" w="med" len="med"/>
+                      <a:tailEnd type="none" w="med" len="med"/>
+                    </a:lnB>
+                    <a:lnTlToBr w="12700" cmpd="sng">
+                      <a:noFill/>
+                      <a:prstDash val="solid"/>
+                    </a:lnTlToBr>
+                    <a:lnBlToTr w="12700" cmpd="sng">
+                      <a:noFill/>
+                      <a:prstDash val="solid"/>
+                    </a:lnBlToTr>
+                    <a:noFill/>
+                  </a:tcPr>
+                </a:tc>
+                <a:tc>
+                  <a:txBody>
+                    <a:bodyPr/>
+                    <a:lstStyle/>
+                    <a:p>
+                      <a:pPr marL="0" marR="0" lvl="0" indent="0" algn="l" defTabSz="914400" rtl="0" eaLnBrk="1" fontAlgn="auto" latinLnBrk="1" hangingPunct="1">
+                        <a:lnSpc>
+                          <a:spcPct val="100000"/>
+                        </a:lnSpc>
+                        <a:spcBef>
+                          <a:spcPts val="0"/>
+                        </a:spcBef>
+                        <a:spcAft>
+                          <a:spcPts val="0"/>
+                        </a:spcAft>
+                        <a:buClrTx/>
+                        <a:buSzTx/>
+                        <a:buFontTx/>
+                        <a:buNone/>
+                        <a:tabLst/>
+                        <a:defRPr/>
+                      </a:pPr>
+                      <a:r>
+                        <a:rPr lang="ko-KR" altLang="en-US" sz="1000" b="0" dirty="0">
+                          <a:solidFill>
+                            <a:schemeClr val="tx1"/>
+                          </a:solidFill>
+                        </a:rPr>
+                        <a:t>활성화 하는 것으로 최대 </a:t>
+                      </a:r>
+                      <a:r>
+                        <a:rPr lang="en-US" altLang="ko-KR" sz="1000" b="0" dirty="0">
+                          <a:solidFill>
+                            <a:schemeClr val="tx1"/>
+                          </a:solidFill>
+                        </a:rPr>
+                        <a:t>15</a:t>
+                      </a:r>
+                      <a:r>
+                        <a:rPr lang="ko-KR" altLang="en-US" sz="1000" b="0" dirty="0">
+                          <a:solidFill>
+                            <a:schemeClr val="tx1"/>
+                          </a:solidFill>
+                        </a:rPr>
+                        <a:t>분 동안 특정 </a:t>
+                      </a:r>
+                      <a:r>
+                        <a:rPr lang="ko-KR" altLang="en-US" sz="1000" b="0" dirty="0" err="1">
+                          <a:solidFill>
+                            <a:schemeClr val="tx1"/>
+                          </a:solidFill>
+                        </a:rPr>
+                        <a:t>문파의</a:t>
+                      </a:r>
+                      <a:r>
+                        <a:rPr lang="ko-KR" altLang="en-US" sz="1000" b="0" dirty="0">
+                          <a:solidFill>
+                            <a:schemeClr val="tx1"/>
+                          </a:solidFill>
+                        </a:rPr>
+                        <a:t> 기를 감출 수 있다</a:t>
+                      </a:r>
+                      <a:r>
+                        <a:rPr lang="en-US" altLang="ko-KR" sz="1000" b="0" dirty="0">
+                          <a:solidFill>
+                            <a:schemeClr val="tx1"/>
+                          </a:solidFill>
+                        </a:rPr>
+                        <a:t>.</a:t>
+                      </a:r>
+                    </a:p>
+                    <a:p>
+                      <a:pPr marL="0" marR="0" lvl="0" indent="0" algn="l" defTabSz="914400" rtl="0" eaLnBrk="1" fontAlgn="auto" latinLnBrk="1" hangingPunct="1">
+                        <a:lnSpc>
+                          <a:spcPct val="100000"/>
+                        </a:lnSpc>
+                        <a:spcBef>
+                          <a:spcPts val="0"/>
+                        </a:spcBef>
+                        <a:spcAft>
+                          <a:spcPts val="0"/>
+                        </a:spcAft>
+                        <a:buClrTx/>
+                        <a:buSzTx/>
+                        <a:buFontTx/>
+                        <a:buNone/>
+                        <a:tabLst/>
+                        <a:defRPr/>
+                      </a:pPr>
+                      <a:r>
+                        <a:rPr lang="en-US" altLang="ko-KR" sz="1000" b="0" dirty="0">
+                          <a:solidFill>
+                            <a:schemeClr val="tx1"/>
+                          </a:solidFill>
+                        </a:rPr>
+                        <a:t>5</a:t>
+                      </a:r>
+                      <a:r>
+                        <a:rPr lang="ko-KR" altLang="en-US" sz="1000" b="0" dirty="0">
+                          <a:solidFill>
+                            <a:schemeClr val="tx1"/>
+                          </a:solidFill>
+                        </a:rPr>
+                        <a:t>분의 </a:t>
+                      </a:r>
+                      <a:r>
+                        <a:rPr lang="ko-KR" altLang="en-US" sz="1000" b="0" dirty="0" err="1">
+                          <a:solidFill>
+                            <a:schemeClr val="tx1"/>
+                          </a:solidFill>
+                        </a:rPr>
+                        <a:t>쿨타임을</a:t>
+                      </a:r>
+                      <a:r>
+                        <a:rPr lang="ko-KR" altLang="en-US" sz="1000" b="0" dirty="0">
+                          <a:solidFill>
+                            <a:schemeClr val="tx1"/>
+                          </a:solidFill>
+                        </a:rPr>
+                        <a:t> 가지고 재사용이 가능하다</a:t>
+                      </a:r>
+                      <a:r>
+                        <a:rPr lang="en-US" altLang="ko-KR" sz="1000" b="0" dirty="0">
+                          <a:solidFill>
+                            <a:schemeClr val="tx1"/>
+                          </a:solidFill>
+                        </a:rPr>
+                        <a:t>.</a:t>
+                      </a:r>
+                      <a:endParaRPr lang="ko-KR" altLang="en-US" sz="1000" b="0" dirty="0">
+                        <a:solidFill>
+                          <a:schemeClr val="tx1"/>
+                        </a:solidFill>
+                      </a:endParaRPr>
+                    </a:p>
+                  </a:txBody>
+                  <a:tcPr anchor="ctr">
+                    <a:lnL w="12700" cap="flat" cmpd="sng" algn="ctr">
+                      <a:solidFill>
+                        <a:schemeClr val="tx1"/>
+                      </a:solidFill>
+                      <a:prstDash val="solid"/>
+                      <a:round/>
+                      <a:headEnd type="none" w="med" len="med"/>
+                      <a:tailEnd type="none" w="med" len="med"/>
+                    </a:lnL>
+                    <a:lnR w="12700" cap="flat" cmpd="sng" algn="ctr">
+                      <a:noFill/>
+                      <a:prstDash val="solid"/>
+                      <a:round/>
+                      <a:headEnd type="none" w="med" len="med"/>
+                      <a:tailEnd type="none" w="med" len="med"/>
+                    </a:lnR>
+                    <a:lnT w="12700" cap="flat" cmpd="sng" algn="ctr">
+                      <a:solidFill>
+                        <a:schemeClr val="tx1"/>
+                      </a:solidFill>
+                      <a:prstDash val="solid"/>
+                      <a:round/>
+                      <a:headEnd type="none" w="med" len="med"/>
+                      <a:tailEnd type="none" w="med" len="med"/>
+                    </a:lnT>
+                    <a:lnB w="12700" cap="flat" cmpd="sng" algn="ctr">
+                      <a:solidFill>
+                        <a:schemeClr val="tx1"/>
+                      </a:solidFill>
+                      <a:prstDash val="solid"/>
+                      <a:round/>
+                      <a:headEnd type="none" w="med" len="med"/>
+                      <a:tailEnd type="none" w="med" len="med"/>
+                    </a:lnB>
+                    <a:lnTlToBr w="12700" cmpd="sng">
+                      <a:noFill/>
+                      <a:prstDash val="solid"/>
+                    </a:lnTlToBr>
+                    <a:lnBlToTr w="12700" cmpd="sng">
+                      <a:noFill/>
+                      <a:prstDash val="solid"/>
+                    </a:lnBlToTr>
+                    <a:noFill/>
+                  </a:tcPr>
+                </a:tc>
+                <a:extLst>
+                  <a:ext uri="{0D108BD9-81ED-4DB2-BD59-A6C34878D82A}">
+                    <a16:rowId xmlns:a16="http://schemas.microsoft.com/office/drawing/2014/main" val="498336046"/>
+                  </a:ext>
+                </a:extLst>
+              </a:tr>
+              <a:tr h="0">
+                <a:tc rowSpan="3">
+                  <a:txBody>
+                    <a:bodyPr/>
+                    <a:lstStyle/>
+                    <a:p>
+                      <a:pPr algn="ctr" latinLnBrk="1"/>
+                      <a:r>
+                        <a:rPr lang="ko-KR" altLang="en-US" sz="1000" b="0" dirty="0">
+                          <a:solidFill>
+                            <a:schemeClr val="tx1"/>
+                          </a:solidFill>
+                        </a:rPr>
+                        <a:t>장비</a:t>
+                      </a:r>
+                      <a:endParaRPr lang="en-US" altLang="ko-KR" sz="1000" b="0" dirty="0">
+                        <a:solidFill>
+                          <a:schemeClr val="tx1"/>
+                        </a:solidFill>
+                      </a:endParaRPr>
+                    </a:p>
+                    <a:p>
+                      <a:pPr algn="ctr" latinLnBrk="1"/>
+                      <a:r>
+                        <a:rPr lang="ko-KR" altLang="en-US" sz="1000" b="0" dirty="0">
+                          <a:solidFill>
+                            <a:schemeClr val="tx1"/>
+                          </a:solidFill>
+                        </a:rPr>
+                        <a:t> 아이템</a:t>
+                      </a:r>
+                    </a:p>
+                  </a:txBody>
+                  <a:tcPr anchor="ctr">
+                    <a:lnL w="12700" cap="flat" cmpd="sng" algn="ctr">
+                      <a:noFill/>
+                      <a:prstDash val="solid"/>
+                      <a:round/>
+                      <a:headEnd type="none" w="med" len="med"/>
+                      <a:tailEnd type="none" w="med" len="med"/>
+                    </a:lnL>
+                    <a:lnR w="12700" cap="flat" cmpd="sng" algn="ctr">
+                      <a:solidFill>
+                        <a:schemeClr val="tx1"/>
+                      </a:solidFill>
+                      <a:prstDash val="solid"/>
+                      <a:round/>
+                      <a:headEnd type="none" w="med" len="med"/>
+                      <a:tailEnd type="none" w="med" len="med"/>
+                    </a:lnR>
+                    <a:lnT w="12700" cap="flat" cmpd="sng" algn="ctr">
+                      <a:solidFill>
+                        <a:schemeClr val="tx1"/>
+                      </a:solidFill>
+                      <a:prstDash val="solid"/>
+                      <a:round/>
+                      <a:headEnd type="none" w="med" len="med"/>
+                      <a:tailEnd type="none" w="med" len="med"/>
+                    </a:lnT>
+                    <a:lnB w="12700" cap="flat" cmpd="sng" algn="ctr">
+                      <a:solidFill>
+                        <a:schemeClr val="tx1"/>
+                      </a:solidFill>
+                      <a:prstDash val="solid"/>
+                      <a:round/>
+                      <a:headEnd type="none" w="med" len="med"/>
+                      <a:tailEnd type="none" w="med" len="med"/>
+                    </a:lnB>
+                    <a:lnTlToBr w="12700" cmpd="sng">
+                      <a:noFill/>
+                      <a:prstDash val="solid"/>
+                    </a:lnTlToBr>
+                    <a:lnBlToTr w="12700" cmpd="sng">
+                      <a:noFill/>
+                      <a:prstDash val="solid"/>
+                    </a:lnBlToTr>
+                    <a:noFill/>
+                  </a:tcPr>
+                </a:tc>
+                <a:tc>
+                  <a:txBody>
+                    <a:bodyPr/>
+                    <a:lstStyle/>
+                    <a:p>
+                      <a:pPr algn="ctr" latinLnBrk="1"/>
+                      <a:r>
+                        <a:rPr lang="ko-KR" altLang="en-US" sz="1000" b="0" dirty="0">
+                          <a:solidFill>
+                            <a:schemeClr val="tx1"/>
+                          </a:solidFill>
+                        </a:rPr>
+                        <a:t>허름한 망토</a:t>
+                      </a:r>
+                    </a:p>
+                  </a:txBody>
+                  <a:tcPr anchor="ctr">
+                    <a:lnL w="12700" cap="flat" cmpd="sng" algn="ctr">
+                      <a:solidFill>
+                        <a:schemeClr val="tx1"/>
+                      </a:solidFill>
+                      <a:prstDash val="solid"/>
+                      <a:round/>
+                      <a:headEnd type="none" w="med" len="med"/>
+                      <a:tailEnd type="none" w="med" len="med"/>
+                    </a:lnL>
+                    <a:lnR w="12700" cap="flat" cmpd="sng" algn="ctr">
+                      <a:solidFill>
+                        <a:schemeClr val="tx1"/>
+                      </a:solidFill>
+                      <a:prstDash val="solid"/>
+                      <a:round/>
+                      <a:headEnd type="none" w="med" len="med"/>
+                      <a:tailEnd type="none" w="med" len="med"/>
+                    </a:lnR>
+                    <a:lnT w="12700" cap="flat" cmpd="sng" algn="ctr">
+                      <a:solidFill>
+                        <a:schemeClr val="tx1"/>
+                      </a:solidFill>
+                      <a:prstDash val="solid"/>
+                      <a:round/>
+                      <a:headEnd type="none" w="med" len="med"/>
+                      <a:tailEnd type="none" w="med" len="med"/>
+                    </a:lnT>
+                    <a:lnB w="12700" cap="flat" cmpd="sng" algn="ctr">
+                      <a:solidFill>
+                        <a:schemeClr val="tx1"/>
+                      </a:solidFill>
+                      <a:prstDash val="solid"/>
+                      <a:round/>
+                      <a:headEnd type="none" w="med" len="med"/>
+                      <a:tailEnd type="none" w="med" len="med"/>
+                    </a:lnB>
+                    <a:lnTlToBr w="12700" cmpd="sng">
+                      <a:noFill/>
+                      <a:prstDash val="solid"/>
+                    </a:lnTlToBr>
+                    <a:lnBlToTr w="12700" cmpd="sng">
+                      <a:noFill/>
+                      <a:prstDash val="solid"/>
+                    </a:lnBlToTr>
+                    <a:noFill/>
+                  </a:tcPr>
+                </a:tc>
+                <a:tc>
+                  <a:txBody>
+                    <a:bodyPr/>
+                    <a:lstStyle/>
+                    <a:p>
+                      <a:pPr algn="l" latinLnBrk="1"/>
+                      <a:r>
+                        <a:rPr lang="ko-KR" altLang="en-US" sz="1000" b="0" dirty="0">
+                          <a:solidFill>
+                            <a:schemeClr val="tx1"/>
+                          </a:solidFill>
+                        </a:rPr>
+                        <a:t>가장 보편적인 변장 도구</a:t>
+                      </a:r>
+                      <a:r>
+                        <a:rPr lang="en-US" altLang="ko-KR" sz="1000" b="0" dirty="0">
+                          <a:solidFill>
+                            <a:schemeClr val="tx1"/>
+                          </a:solidFill>
+                        </a:rPr>
+                        <a:t>. </a:t>
+                      </a:r>
+                    </a:p>
+                    <a:p>
+                      <a:pPr algn="l" latinLnBrk="1"/>
+                      <a:r>
+                        <a:rPr lang="ko-KR" altLang="en-US" sz="1000" b="0" dirty="0">
+                          <a:solidFill>
+                            <a:schemeClr val="tx1"/>
+                          </a:solidFill>
+                        </a:rPr>
+                        <a:t>세력 우호도를 </a:t>
+                      </a:r>
+                      <a:r>
+                        <a:rPr lang="en-US" altLang="ko-KR" sz="1000" b="0" dirty="0">
+                          <a:solidFill>
+                            <a:schemeClr val="tx1"/>
+                          </a:solidFill>
+                        </a:rPr>
+                        <a:t>0</a:t>
+                      </a:r>
+                      <a:r>
+                        <a:rPr lang="ko-KR" altLang="en-US" sz="1000" b="0" dirty="0">
+                          <a:solidFill>
+                            <a:schemeClr val="tx1"/>
+                          </a:solidFill>
+                        </a:rPr>
+                        <a:t>에 가깝게 조절할 수 있다</a:t>
+                      </a:r>
+                      <a:r>
+                        <a:rPr lang="en-US" altLang="ko-KR" sz="1000" b="0" dirty="0">
+                          <a:solidFill>
+                            <a:schemeClr val="tx1"/>
+                          </a:solidFill>
+                        </a:rPr>
+                        <a:t>.</a:t>
+                      </a:r>
+                    </a:p>
+                  </a:txBody>
+                  <a:tcPr anchor="ctr">
+                    <a:lnL w="12700" cap="flat" cmpd="sng" algn="ctr">
+                      <a:solidFill>
+                        <a:schemeClr val="tx1"/>
+                      </a:solidFill>
+                      <a:prstDash val="solid"/>
+                      <a:round/>
+                      <a:headEnd type="none" w="med" len="med"/>
+                      <a:tailEnd type="none" w="med" len="med"/>
+                    </a:lnL>
+                    <a:lnR w="12700" cap="flat" cmpd="sng" algn="ctr">
+                      <a:noFill/>
+                      <a:prstDash val="solid"/>
+                      <a:round/>
+                      <a:headEnd type="none" w="med" len="med"/>
+                      <a:tailEnd type="none" w="med" len="med"/>
+                    </a:lnR>
+                    <a:lnT w="12700" cap="flat" cmpd="sng" algn="ctr">
+                      <a:solidFill>
+                        <a:schemeClr val="tx1"/>
+                      </a:solidFill>
+                      <a:prstDash val="solid"/>
+                      <a:round/>
+                      <a:headEnd type="none" w="med" len="med"/>
+                      <a:tailEnd type="none" w="med" len="med"/>
+                    </a:lnT>
+                    <a:lnB w="12700" cap="flat" cmpd="sng" algn="ctr">
+                      <a:solidFill>
+                        <a:schemeClr val="tx1"/>
+                      </a:solidFill>
+                      <a:prstDash val="solid"/>
+                      <a:round/>
+                      <a:headEnd type="none" w="med" len="med"/>
+                      <a:tailEnd type="none" w="med" len="med"/>
+                    </a:lnB>
+                    <a:lnTlToBr w="12700" cmpd="sng">
+                      <a:noFill/>
+                      <a:prstDash val="solid"/>
+                    </a:lnTlToBr>
+                    <a:lnBlToTr w="12700" cmpd="sng">
+                      <a:noFill/>
+                      <a:prstDash val="solid"/>
+                    </a:lnBlToTr>
+                    <a:noFill/>
+                  </a:tcPr>
+                </a:tc>
+                <a:extLst>
+                  <a:ext uri="{0D108BD9-81ED-4DB2-BD59-A6C34878D82A}">
+                    <a16:rowId xmlns:a16="http://schemas.microsoft.com/office/drawing/2014/main" val="1736614965"/>
+                  </a:ext>
+                </a:extLst>
+              </a:tr>
+              <a:tr h="0">
+                <a:tc vMerge="1">
+                  <a:txBody>
+                    <a:bodyPr/>
+                    <a:lstStyle/>
+                    <a:p>
+                      <a:pPr latinLnBrk="1"/>
+                      <a:endParaRPr lang="ko-KR" altLang="en-US"/>
+                    </a:p>
+                  </a:txBody>
+                  <a:tcPr/>
+                </a:tc>
+                <a:tc>
+                  <a:txBody>
+                    <a:bodyPr/>
+                    <a:lstStyle/>
+                    <a:p>
+                      <a:pPr algn="ctr" latinLnBrk="1"/>
+                      <a:r>
+                        <a:rPr lang="ko-KR" altLang="en-US" sz="1000" b="0" dirty="0">
+                          <a:solidFill>
+                            <a:schemeClr val="tx1"/>
+                          </a:solidFill>
+                        </a:rPr>
+                        <a:t>변장용 가면</a:t>
+                      </a:r>
+                    </a:p>
+                  </a:txBody>
+                  <a:tcPr anchor="ctr">
+                    <a:lnL w="12700" cap="flat" cmpd="sng" algn="ctr">
+                      <a:solidFill>
+                        <a:schemeClr val="tx1"/>
+                      </a:solidFill>
+                      <a:prstDash val="solid"/>
+                      <a:round/>
+                      <a:headEnd type="none" w="med" len="med"/>
+                      <a:tailEnd type="none" w="med" len="med"/>
+                    </a:lnL>
+                    <a:lnR w="12700" cap="flat" cmpd="sng" algn="ctr">
+                      <a:solidFill>
+                        <a:schemeClr val="tx1"/>
+                      </a:solidFill>
+                      <a:prstDash val="solid"/>
+                      <a:round/>
+                      <a:headEnd type="none" w="med" len="med"/>
+                      <a:tailEnd type="none" w="med" len="med"/>
+                    </a:lnR>
+                    <a:lnT w="12700" cap="flat" cmpd="sng" algn="ctr">
+                      <a:solidFill>
+                        <a:schemeClr val="tx1"/>
+                      </a:solidFill>
+                      <a:prstDash val="solid"/>
+                      <a:round/>
+                      <a:headEnd type="none" w="med" len="med"/>
+                      <a:tailEnd type="none" w="med" len="med"/>
+                    </a:lnT>
+                    <a:lnB w="12700" cap="flat" cmpd="sng" algn="ctr">
+                      <a:solidFill>
+                        <a:schemeClr val="tx1"/>
+                      </a:solidFill>
+                      <a:prstDash val="solid"/>
+                      <a:round/>
+                      <a:headEnd type="none" w="med" len="med"/>
+                      <a:tailEnd type="none" w="med" len="med"/>
+                    </a:lnB>
+                    <a:lnTlToBr w="12700" cmpd="sng">
+                      <a:noFill/>
+                      <a:prstDash val="solid"/>
+                    </a:lnTlToBr>
+                    <a:lnBlToTr w="12700" cmpd="sng">
+                      <a:noFill/>
+                      <a:prstDash val="solid"/>
+                    </a:lnBlToTr>
+                    <a:noFill/>
+                  </a:tcPr>
+                </a:tc>
+                <a:tc>
+                  <a:txBody>
+                    <a:bodyPr/>
+                    <a:lstStyle/>
+                    <a:p>
+                      <a:pPr marL="0" marR="0" lvl="0" indent="0" algn="l" defTabSz="914400" rtl="0" eaLnBrk="1" fontAlgn="auto" latinLnBrk="1" hangingPunct="1">
+                        <a:lnSpc>
+                          <a:spcPct val="100000"/>
+                        </a:lnSpc>
+                        <a:spcBef>
+                          <a:spcPts val="0"/>
+                        </a:spcBef>
+                        <a:spcAft>
+                          <a:spcPts val="0"/>
+                        </a:spcAft>
+                        <a:buClrTx/>
+                        <a:buSzTx/>
+                        <a:buFontTx/>
+                        <a:buNone/>
+                        <a:tabLst/>
+                        <a:defRPr/>
+                      </a:pPr>
+                      <a:r>
+                        <a:rPr lang="ko-KR" altLang="en-US" sz="1000" b="0" dirty="0">
+                          <a:solidFill>
+                            <a:schemeClr val="tx1"/>
+                          </a:solidFill>
+                        </a:rPr>
+                        <a:t>가장 보편적인 변장 도구</a:t>
+                      </a:r>
+                      <a:r>
+                        <a:rPr lang="en-US" altLang="ko-KR" sz="1000" b="0" dirty="0">
+                          <a:solidFill>
+                            <a:schemeClr val="tx1"/>
+                          </a:solidFill>
+                        </a:rPr>
+                        <a:t>. </a:t>
+                      </a:r>
+                    </a:p>
+                    <a:p>
+                      <a:pPr marL="0" marR="0" lvl="0" indent="0" algn="l" defTabSz="914400" rtl="0" eaLnBrk="1" fontAlgn="auto" latinLnBrk="1" hangingPunct="1">
+                        <a:lnSpc>
+                          <a:spcPct val="100000"/>
+                        </a:lnSpc>
+                        <a:spcBef>
+                          <a:spcPts val="0"/>
+                        </a:spcBef>
+                        <a:spcAft>
+                          <a:spcPts val="0"/>
+                        </a:spcAft>
+                        <a:buClrTx/>
+                        <a:buSzTx/>
+                        <a:buFontTx/>
+                        <a:buNone/>
+                        <a:tabLst/>
+                        <a:defRPr/>
+                      </a:pPr>
+                      <a:r>
+                        <a:rPr lang="ko-KR" altLang="en-US" sz="1000" b="0" dirty="0">
+                          <a:solidFill>
+                            <a:schemeClr val="tx1"/>
+                          </a:solidFill>
+                        </a:rPr>
+                        <a:t>세력 우호도를 </a:t>
+                      </a:r>
+                      <a:r>
+                        <a:rPr lang="en-US" altLang="ko-KR" sz="1000" b="0" dirty="0">
+                          <a:solidFill>
+                            <a:schemeClr val="tx1"/>
+                          </a:solidFill>
+                        </a:rPr>
+                        <a:t>0</a:t>
+                      </a:r>
+                      <a:r>
+                        <a:rPr lang="ko-KR" altLang="en-US" sz="1000" b="0" dirty="0">
+                          <a:solidFill>
+                            <a:schemeClr val="tx1"/>
+                          </a:solidFill>
+                        </a:rPr>
+                        <a:t>에 가깝게 조절할 수 있다</a:t>
+                      </a:r>
+                      <a:r>
+                        <a:rPr lang="en-US" altLang="ko-KR" sz="1000" b="0" dirty="0">
+                          <a:solidFill>
+                            <a:schemeClr val="tx1"/>
+                          </a:solidFill>
+                        </a:rPr>
+                        <a:t>.</a:t>
+                      </a:r>
+                    </a:p>
+                  </a:txBody>
+                  <a:tcPr anchor="ctr">
+                    <a:lnL w="12700" cap="flat" cmpd="sng" algn="ctr">
+                      <a:solidFill>
+                        <a:schemeClr val="tx1"/>
+                      </a:solidFill>
+                      <a:prstDash val="solid"/>
+                      <a:round/>
+                      <a:headEnd type="none" w="med" len="med"/>
+                      <a:tailEnd type="none" w="med" len="med"/>
+                    </a:lnL>
+                    <a:lnR w="12700" cap="flat" cmpd="sng" algn="ctr">
+                      <a:noFill/>
+                      <a:prstDash val="solid"/>
+                      <a:round/>
+                      <a:headEnd type="none" w="med" len="med"/>
+                      <a:tailEnd type="none" w="med" len="med"/>
+                    </a:lnR>
+                    <a:lnT w="12700" cap="flat" cmpd="sng" algn="ctr">
+                      <a:solidFill>
+                        <a:schemeClr val="tx1"/>
+                      </a:solidFill>
+                      <a:prstDash val="solid"/>
+                      <a:round/>
+                      <a:headEnd type="none" w="med" len="med"/>
+                      <a:tailEnd type="none" w="med" len="med"/>
+                    </a:lnT>
+                    <a:lnB w="12700" cap="flat" cmpd="sng" algn="ctr">
+                      <a:solidFill>
+                        <a:schemeClr val="tx1"/>
+                      </a:solidFill>
+                      <a:prstDash val="solid"/>
+                      <a:round/>
+                      <a:headEnd type="none" w="med" len="med"/>
+                      <a:tailEnd type="none" w="med" len="med"/>
+                    </a:lnB>
+                    <a:lnTlToBr w="12700" cmpd="sng">
+                      <a:noFill/>
+                      <a:prstDash val="solid"/>
+                    </a:lnTlToBr>
+                    <a:lnBlToTr w="12700" cmpd="sng">
+                      <a:noFill/>
+                      <a:prstDash val="solid"/>
+                    </a:lnBlToTr>
+                    <a:noFill/>
+                  </a:tcPr>
+                </a:tc>
+                <a:extLst>
+                  <a:ext uri="{0D108BD9-81ED-4DB2-BD59-A6C34878D82A}">
+                    <a16:rowId xmlns:a16="http://schemas.microsoft.com/office/drawing/2014/main" val="515395742"/>
+                  </a:ext>
+                </a:extLst>
+              </a:tr>
+              <a:tr h="0">
+                <a:tc vMerge="1">
+                  <a:txBody>
+                    <a:bodyPr/>
+                    <a:lstStyle/>
+                    <a:p>
+                      <a:pPr latinLnBrk="1"/>
+                      <a:endParaRPr lang="ko-KR" altLang="en-US"/>
+                    </a:p>
+                  </a:txBody>
+                  <a:tcPr/>
+                </a:tc>
+                <a:tc>
+                  <a:txBody>
+                    <a:bodyPr/>
+                    <a:lstStyle/>
+                    <a:p>
+                      <a:pPr algn="ctr" latinLnBrk="1"/>
+                      <a:r>
+                        <a:rPr lang="ko-KR" altLang="en-US" sz="1000" b="0" dirty="0" err="1">
+                          <a:solidFill>
+                            <a:schemeClr val="tx1"/>
+                          </a:solidFill>
+                        </a:rPr>
+                        <a:t>마기</a:t>
+                      </a:r>
+                      <a:r>
+                        <a:rPr lang="en-US" altLang="ko-KR" sz="1000" b="0" dirty="0">
+                          <a:solidFill>
+                            <a:schemeClr val="tx1"/>
+                          </a:solidFill>
+                        </a:rPr>
+                        <a:t>/</a:t>
+                      </a:r>
+                      <a:r>
+                        <a:rPr lang="ko-KR" altLang="en-US" sz="1000" b="0" dirty="0">
+                          <a:solidFill>
+                            <a:schemeClr val="tx1"/>
+                          </a:solidFill>
+                        </a:rPr>
+                        <a:t>혈기 억제 장신구</a:t>
+                      </a:r>
+                      <a:endParaRPr lang="en-US" altLang="ko-KR" sz="1000" b="0" dirty="0">
+                        <a:solidFill>
+                          <a:schemeClr val="tx1"/>
+                        </a:solidFill>
+                      </a:endParaRPr>
+                    </a:p>
+                    <a:p>
+                      <a:pPr algn="ctr" latinLnBrk="1"/>
+                      <a:r>
+                        <a:rPr lang="en-US" altLang="ko-KR" sz="800" b="0" dirty="0">
+                          <a:solidFill>
+                            <a:schemeClr val="tx1"/>
+                          </a:solidFill>
+                        </a:rPr>
+                        <a:t>(</a:t>
+                      </a:r>
+                      <a:r>
+                        <a:rPr lang="ko-KR" altLang="en-US" sz="800" b="0" dirty="0">
+                          <a:solidFill>
+                            <a:schemeClr val="tx1"/>
+                          </a:solidFill>
+                        </a:rPr>
+                        <a:t>팔찌</a:t>
+                      </a:r>
+                      <a:r>
+                        <a:rPr lang="en-US" altLang="ko-KR" sz="800" b="0" dirty="0">
+                          <a:solidFill>
+                            <a:schemeClr val="tx1"/>
+                          </a:solidFill>
+                        </a:rPr>
+                        <a:t>/</a:t>
+                      </a:r>
+                      <a:r>
+                        <a:rPr lang="ko-KR" altLang="en-US" sz="800" b="0" dirty="0">
+                          <a:solidFill>
+                            <a:schemeClr val="tx1"/>
+                          </a:solidFill>
+                        </a:rPr>
+                        <a:t>반지</a:t>
+                      </a:r>
+                      <a:r>
+                        <a:rPr lang="en-US" altLang="ko-KR" sz="800" b="0" dirty="0">
+                          <a:solidFill>
+                            <a:schemeClr val="tx1"/>
+                          </a:solidFill>
+                        </a:rPr>
+                        <a:t>/</a:t>
+                      </a:r>
+                      <a:r>
+                        <a:rPr lang="ko-KR" altLang="en-US" sz="800" b="0" dirty="0">
+                          <a:solidFill>
+                            <a:schemeClr val="tx1"/>
+                          </a:solidFill>
+                        </a:rPr>
+                        <a:t>귀걸이</a:t>
+                      </a:r>
+                      <a:r>
+                        <a:rPr lang="en-US" altLang="ko-KR" sz="800" b="0" dirty="0">
+                          <a:solidFill>
+                            <a:schemeClr val="tx1"/>
+                          </a:solidFill>
+                        </a:rPr>
+                        <a:t>)</a:t>
+                      </a:r>
+                      <a:endParaRPr lang="ko-KR" altLang="en-US" sz="800" b="0" dirty="0">
+                        <a:solidFill>
+                          <a:schemeClr val="tx1"/>
+                        </a:solidFill>
+                      </a:endParaRPr>
+                    </a:p>
+                  </a:txBody>
+                  <a:tcPr anchor="ctr">
+                    <a:lnL w="12700" cap="flat" cmpd="sng" algn="ctr">
+                      <a:solidFill>
+                        <a:schemeClr val="tx1"/>
+                      </a:solidFill>
+                      <a:prstDash val="solid"/>
+                      <a:round/>
+                      <a:headEnd type="none" w="med" len="med"/>
+                      <a:tailEnd type="none" w="med" len="med"/>
+                    </a:lnL>
+                    <a:lnR w="12700" cap="flat" cmpd="sng" algn="ctr">
+                      <a:solidFill>
+                        <a:schemeClr val="tx1"/>
+                      </a:solidFill>
+                      <a:prstDash val="solid"/>
+                      <a:round/>
+                      <a:headEnd type="none" w="med" len="med"/>
+                      <a:tailEnd type="none" w="med" len="med"/>
+                    </a:lnR>
+                    <a:lnT w="12700" cap="flat" cmpd="sng" algn="ctr">
+                      <a:solidFill>
+                        <a:schemeClr val="tx1"/>
+                      </a:solidFill>
+                      <a:prstDash val="solid"/>
+                      <a:round/>
+                      <a:headEnd type="none" w="med" len="med"/>
+                      <a:tailEnd type="none" w="med" len="med"/>
+                    </a:lnT>
+                    <a:lnB w="12700" cap="flat" cmpd="sng" algn="ctr">
+                      <a:solidFill>
+                        <a:schemeClr val="tx1"/>
+                      </a:solidFill>
+                      <a:prstDash val="solid"/>
+                      <a:round/>
+                      <a:headEnd type="none" w="med" len="med"/>
+                      <a:tailEnd type="none" w="med" len="med"/>
+                    </a:lnB>
+                    <a:lnTlToBr w="12700" cmpd="sng">
+                      <a:noFill/>
+                      <a:prstDash val="solid"/>
+                    </a:lnTlToBr>
+                    <a:lnBlToTr w="12700" cmpd="sng">
+                      <a:noFill/>
+                      <a:prstDash val="solid"/>
+                    </a:lnBlToTr>
+                    <a:noFill/>
+                  </a:tcPr>
+                </a:tc>
+                <a:tc>
+                  <a:txBody>
+                    <a:bodyPr/>
+                    <a:lstStyle/>
+                    <a:p>
+                      <a:pPr algn="l" latinLnBrk="1"/>
+                      <a:r>
+                        <a:rPr lang="ko-KR" altLang="en-US" sz="1000" b="0" dirty="0">
+                          <a:solidFill>
+                            <a:schemeClr val="tx1"/>
+                          </a:solidFill>
+                        </a:rPr>
+                        <a:t>착용하는 것으로 일정량을 </a:t>
+                      </a:r>
+                      <a:r>
+                        <a:rPr lang="ko-KR" altLang="en-US" sz="1000" b="0" dirty="0" err="1">
+                          <a:solidFill>
+                            <a:schemeClr val="tx1"/>
+                          </a:solidFill>
+                        </a:rPr>
+                        <a:t>마기</a:t>
+                      </a:r>
+                      <a:r>
+                        <a:rPr lang="en-US" altLang="ko-KR" sz="1000" b="0" dirty="0">
+                          <a:solidFill>
+                            <a:schemeClr val="tx1"/>
+                          </a:solidFill>
+                        </a:rPr>
+                        <a:t>/</a:t>
+                      </a:r>
+                      <a:r>
+                        <a:rPr lang="ko-KR" altLang="en-US" sz="1000" b="0" dirty="0">
+                          <a:solidFill>
+                            <a:schemeClr val="tx1"/>
+                          </a:solidFill>
+                        </a:rPr>
+                        <a:t>혈기를 감출 수 있는 도구 다수를 착용하는 </a:t>
+                      </a:r>
+                      <a:endParaRPr lang="en-US" altLang="ko-KR" sz="1000" b="0" dirty="0">
+                        <a:solidFill>
+                          <a:schemeClr val="tx1"/>
+                        </a:solidFill>
+                      </a:endParaRPr>
+                    </a:p>
+                    <a:p>
+                      <a:pPr algn="l" latinLnBrk="1"/>
+                      <a:r>
+                        <a:rPr lang="ko-KR" altLang="en-US" sz="1000" b="0" dirty="0">
+                          <a:solidFill>
+                            <a:schemeClr val="tx1"/>
+                          </a:solidFill>
+                        </a:rPr>
+                        <a:t>것으로 효과를 중첩할 수 있다</a:t>
+                      </a:r>
+                      <a:r>
+                        <a:rPr lang="en-US" altLang="ko-KR" sz="1000" b="0" dirty="0">
+                          <a:solidFill>
+                            <a:schemeClr val="tx1"/>
+                          </a:solidFill>
+                        </a:rPr>
+                        <a:t>.</a:t>
+                      </a:r>
+                    </a:p>
+                  </a:txBody>
+                  <a:tcPr anchor="ctr">
+                    <a:lnL w="12700" cap="flat" cmpd="sng" algn="ctr">
+                      <a:solidFill>
+                        <a:schemeClr val="tx1"/>
+                      </a:solidFill>
+                      <a:prstDash val="solid"/>
+                      <a:round/>
+                      <a:headEnd type="none" w="med" len="med"/>
+                      <a:tailEnd type="none" w="med" len="med"/>
+                    </a:lnL>
+                    <a:lnR w="12700" cap="flat" cmpd="sng" algn="ctr">
+                      <a:noFill/>
+                      <a:prstDash val="solid"/>
+                      <a:round/>
+                      <a:headEnd type="none" w="med" len="med"/>
+                      <a:tailEnd type="none" w="med" len="med"/>
+                    </a:lnR>
+                    <a:lnT w="12700" cap="flat" cmpd="sng" algn="ctr">
+                      <a:solidFill>
+                        <a:schemeClr val="tx1"/>
+                      </a:solidFill>
+                      <a:prstDash val="solid"/>
+                      <a:round/>
+                      <a:headEnd type="none" w="med" len="med"/>
+                      <a:tailEnd type="none" w="med" len="med"/>
+                    </a:lnT>
+                    <a:lnB w="12700" cap="flat" cmpd="sng" algn="ctr">
+                      <a:solidFill>
+                        <a:schemeClr val="tx1"/>
+                      </a:solidFill>
+                      <a:prstDash val="solid"/>
+                      <a:round/>
+                      <a:headEnd type="none" w="med" len="med"/>
+                      <a:tailEnd type="none" w="med" len="med"/>
+                    </a:lnB>
+                    <a:lnTlToBr w="12700" cmpd="sng">
+                      <a:noFill/>
+                      <a:prstDash val="solid"/>
+                    </a:lnTlToBr>
+                    <a:lnBlToTr w="12700" cmpd="sng">
+                      <a:noFill/>
+                      <a:prstDash val="solid"/>
+                    </a:lnBlToTr>
+                    <a:noFill/>
+                  </a:tcPr>
+                </a:tc>
+                <a:extLst>
+                  <a:ext uri="{0D108BD9-81ED-4DB2-BD59-A6C34878D82A}">
+                    <a16:rowId xmlns:a16="http://schemas.microsoft.com/office/drawing/2014/main" val="116064646"/>
+                  </a:ext>
+                </a:extLst>
+              </a:tr>
+              <a:tr h="0">
+                <a:tc>
+                  <a:txBody>
+                    <a:bodyPr/>
+                    <a:lstStyle/>
+                    <a:p>
+                      <a:pPr algn="ctr" latinLnBrk="1"/>
+                      <a:r>
+                        <a:rPr lang="ko-KR" altLang="en-US" sz="1000" b="0" dirty="0">
+                          <a:solidFill>
+                            <a:schemeClr val="tx1"/>
+                          </a:solidFill>
+                        </a:rPr>
+                        <a:t>패시브 </a:t>
+                      </a:r>
+                      <a:endParaRPr lang="en-US" altLang="ko-KR" sz="1000" b="0" dirty="0">
+                        <a:solidFill>
+                          <a:schemeClr val="tx1"/>
+                        </a:solidFill>
+                      </a:endParaRPr>
+                    </a:p>
+                    <a:p>
+                      <a:pPr algn="ctr" latinLnBrk="1"/>
+                      <a:r>
+                        <a:rPr lang="ko-KR" altLang="en-US" sz="1000" b="0" dirty="0">
+                          <a:solidFill>
+                            <a:schemeClr val="tx1"/>
+                          </a:solidFill>
+                        </a:rPr>
+                        <a:t>스킬</a:t>
+                      </a:r>
+                    </a:p>
+                  </a:txBody>
+                  <a:tcPr anchor="ctr">
+                    <a:lnL w="12700" cap="flat" cmpd="sng" algn="ctr">
+                      <a:noFill/>
+                      <a:prstDash val="solid"/>
+                      <a:round/>
+                      <a:headEnd type="none" w="med" len="med"/>
+                      <a:tailEnd type="none" w="med" len="med"/>
+                    </a:lnL>
+                    <a:lnR w="12700" cap="flat" cmpd="sng" algn="ctr">
+                      <a:solidFill>
+                        <a:schemeClr val="tx1"/>
+                      </a:solidFill>
+                      <a:prstDash val="solid"/>
+                      <a:round/>
+                      <a:headEnd type="none" w="med" len="med"/>
+                      <a:tailEnd type="none" w="med" len="med"/>
+                    </a:lnR>
+                    <a:lnT w="12700" cap="flat" cmpd="sng" algn="ctr">
+                      <a:solidFill>
+                        <a:schemeClr val="tx1"/>
+                      </a:solidFill>
+                      <a:prstDash val="solid"/>
+                      <a:round/>
+                      <a:headEnd type="none" w="med" len="med"/>
+                      <a:tailEnd type="none" w="med" len="med"/>
+                    </a:lnT>
+                    <a:lnB w="12700" cap="flat" cmpd="sng" algn="ctr">
+                      <a:noFill/>
+                      <a:prstDash val="solid"/>
+                      <a:round/>
+                      <a:headEnd type="none" w="med" len="med"/>
+                      <a:tailEnd type="none" w="med" len="med"/>
+                    </a:lnB>
+                    <a:lnTlToBr w="12700" cmpd="sng">
+                      <a:noFill/>
+                      <a:prstDash val="solid"/>
+                    </a:lnTlToBr>
+                    <a:lnBlToTr w="12700" cmpd="sng">
+                      <a:noFill/>
+                      <a:prstDash val="solid"/>
+                    </a:lnBlToTr>
+                    <a:noFill/>
+                  </a:tcPr>
+                </a:tc>
+                <a:tc>
+                  <a:txBody>
+                    <a:bodyPr/>
+                    <a:lstStyle/>
+                    <a:p>
+                      <a:pPr algn="ctr" latinLnBrk="1"/>
+                      <a:r>
+                        <a:rPr lang="ko-KR" altLang="en-US" sz="1000" b="0" dirty="0" err="1">
+                          <a:solidFill>
+                            <a:schemeClr val="tx1"/>
+                          </a:solidFill>
+                        </a:rPr>
+                        <a:t>마기</a:t>
+                      </a:r>
+                      <a:r>
+                        <a:rPr lang="en-US" altLang="ko-KR" sz="1000" b="0" dirty="0">
+                          <a:solidFill>
+                            <a:schemeClr val="tx1"/>
+                          </a:solidFill>
+                        </a:rPr>
+                        <a:t>/</a:t>
+                      </a:r>
+                      <a:r>
+                        <a:rPr lang="ko-KR" altLang="en-US" sz="1000" b="0" dirty="0">
+                          <a:solidFill>
+                            <a:schemeClr val="tx1"/>
+                          </a:solidFill>
+                        </a:rPr>
+                        <a:t>혈기 제어</a:t>
+                      </a:r>
+                    </a:p>
+                  </a:txBody>
+                  <a:tcPr anchor="ctr">
+                    <a:lnL w="12700" cap="flat" cmpd="sng" algn="ctr">
+                      <a:solidFill>
+                        <a:schemeClr val="tx1"/>
+                      </a:solidFill>
+                      <a:prstDash val="solid"/>
+                      <a:round/>
+                      <a:headEnd type="none" w="med" len="med"/>
+                      <a:tailEnd type="none" w="med" len="med"/>
+                    </a:lnL>
+                    <a:lnR w="12700" cap="flat" cmpd="sng" algn="ctr">
+                      <a:solidFill>
+                        <a:schemeClr val="tx1"/>
+                      </a:solidFill>
+                      <a:prstDash val="solid"/>
+                      <a:round/>
+                      <a:headEnd type="none" w="med" len="med"/>
+                      <a:tailEnd type="none" w="med" len="med"/>
+                    </a:lnR>
+                    <a:lnT w="12700" cap="flat" cmpd="sng" algn="ctr">
+                      <a:solidFill>
+                        <a:schemeClr val="tx1"/>
+                      </a:solidFill>
+                      <a:prstDash val="solid"/>
+                      <a:round/>
+                      <a:headEnd type="none" w="med" len="med"/>
+                      <a:tailEnd type="none" w="med" len="med"/>
+                    </a:lnT>
+                    <a:lnB w="12700" cap="flat" cmpd="sng" algn="ctr">
+                      <a:noFill/>
+                      <a:prstDash val="solid"/>
+                      <a:round/>
+                      <a:headEnd type="none" w="med" len="med"/>
+                      <a:tailEnd type="none" w="med" len="med"/>
+                    </a:lnB>
+                    <a:lnTlToBr w="12700" cmpd="sng">
+                      <a:noFill/>
+                      <a:prstDash val="solid"/>
+                    </a:lnTlToBr>
+                    <a:lnBlToTr w="12700" cmpd="sng">
+                      <a:noFill/>
+                      <a:prstDash val="solid"/>
+                    </a:lnBlToTr>
+                    <a:noFill/>
+                  </a:tcPr>
+                </a:tc>
+                <a:tc>
+                  <a:txBody>
+                    <a:bodyPr/>
+                    <a:lstStyle/>
+                    <a:p>
+                      <a:pPr algn="l" latinLnBrk="1"/>
+                      <a:r>
+                        <a:rPr lang="ko-KR" altLang="en-US" sz="1000" b="0" dirty="0">
+                          <a:solidFill>
+                            <a:schemeClr val="tx1"/>
+                          </a:solidFill>
+                        </a:rPr>
+                        <a:t>몸에서 나오는 </a:t>
+                      </a:r>
+                      <a:r>
+                        <a:rPr lang="ko-KR" altLang="en-US" sz="1000" b="0" dirty="0" err="1">
+                          <a:solidFill>
+                            <a:schemeClr val="tx1"/>
+                          </a:solidFill>
+                        </a:rPr>
+                        <a:t>마기</a:t>
+                      </a:r>
+                      <a:r>
+                        <a:rPr lang="en-US" altLang="ko-KR" sz="1000" b="0" dirty="0">
+                          <a:solidFill>
+                            <a:schemeClr val="tx1"/>
+                          </a:solidFill>
+                        </a:rPr>
+                        <a:t>/</a:t>
+                      </a:r>
+                      <a:r>
+                        <a:rPr lang="ko-KR" altLang="en-US" sz="1000" b="0" dirty="0">
+                          <a:solidFill>
+                            <a:schemeClr val="tx1"/>
+                          </a:solidFill>
+                        </a:rPr>
+                        <a:t>혈기를</a:t>
+                      </a:r>
+                      <a:r>
+                        <a:rPr lang="en-US" altLang="ko-KR" sz="1000" b="0" dirty="0">
+                          <a:solidFill>
+                            <a:schemeClr val="tx1"/>
+                          </a:solidFill>
+                        </a:rPr>
+                        <a:t> </a:t>
+                      </a:r>
+                      <a:r>
+                        <a:rPr lang="ko-KR" altLang="en-US" sz="1000" b="0" dirty="0">
+                          <a:solidFill>
+                            <a:schemeClr val="tx1"/>
+                          </a:solidFill>
+                        </a:rPr>
+                        <a:t>제어 하여 감춘다</a:t>
+                      </a:r>
+                      <a:r>
+                        <a:rPr lang="en-US" altLang="ko-KR" sz="1000" b="0" dirty="0">
+                          <a:solidFill>
+                            <a:schemeClr val="tx1"/>
+                          </a:solidFill>
+                        </a:rPr>
+                        <a:t>.</a:t>
+                      </a:r>
+                      <a:endParaRPr lang="ko-KR" altLang="en-US" sz="1000" b="0" dirty="0">
+                        <a:solidFill>
+                          <a:schemeClr val="tx1"/>
+                        </a:solidFill>
+                      </a:endParaRPr>
+                    </a:p>
+                  </a:txBody>
+                  <a:tcPr anchor="ctr">
+                    <a:lnL w="12700" cap="flat" cmpd="sng" algn="ctr">
+                      <a:solidFill>
+                        <a:schemeClr val="tx1"/>
+                      </a:solidFill>
+                      <a:prstDash val="solid"/>
+                      <a:round/>
+                      <a:headEnd type="none" w="med" len="med"/>
+                      <a:tailEnd type="none" w="med" len="med"/>
+                    </a:lnL>
+                    <a:lnR w="12700" cap="flat" cmpd="sng" algn="ctr">
+                      <a:noFill/>
+                      <a:prstDash val="solid"/>
+                      <a:round/>
+                      <a:headEnd type="none" w="med" len="med"/>
+                      <a:tailEnd type="none" w="med" len="med"/>
+                    </a:lnR>
+                    <a:lnT w="12700" cap="flat" cmpd="sng" algn="ctr">
+                      <a:solidFill>
+                        <a:schemeClr val="tx1"/>
+                      </a:solidFill>
+                      <a:prstDash val="solid"/>
+                      <a:round/>
+                      <a:headEnd type="none" w="med" len="med"/>
+                      <a:tailEnd type="none" w="med" len="med"/>
+                    </a:lnT>
+                    <a:lnB w="12700" cap="flat" cmpd="sng" algn="ctr">
+                      <a:noFill/>
+                      <a:prstDash val="solid"/>
+                      <a:round/>
+                      <a:headEnd type="none" w="med" len="med"/>
+                      <a:tailEnd type="none" w="med" len="med"/>
+                    </a:lnB>
+                    <a:lnTlToBr w="12700" cmpd="sng">
+                      <a:noFill/>
+                      <a:prstDash val="solid"/>
+                    </a:lnTlToBr>
+                    <a:lnBlToTr w="12700" cmpd="sng">
+                      <a:noFill/>
+                      <a:prstDash val="solid"/>
+                    </a:lnBlToTr>
+                    <a:noFill/>
+                  </a:tcPr>
+                </a:tc>
+                <a:extLst>
+                  <a:ext uri="{0D108BD9-81ED-4DB2-BD59-A6C34878D82A}">
+                    <a16:rowId xmlns:a16="http://schemas.microsoft.com/office/drawing/2014/main" val="1470306946"/>
+                  </a:ext>
+                </a:extLst>
+              </a:tr>
+            </a:tbl>
+          </a:graphicData>
+        </a:graphic>
+      </p:graphicFrame>
+    </p:spTree>
+    <p:extLst>
+      <p:ext uri="{BB962C8B-B14F-4D97-AF65-F5344CB8AC3E}">
+        <p14:creationId xmlns:p14="http://schemas.microsoft.com/office/powerpoint/2010/main" val="1344597457"/>
+      </p:ext>
+    </p:extLst>
+  </p:cSld>
+  <p:clrMapOvr>
+    <a:masterClrMapping/>
+  </p:clrMapOvr>
+</p:sld>
+</file>
+
+<file path=ppt/slides/slide11.xml><?xml version="1.0" encoding="utf-8"?>
+<p:sld xmlns:a="http://schemas.openxmlformats.org/drawingml/2006/main" xmlns:r="http://schemas.openxmlformats.org/officeDocument/2006/relationships" xmlns:p="http://schemas.openxmlformats.org/presentationml/2006/main">
+  <p:cSld>
+    <p:spTree>
+      <p:nvGrpSpPr>
+        <p:cNvPr id="1" name=""/>
+        <p:cNvGrpSpPr/>
+        <p:nvPr/>
+      </p:nvGrpSpPr>
+      <p:grpSpPr>
+        <a:xfrm>
+          <a:off x="0" y="0"/>
+          <a:ext cx="0" cy="0"/>
+          <a:chOff x="0" y="0"/>
+          <a:chExt cx="0" cy="0"/>
+        </a:xfrm>
+      </p:grpSpPr>
       <p:sp>
         <p:nvSpPr>
           <p:cNvPr id="7" name="제목 1">
@@ -8631,7 +11376,7 @@
 </p:sld>
 </file>
 
-<file path=ppt/slides/slide11.xml><?xml version="1.0" encoding="utf-8"?>
+<file path=ppt/slides/slide12.xml><?xml version="1.0" encoding="utf-8"?>
 <p:sld xmlns:a="http://schemas.openxmlformats.org/drawingml/2006/main" xmlns:r="http://schemas.openxmlformats.org/officeDocument/2006/relationships" xmlns:p="http://schemas.openxmlformats.org/presentationml/2006/main">
   <p:cSld>
     <p:spTree>
@@ -12893,7 +15638,7 @@
 </p:sld>
 </file>
 
-<file path=ppt/slides/slide12.xml><?xml version="1.0" encoding="utf-8"?>
+<file path=ppt/slides/slide13.xml><?xml version="1.0" encoding="utf-8"?>
 <p:sld xmlns:a="http://schemas.openxmlformats.org/drawingml/2006/main" xmlns:r="http://schemas.openxmlformats.org/officeDocument/2006/relationships" xmlns:p="http://schemas.openxmlformats.org/presentationml/2006/main">
   <p:cSld>
     <p:spTree>
@@ -16267,7 +19012,7 @@
 </p:sld>
 </file>
 
-<file path=ppt/slides/slide13.xml><?xml version="1.0" encoding="utf-8"?>
+<file path=ppt/slides/slide14.xml><?xml version="1.0" encoding="utf-8"?>
 <p:sld xmlns:a="http://schemas.openxmlformats.org/drawingml/2006/main" xmlns:r="http://schemas.openxmlformats.org/officeDocument/2006/relationships" xmlns:p="http://schemas.openxmlformats.org/presentationml/2006/main">
   <p:cSld>
     <p:spTree>
@@ -18083,7 +20828,7 @@
 </p:sld>
 </file>
 
-<file path=ppt/slides/slide14.xml><?xml version="1.0" encoding="utf-8"?>
+<file path=ppt/slides/slide15.xml><?xml version="1.0" encoding="utf-8"?>
 <p:sld xmlns:a="http://schemas.openxmlformats.org/drawingml/2006/main" xmlns:r="http://schemas.openxmlformats.org/officeDocument/2006/relationships" xmlns:p="http://schemas.openxmlformats.org/presentationml/2006/main">
   <p:cSld>
     <p:spTree>
@@ -20738,7 +23483,7 @@
 </p:sld>
 </file>
 
-<file path=ppt/slides/slide15.xml><?xml version="1.0" encoding="utf-8"?>
+<file path=ppt/slides/slide16.xml><?xml version="1.0" encoding="utf-8"?>
 <p:sld xmlns:a="http://schemas.openxmlformats.org/drawingml/2006/main" xmlns:r="http://schemas.openxmlformats.org/officeDocument/2006/relationships" xmlns:p="http://schemas.openxmlformats.org/presentationml/2006/main">
   <p:cSld>
     <p:spTree>
@@ -27834,38 +30579,49 @@
       </p:sp>
       <p:pic>
         <p:nvPicPr>
-          <p:cNvPr id="3" name="그림 2">
+          <p:cNvPr id="2050" name="Picture 2">
             <a:extLst>
               <a:ext uri="{FF2B5EF4-FFF2-40B4-BE49-F238E27FC236}">
-                <a16:creationId xmlns:a16="http://schemas.microsoft.com/office/drawing/2014/main" id="{5E5BF5D7-A4D9-4AC5-96ED-14A078A4907F}"/>
+                <a16:creationId xmlns:a16="http://schemas.microsoft.com/office/drawing/2014/main" id="{64B2037E-0B03-656D-0D23-CED40F23C159}"/>
               </a:ext>
             </a:extLst>
           </p:cNvPr>
           <p:cNvPicPr>
-            <a:picLocks noChangeAspect="1"/>
+            <a:picLocks noChangeAspect="1" noChangeArrowheads="1"/>
           </p:cNvPicPr>
           <p:nvPr/>
         </p:nvPicPr>
         <p:blipFill>
-          <a:blip r:embed="rId2">
+          <a:blip r:embed="rId2" cstate="print">
             <a:extLst>
               <a:ext uri="{28A0092B-C50C-407E-A947-70E740481C1C}">
                 <a14:useLocalDpi xmlns:a14="http://schemas.microsoft.com/office/drawing/2010/main" val="0"/>
               </a:ext>
             </a:extLst>
           </a:blip>
+          <a:srcRect/>
           <a:stretch>
             <a:fillRect/>
           </a:stretch>
         </p:blipFill>
-        <p:spPr>
+        <p:spPr bwMode="auto">
           <a:xfrm>
-            <a:off x="3538633" y="1158875"/>
-            <a:ext cx="5508651" cy="5700660"/>
+            <a:off x="3381991" y="1252206"/>
+            <a:ext cx="5428017" cy="5605793"/>
           </a:xfrm>
           <a:prstGeom prst="rect">
             <a:avLst/>
           </a:prstGeom>
+          <a:noFill/>
+          <a:extLst>
+            <a:ext uri="{909E8E84-426E-40DD-AFC4-6F175D3DCCD1}">
+              <a14:hiddenFill xmlns:a14="http://schemas.microsoft.com/office/drawing/2010/main">
+                <a:solidFill>
+                  <a:srgbClr val="FFFFFF"/>
+                </a:solidFill>
+              </a14:hiddenFill>
+            </a:ext>
+          </a:extLst>
         </p:spPr>
       </p:pic>
     </p:spTree>
@@ -32800,7 +35556,7 @@
           <p:nvPr>
             <p:extLst>
               <p:ext uri="{D42A27DB-BD31-4B8C-83A1-F6EECF244321}">
-                <p14:modId xmlns:p14="http://schemas.microsoft.com/office/powerpoint/2010/main" val="303116606"/>
+                <p14:modId xmlns:p14="http://schemas.microsoft.com/office/powerpoint/2010/main" val="2806680172"/>
               </p:ext>
             </p:extLst>
           </p:nvPr>
@@ -33379,7 +36135,7 @@
                           <a:ea typeface="맑은 고딕" charset="0"/>
                           <a:cs typeface="Times New Roman" charset="0"/>
                         </a:rPr>
-                        <a:t>들은 플레이어를 찾아 마을을 돌아다닌다</a:t>
+                        <a:t>들은 플레이어를 찾아 마을을 돌아다니며 순찰한다</a:t>
                       </a:r>
                       <a:r>
                         <a:rPr lang="en-US" altLang="ko-KR" sz="1200" b="0" kern="1200" dirty="0">
@@ -34486,7 +37242,7 @@
           <a:p>
             <a:r>
               <a:rPr lang="ko-KR" altLang="en-US" dirty="0"/>
-              <a:t>세력 우호도 </a:t>
+              <a:t>세력 우호도 관련 </a:t>
             </a:r>
             <a:r>
               <a:rPr lang="en-US" altLang="ko-KR" dirty="0"/>
@@ -34496,11 +37252,6 @@
               <a:rPr lang="ko-KR" altLang="en-US" dirty="0"/>
               <a:t>반응 규칙</a:t>
             </a:r>
-            <a:r>
-              <a:rPr lang="en-US" altLang="ko-KR" dirty="0"/>
-              <a:t>1</a:t>
-            </a:r>
-            <a:endParaRPr lang="ko-KR" altLang="en-US" dirty="0"/>
           </a:p>
         </p:txBody>
       </p:sp>
@@ -34583,7 +37334,7 @@
           <a:p>
             <a:r>
               <a:rPr lang="ko-KR" altLang="en-US" dirty="0"/>
-              <a:t>세력 우호도 </a:t>
+              <a:t>세력 우호도 관련 </a:t>
             </a:r>
             <a:r>
               <a:rPr lang="en-US" altLang="ko-KR" dirty="0"/>
@@ -34591,11 +37342,19 @@
             </a:r>
             <a:r>
               <a:rPr lang="ko-KR" altLang="en-US" dirty="0"/>
-              <a:t>반응 규칙</a:t>
+              <a:t>반응</a:t>
             </a:r>
             <a:r>
               <a:rPr lang="en-US" altLang="ko-KR" dirty="0"/>
-              <a:t>2</a:t>
+              <a:t> </a:t>
+            </a:r>
+            <a:r>
+              <a:rPr lang="ko-KR" altLang="en-US" dirty="0"/>
+              <a:t>차트 </a:t>
+            </a:r>
+            <a:r>
+              <a:rPr lang="en-US" altLang="ko-KR" dirty="0"/>
+              <a:t>1</a:t>
             </a:r>
             <a:endParaRPr lang="ko-KR" altLang="en-US" dirty="0"/>
           </a:p>
@@ -34603,38 +37362,143 @@
       </p:sp>
       <p:pic>
         <p:nvPicPr>
-          <p:cNvPr id="3" name="그림 2">
+          <p:cNvPr id="1026" name="Picture 2">
             <a:extLst>
               <a:ext uri="{FF2B5EF4-FFF2-40B4-BE49-F238E27FC236}">
-                <a16:creationId xmlns:a16="http://schemas.microsoft.com/office/drawing/2014/main" id="{813710EE-8AD1-46F6-8AD0-AED46F6018BE}"/>
+                <a16:creationId xmlns:a16="http://schemas.microsoft.com/office/drawing/2014/main" id="{CDD33F3B-D9B1-CF78-F565-B1A289E4A311}"/>
               </a:ext>
             </a:extLst>
           </p:cNvPr>
           <p:cNvPicPr>
-            <a:picLocks noChangeAspect="1"/>
+            <a:picLocks noChangeAspect="1" noChangeArrowheads="1"/>
           </p:cNvPicPr>
           <p:nvPr/>
         </p:nvPicPr>
         <p:blipFill>
-          <a:blip r:embed="rId2">
+          <a:blip r:embed="rId2" cstate="print">
             <a:extLst>
               <a:ext uri="{28A0092B-C50C-407E-A947-70E740481C1C}">
                 <a14:useLocalDpi xmlns:a14="http://schemas.microsoft.com/office/drawing/2010/main" val="0"/>
               </a:ext>
             </a:extLst>
           </a:blip>
+          <a:srcRect/>
           <a:stretch>
             <a:fillRect/>
           </a:stretch>
         </p:blipFill>
-        <p:spPr>
+        <p:spPr bwMode="auto">
           <a:xfrm>
-            <a:off x="1857207" y="1153795"/>
-            <a:ext cx="8477586" cy="5699125"/>
+            <a:off x="1409700" y="1175052"/>
+            <a:ext cx="2629640" cy="4659538"/>
           </a:xfrm>
           <a:prstGeom prst="rect">
             <a:avLst/>
           </a:prstGeom>
+          <a:noFill/>
+          <a:extLst>
+            <a:ext uri="{909E8E84-426E-40DD-AFC4-6F175D3DCCD1}">
+              <a14:hiddenFill xmlns:a14="http://schemas.microsoft.com/office/drawing/2010/main">
+                <a:solidFill>
+                  <a:srgbClr val="FFFFFF"/>
+                </a:solidFill>
+              </a14:hiddenFill>
+            </a:ext>
+          </a:extLst>
+        </p:spPr>
+      </p:pic>
+      <p:pic>
+        <p:nvPicPr>
+          <p:cNvPr id="1028" name="Picture 4">
+            <a:extLst>
+              <a:ext uri="{FF2B5EF4-FFF2-40B4-BE49-F238E27FC236}">
+                <a16:creationId xmlns:a16="http://schemas.microsoft.com/office/drawing/2014/main" id="{E3BCBD98-B735-7F09-97CF-A10E70844DC7}"/>
+              </a:ext>
+            </a:extLst>
+          </p:cNvPr>
+          <p:cNvPicPr>
+            <a:picLocks noChangeAspect="1" noChangeArrowheads="1"/>
+          </p:cNvPicPr>
+          <p:nvPr/>
+        </p:nvPicPr>
+        <p:blipFill>
+          <a:blip r:embed="rId3" cstate="print">
+            <a:extLst>
+              <a:ext uri="{28A0092B-C50C-407E-A947-70E740481C1C}">
+                <a14:useLocalDpi xmlns:a14="http://schemas.microsoft.com/office/drawing/2010/main" val="0"/>
+              </a:ext>
+            </a:extLst>
+          </a:blip>
+          <a:srcRect/>
+          <a:stretch>
+            <a:fillRect/>
+          </a:stretch>
+        </p:blipFill>
+        <p:spPr bwMode="auto">
+          <a:xfrm>
+            <a:off x="4781180" y="1175052"/>
+            <a:ext cx="2629640" cy="4659538"/>
+          </a:xfrm>
+          <a:prstGeom prst="rect">
+            <a:avLst/>
+          </a:prstGeom>
+          <a:noFill/>
+          <a:extLst>
+            <a:ext uri="{909E8E84-426E-40DD-AFC4-6F175D3DCCD1}">
+              <a14:hiddenFill xmlns:a14="http://schemas.microsoft.com/office/drawing/2010/main">
+                <a:solidFill>
+                  <a:srgbClr val="FFFFFF"/>
+                </a:solidFill>
+              </a14:hiddenFill>
+            </a:ext>
+          </a:extLst>
+        </p:spPr>
+      </p:pic>
+      <p:pic>
+        <p:nvPicPr>
+          <p:cNvPr id="1030" name="Picture 6">
+            <a:extLst>
+              <a:ext uri="{FF2B5EF4-FFF2-40B4-BE49-F238E27FC236}">
+                <a16:creationId xmlns:a16="http://schemas.microsoft.com/office/drawing/2014/main" id="{B27803CE-2247-9640-0EAD-BD7E9D766DFA}"/>
+              </a:ext>
+            </a:extLst>
+          </p:cNvPr>
+          <p:cNvPicPr>
+            <a:picLocks noChangeAspect="1" noChangeArrowheads="1"/>
+          </p:cNvPicPr>
+          <p:nvPr/>
+        </p:nvPicPr>
+        <p:blipFill>
+          <a:blip r:embed="rId4" cstate="print">
+            <a:extLst>
+              <a:ext uri="{28A0092B-C50C-407E-A947-70E740481C1C}">
+                <a14:useLocalDpi xmlns:a14="http://schemas.microsoft.com/office/drawing/2010/main" val="0"/>
+              </a:ext>
+            </a:extLst>
+          </a:blip>
+          <a:srcRect/>
+          <a:stretch>
+            <a:fillRect/>
+          </a:stretch>
+        </p:blipFill>
+        <p:spPr bwMode="auto">
+          <a:xfrm>
+            <a:off x="8152660" y="1158875"/>
+            <a:ext cx="2629640" cy="4659538"/>
+          </a:xfrm>
+          <a:prstGeom prst="rect">
+            <a:avLst/>
+          </a:prstGeom>
+          <a:noFill/>
+          <a:extLst>
+            <a:ext uri="{909E8E84-426E-40DD-AFC4-6F175D3DCCD1}">
+              <a14:hiddenFill xmlns:a14="http://schemas.microsoft.com/office/drawing/2010/main">
+                <a:solidFill>
+                  <a:srgbClr val="FFFFFF"/>
+                </a:solidFill>
+              </a14:hiddenFill>
+            </a:ext>
+          </a:extLst>
         </p:spPr>
       </p:pic>
     </p:spTree>
@@ -34667,859 +37531,6 @@
           <a:chExt cx="0" cy="0"/>
         </a:xfrm>
       </p:grpSpPr>
-      <p:graphicFrame>
-        <p:nvGraphicFramePr>
-          <p:cNvPr id="6" name="내용 개체 틀 5"/>
-          <p:cNvGraphicFramePr>
-            <a:graphicFrameLocks noGrp="1"/>
-          </p:cNvGraphicFramePr>
-          <p:nvPr>
-            <p:extLst>
-              <p:ext uri="{D42A27DB-BD31-4B8C-83A1-F6EECF244321}">
-                <p14:modId xmlns:p14="http://schemas.microsoft.com/office/powerpoint/2010/main" val="1652782388"/>
-              </p:ext>
-            </p:extLst>
-          </p:nvPr>
-        </p:nvGraphicFramePr>
-        <p:xfrm>
-          <a:off x="2871628" y="1161303"/>
-          <a:ext cx="6448743" cy="1920240"/>
-        </p:xfrm>
-        <a:graphic>
-          <a:graphicData uri="http://schemas.openxmlformats.org/drawingml/2006/table">
-            <a:tbl>
-              <a:tblPr firstRow="1" bandRow="1">
-                <a:tableStyleId>{5C22544A-7EE6-4342-B048-85BDC9FD1C3A}</a:tableStyleId>
-              </a:tblPr>
-              <a:tblGrid>
-                <a:gridCol w="6448743">
-                  <a:extLst>
-                    <a:ext uri="{9D8B030D-6E8A-4147-A177-3AD203B41FA5}">
-                      <a16:colId xmlns:a16="http://schemas.microsoft.com/office/drawing/2014/main" val="20000"/>
-                    </a:ext>
-                  </a:extLst>
-                </a:gridCol>
-              </a:tblGrid>
-              <a:tr h="0">
-                <a:tc>
-                  <a:txBody>
-                    <a:bodyPr/>
-                    <a:lstStyle/>
-                    <a:p>
-                      <a:pPr marL="0" marR="0" lvl="1" indent="0" algn="l" defTabSz="914400" rtl="0" eaLnBrk="1" fontAlgn="auto" latinLnBrk="1" hangingPunct="1">
-                        <a:lnSpc>
-                          <a:spcPct val="100000"/>
-                        </a:lnSpc>
-                        <a:spcBef>
-                          <a:spcPct val="0"/>
-                        </a:spcBef>
-                        <a:spcAft>
-                          <a:spcPct val="0"/>
-                        </a:spcAft>
-                        <a:buClrTx/>
-                        <a:buSzTx/>
-                        <a:buFontTx/>
-                        <a:buNone/>
-                        <a:tabLst/>
-                        <a:defRPr/>
-                      </a:pPr>
-                      <a:r>
-                        <a:rPr lang="ko-KR" altLang="en-US" sz="1200" b="0" kern="1200" dirty="0">
-                          <a:solidFill>
-                            <a:schemeClr val="tx1"/>
-                          </a:solidFill>
-                          <a:latin typeface="맑은 고딕" charset="0"/>
-                          <a:ea typeface="맑은 고딕" charset="0"/>
-                          <a:cs typeface="Times New Roman" charset="0"/>
-                        </a:rPr>
-                        <a:t>잠입 이란</a:t>
-                      </a:r>
-                      <a:r>
-                        <a:rPr lang="en-US" altLang="ko-KR" sz="1200" b="0" kern="1200" dirty="0">
-                          <a:solidFill>
-                            <a:schemeClr val="tx1"/>
-                          </a:solidFill>
-                          <a:latin typeface="맑은 고딕" charset="0"/>
-                          <a:ea typeface="맑은 고딕" charset="0"/>
-                          <a:cs typeface="Times New Roman" charset="0"/>
-                        </a:rPr>
-                        <a:t>?</a:t>
-                      </a:r>
-                    </a:p>
-                  </a:txBody>
-                  <a:tcPr>
-                    <a:lnL w="0" cap="flat" cmpd="sng" algn="ctr">
-                      <a:noFill/>
-                      <a:prstDash/>
-                      <a:round/>
-                      <a:headEnd type="none" w="med" len="med"/>
-                      <a:tailEnd type="none" w="med" len="med"/>
-                    </a:lnL>
-                    <a:lnR w="0" cap="flat" cmpd="sng" algn="ctr">
-                      <a:noFill/>
-                      <a:prstDash/>
-                      <a:round/>
-                      <a:headEnd type="none" w="med" len="med"/>
-                      <a:tailEnd type="none" w="med" len="med"/>
-                    </a:lnR>
-                    <a:lnT w="12700" cap="flat" cmpd="sng" algn="ctr">
-                      <a:noFill/>
-                      <a:prstDash val="solid"/>
-                      <a:round/>
-                      <a:headEnd type="none" w="med" len="med"/>
-                      <a:tailEnd type="none" w="med" len="med"/>
-                    </a:lnT>
-                    <a:lnB w="12700" cap="flat" cmpd="sng" algn="ctr">
-                      <a:solidFill>
-                        <a:schemeClr val="tx1"/>
-                      </a:solidFill>
-                      <a:prstDash val="solid"/>
-                      <a:round/>
-                      <a:headEnd type="none" w="med" len="med"/>
-                      <a:tailEnd type="none" w="med" len="med"/>
-                    </a:lnB>
-                    <a:lnTlToBr w="0" cap="flat" cmpd="sng" algn="ctr">
-                      <a:noFill/>
-                      <a:prstDash/>
-                      <a:round/>
-                      <a:headEnd type="none" w="med" len="med"/>
-                      <a:tailEnd type="none" w="med" len="med"/>
-                    </a:lnTlToBr>
-                    <a:lnBlToTr w="0" cap="flat" cmpd="sng" algn="ctr">
-                      <a:noFill/>
-                      <a:prstDash/>
-                      <a:round/>
-                      <a:headEnd type="none" w="med" len="med"/>
-                      <a:tailEnd type="none" w="med" len="med"/>
-                    </a:lnBlToTr>
-                    <a:solidFill>
-                      <a:schemeClr val="bg1">
-                        <a:lumMod val="95000"/>
-                      </a:schemeClr>
-                    </a:solidFill>
-                  </a:tcPr>
-                </a:tc>
-                <a:extLst>
-                  <a:ext uri="{0D108BD9-81ED-4DB2-BD59-A6C34878D82A}">
-                    <a16:rowId xmlns:a16="http://schemas.microsoft.com/office/drawing/2014/main" val="755526336"/>
-                  </a:ext>
-                </a:extLst>
-              </a:tr>
-              <a:tr h="0">
-                <a:tc>
-                  <a:txBody>
-                    <a:bodyPr/>
-                    <a:lstStyle/>
-                    <a:p>
-                      <a:pPr marL="0" marR="0" lvl="1" indent="0" algn="l" defTabSz="914400" rtl="0" eaLnBrk="1" fontAlgn="auto" latinLnBrk="1" hangingPunct="1">
-                        <a:lnSpc>
-                          <a:spcPct val="100000"/>
-                        </a:lnSpc>
-                        <a:spcBef>
-                          <a:spcPct val="0"/>
-                        </a:spcBef>
-                        <a:spcAft>
-                          <a:spcPct val="0"/>
-                        </a:spcAft>
-                        <a:buClrTx/>
-                        <a:buSzTx/>
-                        <a:buFontTx/>
-                        <a:buNone/>
-                        <a:tabLst/>
-                        <a:defRPr/>
-                      </a:pPr>
-                      <a:r>
-                        <a:rPr lang="ko-KR" altLang="en-US" sz="1200" b="0" kern="1200" dirty="0">
-                          <a:solidFill>
-                            <a:schemeClr val="tx1"/>
-                          </a:solidFill>
-                          <a:latin typeface="맑은 고딕" charset="0"/>
-                          <a:ea typeface="맑은 고딕" charset="0"/>
-                          <a:cs typeface="Times New Roman" charset="0"/>
-                        </a:rPr>
-                        <a:t>중립이 아닌 플레이어가 아이템이나 스킬을 사용하여 일시적으로 중립 상태가 되는 것이다</a:t>
-                      </a:r>
-                      <a:r>
-                        <a:rPr lang="en-US" altLang="ko-KR" sz="1200" b="0" kern="1200" dirty="0">
-                          <a:solidFill>
-                            <a:schemeClr val="tx1"/>
-                          </a:solidFill>
-                          <a:latin typeface="맑은 고딕" charset="0"/>
-                          <a:ea typeface="맑은 고딕" charset="0"/>
-                          <a:cs typeface="Times New Roman" charset="0"/>
-                        </a:rPr>
-                        <a:t>.</a:t>
-                      </a:r>
-                    </a:p>
-                  </a:txBody>
-                  <a:tcPr>
-                    <a:lnL w="0" cap="flat" cmpd="sng" algn="ctr">
-                      <a:noFill/>
-                      <a:prstDash/>
-                      <a:round/>
-                      <a:headEnd type="none" w="med" len="med"/>
-                      <a:tailEnd type="none" w="med" len="med"/>
-                    </a:lnL>
-                    <a:lnR w="0" cap="flat" cmpd="sng" algn="ctr">
-                      <a:noFill/>
-                      <a:prstDash/>
-                      <a:round/>
-                      <a:headEnd type="none" w="med" len="med"/>
-                      <a:tailEnd type="none" w="med" len="med"/>
-                    </a:lnR>
-                    <a:lnT w="12700" cap="flat" cmpd="sng" algn="ctr">
-                      <a:solidFill>
-                        <a:schemeClr val="tx1"/>
-                      </a:solidFill>
-                      <a:prstDash val="solid"/>
-                      <a:round/>
-                      <a:headEnd type="none" w="med" len="med"/>
-                      <a:tailEnd type="none" w="med" len="med"/>
-                    </a:lnT>
-                    <a:lnB w="12700" cap="flat" cmpd="sng" algn="ctr">
-                      <a:noFill/>
-                      <a:prstDash val="solid"/>
-                      <a:round/>
-                      <a:headEnd type="none" w="med" len="med"/>
-                      <a:tailEnd type="none" w="med" len="med"/>
-                    </a:lnB>
-                    <a:lnTlToBr w="0" cap="flat" cmpd="sng" algn="ctr">
-                      <a:noFill/>
-                      <a:prstDash/>
-                      <a:round/>
-                      <a:headEnd type="none" w="med" len="med"/>
-                      <a:tailEnd type="none" w="med" len="med"/>
-                    </a:lnTlToBr>
-                    <a:lnBlToTr w="0" cap="flat" cmpd="sng" algn="ctr">
-                      <a:noFill/>
-                      <a:prstDash/>
-                      <a:round/>
-                      <a:headEnd type="none" w="med" len="med"/>
-                      <a:tailEnd type="none" w="med" len="med"/>
-                    </a:lnBlToTr>
-                    <a:noFill/>
-                  </a:tcPr>
-                </a:tc>
-                <a:extLst>
-                  <a:ext uri="{0D108BD9-81ED-4DB2-BD59-A6C34878D82A}">
-                    <a16:rowId xmlns:a16="http://schemas.microsoft.com/office/drawing/2014/main" val="763555588"/>
-                  </a:ext>
-                </a:extLst>
-              </a:tr>
-              <a:tr h="0">
-                <a:tc>
-                  <a:txBody>
-                    <a:bodyPr/>
-                    <a:lstStyle/>
-                    <a:p>
-                      <a:pPr marL="0" marR="0" lvl="1" indent="0" algn="l" defTabSz="914400" rtl="0" eaLnBrk="1" fontAlgn="auto" latinLnBrk="1" hangingPunct="1">
-                        <a:lnSpc>
-                          <a:spcPct val="100000"/>
-                        </a:lnSpc>
-                        <a:spcBef>
-                          <a:spcPct val="0"/>
-                        </a:spcBef>
-                        <a:spcAft>
-                          <a:spcPct val="0"/>
-                        </a:spcAft>
-                        <a:buClrTx/>
-                        <a:buSzTx/>
-                        <a:buFontTx/>
-                        <a:buNone/>
-                        <a:tabLst/>
-                        <a:defRPr/>
-                      </a:pPr>
-                      <a:endParaRPr lang="en-US" altLang="ko-KR" sz="1200" b="0" kern="1200" dirty="0">
-                        <a:solidFill>
-                          <a:schemeClr val="tx1"/>
-                        </a:solidFill>
-                        <a:latin typeface="맑은 고딕" charset="0"/>
-                        <a:ea typeface="맑은 고딕" charset="0"/>
-                        <a:cs typeface="Times New Roman" charset="0"/>
-                      </a:endParaRPr>
-                    </a:p>
-                  </a:txBody>
-                  <a:tcPr>
-                    <a:lnL w="0" cap="flat" cmpd="sng" algn="ctr">
-                      <a:noFill/>
-                      <a:prstDash/>
-                      <a:round/>
-                      <a:headEnd type="none" w="med" len="med"/>
-                      <a:tailEnd type="none" w="med" len="med"/>
-                    </a:lnL>
-                    <a:lnR w="0" cap="flat" cmpd="sng" algn="ctr">
-                      <a:noFill/>
-                      <a:prstDash/>
-                      <a:round/>
-                      <a:headEnd type="none" w="med" len="med"/>
-                      <a:tailEnd type="none" w="med" len="med"/>
-                    </a:lnR>
-                    <a:lnT w="12700" cap="flat" cmpd="sng" algn="ctr">
-                      <a:noFill/>
-                      <a:prstDash val="solid"/>
-                      <a:round/>
-                      <a:headEnd type="none" w="med" len="med"/>
-                      <a:tailEnd type="none" w="med" len="med"/>
-                    </a:lnT>
-                    <a:lnB w="12700" cap="flat" cmpd="sng" algn="ctr">
-                      <a:noFill/>
-                      <a:prstDash val="solid"/>
-                      <a:round/>
-                      <a:headEnd type="none" w="med" len="med"/>
-                      <a:tailEnd type="none" w="med" len="med"/>
-                    </a:lnB>
-                    <a:lnTlToBr w="0" cap="flat" cmpd="sng" algn="ctr">
-                      <a:noFill/>
-                      <a:prstDash/>
-                      <a:round/>
-                      <a:headEnd type="none" w="med" len="med"/>
-                      <a:tailEnd type="none" w="med" len="med"/>
-                    </a:lnTlToBr>
-                    <a:lnBlToTr w="0" cap="flat" cmpd="sng" algn="ctr">
-                      <a:noFill/>
-                      <a:prstDash/>
-                      <a:round/>
-                      <a:headEnd type="none" w="med" len="med"/>
-                      <a:tailEnd type="none" w="med" len="med"/>
-                    </a:lnBlToTr>
-                    <a:noFill/>
-                  </a:tcPr>
-                </a:tc>
-                <a:extLst>
-                  <a:ext uri="{0D108BD9-81ED-4DB2-BD59-A6C34878D82A}">
-                    <a16:rowId xmlns:a16="http://schemas.microsoft.com/office/drawing/2014/main" val="3005516184"/>
-                  </a:ext>
-                </a:extLst>
-              </a:tr>
-              <a:tr h="0">
-                <a:tc>
-                  <a:txBody>
-                    <a:bodyPr/>
-                    <a:lstStyle/>
-                    <a:p>
-                      <a:pPr marL="0" lvl="1" indent="0" algn="l" defTabSz="914400" rtl="0" eaLnBrk="1" fontAlgn="auto" latinLnBrk="1" hangingPunct="1">
-                        <a:lnSpc>
-                          <a:spcPct val="100000"/>
-                        </a:lnSpc>
-                        <a:spcBef>
-                          <a:spcPct val="0"/>
-                        </a:spcBef>
-                        <a:spcAft>
-                          <a:spcPct val="0"/>
-                        </a:spcAft>
-                        <a:buFontTx/>
-                        <a:buNone/>
-                      </a:pPr>
-                      <a:r>
-                        <a:rPr lang="ko-KR" altLang="en-US" sz="1200" b="0" kern="1200" dirty="0">
-                          <a:solidFill>
-                            <a:schemeClr val="tx1"/>
-                          </a:solidFill>
-                          <a:latin typeface="맑은 고딕" charset="0"/>
-                          <a:ea typeface="맑은 고딕" charset="0"/>
-                          <a:cs typeface="Times New Roman" charset="0"/>
-                        </a:rPr>
-                        <a:t>잠입 아이템을 사용하는 것으로 세력 우호도를 조절하여 중립 상태가 될 수 있다</a:t>
-                      </a:r>
-                      <a:r>
-                        <a:rPr lang="en-US" altLang="ko-KR" sz="1200" b="0" kern="1200" dirty="0">
-                          <a:solidFill>
-                            <a:schemeClr val="tx1"/>
-                          </a:solidFill>
-                          <a:latin typeface="맑은 고딕" charset="0"/>
-                          <a:ea typeface="맑은 고딕" charset="0"/>
-                          <a:cs typeface="Times New Roman" charset="0"/>
-                        </a:rPr>
-                        <a:t>.</a:t>
-                      </a:r>
-                    </a:p>
-                  </a:txBody>
-                  <a:tcPr>
-                    <a:lnL w="0" cap="flat" cmpd="sng" algn="ctr">
-                      <a:noFill/>
-                      <a:prstDash/>
-                      <a:round/>
-                      <a:headEnd type="none" w="med" len="med"/>
-                      <a:tailEnd type="none" w="med" len="med"/>
-                    </a:lnL>
-                    <a:lnR w="0" cap="flat" cmpd="sng" algn="ctr">
-                      <a:noFill/>
-                      <a:prstDash/>
-                      <a:round/>
-                      <a:headEnd type="none" w="med" len="med"/>
-                      <a:tailEnd type="none" w="med" len="med"/>
-                    </a:lnR>
-                    <a:lnT w="12700" cap="flat" cmpd="sng" algn="ctr">
-                      <a:noFill/>
-                      <a:prstDash val="solid"/>
-                      <a:round/>
-                      <a:headEnd type="none" w="med" len="med"/>
-                      <a:tailEnd type="none" w="med" len="med"/>
-                    </a:lnT>
-                    <a:lnB w="12700" cap="flat" cmpd="sng" algn="ctr">
-                      <a:solidFill>
-                        <a:schemeClr val="tx1"/>
-                      </a:solidFill>
-                      <a:prstDash val="solid"/>
-                      <a:round/>
-                      <a:headEnd type="none" w="med" len="med"/>
-                      <a:tailEnd type="none" w="med" len="med"/>
-                    </a:lnB>
-                    <a:lnTlToBr w="0" cap="flat" cmpd="sng" algn="ctr">
-                      <a:noFill/>
-                      <a:prstDash/>
-                      <a:round/>
-                      <a:headEnd type="none" w="med" len="med"/>
-                      <a:tailEnd type="none" w="med" len="med"/>
-                    </a:lnTlToBr>
-                    <a:lnBlToTr w="0" cap="flat" cmpd="sng" algn="ctr">
-                      <a:noFill/>
-                      <a:prstDash/>
-                      <a:round/>
-                      <a:headEnd type="none" w="med" len="med"/>
-                      <a:tailEnd type="none" w="med" len="med"/>
-                    </a:lnBlToTr>
-                    <a:noFill/>
-                  </a:tcPr>
-                </a:tc>
-                <a:extLst>
-                  <a:ext uri="{0D108BD9-81ED-4DB2-BD59-A6C34878D82A}">
-                    <a16:rowId xmlns:a16="http://schemas.microsoft.com/office/drawing/2014/main" val="2190709710"/>
-                  </a:ext>
-                </a:extLst>
-              </a:tr>
-              <a:tr h="0">
-                <a:tc>
-                  <a:txBody>
-                    <a:bodyPr/>
-                    <a:lstStyle/>
-                    <a:p>
-                      <a:pPr marL="0" marR="0" lvl="1" indent="0" algn="l" defTabSz="914400" rtl="0" eaLnBrk="1" fontAlgn="auto" latinLnBrk="1" hangingPunct="1">
-                        <a:lnSpc>
-                          <a:spcPct val="100000"/>
-                        </a:lnSpc>
-                        <a:spcBef>
-                          <a:spcPct val="0"/>
-                        </a:spcBef>
-                        <a:spcAft>
-                          <a:spcPct val="0"/>
-                        </a:spcAft>
-                        <a:buClrTx/>
-                        <a:buSzTx/>
-                        <a:buFontTx/>
-                        <a:buNone/>
-                        <a:tabLst/>
-                        <a:defRPr/>
-                      </a:pPr>
-                      <a:r>
-                        <a:rPr lang="ko-KR" altLang="en-US" sz="1200" b="0" kern="1200" dirty="0">
-                          <a:solidFill>
-                            <a:schemeClr val="tx1"/>
-                          </a:solidFill>
-                          <a:latin typeface="맑은 고딕" charset="0"/>
-                          <a:ea typeface="맑은 고딕" charset="0"/>
-                          <a:cs typeface="Times New Roman" charset="0"/>
-                        </a:rPr>
-                        <a:t>일정 시간 동안 특정 </a:t>
-                      </a:r>
-                      <a:r>
-                        <a:rPr lang="ko-KR" altLang="en-US" sz="1200" b="0" kern="1200" dirty="0" err="1">
-                          <a:solidFill>
-                            <a:schemeClr val="tx1"/>
-                          </a:solidFill>
-                          <a:latin typeface="맑은 고딕" charset="0"/>
-                          <a:ea typeface="맑은 고딕" charset="0"/>
-                          <a:cs typeface="Times New Roman" charset="0"/>
-                        </a:rPr>
-                        <a:t>문파의</a:t>
-                      </a:r>
-                      <a:r>
-                        <a:rPr lang="ko-KR" altLang="en-US" sz="1200" b="0" kern="1200" dirty="0">
-                          <a:solidFill>
-                            <a:schemeClr val="tx1"/>
-                          </a:solidFill>
-                          <a:latin typeface="맑은 고딕" charset="0"/>
-                          <a:ea typeface="맑은 고딕" charset="0"/>
-                          <a:cs typeface="Times New Roman" charset="0"/>
-                        </a:rPr>
-                        <a:t> 우호도를 </a:t>
-                      </a:r>
-                      <a:r>
-                        <a:rPr lang="en-US" altLang="ko-KR" sz="1200" b="0" kern="1200" dirty="0">
-                          <a:solidFill>
-                            <a:schemeClr val="tx1"/>
-                          </a:solidFill>
-                          <a:latin typeface="맑은 고딕" charset="0"/>
-                          <a:ea typeface="맑은 고딕" charset="0"/>
-                          <a:cs typeface="Times New Roman" charset="0"/>
-                        </a:rPr>
-                        <a:t>0</a:t>
-                      </a:r>
-                      <a:r>
-                        <a:rPr lang="ko-KR" altLang="en-US" sz="1200" b="0" kern="1200" dirty="0">
-                          <a:solidFill>
-                            <a:schemeClr val="tx1"/>
-                          </a:solidFill>
-                          <a:latin typeface="맑은 고딕" charset="0"/>
-                          <a:ea typeface="맑은 고딕" charset="0"/>
-                          <a:cs typeface="Times New Roman" charset="0"/>
-                        </a:rPr>
-                        <a:t>으로 만드는 소비 아이템이 있다</a:t>
-                      </a:r>
-                      <a:r>
-                        <a:rPr lang="en-US" altLang="ko-KR" sz="1200" b="0" kern="1200" dirty="0">
-                          <a:solidFill>
-                            <a:schemeClr val="tx1"/>
-                          </a:solidFill>
-                          <a:latin typeface="맑은 고딕" charset="0"/>
-                          <a:ea typeface="맑은 고딕" charset="0"/>
-                          <a:cs typeface="Times New Roman" charset="0"/>
-                        </a:rPr>
-                        <a:t>.</a:t>
-                      </a:r>
-                    </a:p>
-                  </a:txBody>
-                  <a:tcPr>
-                    <a:lnL w="0" cap="flat" cmpd="sng" algn="ctr">
-                      <a:noFill/>
-                      <a:prstDash/>
-                      <a:round/>
-                      <a:headEnd type="none" w="med" len="med"/>
-                      <a:tailEnd type="none" w="med" len="med"/>
-                    </a:lnL>
-                    <a:lnR w="0" cap="flat" cmpd="sng" algn="ctr">
-                      <a:noFill/>
-                      <a:prstDash/>
-                      <a:round/>
-                      <a:headEnd type="none" w="med" len="med"/>
-                      <a:tailEnd type="none" w="med" len="med"/>
-                    </a:lnR>
-                    <a:lnT w="12700" cap="flat" cmpd="sng" algn="ctr">
-                      <a:solidFill>
-                        <a:schemeClr val="tx1"/>
-                      </a:solidFill>
-                      <a:prstDash val="solid"/>
-                      <a:round/>
-                      <a:headEnd type="none" w="med" len="med"/>
-                      <a:tailEnd type="none" w="med" len="med"/>
-                    </a:lnT>
-                    <a:lnB w="12700" cap="flat" cmpd="sng" algn="ctr">
-                      <a:solidFill>
-                        <a:schemeClr val="tx1"/>
-                      </a:solidFill>
-                      <a:prstDash val="solid"/>
-                      <a:round/>
-                      <a:headEnd type="none" w="med" len="med"/>
-                      <a:tailEnd type="none" w="med" len="med"/>
-                    </a:lnB>
-                    <a:lnTlToBr w="0" cap="flat" cmpd="sng" algn="ctr">
-                      <a:noFill/>
-                      <a:prstDash/>
-                      <a:round/>
-                      <a:headEnd type="none" w="med" len="med"/>
-                      <a:tailEnd type="none" w="med" len="med"/>
-                    </a:lnTlToBr>
-                    <a:lnBlToTr w="0" cap="flat" cmpd="sng" algn="ctr">
-                      <a:noFill/>
-                      <a:prstDash/>
-                      <a:round/>
-                      <a:headEnd type="none" w="med" len="med"/>
-                      <a:tailEnd type="none" w="med" len="med"/>
-                    </a:lnBlToTr>
-                    <a:noFill/>
-                  </a:tcPr>
-                </a:tc>
-                <a:extLst>
-                  <a:ext uri="{0D108BD9-81ED-4DB2-BD59-A6C34878D82A}">
-                    <a16:rowId xmlns:a16="http://schemas.microsoft.com/office/drawing/2014/main" val="969962190"/>
-                  </a:ext>
-                </a:extLst>
-              </a:tr>
-              <a:tr h="0">
-                <a:tc>
-                  <a:txBody>
-                    <a:bodyPr/>
-                    <a:lstStyle/>
-                    <a:p>
-                      <a:pPr marL="0" marR="0" lvl="1" indent="0" algn="l" defTabSz="914400" rtl="0" eaLnBrk="1" fontAlgn="auto" latinLnBrk="1" hangingPunct="1">
-                        <a:lnSpc>
-                          <a:spcPct val="100000"/>
-                        </a:lnSpc>
-                        <a:spcBef>
-                          <a:spcPct val="0"/>
-                        </a:spcBef>
-                        <a:spcAft>
-                          <a:spcPct val="0"/>
-                        </a:spcAft>
-                        <a:buClrTx/>
-                        <a:buSzTx/>
-                        <a:buFontTx/>
-                        <a:buNone/>
-                        <a:tabLst/>
-                        <a:defRPr/>
-                      </a:pPr>
-                      <a:r>
-                        <a:rPr lang="ko-KR" altLang="en-US" sz="1200" b="0" kern="1200" dirty="0" err="1">
-                          <a:solidFill>
-                            <a:schemeClr val="tx1"/>
-                          </a:solidFill>
-                          <a:latin typeface="맑은 고딕" charset="0"/>
-                          <a:ea typeface="맑은 고딕" charset="0"/>
-                          <a:cs typeface="Times New Roman" charset="0"/>
-                        </a:rPr>
-                        <a:t>마교와</a:t>
-                      </a:r>
-                      <a:r>
-                        <a:rPr lang="en-US" altLang="ko-KR" sz="1200" b="0" kern="1200" dirty="0">
-                          <a:solidFill>
-                            <a:schemeClr val="tx1"/>
-                          </a:solidFill>
-                          <a:latin typeface="맑은 고딕" charset="0"/>
-                          <a:ea typeface="맑은 고딕" charset="0"/>
-                          <a:cs typeface="Times New Roman" charset="0"/>
-                        </a:rPr>
-                        <a:t> </a:t>
-                      </a:r>
-                      <a:r>
-                        <a:rPr lang="ko-KR" altLang="en-US" sz="1200" b="0" kern="1200" dirty="0" err="1">
-                          <a:solidFill>
-                            <a:schemeClr val="tx1"/>
-                          </a:solidFill>
-                          <a:latin typeface="맑은 고딕" charset="0"/>
-                          <a:ea typeface="맑은 고딕" charset="0"/>
-                          <a:cs typeface="Times New Roman" charset="0"/>
-                        </a:rPr>
-                        <a:t>혈교는</a:t>
-                      </a:r>
-                      <a:r>
-                        <a:rPr lang="ko-KR" altLang="en-US" sz="1200" b="0" kern="1200" dirty="0">
-                          <a:solidFill>
-                            <a:schemeClr val="tx1"/>
-                          </a:solidFill>
-                          <a:latin typeface="맑은 고딕" charset="0"/>
-                          <a:ea typeface="맑은 고딕" charset="0"/>
-                          <a:cs typeface="Times New Roman" charset="0"/>
-                        </a:rPr>
-                        <a:t> 잠입에 사용할 수 있는 </a:t>
-                      </a:r>
-                      <a:r>
-                        <a:rPr lang="en-US" altLang="ko-KR" sz="1200" b="0" kern="1200" dirty="0">
-                          <a:solidFill>
-                            <a:schemeClr val="tx1"/>
-                          </a:solidFill>
-                          <a:latin typeface="맑은 고딕" charset="0"/>
-                          <a:ea typeface="맑은 고딕" charset="0"/>
-                          <a:cs typeface="Times New Roman" charset="0"/>
-                        </a:rPr>
-                        <a:t>ON/OFF</a:t>
-                      </a:r>
-                      <a:r>
-                        <a:rPr lang="ko-KR" altLang="en-US" sz="1200" b="0" kern="1200" dirty="0">
-                          <a:solidFill>
-                            <a:schemeClr val="tx1"/>
-                          </a:solidFill>
-                          <a:latin typeface="맑은 고딕" charset="0"/>
-                          <a:ea typeface="맑은 고딕" charset="0"/>
-                          <a:cs typeface="Times New Roman" charset="0"/>
-                        </a:rPr>
-                        <a:t> 형태의 패시브 스킬을 배울 수 있다</a:t>
-                      </a:r>
-                      <a:r>
-                        <a:rPr lang="en-US" altLang="ko-KR" sz="1200" b="0" kern="1200" dirty="0">
-                          <a:solidFill>
-                            <a:schemeClr val="tx1"/>
-                          </a:solidFill>
-                          <a:latin typeface="맑은 고딕" charset="0"/>
-                          <a:ea typeface="맑은 고딕" charset="0"/>
-                          <a:cs typeface="Times New Roman" charset="0"/>
-                        </a:rPr>
-                        <a:t>.</a:t>
-                      </a:r>
-                    </a:p>
-                  </a:txBody>
-                  <a:tcPr>
-                    <a:lnL w="0" cap="flat" cmpd="sng" algn="ctr">
-                      <a:noFill/>
-                      <a:prstDash/>
-                      <a:round/>
-                      <a:headEnd type="none" w="med" len="med"/>
-                      <a:tailEnd type="none" w="med" len="med"/>
-                    </a:lnL>
-                    <a:lnR w="0" cap="flat" cmpd="sng" algn="ctr">
-                      <a:noFill/>
-                      <a:prstDash/>
-                      <a:round/>
-                      <a:headEnd type="none" w="med" len="med"/>
-                      <a:tailEnd type="none" w="med" len="med"/>
-                    </a:lnR>
-                    <a:lnT w="12700" cap="flat" cmpd="sng" algn="ctr">
-                      <a:solidFill>
-                        <a:schemeClr val="tx1"/>
-                      </a:solidFill>
-                      <a:prstDash val="solid"/>
-                      <a:round/>
-                      <a:headEnd type="none" w="med" len="med"/>
-                      <a:tailEnd type="none" w="med" len="med"/>
-                    </a:lnT>
-                    <a:lnB w="12700" cap="flat" cmpd="sng" algn="ctr">
-                      <a:solidFill>
-                        <a:schemeClr val="tx1"/>
-                      </a:solidFill>
-                      <a:prstDash val="solid"/>
-                      <a:round/>
-                      <a:headEnd type="none" w="med" len="med"/>
-                      <a:tailEnd type="none" w="med" len="med"/>
-                    </a:lnB>
-                    <a:lnTlToBr w="0" cap="flat" cmpd="sng" algn="ctr">
-                      <a:noFill/>
-                      <a:prstDash/>
-                      <a:round/>
-                      <a:headEnd type="none" w="med" len="med"/>
-                      <a:tailEnd type="none" w="med" len="med"/>
-                    </a:lnTlToBr>
-                    <a:lnBlToTr w="0" cap="flat" cmpd="sng" algn="ctr">
-                      <a:noFill/>
-                      <a:prstDash/>
-                      <a:round/>
-                      <a:headEnd type="none" w="med" len="med"/>
-                      <a:tailEnd type="none" w="med" len="med"/>
-                    </a:lnBlToTr>
-                    <a:noFill/>
-                  </a:tcPr>
-                </a:tc>
-                <a:extLst>
-                  <a:ext uri="{0D108BD9-81ED-4DB2-BD59-A6C34878D82A}">
-                    <a16:rowId xmlns:a16="http://schemas.microsoft.com/office/drawing/2014/main" val="4031687768"/>
-                  </a:ext>
-                </a:extLst>
-              </a:tr>
-              <a:tr h="0">
-                <a:tc>
-                  <a:txBody>
-                    <a:bodyPr/>
-                    <a:lstStyle/>
-                    <a:p>
-                      <a:pPr marL="0" marR="0" lvl="1" indent="0" algn="l" defTabSz="914400" rtl="0" eaLnBrk="1" fontAlgn="auto" latinLnBrk="1" hangingPunct="1">
-                        <a:lnSpc>
-                          <a:spcPct val="100000"/>
-                        </a:lnSpc>
-                        <a:spcBef>
-                          <a:spcPct val="0"/>
-                        </a:spcBef>
-                        <a:spcAft>
-                          <a:spcPct val="0"/>
-                        </a:spcAft>
-                        <a:buClrTx/>
-                        <a:buSzTx/>
-                        <a:buFontTx/>
-                        <a:buNone/>
-                        <a:tabLst/>
-                        <a:defRPr/>
-                      </a:pPr>
-                      <a:r>
-                        <a:rPr lang="ko-KR" altLang="en-US" sz="1200" b="0" kern="1200" dirty="0">
-                          <a:solidFill>
-                            <a:schemeClr val="tx1"/>
-                          </a:solidFill>
-                          <a:latin typeface="맑은 고딕" charset="0"/>
-                          <a:ea typeface="맑은 고딕" charset="0"/>
-                          <a:cs typeface="Times New Roman" charset="0"/>
-                        </a:rPr>
-                        <a:t>잠입 중에 중립 상태가 아니게 될 경우 근처 적대 세력 </a:t>
-                      </a:r>
-                      <a:r>
-                        <a:rPr lang="en-US" altLang="ko-KR" sz="1200" b="0" kern="1200" dirty="0">
-                          <a:solidFill>
-                            <a:schemeClr val="tx1"/>
-                          </a:solidFill>
-                          <a:latin typeface="맑은 고딕" charset="0"/>
-                          <a:ea typeface="맑은 고딕" charset="0"/>
-                          <a:cs typeface="Times New Roman" charset="0"/>
-                        </a:rPr>
-                        <a:t>NPC</a:t>
-                      </a:r>
-                      <a:r>
-                        <a:rPr lang="ko-KR" altLang="en-US" sz="1200" b="0" kern="1200" dirty="0">
-                          <a:solidFill>
-                            <a:schemeClr val="tx1"/>
-                          </a:solidFill>
-                          <a:latin typeface="맑은 고딕" charset="0"/>
-                          <a:ea typeface="맑은 고딕" charset="0"/>
-                          <a:cs typeface="Times New Roman" charset="0"/>
-                        </a:rPr>
-                        <a:t>는 경계 상태가 된다</a:t>
-                      </a:r>
-                      <a:r>
-                        <a:rPr lang="en-US" altLang="ko-KR" sz="1200" b="0" kern="1200" dirty="0">
-                          <a:solidFill>
-                            <a:schemeClr val="tx1"/>
-                          </a:solidFill>
-                          <a:latin typeface="맑은 고딕" charset="0"/>
-                          <a:ea typeface="맑은 고딕" charset="0"/>
-                          <a:cs typeface="Times New Roman" charset="0"/>
-                        </a:rPr>
-                        <a:t>.</a:t>
-                      </a:r>
-                    </a:p>
-                  </a:txBody>
-                  <a:tcPr>
-                    <a:lnL w="0" cap="flat" cmpd="sng" algn="ctr">
-                      <a:noFill/>
-                      <a:prstDash/>
-                      <a:round/>
-                      <a:headEnd type="none" w="med" len="med"/>
-                      <a:tailEnd type="none" w="med" len="med"/>
-                    </a:lnL>
-                    <a:lnR w="0" cap="flat" cmpd="sng" algn="ctr">
-                      <a:noFill/>
-                      <a:prstDash/>
-                      <a:round/>
-                      <a:headEnd type="none" w="med" len="med"/>
-                      <a:tailEnd type="none" w="med" len="med"/>
-                    </a:lnR>
-                    <a:lnT w="12700" cap="flat" cmpd="sng" algn="ctr">
-                      <a:solidFill>
-                        <a:schemeClr val="tx1"/>
-                      </a:solidFill>
-                      <a:prstDash val="solid"/>
-                      <a:round/>
-                      <a:headEnd type="none" w="med" len="med"/>
-                      <a:tailEnd type="none" w="med" len="med"/>
-                    </a:lnT>
-                    <a:lnB w="12700" cap="flat" cmpd="sng" algn="ctr">
-                      <a:noFill/>
-                      <a:prstDash val="solid"/>
-                      <a:round/>
-                      <a:headEnd type="none" w="med" len="med"/>
-                      <a:tailEnd type="none" w="med" len="med"/>
-                    </a:lnB>
-                    <a:lnTlToBr w="0" cap="flat" cmpd="sng" algn="ctr">
-                      <a:noFill/>
-                      <a:prstDash/>
-                      <a:round/>
-                      <a:headEnd type="none" w="med" len="med"/>
-                      <a:tailEnd type="none" w="med" len="med"/>
-                    </a:lnTlToBr>
-                    <a:lnBlToTr w="0" cap="flat" cmpd="sng" algn="ctr">
-                      <a:noFill/>
-                      <a:prstDash/>
-                      <a:round/>
-                      <a:headEnd type="none" w="med" len="med"/>
-                      <a:tailEnd type="none" w="med" len="med"/>
-                    </a:lnBlToTr>
-                    <a:noFill/>
-                  </a:tcPr>
-                </a:tc>
-                <a:extLst>
-                  <a:ext uri="{0D108BD9-81ED-4DB2-BD59-A6C34878D82A}">
-                    <a16:rowId xmlns:a16="http://schemas.microsoft.com/office/drawing/2014/main" val="2823449412"/>
-                  </a:ext>
-                </a:extLst>
-              </a:tr>
-            </a:tbl>
-          </a:graphicData>
-        </a:graphic>
-      </p:graphicFrame>
       <p:sp>
         <p:nvSpPr>
           <p:cNvPr id="7" name="제목 1">
@@ -35569,1822 +37580,130 @@
           <a:p>
             <a:r>
               <a:rPr lang="ko-KR" altLang="en-US" dirty="0"/>
-              <a:t>잠입 규칙</a:t>
+              <a:t>세력 우호도 관련 </a:t>
             </a:r>
+            <a:r>
+              <a:rPr lang="en-US" altLang="ko-KR" dirty="0"/>
+              <a:t>NPC </a:t>
+            </a:r>
+            <a:r>
+              <a:rPr lang="ko-KR" altLang="en-US" dirty="0"/>
+              <a:t>반응</a:t>
+            </a:r>
+            <a:r>
+              <a:rPr lang="en-US" altLang="ko-KR" dirty="0"/>
+              <a:t> </a:t>
+            </a:r>
+            <a:r>
+              <a:rPr lang="ko-KR" altLang="en-US" dirty="0"/>
+              <a:t>차트 </a:t>
+            </a:r>
+            <a:r>
+              <a:rPr lang="en-US" altLang="ko-KR" dirty="0"/>
+              <a:t>2</a:t>
+            </a:r>
+            <a:endParaRPr lang="ko-KR" altLang="en-US" dirty="0"/>
           </a:p>
         </p:txBody>
       </p:sp>
-      <p:graphicFrame>
-        <p:nvGraphicFramePr>
-          <p:cNvPr id="8" name="표 2">
+      <p:pic>
+        <p:nvPicPr>
+          <p:cNvPr id="1032" name="Picture 8">
             <a:extLst>
               <a:ext uri="{FF2B5EF4-FFF2-40B4-BE49-F238E27FC236}">
-                <a16:creationId xmlns:a16="http://schemas.microsoft.com/office/drawing/2014/main" id="{2436C41E-1117-4F4C-A68C-2180939C5720}"/>
+                <a16:creationId xmlns:a16="http://schemas.microsoft.com/office/drawing/2014/main" id="{8F791F1F-7F3B-3779-2DF1-DBA26B67F36B}"/>
               </a:ext>
             </a:extLst>
           </p:cNvPr>
-          <p:cNvGraphicFramePr>
-            <a:graphicFrameLocks noGrp="1"/>
-          </p:cNvGraphicFramePr>
-          <p:nvPr>
-            <p:extLst>
-              <p:ext uri="{D42A27DB-BD31-4B8C-83A1-F6EECF244321}">
-                <p14:modId xmlns:p14="http://schemas.microsoft.com/office/powerpoint/2010/main" val="2041246965"/>
-              </p:ext>
-            </p:extLst>
-          </p:nvPr>
-        </p:nvGraphicFramePr>
-        <p:xfrm>
-          <a:off x="2603816" y="3429000"/>
-          <a:ext cx="6984365" cy="2468880"/>
-        </p:xfrm>
-        <a:graphic>
-          <a:graphicData uri="http://schemas.openxmlformats.org/drawingml/2006/table">
-            <a:tbl>
-              <a:tblPr firstRow="1" bandRow="1">
-                <a:tableStyleId>{5C22544A-7EE6-4342-B048-85BDC9FD1C3A}</a:tableStyleId>
-              </a:tblPr>
-              <a:tblGrid>
-                <a:gridCol w="652780">
-                  <a:extLst>
-                    <a:ext uri="{9D8B030D-6E8A-4147-A177-3AD203B41FA5}">
-                      <a16:colId xmlns:a16="http://schemas.microsoft.com/office/drawing/2014/main" val="2422316135"/>
-                    </a:ext>
-                  </a:extLst>
-                </a:gridCol>
-                <a:gridCol w="1510030">
-                  <a:extLst>
-                    <a:ext uri="{9D8B030D-6E8A-4147-A177-3AD203B41FA5}">
-                      <a16:colId xmlns:a16="http://schemas.microsoft.com/office/drawing/2014/main" val="399140447"/>
-                    </a:ext>
-                  </a:extLst>
-                </a:gridCol>
-                <a:gridCol w="4821555">
-                  <a:extLst>
-                    <a:ext uri="{9D8B030D-6E8A-4147-A177-3AD203B41FA5}">
-                      <a16:colId xmlns:a16="http://schemas.microsoft.com/office/drawing/2014/main" val="1292698405"/>
-                    </a:ext>
-                  </a:extLst>
-                </a:gridCol>
-              </a:tblGrid>
-              <a:tr h="0">
-                <a:tc gridSpan="3">
-                  <a:txBody>
-                    <a:bodyPr/>
-                    <a:lstStyle/>
-                    <a:p>
-                      <a:pPr algn="l" latinLnBrk="1"/>
-                      <a:r>
-                        <a:rPr lang="ko-KR" altLang="en-US" sz="1000" b="0" dirty="0">
-                          <a:solidFill>
-                            <a:schemeClr val="tx1"/>
-                          </a:solidFill>
-                        </a:rPr>
-                        <a:t>잠입 방법</a:t>
-                      </a:r>
-                    </a:p>
-                  </a:txBody>
-                  <a:tcPr>
-                    <a:lnL w="12700" cmpd="sng">
-                      <a:noFill/>
-                    </a:lnL>
-                    <a:lnR w="12700" cmpd="sng">
-                      <a:noFill/>
-                    </a:lnR>
-                    <a:lnT w="12700" cmpd="sng">
-                      <a:noFill/>
-                    </a:lnT>
-                    <a:lnB w="12700" cap="flat" cmpd="sng" algn="ctr">
-                      <a:solidFill>
-                        <a:schemeClr val="tx1"/>
-                      </a:solidFill>
-                      <a:prstDash val="solid"/>
-                      <a:round/>
-                      <a:headEnd type="none" w="med" len="med"/>
-                      <a:tailEnd type="none" w="med" len="med"/>
-                    </a:lnB>
-                    <a:lnTlToBr w="12700" cmpd="sng">
-                      <a:noFill/>
-                      <a:prstDash val="solid"/>
-                    </a:lnTlToBr>
-                    <a:lnBlToTr w="12700" cmpd="sng">
-                      <a:noFill/>
-                      <a:prstDash val="solid"/>
-                    </a:lnBlToTr>
-                    <a:solidFill>
-                      <a:schemeClr val="bg1">
-                        <a:lumMod val="95000"/>
-                      </a:schemeClr>
-                    </a:solidFill>
-                  </a:tcPr>
-                </a:tc>
-                <a:tc hMerge="1">
-                  <a:txBody>
-                    <a:bodyPr/>
-                    <a:lstStyle/>
-                    <a:p>
-                      <a:pPr algn="l" latinLnBrk="1"/>
-                      <a:endParaRPr lang="ko-KR" altLang="en-US" b="0" dirty="0">
-                        <a:solidFill>
-                          <a:schemeClr val="tx1"/>
-                        </a:solidFill>
-                      </a:endParaRPr>
-                    </a:p>
-                  </a:txBody>
-                  <a:tcPr>
-                    <a:lnL w="12700" cap="flat" cmpd="sng" algn="ctr">
-                      <a:solidFill>
-                        <a:schemeClr val="tx1"/>
-                      </a:solidFill>
-                      <a:prstDash val="solid"/>
-                      <a:round/>
-                      <a:headEnd type="none" w="med" len="med"/>
-                      <a:tailEnd type="none" w="med" len="med"/>
-                    </a:lnL>
-                    <a:lnR w="12700" cmpd="sng">
-                      <a:noFill/>
-                    </a:lnR>
-                    <a:lnT w="12700" cmpd="sng">
-                      <a:noFill/>
-                    </a:lnT>
-                    <a:lnB w="12700" cap="flat" cmpd="sng" algn="ctr">
-                      <a:solidFill>
-                        <a:schemeClr val="tx1"/>
-                      </a:solidFill>
-                      <a:prstDash val="solid"/>
-                      <a:round/>
-                      <a:headEnd type="none" w="med" len="med"/>
-                      <a:tailEnd type="none" w="med" len="med"/>
-                    </a:lnB>
-                    <a:lnTlToBr w="12700" cmpd="sng">
-                      <a:noFill/>
-                      <a:prstDash val="solid"/>
-                    </a:lnTlToBr>
-                    <a:lnBlToTr w="12700" cmpd="sng">
-                      <a:noFill/>
-                      <a:prstDash val="solid"/>
-                    </a:lnBlToTr>
-                    <a:noFill/>
-                  </a:tcPr>
-                </a:tc>
-                <a:tc hMerge="1">
-                  <a:txBody>
-                    <a:bodyPr/>
-                    <a:lstStyle/>
-                    <a:p>
-                      <a:pPr latinLnBrk="1"/>
-                      <a:endParaRPr lang="ko-KR" altLang="en-US"/>
-                    </a:p>
-                  </a:txBody>
-                  <a:tcPr>
-                    <a:lnL w="12700" cmpd="sng">
-                      <a:noFill/>
-                    </a:lnL>
-                  </a:tcPr>
-                </a:tc>
-                <a:extLst>
-                  <a:ext uri="{0D108BD9-81ED-4DB2-BD59-A6C34878D82A}">
-                    <a16:rowId xmlns:a16="http://schemas.microsoft.com/office/drawing/2014/main" val="3064705254"/>
-                  </a:ext>
-                </a:extLst>
-              </a:tr>
-              <a:tr h="0">
-                <a:tc rowSpan="2">
-                  <a:txBody>
-                    <a:bodyPr/>
-                    <a:lstStyle/>
-                    <a:p>
-                      <a:pPr algn="ctr" latinLnBrk="1"/>
-                      <a:r>
-                        <a:rPr lang="ko-KR" altLang="en-US" sz="1000" b="0" dirty="0">
-                          <a:solidFill>
-                            <a:schemeClr val="tx1"/>
-                          </a:solidFill>
-                        </a:rPr>
-                        <a:t>소비 </a:t>
-                      </a:r>
-                      <a:endParaRPr lang="en-US" altLang="ko-KR" sz="1000" b="0" dirty="0">
-                        <a:solidFill>
-                          <a:schemeClr val="tx1"/>
-                        </a:solidFill>
-                      </a:endParaRPr>
-                    </a:p>
-                    <a:p>
-                      <a:pPr algn="ctr" latinLnBrk="1"/>
-                      <a:r>
-                        <a:rPr lang="ko-KR" altLang="en-US" sz="1000" b="0" dirty="0">
-                          <a:solidFill>
-                            <a:schemeClr val="tx1"/>
-                          </a:solidFill>
-                        </a:rPr>
-                        <a:t>아이템</a:t>
-                      </a:r>
-                    </a:p>
-                  </a:txBody>
-                  <a:tcPr anchor="ctr">
-                    <a:lnL w="12700" cap="flat" cmpd="sng" algn="ctr">
-                      <a:noFill/>
-                      <a:prstDash val="solid"/>
-                      <a:round/>
-                      <a:headEnd type="none" w="med" len="med"/>
-                      <a:tailEnd type="none" w="med" len="med"/>
-                    </a:lnL>
-                    <a:lnR w="12700" cap="flat" cmpd="sng" algn="ctr">
-                      <a:solidFill>
-                        <a:schemeClr val="tx1"/>
-                      </a:solidFill>
-                      <a:prstDash val="solid"/>
-                      <a:round/>
-                      <a:headEnd type="none" w="med" len="med"/>
-                      <a:tailEnd type="none" w="med" len="med"/>
-                    </a:lnR>
-                    <a:lnT w="12700" cap="flat" cmpd="sng" algn="ctr">
-                      <a:solidFill>
-                        <a:schemeClr val="tx1"/>
-                      </a:solidFill>
-                      <a:prstDash val="solid"/>
-                      <a:round/>
-                      <a:headEnd type="none" w="med" len="med"/>
-                      <a:tailEnd type="none" w="med" len="med"/>
-                    </a:lnT>
-                    <a:lnB w="12700" cap="flat" cmpd="sng" algn="ctr">
-                      <a:solidFill>
-                        <a:schemeClr val="tx1"/>
-                      </a:solidFill>
-                      <a:prstDash val="solid"/>
-                      <a:round/>
-                      <a:headEnd type="none" w="med" len="med"/>
-                      <a:tailEnd type="none" w="med" len="med"/>
-                    </a:lnB>
-                    <a:lnTlToBr w="12700" cmpd="sng">
-                      <a:noFill/>
-                      <a:prstDash val="solid"/>
-                    </a:lnTlToBr>
-                    <a:lnBlToTr w="12700" cmpd="sng">
-                      <a:noFill/>
-                      <a:prstDash val="solid"/>
-                    </a:lnBlToTr>
-                    <a:noFill/>
-                  </a:tcPr>
-                </a:tc>
-                <a:tc>
-                  <a:txBody>
-                    <a:bodyPr/>
-                    <a:lstStyle/>
-                    <a:p>
-                      <a:pPr algn="ctr" latinLnBrk="1"/>
-                      <a:r>
-                        <a:rPr lang="ko-KR" altLang="en-US" sz="1000" b="0" dirty="0">
-                          <a:solidFill>
-                            <a:schemeClr val="tx1"/>
-                          </a:solidFill>
-                        </a:rPr>
-                        <a:t>기운을 지우는 환약</a:t>
-                      </a:r>
-                    </a:p>
-                  </a:txBody>
-                  <a:tcPr anchor="ctr">
-                    <a:lnL w="12700" cap="flat" cmpd="sng" algn="ctr">
-                      <a:solidFill>
-                        <a:schemeClr val="tx1"/>
-                      </a:solidFill>
-                      <a:prstDash val="solid"/>
-                      <a:round/>
-                      <a:headEnd type="none" w="med" len="med"/>
-                      <a:tailEnd type="none" w="med" len="med"/>
-                    </a:lnL>
-                    <a:lnR w="12700" cap="flat" cmpd="sng" algn="ctr">
-                      <a:solidFill>
-                        <a:schemeClr val="tx1"/>
-                      </a:solidFill>
-                      <a:prstDash val="solid"/>
-                      <a:round/>
-                      <a:headEnd type="none" w="med" len="med"/>
-                      <a:tailEnd type="none" w="med" len="med"/>
-                    </a:lnR>
-                    <a:lnT w="12700" cap="flat" cmpd="sng" algn="ctr">
-                      <a:solidFill>
-                        <a:schemeClr val="tx1"/>
-                      </a:solidFill>
-                      <a:prstDash val="solid"/>
-                      <a:round/>
-                      <a:headEnd type="none" w="med" len="med"/>
-                      <a:tailEnd type="none" w="med" len="med"/>
-                    </a:lnT>
-                    <a:lnB w="12700" cap="flat" cmpd="sng" algn="ctr">
-                      <a:solidFill>
-                        <a:schemeClr val="tx1"/>
-                      </a:solidFill>
-                      <a:prstDash val="solid"/>
-                      <a:round/>
-                      <a:headEnd type="none" w="med" len="med"/>
-                      <a:tailEnd type="none" w="med" len="med"/>
-                    </a:lnB>
-                    <a:lnTlToBr w="12700" cmpd="sng">
-                      <a:noFill/>
-                      <a:prstDash val="solid"/>
-                    </a:lnTlToBr>
-                    <a:lnBlToTr w="12700" cmpd="sng">
-                      <a:noFill/>
-                      <a:prstDash val="solid"/>
-                    </a:lnBlToTr>
-                    <a:noFill/>
-                  </a:tcPr>
-                </a:tc>
-                <a:tc>
-                  <a:txBody>
-                    <a:bodyPr/>
-                    <a:lstStyle/>
-                    <a:p>
-                      <a:pPr marL="0" marR="0" lvl="0" indent="0" algn="l" defTabSz="914400" rtl="0" eaLnBrk="1" fontAlgn="auto" latinLnBrk="1" hangingPunct="1">
-                        <a:lnSpc>
-                          <a:spcPct val="100000"/>
-                        </a:lnSpc>
-                        <a:spcBef>
-                          <a:spcPts val="0"/>
-                        </a:spcBef>
-                        <a:spcAft>
-                          <a:spcPts val="0"/>
-                        </a:spcAft>
-                        <a:buClrTx/>
-                        <a:buSzTx/>
-                        <a:buFontTx/>
-                        <a:buNone/>
-                        <a:tabLst/>
-                        <a:defRPr/>
-                      </a:pPr>
-                      <a:r>
-                        <a:rPr lang="ko-KR" altLang="en-US" sz="1000" b="0" dirty="0">
-                          <a:solidFill>
-                            <a:schemeClr val="tx1"/>
-                          </a:solidFill>
-                        </a:rPr>
-                        <a:t>복용하는 것으로 등급에 따라서 </a:t>
-                      </a:r>
-                      <a:r>
-                        <a:rPr lang="en-US" altLang="ko-KR" sz="1000" b="0" dirty="0">
-                          <a:solidFill>
-                            <a:schemeClr val="tx1"/>
-                          </a:solidFill>
-                        </a:rPr>
-                        <a:t>10/20/30</a:t>
-                      </a:r>
-                      <a:r>
-                        <a:rPr lang="ko-KR" altLang="en-US" sz="1000" b="0" dirty="0">
-                          <a:solidFill>
-                            <a:schemeClr val="tx1"/>
-                          </a:solidFill>
-                        </a:rPr>
-                        <a:t>분 동안 특정 </a:t>
-                      </a:r>
-                      <a:r>
-                        <a:rPr lang="ko-KR" altLang="en-US" sz="1000" b="0" dirty="0" err="1">
-                          <a:solidFill>
-                            <a:schemeClr val="tx1"/>
-                          </a:solidFill>
-                        </a:rPr>
-                        <a:t>문파의</a:t>
-                      </a:r>
-                      <a:r>
-                        <a:rPr lang="ko-KR" altLang="en-US" sz="1000" b="0" dirty="0">
-                          <a:solidFill>
-                            <a:schemeClr val="tx1"/>
-                          </a:solidFill>
-                        </a:rPr>
-                        <a:t> 기를 감출 수 있다</a:t>
-                      </a:r>
-                      <a:r>
-                        <a:rPr lang="en-US" altLang="ko-KR" sz="1000" b="0" dirty="0">
-                          <a:solidFill>
-                            <a:schemeClr val="tx1"/>
-                          </a:solidFill>
-                        </a:rPr>
-                        <a:t>.</a:t>
-                      </a:r>
-                      <a:endParaRPr lang="ko-KR" altLang="en-US" sz="1000" b="0" dirty="0">
-                        <a:solidFill>
-                          <a:schemeClr val="tx1"/>
-                        </a:solidFill>
-                      </a:endParaRPr>
-                    </a:p>
-                  </a:txBody>
-                  <a:tcPr anchor="ctr">
-                    <a:lnL w="12700" cap="flat" cmpd="sng" algn="ctr">
-                      <a:solidFill>
-                        <a:schemeClr val="tx1"/>
-                      </a:solidFill>
-                      <a:prstDash val="solid"/>
-                      <a:round/>
-                      <a:headEnd type="none" w="med" len="med"/>
-                      <a:tailEnd type="none" w="med" len="med"/>
-                    </a:lnL>
-                    <a:lnR w="12700" cap="flat" cmpd="sng" algn="ctr">
-                      <a:noFill/>
-                      <a:prstDash val="solid"/>
-                      <a:round/>
-                      <a:headEnd type="none" w="med" len="med"/>
-                      <a:tailEnd type="none" w="med" len="med"/>
-                    </a:lnR>
-                    <a:lnT w="12700" cap="flat" cmpd="sng" algn="ctr">
-                      <a:solidFill>
-                        <a:schemeClr val="tx1"/>
-                      </a:solidFill>
-                      <a:prstDash val="solid"/>
-                      <a:round/>
-                      <a:headEnd type="none" w="med" len="med"/>
-                      <a:tailEnd type="none" w="med" len="med"/>
-                    </a:lnT>
-                    <a:lnB w="12700" cap="flat" cmpd="sng" algn="ctr">
-                      <a:solidFill>
-                        <a:schemeClr val="tx1"/>
-                      </a:solidFill>
-                      <a:prstDash val="solid"/>
-                      <a:round/>
-                      <a:headEnd type="none" w="med" len="med"/>
-                      <a:tailEnd type="none" w="med" len="med"/>
-                    </a:lnB>
-                    <a:lnTlToBr w="12700" cmpd="sng">
-                      <a:noFill/>
-                      <a:prstDash val="solid"/>
-                    </a:lnTlToBr>
-                    <a:lnBlToTr w="12700" cmpd="sng">
-                      <a:noFill/>
-                      <a:prstDash val="solid"/>
-                    </a:lnBlToTr>
-                    <a:noFill/>
-                  </a:tcPr>
-                </a:tc>
-                <a:extLst>
-                  <a:ext uri="{0D108BD9-81ED-4DB2-BD59-A6C34878D82A}">
-                    <a16:rowId xmlns:a16="http://schemas.microsoft.com/office/drawing/2014/main" val="3391025423"/>
-                  </a:ext>
-                </a:extLst>
-              </a:tr>
-              <a:tr h="0">
-                <a:tc vMerge="1">
-                  <a:txBody>
-                    <a:bodyPr/>
-                    <a:lstStyle/>
-                    <a:p>
-                      <a:pPr algn="l" latinLnBrk="1"/>
-                      <a:endParaRPr lang="ko-KR" altLang="en-US" sz="1200" b="0" dirty="0">
-                        <a:solidFill>
-                          <a:schemeClr val="tx1"/>
-                        </a:solidFill>
-                      </a:endParaRPr>
-                    </a:p>
-                  </a:txBody>
-                  <a:tcPr anchor="ctr">
-                    <a:lnL w="12700" cmpd="sng">
-                      <a:noFill/>
-                    </a:lnL>
-                    <a:lnR w="12700" cap="flat" cmpd="sng" algn="ctr">
-                      <a:solidFill>
-                        <a:schemeClr val="tx1"/>
-                      </a:solidFill>
-                      <a:prstDash val="solid"/>
-                      <a:round/>
-                      <a:headEnd type="none" w="med" len="med"/>
-                      <a:tailEnd type="none" w="med" len="med"/>
-                    </a:lnR>
-                    <a:lnT w="12700" cap="flat" cmpd="sng" algn="ctr">
-                      <a:solidFill>
-                        <a:schemeClr val="tx1"/>
-                      </a:solidFill>
-                      <a:prstDash val="solid"/>
-                      <a:round/>
-                      <a:headEnd type="none" w="med" len="med"/>
-                      <a:tailEnd type="none" w="med" len="med"/>
-                    </a:lnT>
-                    <a:lnB w="12700" cap="flat" cmpd="sng" algn="ctr">
-                      <a:solidFill>
-                        <a:schemeClr val="tx1"/>
-                      </a:solidFill>
-                      <a:prstDash val="solid"/>
-                      <a:round/>
-                      <a:headEnd type="none" w="med" len="med"/>
-                      <a:tailEnd type="none" w="med" len="med"/>
-                    </a:lnB>
-                    <a:lnTlToBr w="12700" cmpd="sng">
-                      <a:noFill/>
-                      <a:prstDash val="solid"/>
-                    </a:lnTlToBr>
-                    <a:lnBlToTr w="12700" cmpd="sng">
-                      <a:noFill/>
-                      <a:prstDash val="solid"/>
-                    </a:lnBlToTr>
-                    <a:noFill/>
-                  </a:tcPr>
-                </a:tc>
-                <a:tc>
-                  <a:txBody>
-                    <a:bodyPr/>
-                    <a:lstStyle/>
-                    <a:p>
-                      <a:pPr marL="0" marR="0" lvl="0" indent="0" algn="ctr" defTabSz="914400" rtl="0" eaLnBrk="1" fontAlgn="auto" latinLnBrk="1" hangingPunct="1">
-                        <a:lnSpc>
-                          <a:spcPct val="100000"/>
-                        </a:lnSpc>
-                        <a:spcBef>
-                          <a:spcPts val="0"/>
-                        </a:spcBef>
-                        <a:spcAft>
-                          <a:spcPts val="0"/>
-                        </a:spcAft>
-                        <a:buClrTx/>
-                        <a:buSzTx/>
-                        <a:buFontTx/>
-                        <a:buNone/>
-                        <a:tabLst/>
-                        <a:defRPr/>
-                      </a:pPr>
-                      <a:r>
-                        <a:rPr kumimoji="0" lang="ko-KR" altLang="en-US" sz="1000" b="0" i="0" u="none" strike="noStrike" kern="1200" cap="none" spc="0" normalizeH="0" baseline="0" noProof="0" dirty="0">
-                          <a:ln>
-                            <a:noFill/>
-                          </a:ln>
-                          <a:solidFill>
-                            <a:prstClr val="black"/>
-                          </a:solidFill>
-                          <a:effectLst/>
-                          <a:uLnTx/>
-                          <a:uFillTx/>
-                          <a:latin typeface="+mn-lt"/>
-                          <a:ea typeface="+mn-ea"/>
-                          <a:cs typeface="+mn-cs"/>
-                        </a:rPr>
-                        <a:t>기를 먹는 부적</a:t>
-                      </a:r>
-                    </a:p>
-                  </a:txBody>
-                  <a:tcPr anchor="ctr">
-                    <a:lnL w="12700" cap="flat" cmpd="sng" algn="ctr">
-                      <a:solidFill>
-                        <a:schemeClr val="tx1"/>
-                      </a:solidFill>
-                      <a:prstDash val="solid"/>
-                      <a:round/>
-                      <a:headEnd type="none" w="med" len="med"/>
-                      <a:tailEnd type="none" w="med" len="med"/>
-                    </a:lnL>
-                    <a:lnR w="12700" cap="flat" cmpd="sng" algn="ctr">
-                      <a:solidFill>
-                        <a:schemeClr val="tx1"/>
-                      </a:solidFill>
-                      <a:prstDash val="solid"/>
-                      <a:round/>
-                      <a:headEnd type="none" w="med" len="med"/>
-                      <a:tailEnd type="none" w="med" len="med"/>
-                    </a:lnR>
-                    <a:lnT w="12700" cap="flat" cmpd="sng" algn="ctr">
-                      <a:solidFill>
-                        <a:schemeClr val="tx1"/>
-                      </a:solidFill>
-                      <a:prstDash val="solid"/>
-                      <a:round/>
-                      <a:headEnd type="none" w="med" len="med"/>
-                      <a:tailEnd type="none" w="med" len="med"/>
-                    </a:lnT>
-                    <a:lnB w="12700" cap="flat" cmpd="sng" algn="ctr">
-                      <a:solidFill>
-                        <a:schemeClr val="tx1"/>
-                      </a:solidFill>
-                      <a:prstDash val="solid"/>
-                      <a:round/>
-                      <a:headEnd type="none" w="med" len="med"/>
-                      <a:tailEnd type="none" w="med" len="med"/>
-                    </a:lnB>
-                    <a:lnTlToBr w="12700" cmpd="sng">
-                      <a:noFill/>
-                      <a:prstDash val="solid"/>
-                    </a:lnTlToBr>
-                    <a:lnBlToTr w="12700" cmpd="sng">
-                      <a:noFill/>
-                      <a:prstDash val="solid"/>
-                    </a:lnBlToTr>
-                    <a:noFill/>
-                  </a:tcPr>
-                </a:tc>
-                <a:tc>
-                  <a:txBody>
-                    <a:bodyPr/>
-                    <a:lstStyle/>
-                    <a:p>
-                      <a:pPr marL="0" marR="0" lvl="0" indent="0" algn="l" defTabSz="914400" rtl="0" eaLnBrk="1" fontAlgn="auto" latinLnBrk="1" hangingPunct="1">
-                        <a:lnSpc>
-                          <a:spcPct val="100000"/>
-                        </a:lnSpc>
-                        <a:spcBef>
-                          <a:spcPts val="0"/>
-                        </a:spcBef>
-                        <a:spcAft>
-                          <a:spcPts val="0"/>
-                        </a:spcAft>
-                        <a:buClrTx/>
-                        <a:buSzTx/>
-                        <a:buFontTx/>
-                        <a:buNone/>
-                        <a:tabLst/>
-                        <a:defRPr/>
-                      </a:pPr>
-                      <a:r>
-                        <a:rPr lang="ko-KR" altLang="en-US" sz="1000" b="0" dirty="0">
-                          <a:solidFill>
-                            <a:schemeClr val="tx1"/>
-                          </a:solidFill>
-                        </a:rPr>
-                        <a:t>활성화 하는 것으로 최대 </a:t>
-                      </a:r>
-                      <a:r>
-                        <a:rPr lang="en-US" altLang="ko-KR" sz="1000" b="0" dirty="0">
-                          <a:solidFill>
-                            <a:schemeClr val="tx1"/>
-                          </a:solidFill>
-                        </a:rPr>
-                        <a:t>15</a:t>
-                      </a:r>
-                      <a:r>
-                        <a:rPr lang="ko-KR" altLang="en-US" sz="1000" b="0" dirty="0">
-                          <a:solidFill>
-                            <a:schemeClr val="tx1"/>
-                          </a:solidFill>
-                        </a:rPr>
-                        <a:t>분 동안 특정 </a:t>
-                      </a:r>
-                      <a:r>
-                        <a:rPr lang="ko-KR" altLang="en-US" sz="1000" b="0" dirty="0" err="1">
-                          <a:solidFill>
-                            <a:schemeClr val="tx1"/>
-                          </a:solidFill>
-                        </a:rPr>
-                        <a:t>문파의</a:t>
-                      </a:r>
-                      <a:r>
-                        <a:rPr lang="ko-KR" altLang="en-US" sz="1000" b="0" dirty="0">
-                          <a:solidFill>
-                            <a:schemeClr val="tx1"/>
-                          </a:solidFill>
-                        </a:rPr>
-                        <a:t> 기를 감출 수 있다</a:t>
-                      </a:r>
-                      <a:r>
-                        <a:rPr lang="en-US" altLang="ko-KR" sz="1000" b="0" dirty="0">
-                          <a:solidFill>
-                            <a:schemeClr val="tx1"/>
-                          </a:solidFill>
-                        </a:rPr>
-                        <a:t>.</a:t>
-                      </a:r>
-                    </a:p>
-                    <a:p>
-                      <a:pPr marL="0" marR="0" lvl="0" indent="0" algn="l" defTabSz="914400" rtl="0" eaLnBrk="1" fontAlgn="auto" latinLnBrk="1" hangingPunct="1">
-                        <a:lnSpc>
-                          <a:spcPct val="100000"/>
-                        </a:lnSpc>
-                        <a:spcBef>
-                          <a:spcPts val="0"/>
-                        </a:spcBef>
-                        <a:spcAft>
-                          <a:spcPts val="0"/>
-                        </a:spcAft>
-                        <a:buClrTx/>
-                        <a:buSzTx/>
-                        <a:buFontTx/>
-                        <a:buNone/>
-                        <a:tabLst/>
-                        <a:defRPr/>
-                      </a:pPr>
-                      <a:r>
-                        <a:rPr lang="en-US" altLang="ko-KR" sz="1000" b="0" dirty="0">
-                          <a:solidFill>
-                            <a:schemeClr val="tx1"/>
-                          </a:solidFill>
-                        </a:rPr>
-                        <a:t>5</a:t>
-                      </a:r>
-                      <a:r>
-                        <a:rPr lang="ko-KR" altLang="en-US" sz="1000" b="0" dirty="0">
-                          <a:solidFill>
-                            <a:schemeClr val="tx1"/>
-                          </a:solidFill>
-                        </a:rPr>
-                        <a:t>분의 </a:t>
-                      </a:r>
-                      <a:r>
-                        <a:rPr lang="ko-KR" altLang="en-US" sz="1000" b="0" dirty="0" err="1">
-                          <a:solidFill>
-                            <a:schemeClr val="tx1"/>
-                          </a:solidFill>
-                        </a:rPr>
-                        <a:t>쿨타임을</a:t>
-                      </a:r>
-                      <a:r>
-                        <a:rPr lang="ko-KR" altLang="en-US" sz="1000" b="0" dirty="0">
-                          <a:solidFill>
-                            <a:schemeClr val="tx1"/>
-                          </a:solidFill>
-                        </a:rPr>
-                        <a:t> 가지고 재사용이 가능하다</a:t>
-                      </a:r>
-                      <a:r>
-                        <a:rPr lang="en-US" altLang="ko-KR" sz="1000" b="0" dirty="0">
-                          <a:solidFill>
-                            <a:schemeClr val="tx1"/>
-                          </a:solidFill>
-                        </a:rPr>
-                        <a:t>.</a:t>
-                      </a:r>
-                      <a:endParaRPr lang="ko-KR" altLang="en-US" sz="1000" b="0" dirty="0">
-                        <a:solidFill>
-                          <a:schemeClr val="tx1"/>
-                        </a:solidFill>
-                      </a:endParaRPr>
-                    </a:p>
-                  </a:txBody>
-                  <a:tcPr anchor="ctr">
-                    <a:lnL w="12700" cap="flat" cmpd="sng" algn="ctr">
-                      <a:solidFill>
-                        <a:schemeClr val="tx1"/>
-                      </a:solidFill>
-                      <a:prstDash val="solid"/>
-                      <a:round/>
-                      <a:headEnd type="none" w="med" len="med"/>
-                      <a:tailEnd type="none" w="med" len="med"/>
-                    </a:lnL>
-                    <a:lnR w="12700" cap="flat" cmpd="sng" algn="ctr">
-                      <a:noFill/>
-                      <a:prstDash val="solid"/>
-                      <a:round/>
-                      <a:headEnd type="none" w="med" len="med"/>
-                      <a:tailEnd type="none" w="med" len="med"/>
-                    </a:lnR>
-                    <a:lnT w="12700" cap="flat" cmpd="sng" algn="ctr">
-                      <a:solidFill>
-                        <a:schemeClr val="tx1"/>
-                      </a:solidFill>
-                      <a:prstDash val="solid"/>
-                      <a:round/>
-                      <a:headEnd type="none" w="med" len="med"/>
-                      <a:tailEnd type="none" w="med" len="med"/>
-                    </a:lnT>
-                    <a:lnB w="12700" cap="flat" cmpd="sng" algn="ctr">
-                      <a:solidFill>
-                        <a:schemeClr val="tx1"/>
-                      </a:solidFill>
-                      <a:prstDash val="solid"/>
-                      <a:round/>
-                      <a:headEnd type="none" w="med" len="med"/>
-                      <a:tailEnd type="none" w="med" len="med"/>
-                    </a:lnB>
-                    <a:lnTlToBr w="12700" cmpd="sng">
-                      <a:noFill/>
-                      <a:prstDash val="solid"/>
-                    </a:lnTlToBr>
-                    <a:lnBlToTr w="12700" cmpd="sng">
-                      <a:noFill/>
-                      <a:prstDash val="solid"/>
-                    </a:lnBlToTr>
-                    <a:noFill/>
-                  </a:tcPr>
-                </a:tc>
-                <a:extLst>
-                  <a:ext uri="{0D108BD9-81ED-4DB2-BD59-A6C34878D82A}">
-                    <a16:rowId xmlns:a16="http://schemas.microsoft.com/office/drawing/2014/main" val="498336046"/>
-                  </a:ext>
-                </a:extLst>
-              </a:tr>
-              <a:tr h="0">
-                <a:tc rowSpan="3">
-                  <a:txBody>
-                    <a:bodyPr/>
-                    <a:lstStyle/>
-                    <a:p>
-                      <a:pPr algn="ctr" latinLnBrk="1"/>
-                      <a:r>
-                        <a:rPr lang="ko-KR" altLang="en-US" sz="1000" b="0" dirty="0">
-                          <a:solidFill>
-                            <a:schemeClr val="tx1"/>
-                          </a:solidFill>
-                        </a:rPr>
-                        <a:t>장비</a:t>
-                      </a:r>
-                      <a:endParaRPr lang="en-US" altLang="ko-KR" sz="1000" b="0" dirty="0">
-                        <a:solidFill>
-                          <a:schemeClr val="tx1"/>
-                        </a:solidFill>
-                      </a:endParaRPr>
-                    </a:p>
-                    <a:p>
-                      <a:pPr algn="ctr" latinLnBrk="1"/>
-                      <a:r>
-                        <a:rPr lang="ko-KR" altLang="en-US" sz="1000" b="0" dirty="0">
-                          <a:solidFill>
-                            <a:schemeClr val="tx1"/>
-                          </a:solidFill>
-                        </a:rPr>
-                        <a:t> 아이템</a:t>
-                      </a:r>
-                    </a:p>
-                  </a:txBody>
-                  <a:tcPr anchor="ctr">
-                    <a:lnL w="12700" cap="flat" cmpd="sng" algn="ctr">
-                      <a:noFill/>
-                      <a:prstDash val="solid"/>
-                      <a:round/>
-                      <a:headEnd type="none" w="med" len="med"/>
-                      <a:tailEnd type="none" w="med" len="med"/>
-                    </a:lnL>
-                    <a:lnR w="12700" cap="flat" cmpd="sng" algn="ctr">
-                      <a:solidFill>
-                        <a:schemeClr val="tx1"/>
-                      </a:solidFill>
-                      <a:prstDash val="solid"/>
-                      <a:round/>
-                      <a:headEnd type="none" w="med" len="med"/>
-                      <a:tailEnd type="none" w="med" len="med"/>
-                    </a:lnR>
-                    <a:lnT w="12700" cap="flat" cmpd="sng" algn="ctr">
-                      <a:solidFill>
-                        <a:schemeClr val="tx1"/>
-                      </a:solidFill>
-                      <a:prstDash val="solid"/>
-                      <a:round/>
-                      <a:headEnd type="none" w="med" len="med"/>
-                      <a:tailEnd type="none" w="med" len="med"/>
-                    </a:lnT>
-                    <a:lnB w="12700" cap="flat" cmpd="sng" algn="ctr">
-                      <a:solidFill>
-                        <a:schemeClr val="tx1"/>
-                      </a:solidFill>
-                      <a:prstDash val="solid"/>
-                      <a:round/>
-                      <a:headEnd type="none" w="med" len="med"/>
-                      <a:tailEnd type="none" w="med" len="med"/>
-                    </a:lnB>
-                    <a:lnTlToBr w="12700" cmpd="sng">
-                      <a:noFill/>
-                      <a:prstDash val="solid"/>
-                    </a:lnTlToBr>
-                    <a:lnBlToTr w="12700" cmpd="sng">
-                      <a:noFill/>
-                      <a:prstDash val="solid"/>
-                    </a:lnBlToTr>
-                    <a:noFill/>
-                  </a:tcPr>
-                </a:tc>
-                <a:tc>
-                  <a:txBody>
-                    <a:bodyPr/>
-                    <a:lstStyle/>
-                    <a:p>
-                      <a:pPr algn="ctr" latinLnBrk="1"/>
-                      <a:r>
-                        <a:rPr lang="ko-KR" altLang="en-US" sz="1000" b="0" dirty="0">
-                          <a:solidFill>
-                            <a:schemeClr val="tx1"/>
-                          </a:solidFill>
-                        </a:rPr>
-                        <a:t>허름한 망토</a:t>
-                      </a:r>
-                    </a:p>
-                  </a:txBody>
-                  <a:tcPr anchor="ctr">
-                    <a:lnL w="12700" cap="flat" cmpd="sng" algn="ctr">
-                      <a:solidFill>
-                        <a:schemeClr val="tx1"/>
-                      </a:solidFill>
-                      <a:prstDash val="solid"/>
-                      <a:round/>
-                      <a:headEnd type="none" w="med" len="med"/>
-                      <a:tailEnd type="none" w="med" len="med"/>
-                    </a:lnL>
-                    <a:lnR w="12700" cap="flat" cmpd="sng" algn="ctr">
-                      <a:solidFill>
-                        <a:schemeClr val="tx1"/>
-                      </a:solidFill>
-                      <a:prstDash val="solid"/>
-                      <a:round/>
-                      <a:headEnd type="none" w="med" len="med"/>
-                      <a:tailEnd type="none" w="med" len="med"/>
-                    </a:lnR>
-                    <a:lnT w="12700" cap="flat" cmpd="sng" algn="ctr">
-                      <a:solidFill>
-                        <a:schemeClr val="tx1"/>
-                      </a:solidFill>
-                      <a:prstDash val="solid"/>
-                      <a:round/>
-                      <a:headEnd type="none" w="med" len="med"/>
-                      <a:tailEnd type="none" w="med" len="med"/>
-                    </a:lnT>
-                    <a:lnB w="12700" cap="flat" cmpd="sng" algn="ctr">
-                      <a:solidFill>
-                        <a:schemeClr val="tx1"/>
-                      </a:solidFill>
-                      <a:prstDash val="solid"/>
-                      <a:round/>
-                      <a:headEnd type="none" w="med" len="med"/>
-                      <a:tailEnd type="none" w="med" len="med"/>
-                    </a:lnB>
-                    <a:lnTlToBr w="12700" cmpd="sng">
-                      <a:noFill/>
-                      <a:prstDash val="solid"/>
-                    </a:lnTlToBr>
-                    <a:lnBlToTr w="12700" cmpd="sng">
-                      <a:noFill/>
-                      <a:prstDash val="solid"/>
-                    </a:lnBlToTr>
-                    <a:noFill/>
-                  </a:tcPr>
-                </a:tc>
-                <a:tc>
-                  <a:txBody>
-                    <a:bodyPr/>
-                    <a:lstStyle/>
-                    <a:p>
-                      <a:pPr algn="l" latinLnBrk="1"/>
-                      <a:r>
-                        <a:rPr lang="ko-KR" altLang="en-US" sz="1000" b="0" dirty="0">
-                          <a:solidFill>
-                            <a:schemeClr val="tx1"/>
-                          </a:solidFill>
-                        </a:rPr>
-                        <a:t>가장 보편적인 변장 도구</a:t>
-                      </a:r>
-                      <a:r>
-                        <a:rPr lang="en-US" altLang="ko-KR" sz="1000" b="0" dirty="0">
-                          <a:solidFill>
-                            <a:schemeClr val="tx1"/>
-                          </a:solidFill>
-                        </a:rPr>
-                        <a:t>. </a:t>
-                      </a:r>
-                    </a:p>
-                    <a:p>
-                      <a:pPr algn="l" latinLnBrk="1"/>
-                      <a:r>
-                        <a:rPr lang="ko-KR" altLang="en-US" sz="1000" b="0" dirty="0">
-                          <a:solidFill>
-                            <a:schemeClr val="tx1"/>
-                          </a:solidFill>
-                        </a:rPr>
-                        <a:t>세력 우호도를 </a:t>
-                      </a:r>
-                      <a:r>
-                        <a:rPr lang="en-US" altLang="ko-KR" sz="1000" b="0" dirty="0">
-                          <a:solidFill>
-                            <a:schemeClr val="tx1"/>
-                          </a:solidFill>
-                        </a:rPr>
-                        <a:t>0</a:t>
-                      </a:r>
-                      <a:r>
-                        <a:rPr lang="ko-KR" altLang="en-US" sz="1000" b="0" dirty="0">
-                          <a:solidFill>
-                            <a:schemeClr val="tx1"/>
-                          </a:solidFill>
-                        </a:rPr>
-                        <a:t>에 가깝게 조절할 수 있다</a:t>
-                      </a:r>
-                      <a:r>
-                        <a:rPr lang="en-US" altLang="ko-KR" sz="1000" b="0" dirty="0">
-                          <a:solidFill>
-                            <a:schemeClr val="tx1"/>
-                          </a:solidFill>
-                        </a:rPr>
-                        <a:t>.</a:t>
-                      </a:r>
-                    </a:p>
-                  </a:txBody>
-                  <a:tcPr anchor="ctr">
-                    <a:lnL w="12700" cap="flat" cmpd="sng" algn="ctr">
-                      <a:solidFill>
-                        <a:schemeClr val="tx1"/>
-                      </a:solidFill>
-                      <a:prstDash val="solid"/>
-                      <a:round/>
-                      <a:headEnd type="none" w="med" len="med"/>
-                      <a:tailEnd type="none" w="med" len="med"/>
-                    </a:lnL>
-                    <a:lnR w="12700" cap="flat" cmpd="sng" algn="ctr">
-                      <a:noFill/>
-                      <a:prstDash val="solid"/>
-                      <a:round/>
-                      <a:headEnd type="none" w="med" len="med"/>
-                      <a:tailEnd type="none" w="med" len="med"/>
-                    </a:lnR>
-                    <a:lnT w="12700" cap="flat" cmpd="sng" algn="ctr">
-                      <a:solidFill>
-                        <a:schemeClr val="tx1"/>
-                      </a:solidFill>
-                      <a:prstDash val="solid"/>
-                      <a:round/>
-                      <a:headEnd type="none" w="med" len="med"/>
-                      <a:tailEnd type="none" w="med" len="med"/>
-                    </a:lnT>
-                    <a:lnB w="12700" cap="flat" cmpd="sng" algn="ctr">
-                      <a:solidFill>
-                        <a:schemeClr val="tx1"/>
-                      </a:solidFill>
-                      <a:prstDash val="solid"/>
-                      <a:round/>
-                      <a:headEnd type="none" w="med" len="med"/>
-                      <a:tailEnd type="none" w="med" len="med"/>
-                    </a:lnB>
-                    <a:lnTlToBr w="12700" cmpd="sng">
-                      <a:noFill/>
-                      <a:prstDash val="solid"/>
-                    </a:lnTlToBr>
-                    <a:lnBlToTr w="12700" cmpd="sng">
-                      <a:noFill/>
-                      <a:prstDash val="solid"/>
-                    </a:lnBlToTr>
-                    <a:noFill/>
-                  </a:tcPr>
-                </a:tc>
-                <a:extLst>
-                  <a:ext uri="{0D108BD9-81ED-4DB2-BD59-A6C34878D82A}">
-                    <a16:rowId xmlns:a16="http://schemas.microsoft.com/office/drawing/2014/main" val="1736614965"/>
-                  </a:ext>
-                </a:extLst>
-              </a:tr>
-              <a:tr h="0">
-                <a:tc vMerge="1">
-                  <a:txBody>
-                    <a:bodyPr/>
-                    <a:lstStyle/>
-                    <a:p>
-                      <a:pPr latinLnBrk="1"/>
-                      <a:endParaRPr lang="ko-KR" altLang="en-US"/>
-                    </a:p>
-                  </a:txBody>
-                  <a:tcPr/>
-                </a:tc>
-                <a:tc>
-                  <a:txBody>
-                    <a:bodyPr/>
-                    <a:lstStyle/>
-                    <a:p>
-                      <a:pPr algn="ctr" latinLnBrk="1"/>
-                      <a:r>
-                        <a:rPr lang="ko-KR" altLang="en-US" sz="1000" b="0" dirty="0">
-                          <a:solidFill>
-                            <a:schemeClr val="tx1"/>
-                          </a:solidFill>
-                        </a:rPr>
-                        <a:t>변장용 가면</a:t>
-                      </a:r>
-                    </a:p>
-                  </a:txBody>
-                  <a:tcPr anchor="ctr">
-                    <a:lnL w="12700" cap="flat" cmpd="sng" algn="ctr">
-                      <a:solidFill>
-                        <a:schemeClr val="tx1"/>
-                      </a:solidFill>
-                      <a:prstDash val="solid"/>
-                      <a:round/>
-                      <a:headEnd type="none" w="med" len="med"/>
-                      <a:tailEnd type="none" w="med" len="med"/>
-                    </a:lnL>
-                    <a:lnR w="12700" cap="flat" cmpd="sng" algn="ctr">
-                      <a:solidFill>
-                        <a:schemeClr val="tx1"/>
-                      </a:solidFill>
-                      <a:prstDash val="solid"/>
-                      <a:round/>
-                      <a:headEnd type="none" w="med" len="med"/>
-                      <a:tailEnd type="none" w="med" len="med"/>
-                    </a:lnR>
-                    <a:lnT w="12700" cap="flat" cmpd="sng" algn="ctr">
-                      <a:solidFill>
-                        <a:schemeClr val="tx1"/>
-                      </a:solidFill>
-                      <a:prstDash val="solid"/>
-                      <a:round/>
-                      <a:headEnd type="none" w="med" len="med"/>
-                      <a:tailEnd type="none" w="med" len="med"/>
-                    </a:lnT>
-                    <a:lnB w="12700" cap="flat" cmpd="sng" algn="ctr">
-                      <a:solidFill>
-                        <a:schemeClr val="tx1"/>
-                      </a:solidFill>
-                      <a:prstDash val="solid"/>
-                      <a:round/>
-                      <a:headEnd type="none" w="med" len="med"/>
-                      <a:tailEnd type="none" w="med" len="med"/>
-                    </a:lnB>
-                    <a:lnTlToBr w="12700" cmpd="sng">
-                      <a:noFill/>
-                      <a:prstDash val="solid"/>
-                    </a:lnTlToBr>
-                    <a:lnBlToTr w="12700" cmpd="sng">
-                      <a:noFill/>
-                      <a:prstDash val="solid"/>
-                    </a:lnBlToTr>
-                    <a:noFill/>
-                  </a:tcPr>
-                </a:tc>
-                <a:tc>
-                  <a:txBody>
-                    <a:bodyPr/>
-                    <a:lstStyle/>
-                    <a:p>
-                      <a:pPr marL="0" marR="0" lvl="0" indent="0" algn="l" defTabSz="914400" rtl="0" eaLnBrk="1" fontAlgn="auto" latinLnBrk="1" hangingPunct="1">
-                        <a:lnSpc>
-                          <a:spcPct val="100000"/>
-                        </a:lnSpc>
-                        <a:spcBef>
-                          <a:spcPts val="0"/>
-                        </a:spcBef>
-                        <a:spcAft>
-                          <a:spcPts val="0"/>
-                        </a:spcAft>
-                        <a:buClrTx/>
-                        <a:buSzTx/>
-                        <a:buFontTx/>
-                        <a:buNone/>
-                        <a:tabLst/>
-                        <a:defRPr/>
-                      </a:pPr>
-                      <a:r>
-                        <a:rPr lang="ko-KR" altLang="en-US" sz="1000" b="0" dirty="0">
-                          <a:solidFill>
-                            <a:schemeClr val="tx1"/>
-                          </a:solidFill>
-                        </a:rPr>
-                        <a:t>가장 보편적인 변장 도구</a:t>
-                      </a:r>
-                      <a:r>
-                        <a:rPr lang="en-US" altLang="ko-KR" sz="1000" b="0" dirty="0">
-                          <a:solidFill>
-                            <a:schemeClr val="tx1"/>
-                          </a:solidFill>
-                        </a:rPr>
-                        <a:t>. </a:t>
-                      </a:r>
-                    </a:p>
-                    <a:p>
-                      <a:pPr marL="0" marR="0" lvl="0" indent="0" algn="l" defTabSz="914400" rtl="0" eaLnBrk="1" fontAlgn="auto" latinLnBrk="1" hangingPunct="1">
-                        <a:lnSpc>
-                          <a:spcPct val="100000"/>
-                        </a:lnSpc>
-                        <a:spcBef>
-                          <a:spcPts val="0"/>
-                        </a:spcBef>
-                        <a:spcAft>
-                          <a:spcPts val="0"/>
-                        </a:spcAft>
-                        <a:buClrTx/>
-                        <a:buSzTx/>
-                        <a:buFontTx/>
-                        <a:buNone/>
-                        <a:tabLst/>
-                        <a:defRPr/>
-                      </a:pPr>
-                      <a:r>
-                        <a:rPr lang="ko-KR" altLang="en-US" sz="1000" b="0" dirty="0">
-                          <a:solidFill>
-                            <a:schemeClr val="tx1"/>
-                          </a:solidFill>
-                        </a:rPr>
-                        <a:t>세력 우호도를 </a:t>
-                      </a:r>
-                      <a:r>
-                        <a:rPr lang="en-US" altLang="ko-KR" sz="1000" b="0" dirty="0">
-                          <a:solidFill>
-                            <a:schemeClr val="tx1"/>
-                          </a:solidFill>
-                        </a:rPr>
-                        <a:t>0</a:t>
-                      </a:r>
-                      <a:r>
-                        <a:rPr lang="ko-KR" altLang="en-US" sz="1000" b="0" dirty="0">
-                          <a:solidFill>
-                            <a:schemeClr val="tx1"/>
-                          </a:solidFill>
-                        </a:rPr>
-                        <a:t>에 가깝게 조절할 수 있다</a:t>
-                      </a:r>
-                      <a:r>
-                        <a:rPr lang="en-US" altLang="ko-KR" sz="1000" b="0" dirty="0">
-                          <a:solidFill>
-                            <a:schemeClr val="tx1"/>
-                          </a:solidFill>
-                        </a:rPr>
-                        <a:t>.</a:t>
-                      </a:r>
-                    </a:p>
-                  </a:txBody>
-                  <a:tcPr anchor="ctr">
-                    <a:lnL w="12700" cap="flat" cmpd="sng" algn="ctr">
-                      <a:solidFill>
-                        <a:schemeClr val="tx1"/>
-                      </a:solidFill>
-                      <a:prstDash val="solid"/>
-                      <a:round/>
-                      <a:headEnd type="none" w="med" len="med"/>
-                      <a:tailEnd type="none" w="med" len="med"/>
-                    </a:lnL>
-                    <a:lnR w="12700" cap="flat" cmpd="sng" algn="ctr">
-                      <a:noFill/>
-                      <a:prstDash val="solid"/>
-                      <a:round/>
-                      <a:headEnd type="none" w="med" len="med"/>
-                      <a:tailEnd type="none" w="med" len="med"/>
-                    </a:lnR>
-                    <a:lnT w="12700" cap="flat" cmpd="sng" algn="ctr">
-                      <a:solidFill>
-                        <a:schemeClr val="tx1"/>
-                      </a:solidFill>
-                      <a:prstDash val="solid"/>
-                      <a:round/>
-                      <a:headEnd type="none" w="med" len="med"/>
-                      <a:tailEnd type="none" w="med" len="med"/>
-                    </a:lnT>
-                    <a:lnB w="12700" cap="flat" cmpd="sng" algn="ctr">
-                      <a:solidFill>
-                        <a:schemeClr val="tx1"/>
-                      </a:solidFill>
-                      <a:prstDash val="solid"/>
-                      <a:round/>
-                      <a:headEnd type="none" w="med" len="med"/>
-                      <a:tailEnd type="none" w="med" len="med"/>
-                    </a:lnB>
-                    <a:lnTlToBr w="12700" cmpd="sng">
-                      <a:noFill/>
-                      <a:prstDash val="solid"/>
-                    </a:lnTlToBr>
-                    <a:lnBlToTr w="12700" cmpd="sng">
-                      <a:noFill/>
-                      <a:prstDash val="solid"/>
-                    </a:lnBlToTr>
-                    <a:noFill/>
-                  </a:tcPr>
-                </a:tc>
-                <a:extLst>
-                  <a:ext uri="{0D108BD9-81ED-4DB2-BD59-A6C34878D82A}">
-                    <a16:rowId xmlns:a16="http://schemas.microsoft.com/office/drawing/2014/main" val="515395742"/>
-                  </a:ext>
-                </a:extLst>
-              </a:tr>
-              <a:tr h="0">
-                <a:tc vMerge="1">
-                  <a:txBody>
-                    <a:bodyPr/>
-                    <a:lstStyle/>
-                    <a:p>
-                      <a:pPr latinLnBrk="1"/>
-                      <a:endParaRPr lang="ko-KR" altLang="en-US"/>
-                    </a:p>
-                  </a:txBody>
-                  <a:tcPr/>
-                </a:tc>
-                <a:tc>
-                  <a:txBody>
-                    <a:bodyPr/>
-                    <a:lstStyle/>
-                    <a:p>
-                      <a:pPr algn="ctr" latinLnBrk="1"/>
-                      <a:r>
-                        <a:rPr lang="ko-KR" altLang="en-US" sz="1000" b="0" dirty="0" err="1">
-                          <a:solidFill>
-                            <a:schemeClr val="tx1"/>
-                          </a:solidFill>
-                        </a:rPr>
-                        <a:t>마기</a:t>
-                      </a:r>
-                      <a:r>
-                        <a:rPr lang="en-US" altLang="ko-KR" sz="1000" b="0" dirty="0">
-                          <a:solidFill>
-                            <a:schemeClr val="tx1"/>
-                          </a:solidFill>
-                        </a:rPr>
-                        <a:t>/</a:t>
-                      </a:r>
-                      <a:r>
-                        <a:rPr lang="ko-KR" altLang="en-US" sz="1000" b="0" dirty="0">
-                          <a:solidFill>
-                            <a:schemeClr val="tx1"/>
-                          </a:solidFill>
-                        </a:rPr>
-                        <a:t>혈기 억제 장신구</a:t>
-                      </a:r>
-                      <a:endParaRPr lang="en-US" altLang="ko-KR" sz="1000" b="0" dirty="0">
-                        <a:solidFill>
-                          <a:schemeClr val="tx1"/>
-                        </a:solidFill>
-                      </a:endParaRPr>
-                    </a:p>
-                    <a:p>
-                      <a:pPr algn="ctr" latinLnBrk="1"/>
-                      <a:r>
-                        <a:rPr lang="en-US" altLang="ko-KR" sz="800" b="0" dirty="0">
-                          <a:solidFill>
-                            <a:schemeClr val="tx1"/>
-                          </a:solidFill>
-                        </a:rPr>
-                        <a:t>(</a:t>
-                      </a:r>
-                      <a:r>
-                        <a:rPr lang="ko-KR" altLang="en-US" sz="800" b="0" dirty="0">
-                          <a:solidFill>
-                            <a:schemeClr val="tx1"/>
-                          </a:solidFill>
-                        </a:rPr>
-                        <a:t>팔찌</a:t>
-                      </a:r>
-                      <a:r>
-                        <a:rPr lang="en-US" altLang="ko-KR" sz="800" b="0" dirty="0">
-                          <a:solidFill>
-                            <a:schemeClr val="tx1"/>
-                          </a:solidFill>
-                        </a:rPr>
-                        <a:t>/</a:t>
-                      </a:r>
-                      <a:r>
-                        <a:rPr lang="ko-KR" altLang="en-US" sz="800" b="0" dirty="0">
-                          <a:solidFill>
-                            <a:schemeClr val="tx1"/>
-                          </a:solidFill>
-                        </a:rPr>
-                        <a:t>반지</a:t>
-                      </a:r>
-                      <a:r>
-                        <a:rPr lang="en-US" altLang="ko-KR" sz="800" b="0" dirty="0">
-                          <a:solidFill>
-                            <a:schemeClr val="tx1"/>
-                          </a:solidFill>
-                        </a:rPr>
-                        <a:t>/</a:t>
-                      </a:r>
-                      <a:r>
-                        <a:rPr lang="ko-KR" altLang="en-US" sz="800" b="0" dirty="0">
-                          <a:solidFill>
-                            <a:schemeClr val="tx1"/>
-                          </a:solidFill>
-                        </a:rPr>
-                        <a:t>귀걸이</a:t>
-                      </a:r>
-                      <a:r>
-                        <a:rPr lang="en-US" altLang="ko-KR" sz="800" b="0" dirty="0">
-                          <a:solidFill>
-                            <a:schemeClr val="tx1"/>
-                          </a:solidFill>
-                        </a:rPr>
-                        <a:t>)</a:t>
-                      </a:r>
-                      <a:endParaRPr lang="ko-KR" altLang="en-US" sz="800" b="0" dirty="0">
-                        <a:solidFill>
-                          <a:schemeClr val="tx1"/>
-                        </a:solidFill>
-                      </a:endParaRPr>
-                    </a:p>
-                  </a:txBody>
-                  <a:tcPr anchor="ctr">
-                    <a:lnL w="12700" cap="flat" cmpd="sng" algn="ctr">
-                      <a:solidFill>
-                        <a:schemeClr val="tx1"/>
-                      </a:solidFill>
-                      <a:prstDash val="solid"/>
-                      <a:round/>
-                      <a:headEnd type="none" w="med" len="med"/>
-                      <a:tailEnd type="none" w="med" len="med"/>
-                    </a:lnL>
-                    <a:lnR w="12700" cap="flat" cmpd="sng" algn="ctr">
-                      <a:solidFill>
-                        <a:schemeClr val="tx1"/>
-                      </a:solidFill>
-                      <a:prstDash val="solid"/>
-                      <a:round/>
-                      <a:headEnd type="none" w="med" len="med"/>
-                      <a:tailEnd type="none" w="med" len="med"/>
-                    </a:lnR>
-                    <a:lnT w="12700" cap="flat" cmpd="sng" algn="ctr">
-                      <a:solidFill>
-                        <a:schemeClr val="tx1"/>
-                      </a:solidFill>
-                      <a:prstDash val="solid"/>
-                      <a:round/>
-                      <a:headEnd type="none" w="med" len="med"/>
-                      <a:tailEnd type="none" w="med" len="med"/>
-                    </a:lnT>
-                    <a:lnB w="12700" cap="flat" cmpd="sng" algn="ctr">
-                      <a:solidFill>
-                        <a:schemeClr val="tx1"/>
-                      </a:solidFill>
-                      <a:prstDash val="solid"/>
-                      <a:round/>
-                      <a:headEnd type="none" w="med" len="med"/>
-                      <a:tailEnd type="none" w="med" len="med"/>
-                    </a:lnB>
-                    <a:lnTlToBr w="12700" cmpd="sng">
-                      <a:noFill/>
-                      <a:prstDash val="solid"/>
-                    </a:lnTlToBr>
-                    <a:lnBlToTr w="12700" cmpd="sng">
-                      <a:noFill/>
-                      <a:prstDash val="solid"/>
-                    </a:lnBlToTr>
-                    <a:noFill/>
-                  </a:tcPr>
-                </a:tc>
-                <a:tc>
-                  <a:txBody>
-                    <a:bodyPr/>
-                    <a:lstStyle/>
-                    <a:p>
-                      <a:pPr algn="l" latinLnBrk="1"/>
-                      <a:r>
-                        <a:rPr lang="ko-KR" altLang="en-US" sz="1000" b="0" dirty="0">
-                          <a:solidFill>
-                            <a:schemeClr val="tx1"/>
-                          </a:solidFill>
-                        </a:rPr>
-                        <a:t>착용하는 것으로 일정량을 </a:t>
-                      </a:r>
-                      <a:r>
-                        <a:rPr lang="ko-KR" altLang="en-US" sz="1000" b="0" dirty="0" err="1">
-                          <a:solidFill>
-                            <a:schemeClr val="tx1"/>
-                          </a:solidFill>
-                        </a:rPr>
-                        <a:t>마기</a:t>
-                      </a:r>
-                      <a:r>
-                        <a:rPr lang="en-US" altLang="ko-KR" sz="1000" b="0" dirty="0">
-                          <a:solidFill>
-                            <a:schemeClr val="tx1"/>
-                          </a:solidFill>
-                        </a:rPr>
-                        <a:t>/</a:t>
-                      </a:r>
-                      <a:r>
-                        <a:rPr lang="ko-KR" altLang="en-US" sz="1000" b="0" dirty="0">
-                          <a:solidFill>
-                            <a:schemeClr val="tx1"/>
-                          </a:solidFill>
-                        </a:rPr>
-                        <a:t>혈기를 감출 수 있는 도구 다수를 착용하는 </a:t>
-                      </a:r>
-                      <a:endParaRPr lang="en-US" altLang="ko-KR" sz="1000" b="0" dirty="0">
-                        <a:solidFill>
-                          <a:schemeClr val="tx1"/>
-                        </a:solidFill>
-                      </a:endParaRPr>
-                    </a:p>
-                    <a:p>
-                      <a:pPr algn="l" latinLnBrk="1"/>
-                      <a:r>
-                        <a:rPr lang="ko-KR" altLang="en-US" sz="1000" b="0" dirty="0">
-                          <a:solidFill>
-                            <a:schemeClr val="tx1"/>
-                          </a:solidFill>
-                        </a:rPr>
-                        <a:t>것으로 효과를 중첩할 수 있다</a:t>
-                      </a:r>
-                      <a:r>
-                        <a:rPr lang="en-US" altLang="ko-KR" sz="1000" b="0" dirty="0">
-                          <a:solidFill>
-                            <a:schemeClr val="tx1"/>
-                          </a:solidFill>
-                        </a:rPr>
-                        <a:t>.</a:t>
-                      </a:r>
-                    </a:p>
-                  </a:txBody>
-                  <a:tcPr anchor="ctr">
-                    <a:lnL w="12700" cap="flat" cmpd="sng" algn="ctr">
-                      <a:solidFill>
-                        <a:schemeClr val="tx1"/>
-                      </a:solidFill>
-                      <a:prstDash val="solid"/>
-                      <a:round/>
-                      <a:headEnd type="none" w="med" len="med"/>
-                      <a:tailEnd type="none" w="med" len="med"/>
-                    </a:lnL>
-                    <a:lnR w="12700" cap="flat" cmpd="sng" algn="ctr">
-                      <a:noFill/>
-                      <a:prstDash val="solid"/>
-                      <a:round/>
-                      <a:headEnd type="none" w="med" len="med"/>
-                      <a:tailEnd type="none" w="med" len="med"/>
-                    </a:lnR>
-                    <a:lnT w="12700" cap="flat" cmpd="sng" algn="ctr">
-                      <a:solidFill>
-                        <a:schemeClr val="tx1"/>
-                      </a:solidFill>
-                      <a:prstDash val="solid"/>
-                      <a:round/>
-                      <a:headEnd type="none" w="med" len="med"/>
-                      <a:tailEnd type="none" w="med" len="med"/>
-                    </a:lnT>
-                    <a:lnB w="12700" cap="flat" cmpd="sng" algn="ctr">
-                      <a:solidFill>
-                        <a:schemeClr val="tx1"/>
-                      </a:solidFill>
-                      <a:prstDash val="solid"/>
-                      <a:round/>
-                      <a:headEnd type="none" w="med" len="med"/>
-                      <a:tailEnd type="none" w="med" len="med"/>
-                    </a:lnB>
-                    <a:lnTlToBr w="12700" cmpd="sng">
-                      <a:noFill/>
-                      <a:prstDash val="solid"/>
-                    </a:lnTlToBr>
-                    <a:lnBlToTr w="12700" cmpd="sng">
-                      <a:noFill/>
-                      <a:prstDash val="solid"/>
-                    </a:lnBlToTr>
-                    <a:noFill/>
-                  </a:tcPr>
-                </a:tc>
-                <a:extLst>
-                  <a:ext uri="{0D108BD9-81ED-4DB2-BD59-A6C34878D82A}">
-                    <a16:rowId xmlns:a16="http://schemas.microsoft.com/office/drawing/2014/main" val="116064646"/>
-                  </a:ext>
-                </a:extLst>
-              </a:tr>
-              <a:tr h="0">
-                <a:tc>
-                  <a:txBody>
-                    <a:bodyPr/>
-                    <a:lstStyle/>
-                    <a:p>
-                      <a:pPr algn="ctr" latinLnBrk="1"/>
-                      <a:r>
-                        <a:rPr lang="ko-KR" altLang="en-US" sz="1000" b="0" dirty="0">
-                          <a:solidFill>
-                            <a:schemeClr val="tx1"/>
-                          </a:solidFill>
-                        </a:rPr>
-                        <a:t>패시브 </a:t>
-                      </a:r>
-                      <a:endParaRPr lang="en-US" altLang="ko-KR" sz="1000" b="0" dirty="0">
-                        <a:solidFill>
-                          <a:schemeClr val="tx1"/>
-                        </a:solidFill>
-                      </a:endParaRPr>
-                    </a:p>
-                    <a:p>
-                      <a:pPr algn="ctr" latinLnBrk="1"/>
-                      <a:r>
-                        <a:rPr lang="ko-KR" altLang="en-US" sz="1000" b="0" dirty="0">
-                          <a:solidFill>
-                            <a:schemeClr val="tx1"/>
-                          </a:solidFill>
-                        </a:rPr>
-                        <a:t>스킬</a:t>
-                      </a:r>
-                    </a:p>
-                  </a:txBody>
-                  <a:tcPr anchor="ctr">
-                    <a:lnL w="12700" cap="flat" cmpd="sng" algn="ctr">
-                      <a:noFill/>
-                      <a:prstDash val="solid"/>
-                      <a:round/>
-                      <a:headEnd type="none" w="med" len="med"/>
-                      <a:tailEnd type="none" w="med" len="med"/>
-                    </a:lnL>
-                    <a:lnR w="12700" cap="flat" cmpd="sng" algn="ctr">
-                      <a:solidFill>
-                        <a:schemeClr val="tx1"/>
-                      </a:solidFill>
-                      <a:prstDash val="solid"/>
-                      <a:round/>
-                      <a:headEnd type="none" w="med" len="med"/>
-                      <a:tailEnd type="none" w="med" len="med"/>
-                    </a:lnR>
-                    <a:lnT w="12700" cap="flat" cmpd="sng" algn="ctr">
-                      <a:solidFill>
-                        <a:schemeClr val="tx1"/>
-                      </a:solidFill>
-                      <a:prstDash val="solid"/>
-                      <a:round/>
-                      <a:headEnd type="none" w="med" len="med"/>
-                      <a:tailEnd type="none" w="med" len="med"/>
-                    </a:lnT>
-                    <a:lnB w="12700" cap="flat" cmpd="sng" algn="ctr">
-                      <a:noFill/>
-                      <a:prstDash val="solid"/>
-                      <a:round/>
-                      <a:headEnd type="none" w="med" len="med"/>
-                      <a:tailEnd type="none" w="med" len="med"/>
-                    </a:lnB>
-                    <a:lnTlToBr w="12700" cmpd="sng">
-                      <a:noFill/>
-                      <a:prstDash val="solid"/>
-                    </a:lnTlToBr>
-                    <a:lnBlToTr w="12700" cmpd="sng">
-                      <a:noFill/>
-                      <a:prstDash val="solid"/>
-                    </a:lnBlToTr>
-                    <a:noFill/>
-                  </a:tcPr>
-                </a:tc>
-                <a:tc>
-                  <a:txBody>
-                    <a:bodyPr/>
-                    <a:lstStyle/>
-                    <a:p>
-                      <a:pPr algn="ctr" latinLnBrk="1"/>
-                      <a:r>
-                        <a:rPr lang="ko-KR" altLang="en-US" sz="1000" b="0" dirty="0" err="1">
-                          <a:solidFill>
-                            <a:schemeClr val="tx1"/>
-                          </a:solidFill>
-                        </a:rPr>
-                        <a:t>마기</a:t>
-                      </a:r>
-                      <a:r>
-                        <a:rPr lang="en-US" altLang="ko-KR" sz="1000" b="0" dirty="0">
-                          <a:solidFill>
-                            <a:schemeClr val="tx1"/>
-                          </a:solidFill>
-                        </a:rPr>
-                        <a:t>/</a:t>
-                      </a:r>
-                      <a:r>
-                        <a:rPr lang="ko-KR" altLang="en-US" sz="1000" b="0" dirty="0">
-                          <a:solidFill>
-                            <a:schemeClr val="tx1"/>
-                          </a:solidFill>
-                        </a:rPr>
-                        <a:t>혈기 제어</a:t>
-                      </a:r>
-                    </a:p>
-                  </a:txBody>
-                  <a:tcPr anchor="ctr">
-                    <a:lnL w="12700" cap="flat" cmpd="sng" algn="ctr">
-                      <a:solidFill>
-                        <a:schemeClr val="tx1"/>
-                      </a:solidFill>
-                      <a:prstDash val="solid"/>
-                      <a:round/>
-                      <a:headEnd type="none" w="med" len="med"/>
-                      <a:tailEnd type="none" w="med" len="med"/>
-                    </a:lnL>
-                    <a:lnR w="12700" cap="flat" cmpd="sng" algn="ctr">
-                      <a:solidFill>
-                        <a:schemeClr val="tx1"/>
-                      </a:solidFill>
-                      <a:prstDash val="solid"/>
-                      <a:round/>
-                      <a:headEnd type="none" w="med" len="med"/>
-                      <a:tailEnd type="none" w="med" len="med"/>
-                    </a:lnR>
-                    <a:lnT w="12700" cap="flat" cmpd="sng" algn="ctr">
-                      <a:solidFill>
-                        <a:schemeClr val="tx1"/>
-                      </a:solidFill>
-                      <a:prstDash val="solid"/>
-                      <a:round/>
-                      <a:headEnd type="none" w="med" len="med"/>
-                      <a:tailEnd type="none" w="med" len="med"/>
-                    </a:lnT>
-                    <a:lnB w="12700" cap="flat" cmpd="sng" algn="ctr">
-                      <a:noFill/>
-                      <a:prstDash val="solid"/>
-                      <a:round/>
-                      <a:headEnd type="none" w="med" len="med"/>
-                      <a:tailEnd type="none" w="med" len="med"/>
-                    </a:lnB>
-                    <a:lnTlToBr w="12700" cmpd="sng">
-                      <a:noFill/>
-                      <a:prstDash val="solid"/>
-                    </a:lnTlToBr>
-                    <a:lnBlToTr w="12700" cmpd="sng">
-                      <a:noFill/>
-                      <a:prstDash val="solid"/>
-                    </a:lnBlToTr>
-                    <a:noFill/>
-                  </a:tcPr>
-                </a:tc>
-                <a:tc>
-                  <a:txBody>
-                    <a:bodyPr/>
-                    <a:lstStyle/>
-                    <a:p>
-                      <a:pPr algn="l" latinLnBrk="1"/>
-                      <a:r>
-                        <a:rPr lang="ko-KR" altLang="en-US" sz="1000" b="0" dirty="0">
-                          <a:solidFill>
-                            <a:schemeClr val="tx1"/>
-                          </a:solidFill>
-                        </a:rPr>
-                        <a:t>몸에서 나오는 </a:t>
-                      </a:r>
-                      <a:r>
-                        <a:rPr lang="ko-KR" altLang="en-US" sz="1000" b="0" dirty="0" err="1">
-                          <a:solidFill>
-                            <a:schemeClr val="tx1"/>
-                          </a:solidFill>
-                        </a:rPr>
-                        <a:t>마기</a:t>
-                      </a:r>
-                      <a:r>
-                        <a:rPr lang="en-US" altLang="ko-KR" sz="1000" b="0" dirty="0">
-                          <a:solidFill>
-                            <a:schemeClr val="tx1"/>
-                          </a:solidFill>
-                        </a:rPr>
-                        <a:t>/</a:t>
-                      </a:r>
-                      <a:r>
-                        <a:rPr lang="ko-KR" altLang="en-US" sz="1000" b="0" dirty="0">
-                          <a:solidFill>
-                            <a:schemeClr val="tx1"/>
-                          </a:solidFill>
-                        </a:rPr>
-                        <a:t>혈기를</a:t>
-                      </a:r>
-                      <a:r>
-                        <a:rPr lang="en-US" altLang="ko-KR" sz="1000" b="0" dirty="0">
-                          <a:solidFill>
-                            <a:schemeClr val="tx1"/>
-                          </a:solidFill>
-                        </a:rPr>
-                        <a:t> </a:t>
-                      </a:r>
-                      <a:r>
-                        <a:rPr lang="ko-KR" altLang="en-US" sz="1000" b="0" dirty="0">
-                          <a:solidFill>
-                            <a:schemeClr val="tx1"/>
-                          </a:solidFill>
-                        </a:rPr>
-                        <a:t>제어 하여 감춘다</a:t>
-                      </a:r>
-                      <a:r>
-                        <a:rPr lang="en-US" altLang="ko-KR" sz="1000" b="0" dirty="0">
-                          <a:solidFill>
-                            <a:schemeClr val="tx1"/>
-                          </a:solidFill>
-                        </a:rPr>
-                        <a:t>.</a:t>
-                      </a:r>
-                      <a:endParaRPr lang="ko-KR" altLang="en-US" sz="1000" b="0" dirty="0">
-                        <a:solidFill>
-                          <a:schemeClr val="tx1"/>
-                        </a:solidFill>
-                      </a:endParaRPr>
-                    </a:p>
-                  </a:txBody>
-                  <a:tcPr anchor="ctr">
-                    <a:lnL w="12700" cap="flat" cmpd="sng" algn="ctr">
-                      <a:solidFill>
-                        <a:schemeClr val="tx1"/>
-                      </a:solidFill>
-                      <a:prstDash val="solid"/>
-                      <a:round/>
-                      <a:headEnd type="none" w="med" len="med"/>
-                      <a:tailEnd type="none" w="med" len="med"/>
-                    </a:lnL>
-                    <a:lnR w="12700" cap="flat" cmpd="sng" algn="ctr">
-                      <a:noFill/>
-                      <a:prstDash val="solid"/>
-                      <a:round/>
-                      <a:headEnd type="none" w="med" len="med"/>
-                      <a:tailEnd type="none" w="med" len="med"/>
-                    </a:lnR>
-                    <a:lnT w="12700" cap="flat" cmpd="sng" algn="ctr">
-                      <a:solidFill>
-                        <a:schemeClr val="tx1"/>
-                      </a:solidFill>
-                      <a:prstDash val="solid"/>
-                      <a:round/>
-                      <a:headEnd type="none" w="med" len="med"/>
-                      <a:tailEnd type="none" w="med" len="med"/>
-                    </a:lnT>
-                    <a:lnB w="12700" cap="flat" cmpd="sng" algn="ctr">
-                      <a:noFill/>
-                      <a:prstDash val="solid"/>
-                      <a:round/>
-                      <a:headEnd type="none" w="med" len="med"/>
-                      <a:tailEnd type="none" w="med" len="med"/>
-                    </a:lnB>
-                    <a:lnTlToBr w="12700" cmpd="sng">
-                      <a:noFill/>
-                      <a:prstDash val="solid"/>
-                    </a:lnTlToBr>
-                    <a:lnBlToTr w="12700" cmpd="sng">
-                      <a:noFill/>
-                      <a:prstDash val="solid"/>
-                    </a:lnBlToTr>
-                    <a:noFill/>
-                  </a:tcPr>
-                </a:tc>
-                <a:extLst>
-                  <a:ext uri="{0D108BD9-81ED-4DB2-BD59-A6C34878D82A}">
-                    <a16:rowId xmlns:a16="http://schemas.microsoft.com/office/drawing/2014/main" val="1470306946"/>
-                  </a:ext>
-                </a:extLst>
-              </a:tr>
-            </a:tbl>
-          </a:graphicData>
-        </a:graphic>
-      </p:graphicFrame>
+          <p:cNvPicPr>
+            <a:picLocks noChangeAspect="1" noChangeArrowheads="1"/>
+          </p:cNvPicPr>
+          <p:nvPr/>
+        </p:nvPicPr>
+        <p:blipFill>
+          <a:blip r:embed="rId2" cstate="print">
+            <a:extLst>
+              <a:ext uri="{28A0092B-C50C-407E-A947-70E740481C1C}">
+                <a14:useLocalDpi xmlns:a14="http://schemas.microsoft.com/office/drawing/2010/main" val="0"/>
+              </a:ext>
+            </a:extLst>
+          </a:blip>
+          <a:srcRect/>
+          <a:stretch>
+            <a:fillRect/>
+          </a:stretch>
+        </p:blipFill>
+        <p:spPr bwMode="auto">
+          <a:xfrm>
+            <a:off x="2498910" y="1612575"/>
+            <a:ext cx="3381067" cy="3632849"/>
+          </a:xfrm>
+          <a:prstGeom prst="rect">
+            <a:avLst/>
+          </a:prstGeom>
+          <a:noFill/>
+          <a:extLst>
+            <a:ext uri="{909E8E84-426E-40DD-AFC4-6F175D3DCCD1}">
+              <a14:hiddenFill xmlns:a14="http://schemas.microsoft.com/office/drawing/2010/main">
+                <a:solidFill>
+                  <a:srgbClr val="FFFFFF"/>
+                </a:solidFill>
+              </a14:hiddenFill>
+            </a:ext>
+          </a:extLst>
+        </p:spPr>
+      </p:pic>
+      <p:pic>
+        <p:nvPicPr>
+          <p:cNvPr id="1034" name="Picture 10">
+            <a:extLst>
+              <a:ext uri="{FF2B5EF4-FFF2-40B4-BE49-F238E27FC236}">
+                <a16:creationId xmlns:a16="http://schemas.microsoft.com/office/drawing/2014/main" id="{604F474E-4298-5B79-55F4-CF5B3AF80C2B}"/>
+              </a:ext>
+            </a:extLst>
+          </p:cNvPr>
+          <p:cNvPicPr>
+            <a:picLocks noChangeAspect="1" noChangeArrowheads="1"/>
+          </p:cNvPicPr>
+          <p:nvPr/>
+        </p:nvPicPr>
+        <p:blipFill>
+          <a:blip r:embed="rId3" cstate="print">
+            <a:extLst>
+              <a:ext uri="{28A0092B-C50C-407E-A947-70E740481C1C}">
+                <a14:useLocalDpi xmlns:a14="http://schemas.microsoft.com/office/drawing/2010/main" val="0"/>
+              </a:ext>
+            </a:extLst>
+          </a:blip>
+          <a:srcRect/>
+          <a:stretch>
+            <a:fillRect/>
+          </a:stretch>
+        </p:blipFill>
+        <p:spPr bwMode="auto">
+          <a:xfrm>
+            <a:off x="6312024" y="1254507"/>
+            <a:ext cx="4040495" cy="5311393"/>
+          </a:xfrm>
+          <a:prstGeom prst="rect">
+            <a:avLst/>
+          </a:prstGeom>
+          <a:noFill/>
+          <a:extLst>
+            <a:ext uri="{909E8E84-426E-40DD-AFC4-6F175D3DCCD1}">
+              <a14:hiddenFill xmlns:a14="http://schemas.microsoft.com/office/drawing/2010/main">
+                <a:solidFill>
+                  <a:srgbClr val="FFFFFF"/>
+                </a:solidFill>
+              </a14:hiddenFill>
+            </a:ext>
+          </a:extLst>
+        </p:spPr>
+      </p:pic>
     </p:spTree>
     <p:extLst>
       <p:ext uri="{BB962C8B-B14F-4D97-AF65-F5344CB8AC3E}">
-        <p14:creationId xmlns:p14="http://schemas.microsoft.com/office/powerpoint/2010/main" val="1344597457"/>
+        <p14:creationId xmlns:p14="http://schemas.microsoft.com/office/powerpoint/2010/main" val="1800327048"/>
       </p:ext>
     </p:extLst>
   </p:cSld>
